--- a/NYSE Analysis With MySQL.pptx
+++ b/NYSE Analysis With MySQL.pptx
@@ -2,12 +2,18 @@
 <file path=ppt/presentation.xml><?xml version="1.0" encoding="utf-8"?>
 <p:presentation xmlns:a="http://schemas.openxmlformats.org/drawingml/2006/main" xmlns:r="http://schemas.openxmlformats.org/officeDocument/2006/relationships" xmlns:p="http://schemas.openxmlformats.org/presentationml/2006/main" saveSubsetFonts="1" autoCompressPictures="0">
   <p:sldMasterIdLst>
-    <p:sldMasterId id="2147483648" r:id="rId1"/>
+    <p:sldMasterId id="2147483680" r:id="rId1"/>
   </p:sldMasterIdLst>
   <p:sldIdLst>
     <p:sldId id="256" r:id="rId2"/>
     <p:sldId id="257" r:id="rId3"/>
-    <p:sldId id="258" r:id="rId4"/>
+    <p:sldId id="259" r:id="rId4"/>
+    <p:sldId id="260" r:id="rId5"/>
+    <p:sldId id="264" r:id="rId6"/>
+    <p:sldId id="258" r:id="rId7"/>
+    <p:sldId id="265" r:id="rId8"/>
+    <p:sldId id="266" r:id="rId9"/>
+    <p:sldId id="267" r:id="rId10"/>
   </p:sldIdLst>
   <p:sldSz cx="12192000" cy="6858000"/>
   <p:notesSz cx="6858000" cy="9144000"/>
@@ -106,11 +112,20 @@
       </a:defRPr>
     </a:lvl9pPr>
   </p:defaultTextStyle>
+  <p:extLst>
+    <p:ext uri="{EFAFB233-063F-42B5-8137-9DF3F51BA10A}">
+      <p15:sldGuideLst xmlns:p15="http://schemas.microsoft.com/office/powerpoint/2012/main"/>
+    </p:ext>
+  </p:extLst>
 </p:presentation>
 </file>
 
+<file path=ppt/revisionInfo.xml><?xml version="1.0" encoding="utf-8"?>
+<p1510:revInfo xmlns:a="http://schemas.openxmlformats.org/drawingml/2006/main" xmlns:r="http://schemas.openxmlformats.org/officeDocument/2006/relationships" xmlns:p1510="http://schemas.microsoft.com/office/powerpoint/2015/10/main"/>
+</file>
+
 <file path=ppt/slideLayouts/slideLayout1.xml><?xml version="1.0" encoding="utf-8"?>
-<p:sldLayout xmlns:a="http://schemas.openxmlformats.org/drawingml/2006/main" xmlns:r="http://schemas.openxmlformats.org/officeDocument/2006/relationships" xmlns:p="http://schemas.openxmlformats.org/presentationml/2006/main" type="title" preserve="1">
+<p:sldLayout xmlns:a="http://schemas.openxmlformats.org/drawingml/2006/main" xmlns:r="http://schemas.openxmlformats.org/officeDocument/2006/relationships" xmlns:p="http://schemas.openxmlformats.org/presentationml/2006/main" showMasterSp="0" type="title" preserve="1">
   <p:cSld name="Title Slide">
     <p:spTree>
       <p:nvGrpSpPr>
@@ -126,6 +141,319 @@
           <a:chExt cx="0" cy="0"/>
         </a:xfrm>
       </p:grpSpPr>
+      <p:grpSp>
+        <p:nvGrpSpPr>
+          <p:cNvPr id="19" name="Group 18"/>
+          <p:cNvGrpSpPr/>
+          <p:nvPr/>
+        </p:nvGrpSpPr>
+        <p:grpSpPr>
+          <a:xfrm>
+            <a:off x="546100" y="-4763"/>
+            <a:ext cx="5014912" cy="6862763"/>
+            <a:chOff x="2928938" y="-4763"/>
+            <a:chExt cx="5014912" cy="6862763"/>
+          </a:xfrm>
+        </p:grpSpPr>
+        <p:sp>
+          <p:nvSpPr>
+            <p:cNvPr id="22" name="Freeform 6"/>
+            <p:cNvSpPr/>
+            <p:nvPr/>
+          </p:nvSpPr>
+          <p:spPr bwMode="auto">
+            <a:xfrm>
+              <a:off x="3367088" y="-4763"/>
+              <a:ext cx="1063625" cy="2782888"/>
+            </a:xfrm>
+            <a:custGeom>
+              <a:avLst/>
+              <a:gdLst/>
+              <a:ahLst/>
+              <a:cxnLst/>
+              <a:rect l="0" t="0" r="r" b="b"/>
+              <a:pathLst>
+                <a:path w="670" h="1753">
+                  <a:moveTo>
+                    <a:pt x="0" y="1696"/>
+                  </a:moveTo>
+                  <a:lnTo>
+                    <a:pt x="225" y="1753"/>
+                  </a:lnTo>
+                  <a:lnTo>
+                    <a:pt x="670" y="0"/>
+                  </a:lnTo>
+                  <a:lnTo>
+                    <a:pt x="430" y="0"/>
+                  </a:lnTo>
+                  <a:lnTo>
+                    <a:pt x="0" y="1696"/>
+                  </a:lnTo>
+                  <a:close/>
+                </a:path>
+              </a:pathLst>
+            </a:custGeom>
+            <a:solidFill>
+              <a:schemeClr val="accent1"/>
+            </a:solidFill>
+            <a:ln>
+              <a:noFill/>
+            </a:ln>
+          </p:spPr>
+        </p:sp>
+        <p:sp>
+          <p:nvSpPr>
+            <p:cNvPr id="23" name="Freeform 7"/>
+            <p:cNvSpPr/>
+            <p:nvPr/>
+          </p:nvSpPr>
+          <p:spPr bwMode="auto">
+            <a:xfrm>
+              <a:off x="2928938" y="-4763"/>
+              <a:ext cx="1035050" cy="2673350"/>
+            </a:xfrm>
+            <a:custGeom>
+              <a:avLst/>
+              <a:gdLst/>
+              <a:ahLst/>
+              <a:cxnLst/>
+              <a:rect l="0" t="0" r="r" b="b"/>
+              <a:pathLst>
+                <a:path w="652" h="1684">
+                  <a:moveTo>
+                    <a:pt x="225" y="1684"/>
+                  </a:moveTo>
+                  <a:lnTo>
+                    <a:pt x="652" y="0"/>
+                  </a:lnTo>
+                  <a:lnTo>
+                    <a:pt x="411" y="0"/>
+                  </a:lnTo>
+                  <a:lnTo>
+                    <a:pt x="0" y="1627"/>
+                  </a:lnTo>
+                  <a:lnTo>
+                    <a:pt x="219" y="1681"/>
+                  </a:lnTo>
+                  <a:lnTo>
+                    <a:pt x="225" y="1684"/>
+                  </a:lnTo>
+                  <a:close/>
+                </a:path>
+              </a:pathLst>
+            </a:custGeom>
+            <a:solidFill>
+              <a:schemeClr val="tx1">
+                <a:lumMod val="65000"/>
+                <a:lumOff val="35000"/>
+              </a:schemeClr>
+            </a:solidFill>
+            <a:ln>
+              <a:noFill/>
+            </a:ln>
+          </p:spPr>
+        </p:sp>
+        <p:sp>
+          <p:nvSpPr>
+            <p:cNvPr id="24" name="Freeform 9"/>
+            <p:cNvSpPr/>
+            <p:nvPr/>
+          </p:nvSpPr>
+          <p:spPr bwMode="auto">
+            <a:xfrm>
+              <a:off x="2928938" y="2582862"/>
+              <a:ext cx="2693987" cy="4275138"/>
+            </a:xfrm>
+            <a:custGeom>
+              <a:avLst/>
+              <a:gdLst/>
+              <a:ahLst/>
+              <a:cxnLst/>
+              <a:rect l="0" t="0" r="r" b="b"/>
+              <a:pathLst>
+                <a:path w="1697" h="2693">
+                  <a:moveTo>
+                    <a:pt x="0" y="0"/>
+                  </a:moveTo>
+                  <a:lnTo>
+                    <a:pt x="1622" y="2693"/>
+                  </a:lnTo>
+                  <a:lnTo>
+                    <a:pt x="1697" y="2693"/>
+                  </a:lnTo>
+                  <a:lnTo>
+                    <a:pt x="0" y="0"/>
+                  </a:lnTo>
+                  <a:close/>
+                </a:path>
+              </a:pathLst>
+            </a:custGeom>
+            <a:solidFill>
+              <a:schemeClr val="tx1">
+                <a:lumMod val="85000"/>
+                <a:lumOff val="15000"/>
+              </a:schemeClr>
+            </a:solidFill>
+            <a:ln>
+              <a:noFill/>
+            </a:ln>
+          </p:spPr>
+        </p:sp>
+        <p:sp>
+          <p:nvSpPr>
+            <p:cNvPr id="25" name="Freeform 10"/>
+            <p:cNvSpPr/>
+            <p:nvPr/>
+          </p:nvSpPr>
+          <p:spPr bwMode="auto">
+            <a:xfrm>
+              <a:off x="3371850" y="2692400"/>
+              <a:ext cx="3332162" cy="4165600"/>
+            </a:xfrm>
+            <a:custGeom>
+              <a:avLst/>
+              <a:gdLst/>
+              <a:ahLst/>
+              <a:cxnLst/>
+              <a:rect l="0" t="0" r="r" b="b"/>
+              <a:pathLst>
+                <a:path w="2099" h="2624">
+                  <a:moveTo>
+                    <a:pt x="2099" y="2624"/>
+                  </a:moveTo>
+                  <a:lnTo>
+                    <a:pt x="0" y="0"/>
+                  </a:lnTo>
+                  <a:lnTo>
+                    <a:pt x="2021" y="2624"/>
+                  </a:lnTo>
+                  <a:lnTo>
+                    <a:pt x="2099" y="2624"/>
+                  </a:lnTo>
+                  <a:close/>
+                </a:path>
+              </a:pathLst>
+            </a:custGeom>
+            <a:solidFill>
+              <a:schemeClr val="accent1">
+                <a:lumMod val="50000"/>
+              </a:schemeClr>
+            </a:solidFill>
+            <a:ln>
+              <a:noFill/>
+            </a:ln>
+          </p:spPr>
+        </p:sp>
+        <p:sp>
+          <p:nvSpPr>
+            <p:cNvPr id="26" name="Freeform 11"/>
+            <p:cNvSpPr/>
+            <p:nvPr/>
+          </p:nvSpPr>
+          <p:spPr bwMode="auto">
+            <a:xfrm>
+              <a:off x="3367088" y="2687637"/>
+              <a:ext cx="4576762" cy="4170363"/>
+            </a:xfrm>
+            <a:custGeom>
+              <a:avLst/>
+              <a:gdLst/>
+              <a:ahLst/>
+              <a:cxnLst/>
+              <a:rect l="0" t="0" r="r" b="b"/>
+              <a:pathLst>
+                <a:path w="2883" h="2627">
+                  <a:moveTo>
+                    <a:pt x="0" y="0"/>
+                  </a:moveTo>
+                  <a:lnTo>
+                    <a:pt x="3" y="3"/>
+                  </a:lnTo>
+                  <a:lnTo>
+                    <a:pt x="2102" y="2627"/>
+                  </a:lnTo>
+                  <a:lnTo>
+                    <a:pt x="2883" y="2627"/>
+                  </a:lnTo>
+                  <a:lnTo>
+                    <a:pt x="225" y="57"/>
+                  </a:lnTo>
+                  <a:lnTo>
+                    <a:pt x="0" y="0"/>
+                  </a:lnTo>
+                  <a:close/>
+                </a:path>
+              </a:pathLst>
+            </a:custGeom>
+            <a:solidFill>
+              <a:schemeClr val="accent1">
+                <a:lumMod val="75000"/>
+              </a:schemeClr>
+            </a:solidFill>
+            <a:ln>
+              <a:noFill/>
+            </a:ln>
+          </p:spPr>
+        </p:sp>
+        <p:sp>
+          <p:nvSpPr>
+            <p:cNvPr id="27" name="Freeform 12"/>
+            <p:cNvSpPr/>
+            <p:nvPr/>
+          </p:nvSpPr>
+          <p:spPr bwMode="auto">
+            <a:xfrm>
+              <a:off x="2928938" y="2578100"/>
+              <a:ext cx="3584575" cy="4279900"/>
+            </a:xfrm>
+            <a:custGeom>
+              <a:avLst/>
+              <a:gdLst/>
+              <a:ahLst/>
+              <a:cxnLst/>
+              <a:rect l="0" t="0" r="r" b="b"/>
+              <a:pathLst>
+                <a:path w="2258" h="2696">
+                  <a:moveTo>
+                    <a:pt x="2258" y="2696"/>
+                  </a:moveTo>
+                  <a:lnTo>
+                    <a:pt x="264" y="111"/>
+                  </a:lnTo>
+                  <a:lnTo>
+                    <a:pt x="228" y="60"/>
+                  </a:lnTo>
+                  <a:lnTo>
+                    <a:pt x="225" y="57"/>
+                  </a:lnTo>
+                  <a:lnTo>
+                    <a:pt x="0" y="0"/>
+                  </a:lnTo>
+                  <a:lnTo>
+                    <a:pt x="0" y="3"/>
+                  </a:lnTo>
+                  <a:lnTo>
+                    <a:pt x="1697" y="2696"/>
+                  </a:lnTo>
+                  <a:lnTo>
+                    <a:pt x="2258" y="2696"/>
+                  </a:lnTo>
+                  <a:close/>
+                </a:path>
+              </a:pathLst>
+            </a:custGeom>
+            <a:solidFill>
+              <a:schemeClr val="tx1">
+                <a:lumMod val="75000"/>
+                <a:lumOff val="25000"/>
+              </a:schemeClr>
+            </a:solidFill>
+            <a:ln>
+              <a:noFill/>
+            </a:ln>
+          </p:spPr>
+        </p:sp>
+      </p:grpSp>
       <p:sp>
         <p:nvSpPr>
           <p:cNvPr id="2" name="Title 1"/>
@@ -138,8 +466,8 @@
         </p:nvSpPr>
         <p:spPr>
           <a:xfrm>
-            <a:off x="1751012" y="609601"/>
-            <a:ext cx="8676222" cy="3200400"/>
+            <a:off x="2928401" y="1380068"/>
+            <a:ext cx="8574622" cy="2616199"/>
           </a:xfrm>
         </p:spPr>
         <p:txBody>
@@ -147,28 +475,15 @@
             <a:normAutofit/>
           </a:bodyPr>
           <a:lstStyle>
-            <a:lvl1pPr algn="ctr">
-              <a:defRPr sz="4800">
-                <a:effectLst>
-                  <a:glow rad="38100">
-                    <a:schemeClr val="bg1">
-                      <a:lumMod val="65000"/>
-                      <a:lumOff val="35000"/>
-                      <a:alpha val="50000"/>
-                    </a:schemeClr>
-                  </a:glow>
-                  <a:outerShdw blurRad="28575" dist="31750" dir="13200000" algn="tl" rotWithShape="0">
-                    <a:srgbClr val="000000">
-                      <a:alpha val="25000"/>
-                    </a:srgbClr>
-                  </a:outerShdw>
-                </a:effectLst>
+            <a:lvl1pPr algn="r">
+              <a:defRPr sz="6000">
+                <a:effectLst/>
               </a:defRPr>
             </a:lvl1pPr>
           </a:lstStyle>
           <a:p>
             <a:r>
-              <a:rPr lang="en-US" smtClean="0"/>
+              <a:rPr lang="en-US"/>
               <a:t>Click to edit Master title style</a:t>
             </a:r>
             <a:endParaRPr lang="en-US" dirty="0"/>
@@ -187,8 +502,8 @@
         </p:nvSpPr>
         <p:spPr>
           <a:xfrm>
-            <a:off x="1751012" y="3886200"/>
-            <a:ext cx="8676222" cy="1905000"/>
+            <a:off x="4515377" y="3996267"/>
+            <a:ext cx="6987645" cy="1388534"/>
           </a:xfrm>
         </p:spPr>
         <p:txBody>
@@ -196,23 +511,12 @@
             <a:normAutofit/>
           </a:bodyPr>
           <a:lstStyle>
-            <a:lvl1pPr marL="0" indent="0" algn="ctr">
+            <a:lvl1pPr marL="0" indent="0" algn="r">
               <a:buNone/>
               <a:defRPr sz="2100">
-                <a:gradFill flip="none" rotWithShape="1">
-                  <a:gsLst>
-                    <a:gs pos="0">
-                      <a:schemeClr val="tx1"/>
-                    </a:gs>
-                    <a:gs pos="100000">
-                      <a:schemeClr val="tx1">
-                        <a:lumMod val="75000"/>
-                      </a:schemeClr>
-                    </a:gs>
-                  </a:gsLst>
-                  <a:lin ang="5400000" scaled="0"/>
-                  <a:tileRect/>
-                </a:gradFill>
+                <a:solidFill>
+                  <a:schemeClr val="tx1"/>
+                </a:solidFill>
               </a:defRPr>
             </a:lvl1pPr>
             <a:lvl2pPr marL="457200" indent="0" algn="ctr">
@@ -298,7 +602,7 @@
           </a:lstStyle>
           <a:p>
             <a:r>
-              <a:rPr lang="en-US" smtClean="0"/>
+              <a:rPr lang="en-US"/>
               <a:t>Click to edit Master subtitle style</a:t>
             </a:r>
             <a:endParaRPr lang="en-US" dirty="0"/>
@@ -321,9 +625,9 @@
           <a:lstStyle/>
           <a:p>
             <a:fld id="{B61BEF0D-F0BB-DE4B-95CE-6DB70DBA9567}" type="datetimeFigureOut">
-              <a:rPr lang="en-US" dirty="0"/>
+              <a:rPr lang="en-US" smtClean="0"/>
               <a:pPr/>
-              <a:t>8/5/17</a:t>
+              <a:t>8/12/2017</a:t>
             </a:fld>
             <a:endParaRPr lang="en-US" dirty="0"/>
           </a:p>
@@ -339,7 +643,12 @@
             <p:ph type="ftr" sz="quarter" idx="11"/>
           </p:nvPr>
         </p:nvSpPr>
-        <p:spPr/>
+        <p:spPr>
+          <a:xfrm>
+            <a:off x="5332412" y="5883275"/>
+            <a:ext cx="4324044" cy="365125"/>
+          </a:xfrm>
+        </p:spPr>
         <p:txBody>
           <a:bodyPr/>
           <a:lstStyle/>
@@ -364,7 +673,7 @@
           <a:lstStyle/>
           <a:p>
             <a:fld id="{D57F1E4F-1CFF-5643-939E-217C01CDF565}" type="slidenum">
-              <a:rPr lang="en-US" dirty="0"/>
+              <a:rPr lang="en-US" smtClean="0"/>
               <a:pPr/>
               <a:t>‹#›</a:t>
             </a:fld>
@@ -373,6 +682,11 @@
         </p:txBody>
       </p:sp>
     </p:spTree>
+    <p:extLst>
+      <p:ext uri="{BB962C8B-B14F-4D97-AF65-F5344CB8AC3E}">
+        <p14:creationId xmlns:p14="http://schemas.microsoft.com/office/powerpoint/2010/main" val="3966045725"/>
+      </p:ext>
+    </p:extLst>
   </p:cSld>
   <p:clrMapOvr>
     <a:masterClrMapping/>
@@ -409,8 +723,8 @@
         </p:nvSpPr>
         <p:spPr>
           <a:xfrm>
-            <a:off x="1141413" y="4732865"/>
-            <a:ext cx="9906000" cy="566738"/>
+            <a:off x="1484311" y="4732865"/>
+            <a:ext cx="10018711" cy="566738"/>
           </a:xfrm>
         </p:spPr>
         <p:txBody>
@@ -418,13 +732,13 @@
             <a:normAutofit/>
           </a:bodyPr>
           <a:lstStyle>
-            <a:lvl1pPr algn="l">
+            <a:lvl1pPr algn="ctr">
               <a:defRPr sz="2400" b="0"/>
             </a:lvl1pPr>
           </a:lstStyle>
           <a:p>
             <a:r>
-              <a:rPr lang="en-US" smtClean="0"/>
+              <a:rPr lang="en-US"/>
               <a:t>Click to edit Master title style</a:t>
             </a:r>
             <a:endParaRPr lang="en-US" dirty="0"/>
@@ -443,7 +757,7 @@
         </p:nvSpPr>
         <p:spPr>
           <a:xfrm>
-            <a:off x="1979612" y="932112"/>
+            <a:off x="2386012" y="932112"/>
             <a:ext cx="8225944" cy="3164976"/>
           </a:xfrm>
           <a:prstGeom prst="roundRect">
@@ -519,8 +833,8 @@
           </a:lstStyle>
           <a:p>
             <a:r>
-              <a:rPr lang="en-US" smtClean="0"/>
-              <a:t>Drag picture to placeholder or click icon to add</a:t>
+              <a:rPr lang="en-US"/>
+              <a:t>Click icon to add picture</a:t>
             </a:r>
             <a:endParaRPr lang="en-US" dirty="0"/>
           </a:p>
@@ -538,8 +852,8 @@
         </p:nvSpPr>
         <p:spPr>
           <a:xfrm>
-            <a:off x="1141413" y="5299603"/>
-            <a:ext cx="9906000" cy="493712"/>
+            <a:off x="1484311" y="5299603"/>
+            <a:ext cx="10018711" cy="493712"/>
           </a:xfrm>
         </p:spPr>
         <p:txBody>
@@ -547,7 +861,7 @@
             <a:normAutofit/>
           </a:bodyPr>
           <a:lstStyle>
-            <a:lvl1pPr marL="0" indent="0">
+            <a:lvl1pPr marL="0" indent="0" algn="ctr">
               <a:buNone/>
               <a:defRPr sz="1400"/>
             </a:lvl1pPr>
@@ -587,8 +901,8 @@
           <a:p>
             <a:pPr lvl="0"/>
             <a:r>
-              <a:rPr lang="en-US" smtClean="0"/>
-              <a:t>Click to edit Master text styles</a:t>
+              <a:rPr lang="en-US"/>
+              <a:t>Edit Master text styles</a:t>
             </a:r>
           </a:p>
         </p:txBody>
@@ -609,9 +923,9 @@
           <a:lstStyle/>
           <a:p>
             <a:fld id="{B61BEF0D-F0BB-DE4B-95CE-6DB70DBA9567}" type="datetimeFigureOut">
-              <a:rPr lang="en-US" dirty="0"/>
+              <a:rPr lang="en-US" smtClean="0"/>
               <a:pPr/>
-              <a:t>8/5/17</a:t>
+              <a:t>8/12/2017</a:t>
             </a:fld>
             <a:endParaRPr lang="en-US" dirty="0"/>
           </a:p>
@@ -652,7 +966,7 @@
           <a:lstStyle/>
           <a:p>
             <a:fld id="{D57F1E4F-1CFF-5643-939E-217C01CDF565}" type="slidenum">
-              <a:rPr lang="en-US" dirty="0"/>
+              <a:rPr lang="en-US" smtClean="0"/>
               <a:pPr/>
               <a:t>‹#›</a:t>
             </a:fld>
@@ -661,6 +975,11 @@
         </p:txBody>
       </p:sp>
     </p:spTree>
+    <p:extLst>
+      <p:ext uri="{BB962C8B-B14F-4D97-AF65-F5344CB8AC3E}">
+        <p14:creationId xmlns:p14="http://schemas.microsoft.com/office/powerpoint/2010/main" val="4041791850"/>
+      </p:ext>
+    </p:extLst>
   </p:cSld>
   <p:clrMapOvr>
     <a:masterClrMapping/>
@@ -697,8 +1016,8 @@
         </p:nvSpPr>
         <p:spPr>
           <a:xfrm>
-            <a:off x="1141412" y="609601"/>
-            <a:ext cx="9905999" cy="3124199"/>
+            <a:off x="1484312" y="685800"/>
+            <a:ext cx="10018711" cy="3048000"/>
           </a:xfrm>
         </p:spPr>
         <p:txBody>
@@ -706,13 +1025,13 @@
             <a:normAutofit/>
           </a:bodyPr>
           <a:lstStyle>
-            <a:lvl1pPr algn="l">
-              <a:defRPr sz="3200" b="0" cap="all"/>
+            <a:lvl1pPr algn="ctr">
+              <a:defRPr sz="3200" b="0" cap="none"/>
             </a:lvl1pPr>
           </a:lstStyle>
           <a:p>
             <a:r>
-              <a:rPr lang="en-US" smtClean="0"/>
+              <a:rPr lang="en-US"/>
               <a:t>Click to edit Master title style</a:t>
             </a:r>
             <a:endParaRPr lang="en-US" dirty="0"/>
@@ -731,8 +1050,8 @@
         </p:nvSpPr>
         <p:spPr>
           <a:xfrm>
-            <a:off x="1141411" y="4343400"/>
-            <a:ext cx="9906000" cy="1447800"/>
+            <a:off x="1484312" y="4343400"/>
+            <a:ext cx="10018713" cy="1447800"/>
           </a:xfrm>
         </p:spPr>
         <p:txBody>
@@ -740,23 +1059,12 @@
             <a:normAutofit/>
           </a:bodyPr>
           <a:lstStyle>
-            <a:lvl1pPr marL="0" indent="0" algn="l">
+            <a:lvl1pPr marL="0" indent="0" algn="ctr">
               <a:buNone/>
               <a:defRPr sz="2000">
-                <a:gradFill flip="none" rotWithShape="1">
-                  <a:gsLst>
-                    <a:gs pos="0">
-                      <a:schemeClr val="tx1"/>
-                    </a:gs>
-                    <a:gs pos="100000">
-                      <a:schemeClr val="tx1">
-                        <a:lumMod val="75000"/>
-                      </a:schemeClr>
-                    </a:gs>
-                  </a:gsLst>
-                  <a:lin ang="5400000" scaled="0"/>
-                  <a:tileRect/>
-                </a:gradFill>
+                <a:solidFill>
+                  <a:schemeClr val="tx1"/>
+                </a:solidFill>
               </a:defRPr>
             </a:lvl1pPr>
             <a:lvl2pPr marL="457200" indent="0">
@@ -843,8 +1151,8 @@
           <a:p>
             <a:pPr lvl="0"/>
             <a:r>
-              <a:rPr lang="en-US" smtClean="0"/>
-              <a:t>Click to edit Master text styles</a:t>
+              <a:rPr lang="en-US"/>
+              <a:t>Edit Master text styles</a:t>
             </a:r>
           </a:p>
         </p:txBody>
@@ -865,9 +1173,9 @@
           <a:lstStyle/>
           <a:p>
             <a:fld id="{B61BEF0D-F0BB-DE4B-95CE-6DB70DBA9567}" type="datetimeFigureOut">
-              <a:rPr lang="en-US" dirty="0"/>
+              <a:rPr lang="en-US" smtClean="0"/>
               <a:pPr/>
-              <a:t>8/5/17</a:t>
+              <a:t>8/12/2017</a:t>
             </a:fld>
             <a:endParaRPr lang="en-US" dirty="0"/>
           </a:p>
@@ -908,7 +1216,7 @@
           <a:lstStyle/>
           <a:p>
             <a:fld id="{D57F1E4F-1CFF-5643-939E-217C01CDF565}" type="slidenum">
-              <a:rPr lang="en-US" dirty="0"/>
+              <a:rPr lang="en-US" smtClean="0"/>
               <a:pPr/>
               <a:t>‹#›</a:t>
             </a:fld>
@@ -917,6 +1225,11 @@
         </p:txBody>
       </p:sp>
     </p:spTree>
+    <p:extLst>
+      <p:ext uri="{BB962C8B-B14F-4D97-AF65-F5344CB8AC3E}">
+        <p14:creationId xmlns:p14="http://schemas.microsoft.com/office/powerpoint/2010/main" val="4017879904"/>
+      </p:ext>
+    </p:extLst>
   </p:cSld>
   <p:clrMapOvr>
     <a:masterClrMapping/>
@@ -949,7 +1262,7 @@
         </p:nvSpPr>
         <p:spPr>
           <a:xfrm>
-            <a:off x="836612" y="786824"/>
+            <a:off x="1598612" y="863023"/>
             <a:ext cx="609600" cy="584776"/>
           </a:xfrm>
           <a:prstGeom prst="rect">
@@ -1048,8 +1361,9 @@
             <a:r>
               <a:rPr lang="en-US" sz="8000" dirty="0">
                 <a:solidFill>
-                  <a:schemeClr val="accent1"/>
-                </a:solidFill>
+                  <a:schemeClr val="tx1"/>
+                </a:solidFill>
+                <a:effectLst/>
               </a:rPr>
               <a:t>“</a:t>
             </a:r>
@@ -1064,7 +1378,7 @@
         </p:nvSpPr>
         <p:spPr>
           <a:xfrm>
-            <a:off x="10437812" y="2743200"/>
+            <a:off x="10893425" y="2819399"/>
             <a:ext cx="609600" cy="584776"/>
           </a:xfrm>
           <a:prstGeom prst="rect">
@@ -1163,8 +1477,9 @@
             <a:r>
               <a:rPr lang="en-US" sz="8000" dirty="0">
                 <a:solidFill>
-                  <a:schemeClr val="accent1"/>
-                </a:solidFill>
+                  <a:schemeClr val="tx1"/>
+                </a:solidFill>
+                <a:effectLst/>
               </a:rPr>
               <a:t>”</a:t>
             </a:r>
@@ -1183,8 +1498,8 @@
         </p:nvSpPr>
         <p:spPr>
           <a:xfrm>
-            <a:off x="1446213" y="609601"/>
-            <a:ext cx="9296398" cy="2743199"/>
+            <a:off x="2208212" y="685800"/>
+            <a:ext cx="8990012" cy="2743199"/>
           </a:xfrm>
         </p:spPr>
         <p:txBody>
@@ -1192,8 +1507,8 @@
             <a:normAutofit/>
           </a:bodyPr>
           <a:lstStyle>
-            <a:lvl1pPr algn="l">
-              <a:defRPr sz="3200" b="0" cap="all">
+            <a:lvl1pPr algn="ctr">
+              <a:defRPr sz="3200" b="0" cap="none">
                 <a:solidFill>
                   <a:schemeClr val="tx1"/>
                 </a:solidFill>
@@ -1202,7 +1517,7 @@
           </a:lstStyle>
           <a:p>
             <a:r>
-              <a:rPr lang="en-US" smtClean="0"/>
+              <a:rPr lang="en-US"/>
               <a:t>Click to edit Master title style</a:t>
             </a:r>
             <a:endParaRPr lang="en-US" dirty="0"/>
@@ -1221,17 +1536,19 @@
         </p:nvSpPr>
         <p:spPr>
           <a:xfrm>
-            <a:off x="1674812" y="3352800"/>
-            <a:ext cx="8839202" cy="381000"/>
+            <a:off x="2436811" y="3428999"/>
+            <a:ext cx="8532815" cy="381000"/>
           </a:xfrm>
         </p:spPr>
         <p:txBody>
-          <a:bodyPr anchor="ctr"/>
+          <a:bodyPr anchor="ctr">
+            <a:normAutofit/>
+          </a:bodyPr>
           <a:lstStyle>
             <a:lvl1pPr marL="0" indent="0">
               <a:buFontTx/>
               <a:buNone/>
-              <a:defRPr/>
+              <a:defRPr sz="1800"/>
             </a:lvl1pPr>
             <a:lvl2pPr marL="457200" indent="0">
               <a:buFontTx/>
@@ -1257,8 +1574,8 @@
           <a:p>
             <a:pPr lvl="0"/>
             <a:r>
-              <a:rPr lang="en-US" smtClean="0"/>
-              <a:t>Click to edit Master text styles</a:t>
+              <a:rPr lang="en-US"/>
+              <a:t>Edit Master text styles</a:t>
             </a:r>
           </a:p>
         </p:txBody>
@@ -1275,42 +1592,109 @@
         </p:nvSpPr>
         <p:spPr>
           <a:xfrm>
-            <a:off x="1141411" y="4343400"/>
-            <a:ext cx="9906000" cy="1447800"/>
+            <a:off x="1484311" y="4343400"/>
+            <a:ext cx="10018711" cy="1447800"/>
           </a:xfrm>
         </p:spPr>
         <p:txBody>
-          <a:bodyPr vert="horz" lIns="91440" tIns="45720" rIns="91440" bIns="45720" rtlCol="0" anchor="ctr">
+          <a:bodyPr anchor="ctr">
             <a:normAutofit/>
           </a:bodyPr>
           <a:lstStyle>
-            <a:lvl1pPr>
-              <a:buNone/>
-              <a:defRPr lang="en-US" sz="2000">
-                <a:gradFill flip="none" rotWithShape="1">
-                  <a:gsLst>
-                    <a:gs pos="0">
-                      <a:schemeClr val="tx1"/>
-                    </a:gs>
-                    <a:gs pos="100000">
-                      <a:schemeClr val="tx1">
-                        <a:lumMod val="75000"/>
-                      </a:schemeClr>
-                    </a:gs>
-                  </a:gsLst>
-                  <a:lin ang="5400000" scaled="0"/>
-                  <a:tileRect/>
-                </a:gradFill>
+            <a:lvl1pPr marL="0" indent="0" algn="ctr">
+              <a:buNone/>
+              <a:defRPr sz="2000">
+                <a:solidFill>
+                  <a:schemeClr val="tx1"/>
+                </a:solidFill>
               </a:defRPr>
             </a:lvl1pPr>
+            <a:lvl2pPr marL="457200" indent="0">
+              <a:buNone/>
+              <a:defRPr sz="1800">
+                <a:solidFill>
+                  <a:schemeClr val="tx1">
+                    <a:tint val="75000"/>
+                  </a:schemeClr>
+                </a:solidFill>
+              </a:defRPr>
+            </a:lvl2pPr>
+            <a:lvl3pPr marL="914400" indent="0">
+              <a:buNone/>
+              <a:defRPr sz="1600">
+                <a:solidFill>
+                  <a:schemeClr val="tx1">
+                    <a:tint val="75000"/>
+                  </a:schemeClr>
+                </a:solidFill>
+              </a:defRPr>
+            </a:lvl3pPr>
+            <a:lvl4pPr marL="1371600" indent="0">
+              <a:buNone/>
+              <a:defRPr sz="1400">
+                <a:solidFill>
+                  <a:schemeClr val="tx1">
+                    <a:tint val="75000"/>
+                  </a:schemeClr>
+                </a:solidFill>
+              </a:defRPr>
+            </a:lvl4pPr>
+            <a:lvl5pPr marL="1828800" indent="0">
+              <a:buNone/>
+              <a:defRPr sz="1400">
+                <a:solidFill>
+                  <a:schemeClr val="tx1">
+                    <a:tint val="75000"/>
+                  </a:schemeClr>
+                </a:solidFill>
+              </a:defRPr>
+            </a:lvl5pPr>
+            <a:lvl6pPr marL="2286000" indent="0">
+              <a:buNone/>
+              <a:defRPr sz="1400">
+                <a:solidFill>
+                  <a:schemeClr val="tx1">
+                    <a:tint val="75000"/>
+                  </a:schemeClr>
+                </a:solidFill>
+              </a:defRPr>
+            </a:lvl6pPr>
+            <a:lvl7pPr marL="2743200" indent="0">
+              <a:buNone/>
+              <a:defRPr sz="1400">
+                <a:solidFill>
+                  <a:schemeClr val="tx1">
+                    <a:tint val="75000"/>
+                  </a:schemeClr>
+                </a:solidFill>
+              </a:defRPr>
+            </a:lvl7pPr>
+            <a:lvl8pPr marL="3200400" indent="0">
+              <a:buNone/>
+              <a:defRPr sz="1400">
+                <a:solidFill>
+                  <a:schemeClr val="tx1">
+                    <a:tint val="75000"/>
+                  </a:schemeClr>
+                </a:solidFill>
+              </a:defRPr>
+            </a:lvl8pPr>
+            <a:lvl9pPr marL="3657600" indent="0">
+              <a:buNone/>
+              <a:defRPr sz="1400">
+                <a:solidFill>
+                  <a:schemeClr val="tx1">
+                    <a:tint val="75000"/>
+                  </a:schemeClr>
+                </a:solidFill>
+              </a:defRPr>
+            </a:lvl9pPr>
           </a:lstStyle>
           <a:p>
-            <a:pPr marL="0" lvl="0" indent="0">
-              <a:buNone/>
-            </a:pPr>
-            <a:r>
-              <a:rPr lang="en-US" smtClean="0"/>
-              <a:t>Click to edit Master text styles</a:t>
+            <a:pPr lvl="0"/>
+            <a:r>
+              <a:rPr lang="en-US"/>
+              <a:t>Edit Master text styles</a:t>
             </a:r>
           </a:p>
         </p:txBody>
@@ -1331,9 +1715,9 @@
           <a:lstStyle/>
           <a:p>
             <a:fld id="{B61BEF0D-F0BB-DE4B-95CE-6DB70DBA9567}" type="datetimeFigureOut">
-              <a:rPr lang="en-US" dirty="0"/>
+              <a:rPr lang="en-US" smtClean="0"/>
               <a:pPr/>
-              <a:t>8/5/17</a:t>
+              <a:t>8/12/2017</a:t>
             </a:fld>
             <a:endParaRPr lang="en-US" dirty="0"/>
           </a:p>
@@ -1374,7 +1758,7 @@
           <a:lstStyle/>
           <a:p>
             <a:fld id="{D57F1E4F-1CFF-5643-939E-217C01CDF565}" type="slidenum">
-              <a:rPr lang="en-US" dirty="0"/>
+              <a:rPr lang="en-US" smtClean="0"/>
               <a:pPr/>
               <a:t>‹#›</a:t>
             </a:fld>
@@ -1383,6 +1767,11 @@
         </p:txBody>
       </p:sp>
     </p:spTree>
+    <p:extLst>
+      <p:ext uri="{BB962C8B-B14F-4D97-AF65-F5344CB8AC3E}">
+        <p14:creationId xmlns:p14="http://schemas.microsoft.com/office/powerpoint/2010/main" val="3523809511"/>
+      </p:ext>
+    </p:extLst>
   </p:cSld>
   <p:clrMapOvr>
     <a:masterClrMapping/>
@@ -1419,8 +1808,8 @@
         </p:nvSpPr>
         <p:spPr>
           <a:xfrm>
-            <a:off x="1141412" y="3308581"/>
-            <a:ext cx="9906000" cy="1468800"/>
+            <a:off x="1484313" y="3308581"/>
+            <a:ext cx="10018709" cy="1468800"/>
           </a:xfrm>
         </p:spPr>
         <p:txBody>
@@ -1428,13 +1817,13 @@
             <a:normAutofit/>
           </a:bodyPr>
           <a:lstStyle>
-            <a:lvl1pPr algn="l">
-              <a:defRPr sz="3200" b="0" cap="all"/>
+            <a:lvl1pPr algn="r">
+              <a:defRPr sz="3200" b="0" cap="none"/>
             </a:lvl1pPr>
           </a:lstStyle>
           <a:p>
             <a:r>
-              <a:rPr lang="en-US" smtClean="0"/>
+              <a:rPr lang="en-US"/>
               <a:t>Click to edit Master title style</a:t>
             </a:r>
             <a:endParaRPr lang="en-US" dirty="0"/>
@@ -1453,41 +1842,109 @@
         </p:nvSpPr>
         <p:spPr>
           <a:xfrm>
-            <a:off x="1141410" y="4777381"/>
-            <a:ext cx="9906001" cy="860400"/>
+            <a:off x="1484312" y="4777381"/>
+            <a:ext cx="10018710" cy="860400"/>
           </a:xfrm>
         </p:spPr>
         <p:txBody>
-          <a:bodyPr vert="horz" lIns="91440" tIns="45720" rIns="91440" bIns="45720" rtlCol="0" anchor="t">
+          <a:bodyPr anchor="t">
             <a:normAutofit/>
           </a:bodyPr>
           <a:lstStyle>
-            <a:lvl1pPr>
-              <a:defRPr lang="en-US" sz="2000">
-                <a:gradFill flip="none" rotWithShape="1">
-                  <a:gsLst>
-                    <a:gs pos="0">
-                      <a:schemeClr val="tx1"/>
-                    </a:gs>
-                    <a:gs pos="100000">
-                      <a:schemeClr val="tx1">
-                        <a:lumMod val="75000"/>
-                      </a:schemeClr>
-                    </a:gs>
-                  </a:gsLst>
-                  <a:lin ang="5400000" scaled="0"/>
-                  <a:tileRect/>
-                </a:gradFill>
+            <a:lvl1pPr marL="0" indent="0" algn="r">
+              <a:buNone/>
+              <a:defRPr sz="2000">
+                <a:solidFill>
+                  <a:schemeClr val="tx1"/>
+                </a:solidFill>
               </a:defRPr>
             </a:lvl1pPr>
+            <a:lvl2pPr marL="457200" indent="0">
+              <a:buNone/>
+              <a:defRPr sz="1800">
+                <a:solidFill>
+                  <a:schemeClr val="tx1">
+                    <a:tint val="75000"/>
+                  </a:schemeClr>
+                </a:solidFill>
+              </a:defRPr>
+            </a:lvl2pPr>
+            <a:lvl3pPr marL="914400" indent="0">
+              <a:buNone/>
+              <a:defRPr sz="1600">
+                <a:solidFill>
+                  <a:schemeClr val="tx1">
+                    <a:tint val="75000"/>
+                  </a:schemeClr>
+                </a:solidFill>
+              </a:defRPr>
+            </a:lvl3pPr>
+            <a:lvl4pPr marL="1371600" indent="0">
+              <a:buNone/>
+              <a:defRPr sz="1400">
+                <a:solidFill>
+                  <a:schemeClr val="tx1">
+                    <a:tint val="75000"/>
+                  </a:schemeClr>
+                </a:solidFill>
+              </a:defRPr>
+            </a:lvl4pPr>
+            <a:lvl5pPr marL="1828800" indent="0">
+              <a:buNone/>
+              <a:defRPr sz="1400">
+                <a:solidFill>
+                  <a:schemeClr val="tx1">
+                    <a:tint val="75000"/>
+                  </a:schemeClr>
+                </a:solidFill>
+              </a:defRPr>
+            </a:lvl5pPr>
+            <a:lvl6pPr marL="2286000" indent="0">
+              <a:buNone/>
+              <a:defRPr sz="1400">
+                <a:solidFill>
+                  <a:schemeClr val="tx1">
+                    <a:tint val="75000"/>
+                  </a:schemeClr>
+                </a:solidFill>
+              </a:defRPr>
+            </a:lvl6pPr>
+            <a:lvl7pPr marL="2743200" indent="0">
+              <a:buNone/>
+              <a:defRPr sz="1400">
+                <a:solidFill>
+                  <a:schemeClr val="tx1">
+                    <a:tint val="75000"/>
+                  </a:schemeClr>
+                </a:solidFill>
+              </a:defRPr>
+            </a:lvl7pPr>
+            <a:lvl8pPr marL="3200400" indent="0">
+              <a:buNone/>
+              <a:defRPr sz="1400">
+                <a:solidFill>
+                  <a:schemeClr val="tx1">
+                    <a:tint val="75000"/>
+                  </a:schemeClr>
+                </a:solidFill>
+              </a:defRPr>
+            </a:lvl8pPr>
+            <a:lvl9pPr marL="3657600" indent="0">
+              <a:buNone/>
+              <a:defRPr sz="1400">
+                <a:solidFill>
+                  <a:schemeClr val="tx1">
+                    <a:tint val="75000"/>
+                  </a:schemeClr>
+                </a:solidFill>
+              </a:defRPr>
+            </a:lvl9pPr>
           </a:lstStyle>
           <a:p>
-            <a:pPr marL="0" lvl="0" indent="0">
-              <a:buNone/>
-            </a:pPr>
-            <a:r>
-              <a:rPr lang="en-US" smtClean="0"/>
-              <a:t>Click to edit Master text styles</a:t>
+            <a:pPr lvl="0"/>
+            <a:r>
+              <a:rPr lang="en-US"/>
+              <a:t>Edit Master text styles</a:t>
             </a:r>
           </a:p>
         </p:txBody>
@@ -1508,9 +1965,9 @@
           <a:lstStyle/>
           <a:p>
             <a:fld id="{B61BEF0D-F0BB-DE4B-95CE-6DB70DBA9567}" type="datetimeFigureOut">
-              <a:rPr lang="en-US" dirty="0"/>
+              <a:rPr lang="en-US" smtClean="0"/>
               <a:pPr/>
-              <a:t>8/5/17</a:t>
+              <a:t>8/12/2017</a:t>
             </a:fld>
             <a:endParaRPr lang="en-US" dirty="0"/>
           </a:p>
@@ -1551,7 +2008,7 @@
           <a:lstStyle/>
           <a:p>
             <a:fld id="{D57F1E4F-1CFF-5643-939E-217C01CDF565}" type="slidenum">
-              <a:rPr lang="en-US" dirty="0"/>
+              <a:rPr lang="en-US" smtClean="0"/>
               <a:pPr/>
               <a:t>‹#›</a:t>
             </a:fld>
@@ -1560,6 +2017,11 @@
         </p:txBody>
       </p:sp>
     </p:spTree>
+    <p:extLst>
+      <p:ext uri="{BB962C8B-B14F-4D97-AF65-F5344CB8AC3E}">
+        <p14:creationId xmlns:p14="http://schemas.microsoft.com/office/powerpoint/2010/main" val="2999105987"/>
+      </p:ext>
+    </p:extLst>
   </p:cSld>
   <p:clrMapOvr>
     <a:masterClrMapping/>
@@ -1592,7 +2054,7 @@
         </p:nvSpPr>
         <p:spPr>
           <a:xfrm>
-            <a:off x="836612" y="786824"/>
+            <a:off x="1598612" y="863023"/>
             <a:ext cx="609600" cy="584776"/>
           </a:xfrm>
           <a:prstGeom prst="rect">
@@ -1691,8 +2153,9 @@
             <a:r>
               <a:rPr lang="en-US" sz="8000" dirty="0">
                 <a:solidFill>
-                  <a:schemeClr val="accent1"/>
-                </a:solidFill>
+                  <a:schemeClr val="tx1"/>
+                </a:solidFill>
+                <a:effectLst/>
               </a:rPr>
               <a:t>“</a:t>
             </a:r>
@@ -1707,7 +2170,7 @@
         </p:nvSpPr>
         <p:spPr>
           <a:xfrm>
-            <a:off x="10437812" y="2743200"/>
+            <a:off x="10893425" y="2819399"/>
             <a:ext cx="609600" cy="584776"/>
           </a:xfrm>
           <a:prstGeom prst="rect">
@@ -1806,8 +2269,9 @@
             <a:r>
               <a:rPr lang="en-US" sz="8000" dirty="0">
                 <a:solidFill>
-                  <a:schemeClr val="accent1"/>
-                </a:solidFill>
+                  <a:schemeClr val="tx1"/>
+                </a:solidFill>
+                <a:effectLst/>
               </a:rPr>
               <a:t>”</a:t>
             </a:r>
@@ -1826,8 +2290,8 @@
         </p:nvSpPr>
         <p:spPr>
           <a:xfrm>
-            <a:off x="1446213" y="609601"/>
-            <a:ext cx="9296398" cy="2743199"/>
+            <a:off x="2208212" y="685800"/>
+            <a:ext cx="8990012" cy="2743199"/>
           </a:xfrm>
         </p:spPr>
         <p:txBody>
@@ -1835,28 +2299,17 @@
             <a:normAutofit/>
           </a:bodyPr>
           <a:lstStyle>
-            <a:lvl1pPr algn="l">
-              <a:defRPr sz="3200" b="0" cap="all">
-                <a:gradFill flip="none" rotWithShape="1">
-                  <a:gsLst>
-                    <a:gs pos="0">
-                      <a:schemeClr val="tx1"/>
-                    </a:gs>
-                    <a:gs pos="100000">
-                      <a:schemeClr val="tx1">
-                        <a:lumMod val="75000"/>
-                      </a:schemeClr>
-                    </a:gs>
-                  </a:gsLst>
-                  <a:lin ang="5400000" scaled="0"/>
-                  <a:tileRect/>
-                </a:gradFill>
+            <a:lvl1pPr algn="ctr">
+              <a:defRPr sz="3200" b="0" cap="none">
+                <a:solidFill>
+                  <a:schemeClr val="tx1"/>
+                </a:solidFill>
               </a:defRPr>
             </a:lvl1pPr>
           </a:lstStyle>
           <a:p>
             <a:r>
-              <a:rPr lang="en-US" smtClean="0"/>
+              <a:rPr lang="en-US"/>
               <a:t>Click to edit Master title style</a:t>
             </a:r>
             <a:endParaRPr lang="en-US" dirty="0"/>
@@ -1875,8 +2328,8 @@
         </p:nvSpPr>
         <p:spPr>
           <a:xfrm>
-            <a:off x="1141412" y="3886200"/>
-            <a:ext cx="9906000" cy="889000"/>
+            <a:off x="1484313" y="3886200"/>
+            <a:ext cx="10018710" cy="889000"/>
           </a:xfrm>
         </p:spPr>
         <p:txBody>
@@ -1884,40 +2337,16 @@
             <a:normAutofit/>
           </a:bodyPr>
           <a:lstStyle>
-            <a:lvl1pPr>
-              <a:buNone/>
-              <a:defRPr lang="en-US" sz="2400" b="0" cap="all" dirty="0">
+            <a:lvl1pPr algn="r">
+              <a:buNone/>
+              <a:defRPr lang="en-US" sz="2400" b="0" cap="none" dirty="0">
                 <a:ln w="3175" cmpd="sng">
                   <a:noFill/>
                 </a:ln>
-                <a:gradFill flip="none" rotWithShape="1">
-                  <a:gsLst>
-                    <a:gs pos="0">
-                      <a:schemeClr val="tx1"/>
-                    </a:gs>
-                    <a:gs pos="100000">
-                      <a:schemeClr val="tx1">
-                        <a:lumMod val="75000"/>
-                      </a:schemeClr>
-                    </a:gs>
-                  </a:gsLst>
-                  <a:lin ang="5400000" scaled="0"/>
-                  <a:tileRect/>
-                </a:gradFill>
-                <a:effectLst>
-                  <a:glow rad="38100">
-                    <a:schemeClr val="bg1">
-                      <a:lumMod val="65000"/>
-                      <a:lumOff val="35000"/>
-                      <a:alpha val="40000"/>
-                    </a:schemeClr>
-                  </a:glow>
-                  <a:outerShdw blurRad="28575" dist="38100" dir="14040000" algn="tl" rotWithShape="0">
-                    <a:srgbClr val="000000">
-                      <a:alpha val="25000"/>
-                    </a:srgbClr>
-                  </a:outerShdw>
-                </a:effectLst>
+                <a:solidFill>
+                  <a:schemeClr val="tx1"/>
+                </a:solidFill>
+                <a:effectLst/>
               </a:defRPr>
             </a:lvl1pPr>
           </a:lstStyle>
@@ -1929,8 +2358,8 @@
               <a:buNone/>
             </a:pPr>
             <a:r>
-              <a:rPr lang="en-US" smtClean="0"/>
-              <a:t>Click to edit Master text styles</a:t>
+              <a:rPr lang="en-US"/>
+              <a:t>Edit Master text styles</a:t>
             </a:r>
           </a:p>
         </p:txBody>
@@ -1947,8 +2376,8 @@
         </p:nvSpPr>
         <p:spPr>
           <a:xfrm>
-            <a:off x="1141411" y="4775200"/>
-            <a:ext cx="9906000" cy="1016000"/>
+            <a:off x="1484312" y="4775200"/>
+            <a:ext cx="10018710" cy="1016000"/>
           </a:xfrm>
         </p:spPr>
         <p:txBody>
@@ -1956,23 +2385,12 @@
             <a:normAutofit/>
           </a:bodyPr>
           <a:lstStyle>
-            <a:lvl1pPr marL="0" indent="0" algn="l">
+            <a:lvl1pPr marL="0" indent="0" algn="r">
               <a:buNone/>
               <a:defRPr sz="1800">
-                <a:gradFill flip="none" rotWithShape="1">
-                  <a:gsLst>
-                    <a:gs pos="0">
-                      <a:schemeClr val="tx1"/>
-                    </a:gs>
-                    <a:gs pos="100000">
-                      <a:schemeClr val="tx1">
-                        <a:lumMod val="75000"/>
-                      </a:schemeClr>
-                    </a:gs>
-                  </a:gsLst>
-                  <a:lin ang="5400000" scaled="0"/>
-                  <a:tileRect/>
-                </a:gradFill>
+                <a:solidFill>
+                  <a:schemeClr val="tx1"/>
+                </a:solidFill>
               </a:defRPr>
             </a:lvl1pPr>
             <a:lvl2pPr marL="457200" indent="0">
@@ -2059,8 +2477,8 @@
           <a:p>
             <a:pPr lvl="0"/>
             <a:r>
-              <a:rPr lang="en-US" smtClean="0"/>
-              <a:t>Click to edit Master text styles</a:t>
+              <a:rPr lang="en-US"/>
+              <a:t>Edit Master text styles</a:t>
             </a:r>
           </a:p>
         </p:txBody>
@@ -2081,9 +2499,9 @@
           <a:lstStyle/>
           <a:p>
             <a:fld id="{B61BEF0D-F0BB-DE4B-95CE-6DB70DBA9567}" type="datetimeFigureOut">
-              <a:rPr lang="en-US" dirty="0"/>
+              <a:rPr lang="en-US" smtClean="0"/>
               <a:pPr/>
-              <a:t>8/5/17</a:t>
+              <a:t>8/12/2017</a:t>
             </a:fld>
             <a:endParaRPr lang="en-US" dirty="0"/>
           </a:p>
@@ -2124,7 +2542,7 @@
           <a:lstStyle/>
           <a:p>
             <a:fld id="{D57F1E4F-1CFF-5643-939E-217C01CDF565}" type="slidenum">
-              <a:rPr lang="en-US" dirty="0"/>
+              <a:rPr lang="en-US" smtClean="0"/>
               <a:pPr/>
               <a:t>‹#›</a:t>
             </a:fld>
@@ -2133,6 +2551,11 @@
         </p:txBody>
       </p:sp>
     </p:spTree>
+    <p:extLst>
+      <p:ext uri="{BB962C8B-B14F-4D97-AF65-F5344CB8AC3E}">
+        <p14:creationId xmlns:p14="http://schemas.microsoft.com/office/powerpoint/2010/main" val="2661949423"/>
+      </p:ext>
+    </p:extLst>
   </p:cSld>
   <p:clrMapOvr>
     <a:masterClrMapping/>
@@ -2169,8 +2592,8 @@
         </p:nvSpPr>
         <p:spPr>
           <a:xfrm>
-            <a:off x="1141412" y="609601"/>
-            <a:ext cx="9905999" cy="2743199"/>
+            <a:off x="1484313" y="685800"/>
+            <a:ext cx="10018712" cy="2727325"/>
           </a:xfrm>
         </p:spPr>
         <p:txBody>
@@ -2185,7 +2608,7 @@
           <a:p>
             <a:pPr marL="0" lvl="0"/>
             <a:r>
-              <a:rPr lang="en-US" smtClean="0"/>
+              <a:rPr lang="en-US"/>
               <a:t>Click to edit Master title style</a:t>
             </a:r>
             <a:endParaRPr lang="en-US" dirty="0"/>
@@ -2204,8 +2627,8 @@
         </p:nvSpPr>
         <p:spPr>
           <a:xfrm>
-            <a:off x="1141412" y="3505200"/>
-            <a:ext cx="9906000" cy="838200"/>
+            <a:off x="1484312" y="3505200"/>
+            <a:ext cx="10018713" cy="838200"/>
           </a:xfrm>
         </p:spPr>
         <p:txBody>
@@ -2215,38 +2638,14 @@
           <a:lstStyle>
             <a:lvl1pPr>
               <a:buNone/>
-              <a:defRPr lang="en-US" sz="2800" b="0" cap="all" dirty="0">
+              <a:defRPr lang="en-US" sz="2800" b="0" cap="none" dirty="0">
                 <a:ln w="3175" cmpd="sng">
                   <a:noFill/>
                 </a:ln>
-                <a:gradFill flip="none" rotWithShape="1">
-                  <a:gsLst>
-                    <a:gs pos="0">
-                      <a:schemeClr val="tx1"/>
-                    </a:gs>
-                    <a:gs pos="100000">
-                      <a:schemeClr val="tx1">
-                        <a:lumMod val="75000"/>
-                      </a:schemeClr>
-                    </a:gs>
-                  </a:gsLst>
-                  <a:lin ang="5400000" scaled="0"/>
-                  <a:tileRect/>
-                </a:gradFill>
-                <a:effectLst>
-                  <a:glow rad="38100">
-                    <a:schemeClr val="bg1">
-                      <a:lumMod val="65000"/>
-                      <a:lumOff val="35000"/>
-                      <a:alpha val="40000"/>
-                    </a:schemeClr>
-                  </a:glow>
-                  <a:outerShdw blurRad="28575" dist="38100" dir="14040000" algn="tl" rotWithShape="0">
-                    <a:srgbClr val="000000">
-                      <a:alpha val="25000"/>
-                    </a:srgbClr>
-                  </a:outerShdw>
-                </a:effectLst>
+                <a:solidFill>
+                  <a:schemeClr val="tx1"/>
+                </a:solidFill>
+                <a:effectLst/>
               </a:defRPr>
             </a:lvl1pPr>
           </a:lstStyle>
@@ -2258,8 +2657,8 @@
               <a:buNone/>
             </a:pPr>
             <a:r>
-              <a:rPr lang="en-US" smtClean="0"/>
-              <a:t>Click to edit Master text styles</a:t>
+              <a:rPr lang="en-US"/>
+              <a:t>Edit Master text styles</a:t>
             </a:r>
           </a:p>
         </p:txBody>
@@ -2276,8 +2675,8 @@
         </p:nvSpPr>
         <p:spPr>
           <a:xfrm>
-            <a:off x="1141411" y="4343400"/>
-            <a:ext cx="9906000" cy="1447800"/>
+            <a:off x="1484311" y="4343400"/>
+            <a:ext cx="10018713" cy="1447800"/>
           </a:xfrm>
         </p:spPr>
         <p:txBody>
@@ -2288,20 +2687,9 @@
             <a:lvl1pPr marL="0" indent="0" algn="l">
               <a:buNone/>
               <a:defRPr sz="1800">
-                <a:gradFill flip="none" rotWithShape="1">
-                  <a:gsLst>
-                    <a:gs pos="0">
-                      <a:schemeClr val="tx1"/>
-                    </a:gs>
-                    <a:gs pos="100000">
-                      <a:schemeClr val="tx1">
-                        <a:lumMod val="75000"/>
-                      </a:schemeClr>
-                    </a:gs>
-                  </a:gsLst>
-                  <a:lin ang="5400000" scaled="0"/>
-                  <a:tileRect/>
-                </a:gradFill>
+                <a:solidFill>
+                  <a:schemeClr val="tx1"/>
+                </a:solidFill>
               </a:defRPr>
             </a:lvl1pPr>
             <a:lvl2pPr marL="457200" indent="0">
@@ -2388,8 +2776,8 @@
           <a:p>
             <a:pPr lvl="0"/>
             <a:r>
-              <a:rPr lang="en-US" smtClean="0"/>
-              <a:t>Click to edit Master text styles</a:t>
+              <a:rPr lang="en-US"/>
+              <a:t>Edit Master text styles</a:t>
             </a:r>
           </a:p>
         </p:txBody>
@@ -2410,9 +2798,9 @@
           <a:lstStyle/>
           <a:p>
             <a:fld id="{B61BEF0D-F0BB-DE4B-95CE-6DB70DBA9567}" type="datetimeFigureOut">
-              <a:rPr lang="en-US" dirty="0"/>
+              <a:rPr lang="en-US" smtClean="0"/>
               <a:pPr/>
-              <a:t>8/5/17</a:t>
+              <a:t>8/12/2017</a:t>
             </a:fld>
             <a:endParaRPr lang="en-US" dirty="0"/>
           </a:p>
@@ -2453,7 +2841,7 @@
           <a:lstStyle/>
           <a:p>
             <a:fld id="{D57F1E4F-1CFF-5643-939E-217C01CDF565}" type="slidenum">
-              <a:rPr lang="en-US" dirty="0"/>
+              <a:rPr lang="en-US" smtClean="0"/>
               <a:pPr/>
               <a:t>‹#›</a:t>
             </a:fld>
@@ -2462,6 +2850,11 @@
         </p:txBody>
       </p:sp>
     </p:spTree>
+    <p:extLst>
+      <p:ext uri="{BB962C8B-B14F-4D97-AF65-F5344CB8AC3E}">
+        <p14:creationId xmlns:p14="http://schemas.microsoft.com/office/powerpoint/2010/main" val="2744759604"/>
+      </p:ext>
+    </p:extLst>
   </p:cSld>
   <p:clrMapOvr>
     <a:masterClrMapping/>
@@ -2488,7 +2881,7 @@
       </p:grpSpPr>
       <p:sp>
         <p:nvSpPr>
-          <p:cNvPr id="7" name="Title 1"/>
+          <p:cNvPr id="2" name="Title 1"/>
           <p:cNvSpPr>
             <a:spLocks noGrp="1"/>
           </p:cNvSpPr>
@@ -2496,84 +2889,107 @@
             <p:ph type="title"/>
           </p:nvPr>
         </p:nvSpPr>
-        <p:spPr>
-          <a:xfrm>
-            <a:off x="1141413" y="609600"/>
-            <a:ext cx="9905998" cy="1905000"/>
-          </a:xfrm>
-        </p:spPr>
+        <p:spPr/>
+        <p:txBody>
+          <a:bodyPr/>
+          <a:lstStyle>
+            <a:lvl1pPr algn="ctr">
+              <a:defRPr/>
+            </a:lvl1pPr>
+          </a:lstStyle>
+          <a:p>
+            <a:r>
+              <a:rPr lang="en-US"/>
+              <a:t>Click to edit Master title style</a:t>
+            </a:r>
+            <a:endParaRPr lang="en-US" dirty="0"/>
+          </a:p>
+        </p:txBody>
+      </p:sp>
+      <p:sp>
+        <p:nvSpPr>
+          <p:cNvPr id="3" name="Vertical Text Placeholder 2"/>
+          <p:cNvSpPr>
+            <a:spLocks noGrp="1"/>
+          </p:cNvSpPr>
+          <p:nvPr>
+            <p:ph type="body" orient="vert" idx="1"/>
+          </p:nvPr>
+        </p:nvSpPr>
+        <p:spPr/>
+        <p:txBody>
+          <a:bodyPr vert="eaVert" anchor="t"/>
+          <a:lstStyle/>
+          <a:p>
+            <a:pPr lvl="0"/>
+            <a:r>
+              <a:rPr lang="en-US"/>
+              <a:t>Edit Master text styles</a:t>
+            </a:r>
+          </a:p>
+          <a:p>
+            <a:pPr lvl="1"/>
+            <a:r>
+              <a:rPr lang="en-US"/>
+              <a:t>Second level</a:t>
+            </a:r>
+          </a:p>
+          <a:p>
+            <a:pPr lvl="2"/>
+            <a:r>
+              <a:rPr lang="en-US"/>
+              <a:t>Third level</a:t>
+            </a:r>
+          </a:p>
+          <a:p>
+            <a:pPr lvl="3"/>
+            <a:r>
+              <a:rPr lang="en-US"/>
+              <a:t>Fourth level</a:t>
+            </a:r>
+          </a:p>
+          <a:p>
+            <a:pPr lvl="4"/>
+            <a:r>
+              <a:rPr lang="en-US"/>
+              <a:t>Fifth level</a:t>
+            </a:r>
+            <a:endParaRPr lang="en-US" dirty="0"/>
+          </a:p>
+        </p:txBody>
+      </p:sp>
+      <p:sp>
+        <p:nvSpPr>
+          <p:cNvPr id="4" name="Date Placeholder 3"/>
+          <p:cNvSpPr>
+            <a:spLocks noGrp="1"/>
+          </p:cNvSpPr>
+          <p:nvPr>
+            <p:ph type="dt" sz="half" idx="10"/>
+          </p:nvPr>
+        </p:nvSpPr>
+        <p:spPr/>
         <p:txBody>
           <a:bodyPr/>
           <a:lstStyle/>
           <a:p>
-            <a:r>
+            <a:fld id="{B61BEF0D-F0BB-DE4B-95CE-6DB70DBA9567}" type="datetimeFigureOut">
               <a:rPr lang="en-US" smtClean="0"/>
-              <a:t>Click to edit Master title style</a:t>
-            </a:r>
-            <a:endParaRPr lang="en-US" dirty="0"/>
-          </a:p>
-        </p:txBody>
-      </p:sp>
-      <p:sp>
-        <p:nvSpPr>
-          <p:cNvPr id="3" name="Vertical Text Placeholder 2"/>
-          <p:cNvSpPr>
-            <a:spLocks noGrp="1"/>
-          </p:cNvSpPr>
-          <p:nvPr>
-            <p:ph type="body" orient="vert" idx="1"/>
-          </p:nvPr>
-        </p:nvSpPr>
-        <p:spPr/>
-        <p:txBody>
-          <a:bodyPr vert="eaVert" anchor="t"/>
-          <a:lstStyle/>
-          <a:p>
-            <a:pPr lvl="0"/>
-            <a:r>
-              <a:rPr lang="en-US" smtClean="0"/>
-              <a:t>Click to edit Master text styles</a:t>
-            </a:r>
-          </a:p>
-          <a:p>
-            <a:pPr lvl="1"/>
-            <a:r>
-              <a:rPr lang="en-US" smtClean="0"/>
-              <a:t>Second level</a:t>
-            </a:r>
-          </a:p>
-          <a:p>
-            <a:pPr lvl="2"/>
-            <a:r>
-              <a:rPr lang="en-US" smtClean="0"/>
-              <a:t>Third level</a:t>
-            </a:r>
-          </a:p>
-          <a:p>
-            <a:pPr lvl="3"/>
-            <a:r>
-              <a:rPr lang="en-US" smtClean="0"/>
-              <a:t>Fourth level</a:t>
-            </a:r>
-          </a:p>
-          <a:p>
-            <a:pPr lvl="4"/>
-            <a:r>
-              <a:rPr lang="en-US" smtClean="0"/>
-              <a:t>Fifth level</a:t>
-            </a:r>
-            <a:endParaRPr lang="en-US" dirty="0"/>
-          </a:p>
-        </p:txBody>
-      </p:sp>
-      <p:sp>
-        <p:nvSpPr>
-          <p:cNvPr id="4" name="Date Placeholder 3"/>
-          <p:cNvSpPr>
-            <a:spLocks noGrp="1"/>
-          </p:cNvSpPr>
-          <p:nvPr>
-            <p:ph type="dt" sz="half" idx="10"/>
+              <a:pPr/>
+              <a:t>8/12/2017</a:t>
+            </a:fld>
+            <a:endParaRPr lang="en-US" dirty="0"/>
+          </a:p>
+        </p:txBody>
+      </p:sp>
+      <p:sp>
+        <p:nvSpPr>
+          <p:cNvPr id="5" name="Footer Placeholder 4"/>
+          <p:cNvSpPr>
+            <a:spLocks noGrp="1"/>
+          </p:cNvSpPr>
+          <p:nvPr>
+            <p:ph type="ftr" sz="quarter" idx="11"/>
           </p:nvPr>
         </p:nvSpPr>
         <p:spPr/>
@@ -2581,23 +2997,18 @@
           <a:bodyPr/>
           <a:lstStyle/>
           <a:p>
-            <a:fld id="{B61BEF0D-F0BB-DE4B-95CE-6DB70DBA9567}" type="datetimeFigureOut">
-              <a:rPr lang="en-US" dirty="0"/>
-              <a:pPr/>
-              <a:t>8/5/17</a:t>
-            </a:fld>
-            <a:endParaRPr lang="en-US" dirty="0"/>
-          </a:p>
-        </p:txBody>
-      </p:sp>
-      <p:sp>
-        <p:nvSpPr>
-          <p:cNvPr id="5" name="Footer Placeholder 4"/>
-          <p:cNvSpPr>
-            <a:spLocks noGrp="1"/>
-          </p:cNvSpPr>
-          <p:nvPr>
-            <p:ph type="ftr" sz="quarter" idx="11"/>
+            <a:endParaRPr lang="en-US" dirty="0"/>
+          </a:p>
+        </p:txBody>
+      </p:sp>
+      <p:sp>
+        <p:nvSpPr>
+          <p:cNvPr id="6" name="Slide Number Placeholder 5"/>
+          <p:cNvSpPr>
+            <a:spLocks noGrp="1"/>
+          </p:cNvSpPr>
+          <p:nvPr>
+            <p:ph type="sldNum" sz="quarter" idx="12"/>
           </p:nvPr>
         </p:nvSpPr>
         <p:spPr/>
@@ -2605,27 +3016,8 @@
           <a:bodyPr/>
           <a:lstStyle/>
           <a:p>
-            <a:endParaRPr lang="en-US" dirty="0"/>
-          </a:p>
-        </p:txBody>
-      </p:sp>
-      <p:sp>
-        <p:nvSpPr>
-          <p:cNvPr id="6" name="Slide Number Placeholder 5"/>
-          <p:cNvSpPr>
-            <a:spLocks noGrp="1"/>
-          </p:cNvSpPr>
-          <p:nvPr>
-            <p:ph type="sldNum" sz="quarter" idx="12"/>
-          </p:nvPr>
-        </p:nvSpPr>
-        <p:spPr/>
-        <p:txBody>
-          <a:bodyPr/>
-          <a:lstStyle/>
-          <a:p>
             <a:fld id="{D57F1E4F-1CFF-5643-939E-217C01CDF565}" type="slidenum">
-              <a:rPr lang="en-US" dirty="0"/>
+              <a:rPr lang="en-US" smtClean="0"/>
               <a:pPr/>
               <a:t>‹#›</a:t>
             </a:fld>
@@ -2634,6 +3026,11 @@
         </p:txBody>
       </p:sp>
     </p:spTree>
+    <p:extLst>
+      <p:ext uri="{BB962C8B-B14F-4D97-AF65-F5344CB8AC3E}">
+        <p14:creationId xmlns:p14="http://schemas.microsoft.com/office/powerpoint/2010/main" val="1814611937"/>
+      </p:ext>
+    </p:extLst>
   </p:cSld>
   <p:clrMapOvr>
     <a:masterClrMapping/>
@@ -2670,8 +3067,8 @@
         </p:nvSpPr>
         <p:spPr>
           <a:xfrm>
-            <a:off x="8836898" y="609599"/>
-            <a:ext cx="2210514" cy="5181601"/>
+            <a:off x="9732655" y="685800"/>
+            <a:ext cx="1770369" cy="5105400"/>
           </a:xfrm>
         </p:spPr>
         <p:txBody>
@@ -2679,7 +3076,7 @@
           <a:lstStyle/>
           <a:p>
             <a:r>
-              <a:rPr lang="en-US" smtClean="0"/>
+              <a:rPr lang="en-US"/>
               <a:t>Click to edit Master title style</a:t>
             </a:r>
             <a:endParaRPr lang="en-US" dirty="0"/>
@@ -2698,8 +3095,8 @@
         </p:nvSpPr>
         <p:spPr>
           <a:xfrm>
-            <a:off x="1141412" y="609600"/>
-            <a:ext cx="7543800" cy="5181600"/>
+            <a:off x="1484312" y="685800"/>
+            <a:ext cx="8019742" cy="5105400"/>
           </a:xfrm>
         </p:spPr>
         <p:txBody>
@@ -2708,35 +3105,35 @@
           <a:p>
             <a:pPr lvl="0"/>
             <a:r>
-              <a:rPr lang="en-US" smtClean="0"/>
-              <a:t>Click to edit Master text styles</a:t>
+              <a:rPr lang="en-US"/>
+              <a:t>Edit Master text styles</a:t>
             </a:r>
           </a:p>
           <a:p>
             <a:pPr lvl="1"/>
             <a:r>
-              <a:rPr lang="en-US" smtClean="0"/>
+              <a:rPr lang="en-US"/>
               <a:t>Second level</a:t>
             </a:r>
           </a:p>
           <a:p>
             <a:pPr lvl="2"/>
             <a:r>
-              <a:rPr lang="en-US" smtClean="0"/>
+              <a:rPr lang="en-US"/>
               <a:t>Third level</a:t>
             </a:r>
           </a:p>
           <a:p>
             <a:pPr lvl="3"/>
             <a:r>
-              <a:rPr lang="en-US" smtClean="0"/>
+              <a:rPr lang="en-US"/>
               <a:t>Fourth level</a:t>
             </a:r>
           </a:p>
           <a:p>
             <a:pPr lvl="4"/>
             <a:r>
-              <a:rPr lang="en-US" smtClean="0"/>
+              <a:rPr lang="en-US"/>
               <a:t>Fifth level</a:t>
             </a:r>
             <a:endParaRPr lang="en-US" dirty="0"/>
@@ -2759,9 +3156,9 @@
           <a:lstStyle/>
           <a:p>
             <a:fld id="{B61BEF0D-F0BB-DE4B-95CE-6DB70DBA9567}" type="datetimeFigureOut">
-              <a:rPr lang="en-US" dirty="0"/>
+              <a:rPr lang="en-US" smtClean="0"/>
               <a:pPr/>
-              <a:t>8/5/17</a:t>
+              <a:t>8/12/2017</a:t>
             </a:fld>
             <a:endParaRPr lang="en-US" dirty="0"/>
           </a:p>
@@ -2802,7 +3199,7 @@
           <a:lstStyle/>
           <a:p>
             <a:fld id="{D57F1E4F-1CFF-5643-939E-217C01CDF565}" type="slidenum">
-              <a:rPr lang="en-US" dirty="0"/>
+              <a:rPr lang="en-US" smtClean="0"/>
               <a:pPr/>
               <a:t>‹#›</a:t>
             </a:fld>
@@ -2811,6 +3208,11 @@
         </p:txBody>
       </p:sp>
     </p:spTree>
+    <p:extLst>
+      <p:ext uri="{BB962C8B-B14F-4D97-AF65-F5344CB8AC3E}">
+        <p14:creationId xmlns:p14="http://schemas.microsoft.com/office/powerpoint/2010/main" val="370142952"/>
+      </p:ext>
+    </p:extLst>
   </p:cSld>
   <p:clrMapOvr>
     <a:masterClrMapping/>
@@ -2851,7 +3253,7 @@
           <a:lstStyle/>
           <a:p>
             <a:r>
-              <a:rPr lang="en-US" smtClean="0"/>
+              <a:rPr lang="en-US"/>
               <a:t>Click to edit Master title style</a:t>
             </a:r>
             <a:endParaRPr lang="en-US" dirty="0"/>
@@ -2875,35 +3277,35 @@
           <a:p>
             <a:pPr lvl="0"/>
             <a:r>
-              <a:rPr lang="en-US" smtClean="0"/>
-              <a:t>Click to edit Master text styles</a:t>
+              <a:rPr lang="en-US"/>
+              <a:t>Edit Master text styles</a:t>
             </a:r>
           </a:p>
           <a:p>
             <a:pPr lvl="1"/>
             <a:r>
-              <a:rPr lang="en-US" smtClean="0"/>
+              <a:rPr lang="en-US"/>
               <a:t>Second level</a:t>
             </a:r>
           </a:p>
           <a:p>
             <a:pPr lvl="2"/>
             <a:r>
-              <a:rPr lang="en-US" smtClean="0"/>
+              <a:rPr lang="en-US"/>
               <a:t>Third level</a:t>
             </a:r>
           </a:p>
           <a:p>
             <a:pPr lvl="3"/>
             <a:r>
-              <a:rPr lang="en-US" smtClean="0"/>
+              <a:rPr lang="en-US"/>
               <a:t>Fourth level</a:t>
             </a:r>
           </a:p>
           <a:p>
             <a:pPr lvl="4"/>
             <a:r>
-              <a:rPr lang="en-US" smtClean="0"/>
+              <a:rPr lang="en-US"/>
               <a:t>Fifth level</a:t>
             </a:r>
             <a:endParaRPr lang="en-US" dirty="0"/>
@@ -2926,9 +3328,9 @@
           <a:lstStyle/>
           <a:p>
             <a:fld id="{B61BEF0D-F0BB-DE4B-95CE-6DB70DBA9567}" type="datetimeFigureOut">
-              <a:rPr lang="en-US" dirty="0"/>
+              <a:rPr lang="en-US" smtClean="0"/>
               <a:pPr/>
-              <a:t>8/5/17</a:t>
+              <a:t>8/12/2017</a:t>
             </a:fld>
             <a:endParaRPr lang="en-US" dirty="0"/>
           </a:p>
@@ -2963,13 +3365,18 @@
             <p:ph type="sldNum" sz="quarter" idx="12"/>
           </p:nvPr>
         </p:nvSpPr>
-        <p:spPr/>
+        <p:spPr>
+          <a:xfrm>
+            <a:off x="10951856" y="5867131"/>
+            <a:ext cx="551167" cy="365125"/>
+          </a:xfrm>
+        </p:spPr>
         <p:txBody>
           <a:bodyPr/>
           <a:lstStyle/>
           <a:p>
             <a:fld id="{D57F1E4F-1CFF-5643-939E-217C01CDF565}" type="slidenum">
-              <a:rPr lang="en-US" dirty="0"/>
+              <a:rPr lang="en-US" smtClean="0"/>
               <a:pPr/>
               <a:t>‹#›</a:t>
             </a:fld>
@@ -2978,6 +3385,11 @@
         </p:txBody>
       </p:sp>
     </p:spTree>
+    <p:extLst>
+      <p:ext uri="{BB962C8B-B14F-4D97-AF65-F5344CB8AC3E}">
+        <p14:creationId xmlns:p14="http://schemas.microsoft.com/office/powerpoint/2010/main" val="3910399417"/>
+      </p:ext>
+    </p:extLst>
   </p:cSld>
   <p:clrMapOvr>
     <a:masterClrMapping/>
@@ -3014,20 +3426,20 @@
         </p:nvSpPr>
         <p:spPr>
           <a:xfrm>
-            <a:off x="1751013" y="3308581"/>
-            <a:ext cx="8686800" cy="1468800"/>
+            <a:off x="2572279" y="2666999"/>
+            <a:ext cx="8930747" cy="2110382"/>
           </a:xfrm>
         </p:spPr>
         <p:txBody>
           <a:bodyPr anchor="b"/>
           <a:lstStyle>
             <a:lvl1pPr algn="r">
-              <a:defRPr sz="4000" b="0" cap="all"/>
+              <a:defRPr sz="4000" b="0" cap="none"/>
             </a:lvl1pPr>
           </a:lstStyle>
           <a:p>
             <a:r>
-              <a:rPr lang="en-US" smtClean="0"/>
+              <a:rPr lang="en-US"/>
               <a:t>Click to edit Master title style</a:t>
             </a:r>
             <a:endParaRPr lang="en-US" dirty="0"/>
@@ -3046,8 +3458,8 @@
         </p:nvSpPr>
         <p:spPr>
           <a:xfrm>
-            <a:off x="1751011" y="4777381"/>
-            <a:ext cx="8686801" cy="860400"/>
+            <a:off x="2572278" y="4777381"/>
+            <a:ext cx="8930748" cy="860400"/>
           </a:xfrm>
         </p:spPr>
         <p:txBody>
@@ -3058,20 +3470,9 @@
             <a:lvl1pPr marL="0" indent="0" algn="r">
               <a:buNone/>
               <a:defRPr sz="2000">
-                <a:gradFill flip="none" rotWithShape="1">
-                  <a:gsLst>
-                    <a:gs pos="0">
-                      <a:schemeClr val="tx1"/>
-                    </a:gs>
-                    <a:gs pos="100000">
-                      <a:schemeClr val="tx1">
-                        <a:lumMod val="75000"/>
-                      </a:schemeClr>
-                    </a:gs>
-                  </a:gsLst>
-                  <a:lin ang="5400000" scaled="0"/>
-                  <a:tileRect/>
-                </a:gradFill>
+                <a:solidFill>
+                  <a:schemeClr val="tx1"/>
+                </a:solidFill>
               </a:defRPr>
             </a:lvl1pPr>
             <a:lvl2pPr marL="457200" indent="0">
@@ -3158,8 +3559,8 @@
           <a:p>
             <a:pPr lvl="0"/>
             <a:r>
-              <a:rPr lang="en-US" smtClean="0"/>
-              <a:t>Click to edit Master text styles</a:t>
+              <a:rPr lang="en-US"/>
+              <a:t>Edit Master text styles</a:t>
             </a:r>
           </a:p>
         </p:txBody>
@@ -3180,9 +3581,9 @@
           <a:lstStyle/>
           <a:p>
             <a:fld id="{B61BEF0D-F0BB-DE4B-95CE-6DB70DBA9567}" type="datetimeFigureOut">
-              <a:rPr lang="en-US" dirty="0"/>
+              <a:rPr lang="en-US" smtClean="0"/>
               <a:pPr/>
-              <a:t>8/5/17</a:t>
+              <a:t>8/12/2017</a:t>
             </a:fld>
             <a:endParaRPr lang="en-US" dirty="0"/>
           </a:p>
@@ -3223,7 +3624,7 @@
           <a:lstStyle/>
           <a:p>
             <a:fld id="{D57F1E4F-1CFF-5643-939E-217C01CDF565}" type="slidenum">
-              <a:rPr lang="en-US" dirty="0"/>
+              <a:rPr lang="en-US" smtClean="0"/>
               <a:pPr/>
               <a:t>‹#›</a:t>
             </a:fld>
@@ -3232,6 +3633,11 @@
         </p:txBody>
       </p:sp>
     </p:spTree>
+    <p:extLst>
+      <p:ext uri="{BB962C8B-B14F-4D97-AF65-F5344CB8AC3E}">
+        <p14:creationId xmlns:p14="http://schemas.microsoft.com/office/powerpoint/2010/main" val="1615104094"/>
+      </p:ext>
+    </p:extLst>
   </p:cSld>
   <p:clrMapOvr>
     <a:masterClrMapping/>
@@ -3266,13 +3672,18 @@
             <p:ph type="title"/>
           </p:nvPr>
         </p:nvSpPr>
-        <p:spPr/>
+        <p:spPr>
+          <a:xfrm>
+            <a:off x="1484311" y="685800"/>
+            <a:ext cx="10018713" cy="1752599"/>
+          </a:xfrm>
+        </p:spPr>
         <p:txBody>
           <a:bodyPr/>
           <a:lstStyle/>
           <a:p>
             <a:r>
-              <a:rPr lang="en-US" smtClean="0"/>
+              <a:rPr lang="en-US"/>
               <a:t>Click to edit Master title style</a:t>
             </a:r>
             <a:endParaRPr lang="en-US" dirty="0"/>
@@ -3291,8 +3702,8 @@
         </p:nvSpPr>
         <p:spPr>
           <a:xfrm>
-            <a:off x="1141412" y="2666999"/>
-            <a:ext cx="4876800" cy="3124201"/>
+            <a:off x="1484312" y="2666999"/>
+            <a:ext cx="4895055" cy="3124201"/>
           </a:xfrm>
         </p:spPr>
         <p:txBody>
@@ -3331,35 +3742,35 @@
           <a:p>
             <a:pPr lvl="0"/>
             <a:r>
-              <a:rPr lang="en-US" smtClean="0"/>
-              <a:t>Click to edit Master text styles</a:t>
+              <a:rPr lang="en-US"/>
+              <a:t>Edit Master text styles</a:t>
             </a:r>
           </a:p>
           <a:p>
             <a:pPr lvl="1"/>
             <a:r>
-              <a:rPr lang="en-US" smtClean="0"/>
+              <a:rPr lang="en-US"/>
               <a:t>Second level</a:t>
             </a:r>
           </a:p>
           <a:p>
             <a:pPr lvl="2"/>
             <a:r>
-              <a:rPr lang="en-US" smtClean="0"/>
+              <a:rPr lang="en-US"/>
               <a:t>Third level</a:t>
             </a:r>
           </a:p>
           <a:p>
             <a:pPr lvl="3"/>
             <a:r>
-              <a:rPr lang="en-US" smtClean="0"/>
+              <a:rPr lang="en-US"/>
               <a:t>Fourth level</a:t>
             </a:r>
           </a:p>
           <a:p>
             <a:pPr lvl="4"/>
             <a:r>
-              <a:rPr lang="en-US" smtClean="0"/>
+              <a:rPr lang="en-US"/>
               <a:t>Fifth level</a:t>
             </a:r>
             <a:endParaRPr lang="en-US" dirty="0"/>
@@ -3378,8 +3789,8 @@
         </p:nvSpPr>
         <p:spPr>
           <a:xfrm>
-            <a:off x="6170612" y="2667000"/>
-            <a:ext cx="4876800" cy="3124200"/>
+            <a:off x="6607967" y="2667000"/>
+            <a:ext cx="4895056" cy="3124200"/>
           </a:xfrm>
         </p:spPr>
         <p:txBody>
@@ -3418,35 +3829,35 @@
           <a:p>
             <a:pPr lvl="0"/>
             <a:r>
-              <a:rPr lang="en-US" smtClean="0"/>
-              <a:t>Click to edit Master text styles</a:t>
+              <a:rPr lang="en-US"/>
+              <a:t>Edit Master text styles</a:t>
             </a:r>
           </a:p>
           <a:p>
             <a:pPr lvl="1"/>
             <a:r>
-              <a:rPr lang="en-US" smtClean="0"/>
+              <a:rPr lang="en-US"/>
               <a:t>Second level</a:t>
             </a:r>
           </a:p>
           <a:p>
             <a:pPr lvl="2"/>
             <a:r>
-              <a:rPr lang="en-US" smtClean="0"/>
+              <a:rPr lang="en-US"/>
               <a:t>Third level</a:t>
             </a:r>
           </a:p>
           <a:p>
             <a:pPr lvl="3"/>
             <a:r>
-              <a:rPr lang="en-US" smtClean="0"/>
+              <a:rPr lang="en-US"/>
               <a:t>Fourth level</a:t>
             </a:r>
           </a:p>
           <a:p>
             <a:pPr lvl="4"/>
             <a:r>
-              <a:rPr lang="en-US" smtClean="0"/>
+              <a:rPr lang="en-US"/>
               <a:t>Fifth level</a:t>
             </a:r>
             <a:endParaRPr lang="en-US" dirty="0"/>
@@ -3469,9 +3880,9 @@
           <a:lstStyle/>
           <a:p>
             <a:fld id="{B61BEF0D-F0BB-DE4B-95CE-6DB70DBA9567}" type="datetimeFigureOut">
-              <a:rPr lang="en-US" dirty="0"/>
+              <a:rPr lang="en-US" smtClean="0"/>
               <a:pPr/>
-              <a:t>8/5/17</a:t>
+              <a:t>8/12/2017</a:t>
             </a:fld>
             <a:endParaRPr lang="en-US" dirty="0"/>
           </a:p>
@@ -3512,7 +3923,7 @@
           <a:lstStyle/>
           <a:p>
             <a:fld id="{D57F1E4F-1CFF-5643-939E-217C01CDF565}" type="slidenum">
-              <a:rPr lang="en-US" dirty="0"/>
+              <a:rPr lang="en-US" smtClean="0"/>
               <a:pPr/>
               <a:t>‹#›</a:t>
             </a:fld>
@@ -3521,6 +3932,11 @@
         </p:txBody>
       </p:sp>
     </p:spTree>
+    <p:extLst>
+      <p:ext uri="{BB962C8B-B14F-4D97-AF65-F5344CB8AC3E}">
+        <p14:creationId xmlns:p14="http://schemas.microsoft.com/office/powerpoint/2010/main" val="2862046936"/>
+      </p:ext>
+    </p:extLst>
   </p:cSld>
   <p:clrMapOvr>
     <a:masterClrMapping/>
@@ -3565,7 +3981,7 @@
           </a:lstStyle>
           <a:p>
             <a:r>
-              <a:rPr lang="en-US" smtClean="0"/>
+              <a:rPr lang="en-US"/>
               <a:t>Click to edit Master title style</a:t>
             </a:r>
             <a:endParaRPr lang="en-US" dirty="0"/>
@@ -3584,8 +4000,8 @@
         </p:nvSpPr>
         <p:spPr>
           <a:xfrm>
-            <a:off x="1429280" y="2658533"/>
-            <a:ext cx="4588931" cy="576262"/>
+            <a:off x="1772179" y="2658533"/>
+            <a:ext cx="4607188" cy="576262"/>
           </a:xfrm>
         </p:spPr>
         <p:txBody>
@@ -3595,7 +4011,13 @@
           <a:lstStyle>
             <a:lvl1pPr marL="0" indent="0">
               <a:buNone/>
-              <a:defRPr sz="2800" b="0"/>
+              <a:defRPr sz="2800" b="0">
+                <a:solidFill>
+                  <a:schemeClr val="accent1">
+                    <a:lumMod val="75000"/>
+                  </a:schemeClr>
+                </a:solidFill>
+              </a:defRPr>
             </a:lvl1pPr>
             <a:lvl2pPr marL="457200" indent="0">
               <a:buNone/>
@@ -3633,8 +4055,8 @@
           <a:p>
             <a:pPr lvl="0"/>
             <a:r>
-              <a:rPr lang="en-US" smtClean="0"/>
-              <a:t>Click to edit Master text styles</a:t>
+              <a:rPr lang="en-US"/>
+              <a:t>Edit Master text styles</a:t>
             </a:r>
           </a:p>
         </p:txBody>
@@ -3651,8 +4073,8 @@
         </p:nvSpPr>
         <p:spPr>
           <a:xfrm>
-            <a:off x="1141412" y="3243262"/>
-            <a:ext cx="4876800" cy="2547937"/>
+            <a:off x="1484311" y="3335337"/>
+            <a:ext cx="4895056" cy="2455862"/>
           </a:xfrm>
         </p:spPr>
         <p:txBody>
@@ -3691,35 +4113,35 @@
           <a:p>
             <a:pPr lvl="0"/>
             <a:r>
-              <a:rPr lang="en-US" smtClean="0"/>
-              <a:t>Click to edit Master text styles</a:t>
+              <a:rPr lang="en-US"/>
+              <a:t>Edit Master text styles</a:t>
             </a:r>
           </a:p>
           <a:p>
             <a:pPr lvl="1"/>
             <a:r>
-              <a:rPr lang="en-US" smtClean="0"/>
+              <a:rPr lang="en-US"/>
               <a:t>Second level</a:t>
             </a:r>
           </a:p>
           <a:p>
             <a:pPr lvl="2"/>
             <a:r>
-              <a:rPr lang="en-US" smtClean="0"/>
+              <a:rPr lang="en-US"/>
               <a:t>Third level</a:t>
             </a:r>
           </a:p>
           <a:p>
             <a:pPr lvl="3"/>
             <a:r>
-              <a:rPr lang="en-US" smtClean="0"/>
+              <a:rPr lang="en-US"/>
               <a:t>Fourth level</a:t>
             </a:r>
           </a:p>
           <a:p>
             <a:pPr lvl="4"/>
             <a:r>
-              <a:rPr lang="en-US" smtClean="0"/>
+              <a:rPr lang="en-US"/>
               <a:t>Fifth level</a:t>
             </a:r>
             <a:endParaRPr lang="en-US" dirty="0"/>
@@ -3738,8 +4160,8 @@
         </p:nvSpPr>
         <p:spPr>
           <a:xfrm>
-            <a:off x="6443133" y="2667000"/>
-            <a:ext cx="4604280" cy="576262"/>
+            <a:off x="6880487" y="2667000"/>
+            <a:ext cx="4622537" cy="576262"/>
           </a:xfrm>
         </p:spPr>
         <p:txBody>
@@ -3749,7 +4171,13 @@
           <a:lstStyle>
             <a:lvl1pPr marL="0" indent="0">
               <a:buNone/>
-              <a:defRPr sz="2800" b="0"/>
+              <a:defRPr sz="2800" b="0">
+                <a:solidFill>
+                  <a:schemeClr val="accent1">
+                    <a:lumMod val="75000"/>
+                  </a:schemeClr>
+                </a:solidFill>
+              </a:defRPr>
             </a:lvl1pPr>
             <a:lvl2pPr marL="457200" indent="0">
               <a:buNone/>
@@ -3787,8 +4215,8 @@
           <a:p>
             <a:pPr lvl="0"/>
             <a:r>
-              <a:rPr lang="en-US" smtClean="0"/>
-              <a:t>Click to edit Master text styles</a:t>
+              <a:rPr lang="en-US"/>
+              <a:t>Edit Master text styles</a:t>
             </a:r>
           </a:p>
         </p:txBody>
@@ -3805,8 +4233,8 @@
         </p:nvSpPr>
         <p:spPr>
           <a:xfrm>
-            <a:off x="6170612" y="3243262"/>
-            <a:ext cx="4876801" cy="2547937"/>
+            <a:off x="6607967" y="3335337"/>
+            <a:ext cx="4895056" cy="2455862"/>
           </a:xfrm>
         </p:spPr>
         <p:txBody>
@@ -3845,35 +4273,35 @@
           <a:p>
             <a:pPr lvl="0"/>
             <a:r>
-              <a:rPr lang="en-US" smtClean="0"/>
-              <a:t>Click to edit Master text styles</a:t>
+              <a:rPr lang="en-US"/>
+              <a:t>Edit Master text styles</a:t>
             </a:r>
           </a:p>
           <a:p>
             <a:pPr lvl="1"/>
             <a:r>
-              <a:rPr lang="en-US" smtClean="0"/>
+              <a:rPr lang="en-US"/>
               <a:t>Second level</a:t>
             </a:r>
           </a:p>
           <a:p>
             <a:pPr lvl="2"/>
             <a:r>
-              <a:rPr lang="en-US" smtClean="0"/>
+              <a:rPr lang="en-US"/>
               <a:t>Third level</a:t>
             </a:r>
           </a:p>
           <a:p>
             <a:pPr lvl="3"/>
             <a:r>
-              <a:rPr lang="en-US" smtClean="0"/>
+              <a:rPr lang="en-US"/>
               <a:t>Fourth level</a:t>
             </a:r>
           </a:p>
           <a:p>
             <a:pPr lvl="4"/>
             <a:r>
-              <a:rPr lang="en-US" smtClean="0"/>
+              <a:rPr lang="en-US"/>
               <a:t>Fifth level</a:t>
             </a:r>
             <a:endParaRPr lang="en-US" dirty="0"/>
@@ -3896,9 +4324,9 @@
           <a:lstStyle/>
           <a:p>
             <a:fld id="{B61BEF0D-F0BB-DE4B-95CE-6DB70DBA9567}" type="datetimeFigureOut">
-              <a:rPr lang="en-US" dirty="0"/>
+              <a:rPr lang="en-US" smtClean="0"/>
               <a:pPr/>
-              <a:t>8/5/17</a:t>
+              <a:t>8/12/2017</a:t>
             </a:fld>
             <a:endParaRPr lang="en-US" dirty="0"/>
           </a:p>
@@ -3939,7 +4367,7 @@
           <a:lstStyle/>
           <a:p>
             <a:fld id="{D57F1E4F-1CFF-5643-939E-217C01CDF565}" type="slidenum">
-              <a:rPr lang="en-US" dirty="0"/>
+              <a:rPr lang="en-US" smtClean="0"/>
               <a:pPr/>
               <a:t>‹#›</a:t>
             </a:fld>
@@ -3948,6 +4376,11 @@
         </p:txBody>
       </p:sp>
     </p:spTree>
+    <p:extLst>
+      <p:ext uri="{BB962C8B-B14F-4D97-AF65-F5344CB8AC3E}">
+        <p14:creationId xmlns:p14="http://schemas.microsoft.com/office/powerpoint/2010/main" val="787950697"/>
+      </p:ext>
+    </p:extLst>
   </p:cSld>
   <p:clrMapOvr>
     <a:masterClrMapping/>
@@ -3988,7 +4421,7 @@
           <a:lstStyle/>
           <a:p>
             <a:r>
-              <a:rPr lang="en-US" smtClean="0"/>
+              <a:rPr lang="en-US"/>
               <a:t>Click to edit Master title style</a:t>
             </a:r>
             <a:endParaRPr lang="en-US" dirty="0"/>
@@ -4011,9 +4444,9 @@
           <a:lstStyle/>
           <a:p>
             <a:fld id="{B61BEF0D-F0BB-DE4B-95CE-6DB70DBA9567}" type="datetimeFigureOut">
-              <a:rPr lang="en-US" dirty="0"/>
+              <a:rPr lang="en-US" smtClean="0"/>
               <a:pPr/>
-              <a:t>8/5/17</a:t>
+              <a:t>8/12/2017</a:t>
             </a:fld>
             <a:endParaRPr lang="en-US" dirty="0"/>
           </a:p>
@@ -4054,7 +4487,7 @@
           <a:lstStyle/>
           <a:p>
             <a:fld id="{D57F1E4F-1CFF-5643-939E-217C01CDF565}" type="slidenum">
-              <a:rPr lang="en-US" dirty="0"/>
+              <a:rPr lang="en-US" smtClean="0"/>
               <a:pPr/>
               <a:t>‹#›</a:t>
             </a:fld>
@@ -4063,6 +4496,11 @@
         </p:txBody>
       </p:sp>
     </p:spTree>
+    <p:extLst>
+      <p:ext uri="{BB962C8B-B14F-4D97-AF65-F5344CB8AC3E}">
+        <p14:creationId xmlns:p14="http://schemas.microsoft.com/office/powerpoint/2010/main" val="3040307"/>
+      </p:ext>
+    </p:extLst>
   </p:cSld>
   <p:clrMapOvr>
     <a:masterClrMapping/>
@@ -4103,9 +4541,9 @@
           <a:lstStyle/>
           <a:p>
             <a:fld id="{B61BEF0D-F0BB-DE4B-95CE-6DB70DBA9567}" type="datetimeFigureOut">
-              <a:rPr lang="en-US" dirty="0"/>
+              <a:rPr lang="en-US" smtClean="0"/>
               <a:pPr/>
-              <a:t>8/5/17</a:t>
+              <a:t>8/12/2017</a:t>
             </a:fld>
             <a:endParaRPr lang="en-US" dirty="0"/>
           </a:p>
@@ -4146,7 +4584,7 @@
           <a:lstStyle/>
           <a:p>
             <a:fld id="{D57F1E4F-1CFF-5643-939E-217C01CDF565}" type="slidenum">
-              <a:rPr lang="en-US" dirty="0"/>
+              <a:rPr lang="en-US" smtClean="0"/>
               <a:pPr/>
               <a:t>‹#›</a:t>
             </a:fld>
@@ -4155,6 +4593,11 @@
         </p:txBody>
       </p:sp>
     </p:spTree>
+    <p:extLst>
+      <p:ext uri="{BB962C8B-B14F-4D97-AF65-F5344CB8AC3E}">
+        <p14:creationId xmlns:p14="http://schemas.microsoft.com/office/powerpoint/2010/main" val="1891994572"/>
+      </p:ext>
+    </p:extLst>
   </p:cSld>
   <p:clrMapOvr>
     <a:masterClrMapping/>
@@ -4191,7 +4634,7 @@
         </p:nvSpPr>
         <p:spPr>
           <a:xfrm>
-            <a:off x="1141411" y="1600200"/>
+            <a:off x="1484312" y="1600200"/>
             <a:ext cx="3549121" cy="1371600"/>
           </a:xfrm>
         </p:spPr>
@@ -4200,13 +4643,13 @@
             <a:normAutofit/>
           </a:bodyPr>
           <a:lstStyle>
-            <a:lvl1pPr algn="l">
+            <a:lvl1pPr algn="ctr">
               <a:defRPr sz="2400" b="0"/>
             </a:lvl1pPr>
           </a:lstStyle>
           <a:p>
             <a:r>
-              <a:rPr lang="en-US" smtClean="0"/>
+              <a:rPr lang="en-US"/>
               <a:t>Click to edit Master title style</a:t>
             </a:r>
             <a:endParaRPr lang="en-US" dirty="0"/>
@@ -4225,8 +4668,8 @@
         </p:nvSpPr>
         <p:spPr>
           <a:xfrm>
-            <a:off x="5103812" y="609601"/>
-            <a:ext cx="5943601" cy="5181600"/>
+            <a:off x="5262033" y="685799"/>
+            <a:ext cx="6240990" cy="5105401"/>
           </a:xfrm>
         </p:spPr>
         <p:txBody>
@@ -4265,35 +4708,35 @@
           <a:p>
             <a:pPr lvl="0"/>
             <a:r>
-              <a:rPr lang="en-US" smtClean="0"/>
-              <a:t>Click to edit Master text styles</a:t>
+              <a:rPr lang="en-US"/>
+              <a:t>Edit Master text styles</a:t>
             </a:r>
           </a:p>
           <a:p>
             <a:pPr lvl="1"/>
             <a:r>
-              <a:rPr lang="en-US" smtClean="0"/>
+              <a:rPr lang="en-US"/>
               <a:t>Second level</a:t>
             </a:r>
           </a:p>
           <a:p>
             <a:pPr lvl="2"/>
             <a:r>
-              <a:rPr lang="en-US" smtClean="0"/>
+              <a:rPr lang="en-US"/>
               <a:t>Third level</a:t>
             </a:r>
           </a:p>
           <a:p>
             <a:pPr lvl="3"/>
             <a:r>
-              <a:rPr lang="en-US" smtClean="0"/>
+              <a:rPr lang="en-US"/>
               <a:t>Fourth level</a:t>
             </a:r>
           </a:p>
           <a:p>
             <a:pPr lvl="4"/>
             <a:r>
-              <a:rPr lang="en-US" smtClean="0"/>
+              <a:rPr lang="en-US"/>
               <a:t>Fifth level</a:t>
             </a:r>
             <a:endParaRPr lang="en-US" dirty="0"/>
@@ -4312,7 +4755,7 @@
         </p:nvSpPr>
         <p:spPr>
           <a:xfrm>
-            <a:off x="1141411" y="2971800"/>
+            <a:off x="1484312" y="2971800"/>
             <a:ext cx="3549121" cy="1828800"/>
           </a:xfrm>
         </p:spPr>
@@ -4321,7 +4764,7 @@
             <a:normAutofit/>
           </a:bodyPr>
           <a:lstStyle>
-            <a:lvl1pPr marL="0" indent="0">
+            <a:lvl1pPr marL="0" indent="0" algn="ctr">
               <a:buNone/>
               <a:defRPr sz="1600"/>
             </a:lvl1pPr>
@@ -4361,8 +4804,8 @@
           <a:p>
             <a:pPr lvl="0"/>
             <a:r>
-              <a:rPr lang="en-US" smtClean="0"/>
-              <a:t>Click to edit Master text styles</a:t>
+              <a:rPr lang="en-US"/>
+              <a:t>Edit Master text styles</a:t>
             </a:r>
           </a:p>
         </p:txBody>
@@ -4383,9 +4826,9 @@
           <a:lstStyle/>
           <a:p>
             <a:fld id="{B61BEF0D-F0BB-DE4B-95CE-6DB70DBA9567}" type="datetimeFigureOut">
-              <a:rPr lang="en-US" dirty="0"/>
+              <a:rPr lang="en-US" smtClean="0"/>
               <a:pPr/>
-              <a:t>8/5/17</a:t>
+              <a:t>8/12/2017</a:t>
             </a:fld>
             <a:endParaRPr lang="en-US" dirty="0"/>
           </a:p>
@@ -4426,7 +4869,7 @@
           <a:lstStyle/>
           <a:p>
             <a:fld id="{D57F1E4F-1CFF-5643-939E-217C01CDF565}" type="slidenum">
-              <a:rPr lang="en-US" dirty="0"/>
+              <a:rPr lang="en-US" smtClean="0"/>
               <a:pPr/>
               <a:t>‹#›</a:t>
             </a:fld>
@@ -4435,6 +4878,11 @@
         </p:txBody>
       </p:sp>
     </p:spTree>
+    <p:extLst>
+      <p:ext uri="{BB962C8B-B14F-4D97-AF65-F5344CB8AC3E}">
+        <p14:creationId xmlns:p14="http://schemas.microsoft.com/office/powerpoint/2010/main" val="54514813"/>
+      </p:ext>
+    </p:extLst>
   </p:cSld>
   <p:clrMapOvr>
     <a:masterClrMapping/>
@@ -4471,8 +4919,8 @@
         </p:nvSpPr>
         <p:spPr>
           <a:xfrm>
-            <a:off x="1141411" y="1600200"/>
-            <a:ext cx="5334001" cy="1371600"/>
+            <a:off x="1482724" y="1752599"/>
+            <a:ext cx="5426158" cy="1371600"/>
           </a:xfrm>
         </p:spPr>
         <p:txBody>
@@ -4480,13 +4928,13 @@
             <a:normAutofit/>
           </a:bodyPr>
           <a:lstStyle>
-            <a:lvl1pPr algn="l">
+            <a:lvl1pPr algn="ctr">
               <a:defRPr sz="2800" b="0"/>
             </a:lvl1pPr>
           </a:lstStyle>
           <a:p>
             <a:r>
-              <a:rPr lang="en-US" smtClean="0"/>
+              <a:rPr lang="en-US"/>
               <a:t>Click to edit Master title style</a:t>
             </a:r>
             <a:endParaRPr lang="en-US" dirty="0"/>
@@ -4505,9 +4953,14 @@
         </p:nvSpPr>
         <p:spPr>
           <a:xfrm>
-            <a:off x="7433733" y="-18288"/>
-            <a:ext cx="3276599" cy="6903720"/>
+            <a:off x="7594682" y="914400"/>
+            <a:ext cx="3280974" cy="4572000"/>
           </a:xfrm>
+          <a:prstGeom prst="roundRect">
+            <a:avLst>
+              <a:gd name="adj" fmla="val 4280"/>
+            </a:avLst>
+          </a:prstGeom>
           <a:ln w="38100">
             <a:gradFill flip="none" rotWithShape="1">
               <a:gsLst>
@@ -4525,7 +4978,7 @@
             </a:gradFill>
           </a:ln>
           <a:effectLst>
-            <a:innerShdw blurRad="57150" dist="38100" dir="10800000">
+            <a:innerShdw blurRad="57150" dist="38100" dir="14460000">
               <a:srgbClr val="000000">
                 <a:alpha val="70000"/>
               </a:srgbClr>
@@ -4576,8 +5029,8 @@
           </a:lstStyle>
           <a:p>
             <a:r>
-              <a:rPr lang="en-US" smtClean="0"/>
-              <a:t>Drag picture to placeholder or click icon to add</a:t>
+              <a:rPr lang="en-US"/>
+              <a:t>Click icon to add picture</a:t>
             </a:r>
             <a:endParaRPr lang="en-US" dirty="0"/>
           </a:p>
@@ -4595,8 +5048,8 @@
         </p:nvSpPr>
         <p:spPr>
           <a:xfrm>
-            <a:off x="1141411" y="2971800"/>
-            <a:ext cx="5334001" cy="1828800"/>
+            <a:off x="1482724" y="3124199"/>
+            <a:ext cx="5426158" cy="1828800"/>
           </a:xfrm>
         </p:spPr>
         <p:txBody>
@@ -4604,7 +5057,7 @@
             <a:normAutofit/>
           </a:bodyPr>
           <a:lstStyle>
-            <a:lvl1pPr marL="0" indent="0">
+            <a:lvl1pPr marL="0" indent="0" algn="ctr">
               <a:buNone/>
               <a:defRPr sz="1800"/>
             </a:lvl1pPr>
@@ -4644,8 +5097,8 @@
           <a:p>
             <a:pPr lvl="0"/>
             <a:r>
-              <a:rPr lang="en-US" smtClean="0"/>
-              <a:t>Click to edit Master text styles</a:t>
+              <a:rPr lang="en-US"/>
+              <a:t>Edit Master text styles</a:t>
             </a:r>
           </a:p>
         </p:txBody>
@@ -4660,20 +5113,15 @@
             <p:ph type="dt" sz="half" idx="10"/>
           </p:nvPr>
         </p:nvSpPr>
-        <p:spPr>
-          <a:xfrm>
-            <a:off x="6399212" y="5883275"/>
-            <a:ext cx="914400" cy="365125"/>
-          </a:xfrm>
-        </p:spPr>
+        <p:spPr/>
         <p:txBody>
           <a:bodyPr/>
           <a:lstStyle/>
           <a:p>
             <a:fld id="{B61BEF0D-F0BB-DE4B-95CE-6DB70DBA9567}" type="datetimeFigureOut">
-              <a:rPr lang="en-US" dirty="0"/>
+              <a:rPr lang="en-US" smtClean="0"/>
               <a:pPr/>
-              <a:t>8/5/17</a:t>
+              <a:t>8/12/2017</a:t>
             </a:fld>
             <a:endParaRPr lang="en-US" dirty="0"/>
           </a:p>
@@ -4689,12 +5137,7 @@
             <p:ph type="ftr" sz="quarter" idx="11"/>
           </p:nvPr>
         </p:nvSpPr>
-        <p:spPr>
-          <a:xfrm>
-            <a:off x="1141412" y="5883275"/>
-            <a:ext cx="5105400" cy="365125"/>
-          </a:xfrm>
-        </p:spPr>
+        <p:spPr/>
         <p:txBody>
           <a:bodyPr/>
           <a:lstStyle/>
@@ -4713,18 +5156,13 @@
             <p:ph type="sldNum" sz="quarter" idx="12"/>
           </p:nvPr>
         </p:nvSpPr>
-        <p:spPr>
-          <a:xfrm>
-            <a:off x="10742612" y="5883275"/>
-            <a:ext cx="322567" cy="365125"/>
-          </a:xfrm>
-        </p:spPr>
+        <p:spPr/>
         <p:txBody>
           <a:bodyPr/>
           <a:lstStyle/>
           <a:p>
             <a:fld id="{D57F1E4F-1CFF-5643-939E-217C01CDF565}" type="slidenum">
-              <a:rPr lang="en-US" dirty="0"/>
+              <a:rPr lang="en-US" smtClean="0"/>
               <a:pPr/>
               <a:t>‹#›</a:t>
             </a:fld>
@@ -4733,6 +5171,11 @@
         </p:txBody>
       </p:sp>
     </p:spTree>
+    <p:extLst>
+      <p:ext uri="{BB962C8B-B14F-4D97-AF65-F5344CB8AC3E}">
+        <p14:creationId xmlns:p14="http://schemas.microsoft.com/office/powerpoint/2010/main" val="1609691764"/>
+      </p:ext>
+    </p:extLst>
   </p:cSld>
   <p:clrMapOvr>
     <a:masterClrMapping/>
@@ -4762,6 +5205,322 @@
           <a:chExt cx="0" cy="0"/>
         </a:xfrm>
       </p:grpSpPr>
+      <p:grpSp>
+        <p:nvGrpSpPr>
+          <p:cNvPr id="7" name="Group 6"/>
+          <p:cNvGrpSpPr/>
+          <p:nvPr/>
+        </p:nvGrpSpPr>
+        <p:grpSpPr>
+          <a:xfrm>
+            <a:off x="150812" y="0"/>
+            <a:ext cx="2436813" cy="6858001"/>
+            <a:chOff x="1320800" y="0"/>
+            <a:chExt cx="2436813" cy="6858001"/>
+          </a:xfrm>
+        </p:grpSpPr>
+        <p:sp>
+          <p:nvSpPr>
+            <p:cNvPr id="8" name="Freeform 6"/>
+            <p:cNvSpPr/>
+            <p:nvPr/>
+          </p:nvSpPr>
+          <p:spPr bwMode="auto">
+            <a:xfrm>
+              <a:off x="1627188" y="0"/>
+              <a:ext cx="1122363" cy="5329238"/>
+            </a:xfrm>
+            <a:custGeom>
+              <a:avLst/>
+              <a:gdLst/>
+              <a:ahLst/>
+              <a:cxnLst/>
+              <a:rect l="0" t="0" r="r" b="b"/>
+              <a:pathLst>
+                <a:path w="707" h="3357">
+                  <a:moveTo>
+                    <a:pt x="0" y="3330"/>
+                  </a:moveTo>
+                  <a:lnTo>
+                    <a:pt x="156" y="3357"/>
+                  </a:lnTo>
+                  <a:lnTo>
+                    <a:pt x="707" y="0"/>
+                  </a:lnTo>
+                  <a:lnTo>
+                    <a:pt x="547" y="0"/>
+                  </a:lnTo>
+                  <a:lnTo>
+                    <a:pt x="0" y="3330"/>
+                  </a:lnTo>
+                  <a:close/>
+                </a:path>
+              </a:pathLst>
+            </a:custGeom>
+            <a:solidFill>
+              <a:schemeClr val="accent1"/>
+            </a:solidFill>
+            <a:ln>
+              <a:noFill/>
+            </a:ln>
+          </p:spPr>
+        </p:sp>
+        <p:sp>
+          <p:nvSpPr>
+            <p:cNvPr id="9" name="Freeform 7"/>
+            <p:cNvSpPr/>
+            <p:nvPr/>
+          </p:nvSpPr>
+          <p:spPr bwMode="auto">
+            <a:xfrm>
+              <a:off x="1320800" y="0"/>
+              <a:ext cx="1117600" cy="5276850"/>
+            </a:xfrm>
+            <a:custGeom>
+              <a:avLst/>
+              <a:gdLst/>
+              <a:ahLst/>
+              <a:cxnLst/>
+              <a:rect l="0" t="0" r="r" b="b"/>
+              <a:pathLst>
+                <a:path w="704" h="3324">
+                  <a:moveTo>
+                    <a:pt x="704" y="0"/>
+                  </a:moveTo>
+                  <a:lnTo>
+                    <a:pt x="545" y="0"/>
+                  </a:lnTo>
+                  <a:lnTo>
+                    <a:pt x="0" y="3300"/>
+                  </a:lnTo>
+                  <a:lnTo>
+                    <a:pt x="157" y="3324"/>
+                  </a:lnTo>
+                  <a:lnTo>
+                    <a:pt x="704" y="0"/>
+                  </a:lnTo>
+                  <a:close/>
+                </a:path>
+              </a:pathLst>
+            </a:custGeom>
+            <a:solidFill>
+              <a:schemeClr val="tx1">
+                <a:lumMod val="65000"/>
+                <a:lumOff val="35000"/>
+              </a:schemeClr>
+            </a:solidFill>
+            <a:ln>
+              <a:noFill/>
+            </a:ln>
+          </p:spPr>
+        </p:sp>
+        <p:sp>
+          <p:nvSpPr>
+            <p:cNvPr id="10" name="Freeform 8"/>
+            <p:cNvSpPr/>
+            <p:nvPr/>
+          </p:nvSpPr>
+          <p:spPr bwMode="auto">
+            <a:xfrm>
+              <a:off x="1320800" y="5238750"/>
+              <a:ext cx="1228725" cy="1619250"/>
+            </a:xfrm>
+            <a:custGeom>
+              <a:avLst/>
+              <a:gdLst/>
+              <a:ahLst/>
+              <a:cxnLst/>
+              <a:rect l="0" t="0" r="r" b="b"/>
+              <a:pathLst>
+                <a:path w="774" h="1020">
+                  <a:moveTo>
+                    <a:pt x="0" y="0"/>
+                  </a:moveTo>
+                  <a:lnTo>
+                    <a:pt x="740" y="1020"/>
+                  </a:lnTo>
+                  <a:lnTo>
+                    <a:pt x="774" y="1020"/>
+                  </a:lnTo>
+                  <a:lnTo>
+                    <a:pt x="0" y="0"/>
+                  </a:lnTo>
+                  <a:close/>
+                </a:path>
+              </a:pathLst>
+            </a:custGeom>
+            <a:solidFill>
+              <a:schemeClr val="tx1">
+                <a:lumMod val="85000"/>
+                <a:lumOff val="15000"/>
+              </a:schemeClr>
+            </a:solidFill>
+            <a:ln>
+              <a:noFill/>
+            </a:ln>
+          </p:spPr>
+        </p:sp>
+        <p:sp>
+          <p:nvSpPr>
+            <p:cNvPr id="11" name="Freeform 9"/>
+            <p:cNvSpPr/>
+            <p:nvPr/>
+          </p:nvSpPr>
+          <p:spPr bwMode="auto">
+            <a:xfrm>
+              <a:off x="1627188" y="5291138"/>
+              <a:ext cx="1495425" cy="1566863"/>
+            </a:xfrm>
+            <a:custGeom>
+              <a:avLst/>
+              <a:gdLst/>
+              <a:ahLst/>
+              <a:cxnLst/>
+              <a:rect l="0" t="0" r="r" b="b"/>
+              <a:pathLst>
+                <a:path w="942" h="987">
+                  <a:moveTo>
+                    <a:pt x="0" y="0"/>
+                  </a:moveTo>
+                  <a:lnTo>
+                    <a:pt x="909" y="987"/>
+                  </a:lnTo>
+                  <a:lnTo>
+                    <a:pt x="942" y="987"/>
+                  </a:lnTo>
+                  <a:lnTo>
+                    <a:pt x="0" y="0"/>
+                  </a:lnTo>
+                  <a:close/>
+                </a:path>
+              </a:pathLst>
+            </a:custGeom>
+            <a:solidFill>
+              <a:schemeClr val="accent1">
+                <a:lumMod val="50000"/>
+              </a:schemeClr>
+            </a:solidFill>
+            <a:ln>
+              <a:noFill/>
+            </a:ln>
+          </p:spPr>
+        </p:sp>
+        <p:sp>
+          <p:nvSpPr>
+            <p:cNvPr id="12" name="Freeform 10"/>
+            <p:cNvSpPr/>
+            <p:nvPr/>
+          </p:nvSpPr>
+          <p:spPr bwMode="auto">
+            <a:xfrm>
+              <a:off x="1627188" y="5286375"/>
+              <a:ext cx="2130425" cy="1571625"/>
+            </a:xfrm>
+            <a:custGeom>
+              <a:avLst/>
+              <a:gdLst/>
+              <a:ahLst/>
+              <a:cxnLst/>
+              <a:rect l="0" t="0" r="r" b="b"/>
+              <a:pathLst>
+                <a:path w="1342" h="990">
+                  <a:moveTo>
+                    <a:pt x="0" y="3"/>
+                  </a:moveTo>
+                  <a:lnTo>
+                    <a:pt x="942" y="990"/>
+                  </a:lnTo>
+                  <a:lnTo>
+                    <a:pt x="1342" y="990"/>
+                  </a:lnTo>
+                  <a:lnTo>
+                    <a:pt x="156" y="27"/>
+                  </a:lnTo>
+                  <a:lnTo>
+                    <a:pt x="0" y="0"/>
+                  </a:lnTo>
+                  <a:lnTo>
+                    <a:pt x="0" y="3"/>
+                  </a:lnTo>
+                  <a:close/>
+                </a:path>
+              </a:pathLst>
+            </a:custGeom>
+            <a:solidFill>
+              <a:schemeClr val="accent1">
+                <a:lumMod val="75000"/>
+              </a:schemeClr>
+            </a:solidFill>
+            <a:ln>
+              <a:noFill/>
+            </a:ln>
+          </p:spPr>
+        </p:sp>
+        <p:sp>
+          <p:nvSpPr>
+            <p:cNvPr id="13" name="Freeform 11"/>
+            <p:cNvSpPr/>
+            <p:nvPr/>
+          </p:nvSpPr>
+          <p:spPr bwMode="auto">
+            <a:xfrm>
+              <a:off x="1320800" y="5238750"/>
+              <a:ext cx="1695450" cy="1619250"/>
+            </a:xfrm>
+            <a:custGeom>
+              <a:avLst/>
+              <a:gdLst/>
+              <a:ahLst/>
+              <a:cxnLst/>
+              <a:rect l="0" t="0" r="r" b="b"/>
+              <a:pathLst>
+                <a:path w="1068" h="1020">
+                  <a:moveTo>
+                    <a:pt x="1068" y="1020"/>
+                  </a:moveTo>
+                  <a:lnTo>
+                    <a:pt x="184" y="60"/>
+                  </a:lnTo>
+                  <a:lnTo>
+                    <a:pt x="154" y="27"/>
+                  </a:lnTo>
+                  <a:lnTo>
+                    <a:pt x="157" y="27"/>
+                  </a:lnTo>
+                  <a:lnTo>
+                    <a:pt x="157" y="24"/>
+                  </a:lnTo>
+                  <a:lnTo>
+                    <a:pt x="154" y="24"/>
+                  </a:lnTo>
+                  <a:lnTo>
+                    <a:pt x="0" y="0"/>
+                  </a:lnTo>
+                  <a:lnTo>
+                    <a:pt x="0" y="0"/>
+                  </a:lnTo>
+                  <a:lnTo>
+                    <a:pt x="774" y="1020"/>
+                  </a:lnTo>
+                  <a:lnTo>
+                    <a:pt x="1068" y="1020"/>
+                  </a:lnTo>
+                  <a:close/>
+                </a:path>
+              </a:pathLst>
+            </a:custGeom>
+            <a:solidFill>
+              <a:schemeClr val="tx1">
+                <a:lumMod val="75000"/>
+                <a:lumOff val="25000"/>
+              </a:schemeClr>
+            </a:solidFill>
+            <a:ln>
+              <a:noFill/>
+            </a:ln>
+          </p:spPr>
+        </p:sp>
+      </p:grpSp>
       <p:sp>
         <p:nvSpPr>
           <p:cNvPr id="2" name="Title Placeholder 1"/>
@@ -4774,8 +5533,42 @@
         </p:nvSpPr>
         <p:spPr>
           <a:xfrm>
-            <a:off x="1141413" y="609600"/>
-            <a:ext cx="9905998" cy="1905000"/>
+            <a:off x="1484311" y="685800"/>
+            <a:ext cx="10018713" cy="1752599"/>
+          </a:xfrm>
+          <a:prstGeom prst="rect">
+            <a:avLst/>
+          </a:prstGeom>
+          <a:effectLst/>
+        </p:spPr>
+        <p:txBody>
+          <a:bodyPr vert="horz" lIns="91440" tIns="45720" rIns="91440" bIns="45720" rtlCol="0" anchor="ctr">
+            <a:normAutofit/>
+          </a:bodyPr>
+          <a:lstStyle/>
+          <a:p>
+            <a:r>
+              <a:rPr lang="en-US"/>
+              <a:t>Click to edit Master title style</a:t>
+            </a:r>
+            <a:endParaRPr lang="en-US" dirty="0"/>
+          </a:p>
+        </p:txBody>
+      </p:sp>
+      <p:sp>
+        <p:nvSpPr>
+          <p:cNvPr id="3" name="Text Placeholder 2"/>
+          <p:cNvSpPr>
+            <a:spLocks noGrp="1"/>
+          </p:cNvSpPr>
+          <p:nvPr>
+            <p:ph type="body" idx="1"/>
+          </p:nvPr>
+        </p:nvSpPr>
+        <p:spPr>
+          <a:xfrm>
+            <a:off x="1484310" y="2666999"/>
+            <a:ext cx="10018713" cy="3124201"/>
           </a:xfrm>
           <a:prstGeom prst="rect">
             <a:avLst/>
@@ -4787,90 +5580,99 @@
           </a:bodyPr>
           <a:lstStyle/>
           <a:p>
-            <a:r>
-              <a:rPr lang="en-US" smtClean="0"/>
-              <a:t>Click to edit Master title style</a:t>
-            </a:r>
-            <a:endParaRPr lang="en-US" dirty="0"/>
-          </a:p>
-        </p:txBody>
-      </p:sp>
-      <p:sp>
-        <p:nvSpPr>
-          <p:cNvPr id="3" name="Text Placeholder 2"/>
-          <p:cNvSpPr>
-            <a:spLocks noGrp="1"/>
-          </p:cNvSpPr>
-          <p:nvPr>
-            <p:ph type="body" idx="1"/>
+            <a:pPr lvl="0"/>
+            <a:r>
+              <a:rPr lang="en-US"/>
+              <a:t>Edit Master text styles</a:t>
+            </a:r>
+          </a:p>
+          <a:p>
+            <a:pPr lvl="1"/>
+            <a:r>
+              <a:rPr lang="en-US"/>
+              <a:t>Second level</a:t>
+            </a:r>
+          </a:p>
+          <a:p>
+            <a:pPr lvl="2"/>
+            <a:r>
+              <a:rPr lang="en-US"/>
+              <a:t>Third level</a:t>
+            </a:r>
+          </a:p>
+          <a:p>
+            <a:pPr lvl="3"/>
+            <a:r>
+              <a:rPr lang="en-US"/>
+              <a:t>Fourth level</a:t>
+            </a:r>
+          </a:p>
+          <a:p>
+            <a:pPr lvl="4"/>
+            <a:r>
+              <a:rPr lang="en-US"/>
+              <a:t>Fifth level</a:t>
+            </a:r>
+            <a:endParaRPr lang="en-US" dirty="0"/>
+          </a:p>
+        </p:txBody>
+      </p:sp>
+      <p:sp>
+        <p:nvSpPr>
+          <p:cNvPr id="4" name="Date Placeholder 3"/>
+          <p:cNvSpPr>
+            <a:spLocks noGrp="1"/>
+          </p:cNvSpPr>
+          <p:nvPr>
+            <p:ph type="dt" sz="half" idx="2"/>
           </p:nvPr>
         </p:nvSpPr>
         <p:spPr>
           <a:xfrm>
-            <a:off x="1141413" y="2666999"/>
-            <a:ext cx="9905998" cy="3124201"/>
+            <a:off x="9732656" y="5883275"/>
+            <a:ext cx="1143000" cy="365125"/>
           </a:xfrm>
           <a:prstGeom prst="rect">
             <a:avLst/>
           </a:prstGeom>
         </p:spPr>
         <p:txBody>
-          <a:bodyPr vert="horz" lIns="91440" tIns="45720" rIns="91440" bIns="45720" rtlCol="0" anchor="ctr">
-            <a:normAutofit/>
-          </a:bodyPr>
-          <a:lstStyle/>
-          <a:p>
-            <a:pPr lvl="0"/>
-            <a:r>
+          <a:bodyPr vert="horz" lIns="91440" tIns="45720" rIns="91440" bIns="45720" rtlCol="0" anchor="ctr"/>
+          <a:lstStyle>
+            <a:lvl1pPr algn="r">
+              <a:defRPr sz="1000" b="0" i="0">
+                <a:solidFill>
+                  <a:schemeClr val="tx1"/>
+                </a:solidFill>
+                <a:effectLst/>
+                <a:latin typeface="+mn-lt"/>
+              </a:defRPr>
+            </a:lvl1pPr>
+          </a:lstStyle>
+          <a:p>
+            <a:fld id="{B61BEF0D-F0BB-DE4B-95CE-6DB70DBA9567}" type="datetimeFigureOut">
               <a:rPr lang="en-US" smtClean="0"/>
-              <a:t>Click to edit Master text styles</a:t>
-            </a:r>
-          </a:p>
-          <a:p>
-            <a:pPr lvl="1"/>
-            <a:r>
-              <a:rPr lang="en-US" smtClean="0"/>
-              <a:t>Second level</a:t>
-            </a:r>
-          </a:p>
-          <a:p>
-            <a:pPr lvl="2"/>
-            <a:r>
-              <a:rPr lang="en-US" smtClean="0"/>
-              <a:t>Third level</a:t>
-            </a:r>
-          </a:p>
-          <a:p>
-            <a:pPr lvl="3"/>
-            <a:r>
-              <a:rPr lang="en-US" smtClean="0"/>
-              <a:t>Fourth level</a:t>
-            </a:r>
-          </a:p>
-          <a:p>
-            <a:pPr lvl="4"/>
-            <a:r>
-              <a:rPr lang="en-US" smtClean="0"/>
-              <a:t>Fifth level</a:t>
-            </a:r>
-            <a:endParaRPr lang="en-US" dirty="0"/>
-          </a:p>
-        </p:txBody>
-      </p:sp>
-      <p:sp>
-        <p:nvSpPr>
-          <p:cNvPr id="4" name="Date Placeholder 3"/>
-          <p:cNvSpPr>
-            <a:spLocks noGrp="1"/>
-          </p:cNvSpPr>
-          <p:nvPr>
-            <p:ph type="dt" sz="half" idx="2"/>
+              <a:pPr/>
+              <a:t>8/12/2017</a:t>
+            </a:fld>
+            <a:endParaRPr lang="en-US" dirty="0"/>
+          </a:p>
+        </p:txBody>
+      </p:sp>
+      <p:sp>
+        <p:nvSpPr>
+          <p:cNvPr id="5" name="Footer Placeholder 4"/>
+          <p:cNvSpPr>
+            <a:spLocks noGrp="1"/>
+          </p:cNvSpPr>
+          <p:nvPr>
+            <p:ph type="ftr" sz="quarter" idx="3"/>
           </p:nvPr>
         </p:nvSpPr>
         <p:spPr>
           <a:xfrm>
-            <a:off x="8837612" y="5883275"/>
-            <a:ext cx="1600200" cy="365125"/>
+            <a:off x="2572279" y="5883275"/>
+            <a:ext cx="7084177" cy="365125"/>
           </a:xfrm>
           <a:prstGeom prst="rect">
             <a:avLst/>
@@ -4879,92 +5681,34 @@
         <p:txBody>
           <a:bodyPr vert="horz" lIns="91440" tIns="45720" rIns="91440" bIns="45720" rtlCol="0" anchor="ctr"/>
           <a:lstStyle>
-            <a:lvl1pPr algn="r">
-              <a:defRPr sz="900" b="1" i="0">
-                <a:solidFill>
-                  <a:schemeClr val="tx1">
-                    <a:lumMod val="75000"/>
-                  </a:schemeClr>
-                </a:solidFill>
-                <a:effectLst>
-                  <a:outerShdw blurRad="50800" dist="38100" dir="2700000" algn="tl" rotWithShape="0">
-                    <a:srgbClr val="000000">
-                      <a:alpha val="43000"/>
-                    </a:srgbClr>
-                  </a:outerShdw>
-                </a:effectLst>
+            <a:lvl1pPr algn="l">
+              <a:defRPr sz="1000" b="0" i="0">
+                <a:solidFill>
+                  <a:schemeClr val="tx1"/>
+                </a:solidFill>
+                <a:effectLst/>
                 <a:latin typeface="+mn-lt"/>
               </a:defRPr>
             </a:lvl1pPr>
           </a:lstStyle>
           <a:p>
-            <a:fld id="{B61BEF0D-F0BB-DE4B-95CE-6DB70DBA9567}" type="datetimeFigureOut">
-              <a:rPr lang="en-US" dirty="0"/>
-              <a:pPr/>
-              <a:t>8/5/17</a:t>
-            </a:fld>
-            <a:endParaRPr lang="en-US" dirty="0"/>
-          </a:p>
-        </p:txBody>
-      </p:sp>
-      <p:sp>
-        <p:nvSpPr>
-          <p:cNvPr id="5" name="Footer Placeholder 4"/>
-          <p:cNvSpPr>
-            <a:spLocks noGrp="1"/>
-          </p:cNvSpPr>
-          <p:nvPr>
-            <p:ph type="ftr" sz="quarter" idx="3"/>
+            <a:endParaRPr lang="en-US" dirty="0"/>
+          </a:p>
+        </p:txBody>
+      </p:sp>
+      <p:sp>
+        <p:nvSpPr>
+          <p:cNvPr id="6" name="Slide Number Placeholder 5"/>
+          <p:cNvSpPr>
+            <a:spLocks noGrp="1"/>
+          </p:cNvSpPr>
+          <p:nvPr>
+            <p:ph type="sldNum" sz="quarter" idx="4"/>
           </p:nvPr>
         </p:nvSpPr>
         <p:spPr>
           <a:xfrm>
-            <a:off x="1141412" y="5883275"/>
-            <a:ext cx="7543800" cy="365125"/>
-          </a:xfrm>
-          <a:prstGeom prst="rect">
-            <a:avLst/>
-          </a:prstGeom>
-        </p:spPr>
-        <p:txBody>
-          <a:bodyPr vert="horz" lIns="91440" tIns="45720" rIns="91440" bIns="45720" rtlCol="0" anchor="ctr"/>
-          <a:lstStyle>
-            <a:lvl1pPr algn="l">
-              <a:defRPr sz="900" b="1" i="0">
-                <a:solidFill>
-                  <a:schemeClr val="tx1">
-                    <a:lumMod val="75000"/>
-                  </a:schemeClr>
-                </a:solidFill>
-                <a:effectLst>
-                  <a:outerShdw blurRad="50800" dist="38100" dir="2700000" algn="tl" rotWithShape="0">
-                    <a:srgbClr val="000000">
-                      <a:alpha val="43000"/>
-                    </a:srgbClr>
-                  </a:outerShdw>
-                </a:effectLst>
-                <a:latin typeface="+mn-lt"/>
-              </a:defRPr>
-            </a:lvl1pPr>
-          </a:lstStyle>
-          <a:p>
-            <a:endParaRPr lang="en-US" dirty="0"/>
-          </a:p>
-        </p:txBody>
-      </p:sp>
-      <p:sp>
-        <p:nvSpPr>
-          <p:cNvPr id="6" name="Slide Number Placeholder 5"/>
-          <p:cNvSpPr>
-            <a:spLocks noGrp="1"/>
-          </p:cNvSpPr>
-          <p:nvPr>
-            <p:ph type="sldNum" sz="quarter" idx="4"/>
-          </p:nvPr>
-        </p:nvSpPr>
-        <p:spPr>
-          <a:xfrm>
-            <a:off x="10514012" y="5883275"/>
+            <a:off x="10951856" y="5883275"/>
             <a:ext cx="551167" cy="365125"/>
           </a:xfrm>
           <a:prstGeom prst="rect">
@@ -4975,26 +5719,18 @@
           <a:bodyPr vert="horz" lIns="91440" tIns="45720" rIns="91440" bIns="45720" rtlCol="0" anchor="ctr"/>
           <a:lstStyle>
             <a:lvl1pPr algn="r">
-              <a:defRPr sz="900" b="1" i="0">
-                <a:solidFill>
-                  <a:schemeClr val="tx1">
-                    <a:lumMod val="75000"/>
-                  </a:schemeClr>
-                </a:solidFill>
-                <a:effectLst>
-                  <a:outerShdw blurRad="50800" dist="38100" dir="2700000" algn="tl" rotWithShape="0">
-                    <a:srgbClr val="000000">
-                      <a:alpha val="43000"/>
-                    </a:srgbClr>
-                  </a:outerShdw>
-                </a:effectLst>
+              <a:defRPr sz="1000" b="0" i="0">
+                <a:solidFill>
+                  <a:schemeClr val="tx1"/>
+                </a:solidFill>
+                <a:effectLst/>
                 <a:latin typeface="+mn-lt"/>
               </a:defRPr>
             </a:lvl1pPr>
           </a:lstStyle>
           <a:p>
             <a:fld id="{D57F1E4F-1CFF-5643-939E-217C01CDF565}" type="slidenum">
-              <a:rPr lang="en-US" dirty="0"/>
+              <a:rPr lang="en-US" smtClean="0"/>
               <a:pPr/>
               <a:t>‹#›</a:t>
             </a:fld>
@@ -5003,66 +5739,47 @@
         </p:txBody>
       </p:sp>
     </p:spTree>
+    <p:extLst>
+      <p:ext uri="{BB962C8B-B14F-4D97-AF65-F5344CB8AC3E}">
+        <p14:creationId xmlns:p14="http://schemas.microsoft.com/office/powerpoint/2010/main" val="1431461350"/>
+      </p:ext>
+    </p:extLst>
   </p:cSld>
-  <p:clrMap bg1="dk1" tx1="lt1" bg2="dk2" tx2="lt2" accent1="accent1" accent2="accent2" accent3="accent3" accent4="accent4" accent5="accent5" accent6="accent6" hlink="hlink" folHlink="folHlink"/>
+  <p:clrMap bg1="lt1" tx1="dk1" bg2="lt2" tx2="dk2" accent1="accent1" accent2="accent2" accent3="accent3" accent4="accent4" accent5="accent5" accent6="accent6" hlink="hlink" folHlink="folHlink"/>
   <p:sldLayoutIdLst>
-    <p:sldLayoutId id="2147483649" r:id="rId1"/>
-    <p:sldLayoutId id="2147483650" r:id="rId2"/>
-    <p:sldLayoutId id="2147483651" r:id="rId3"/>
-    <p:sldLayoutId id="2147483652" r:id="rId4"/>
-    <p:sldLayoutId id="2147483653" r:id="rId5"/>
-    <p:sldLayoutId id="2147483654" r:id="rId6"/>
-    <p:sldLayoutId id="2147483655" r:id="rId7"/>
-    <p:sldLayoutId id="2147483656" r:id="rId8"/>
-    <p:sldLayoutId id="2147483661" r:id="rId9"/>
-    <p:sldLayoutId id="2147483657" r:id="rId10"/>
-    <p:sldLayoutId id="2147483663" r:id="rId11"/>
-    <p:sldLayoutId id="2147483664" r:id="rId12"/>
-    <p:sldLayoutId id="2147483665" r:id="rId13"/>
-    <p:sldLayoutId id="2147483666" r:id="rId14"/>
-    <p:sldLayoutId id="2147483667" r:id="rId15"/>
-    <p:sldLayoutId id="2147483658" r:id="rId16"/>
-    <p:sldLayoutId id="2147483659" r:id="rId17"/>
+    <p:sldLayoutId id="2147483681" r:id="rId1"/>
+    <p:sldLayoutId id="2147483682" r:id="rId2"/>
+    <p:sldLayoutId id="2147483683" r:id="rId3"/>
+    <p:sldLayoutId id="2147483684" r:id="rId4"/>
+    <p:sldLayoutId id="2147483685" r:id="rId5"/>
+    <p:sldLayoutId id="2147483686" r:id="rId6"/>
+    <p:sldLayoutId id="2147483687" r:id="rId7"/>
+    <p:sldLayoutId id="2147483688" r:id="rId8"/>
+    <p:sldLayoutId id="2147483689" r:id="rId9"/>
+    <p:sldLayoutId id="2147483690" r:id="rId10"/>
+    <p:sldLayoutId id="2147483691" r:id="rId11"/>
+    <p:sldLayoutId id="2147483692" r:id="rId12"/>
+    <p:sldLayoutId id="2147483693" r:id="rId13"/>
+    <p:sldLayoutId id="2147483694" r:id="rId14"/>
+    <p:sldLayoutId id="2147483695" r:id="rId15"/>
+    <p:sldLayoutId id="2147483696" r:id="rId16"/>
+    <p:sldLayoutId id="2147483697" r:id="rId17"/>
   </p:sldLayoutIdLst>
   <p:txStyles>
     <p:titleStyle>
-      <a:lvl1pPr algn="l" defTabSz="457200" rtl="0" eaLnBrk="1" latinLnBrk="0" hangingPunct="1">
+      <a:lvl1pPr algn="ctr" defTabSz="457200" rtl="0" eaLnBrk="1" latinLnBrk="0" hangingPunct="1">
         <a:spcBef>
           <a:spcPct val="0"/>
         </a:spcBef>
         <a:buNone/>
-        <a:defRPr sz="3200" kern="1200" cap="all">
+        <a:defRPr sz="4000" kern="1200" cap="none">
           <a:ln w="3175" cmpd="sng">
             <a:noFill/>
           </a:ln>
-          <a:gradFill flip="none" rotWithShape="1">
-            <a:gsLst>
-              <a:gs pos="0">
-                <a:schemeClr val="tx1"/>
-              </a:gs>
-              <a:gs pos="100000">
-                <a:schemeClr val="tx1">
-                  <a:lumMod val="65000"/>
-                </a:schemeClr>
-              </a:gs>
-            </a:gsLst>
-            <a:lin ang="5580000" scaled="0"/>
-            <a:tileRect/>
-          </a:gradFill>
-          <a:effectLst>
-            <a:glow rad="38100">
-              <a:schemeClr val="bg1">
-                <a:lumMod val="65000"/>
-                <a:lumOff val="35000"/>
-                <a:alpha val="40000"/>
-              </a:schemeClr>
-            </a:glow>
-            <a:outerShdw blurRad="28575" dist="38100" dir="14040000" algn="tl" rotWithShape="0">
-              <a:srgbClr val="000000">
-                <a:alpha val="25000"/>
-              </a:srgbClr>
-            </a:outerShdw>
-          </a:effectLst>
+          <a:solidFill>
+            <a:schemeClr val="tx1"/>
+          </a:solidFill>
+          <a:effectLst/>
           <a:latin typeface="+mj-lt"/>
           <a:ea typeface="+mj-ea"/>
           <a:cs typeface="+mj-cs"/>
@@ -5134,40 +5851,18 @@
           <a:spcPts val="600"/>
         </a:spcAft>
         <a:buClr>
-          <a:schemeClr val="tx1"/>
+          <a:schemeClr val="accent1">
+            <a:lumMod val="75000"/>
+          </a:schemeClr>
         </a:buClr>
-        <a:buSzPct val="100000"/>
+        <a:buSzPct val="145000"/>
         <a:buFont typeface="Arial"/>
         <a:buChar char="•"/>
-        <a:defRPr sz="2000" kern="1200" cap="small">
-          <a:gradFill flip="none" rotWithShape="1">
-            <a:gsLst>
-              <a:gs pos="0">
-                <a:schemeClr val="tx1"/>
-              </a:gs>
-              <a:gs pos="100000">
-                <a:schemeClr val="tx1">
-                  <a:lumMod val="75000"/>
-                </a:schemeClr>
-              </a:gs>
-            </a:gsLst>
-            <a:lin ang="5580000" scaled="0"/>
-            <a:tileRect/>
-          </a:gradFill>
-          <a:effectLst>
-            <a:glow rad="38100">
-              <a:schemeClr val="bg1">
-                <a:lumMod val="50000"/>
-                <a:lumOff val="50000"/>
-                <a:alpha val="20000"/>
-              </a:schemeClr>
-            </a:glow>
-            <a:outerShdw blurRad="44450" dist="12700" dir="13860000" algn="tl" rotWithShape="0">
-              <a:srgbClr val="000000">
-                <a:alpha val="20000"/>
-              </a:srgbClr>
-            </a:outerShdw>
-          </a:effectLst>
+        <a:defRPr sz="2400" kern="1200" cap="none">
+          <a:solidFill>
+            <a:schemeClr val="tx1"/>
+          </a:solidFill>
+          <a:effectLst/>
           <a:latin typeface="+mn-lt"/>
           <a:ea typeface="+mn-ea"/>
           <a:cs typeface="+mn-cs"/>
@@ -5181,40 +5876,18 @@
           <a:spcPts val="600"/>
         </a:spcAft>
         <a:buClr>
-          <a:schemeClr val="tx1"/>
+          <a:schemeClr val="accent1">
+            <a:lumMod val="75000"/>
+          </a:schemeClr>
         </a:buClr>
-        <a:buSzPct val="100000"/>
+        <a:buSzPct val="145000"/>
         <a:buFont typeface="Arial"/>
         <a:buChar char="•"/>
-        <a:defRPr sz="1800" kern="1200" cap="small">
-          <a:gradFill flip="none" rotWithShape="1">
-            <a:gsLst>
-              <a:gs pos="0">
-                <a:schemeClr val="tx1"/>
-              </a:gs>
-              <a:gs pos="100000">
-                <a:schemeClr val="tx1">
-                  <a:lumMod val="75000"/>
-                </a:schemeClr>
-              </a:gs>
-            </a:gsLst>
-            <a:lin ang="5580000" scaled="0"/>
-            <a:tileRect/>
-          </a:gradFill>
-          <a:effectLst>
-            <a:glow rad="38100">
-              <a:schemeClr val="bg1">
-                <a:lumMod val="50000"/>
-                <a:lumOff val="50000"/>
-                <a:alpha val="20000"/>
-              </a:schemeClr>
-            </a:glow>
-            <a:outerShdw blurRad="44450" dist="12700" dir="13860000" algn="tl" rotWithShape="0">
-              <a:srgbClr val="000000">
-                <a:alpha val="20000"/>
-              </a:srgbClr>
-            </a:outerShdw>
-          </a:effectLst>
+        <a:defRPr sz="2000" kern="1200" cap="none">
+          <a:solidFill>
+            <a:schemeClr val="tx1"/>
+          </a:solidFill>
+          <a:effectLst/>
           <a:latin typeface="+mn-lt"/>
           <a:ea typeface="+mn-ea"/>
           <a:cs typeface="+mn-cs"/>
@@ -5228,40 +5901,18 @@
           <a:spcPts val="600"/>
         </a:spcAft>
         <a:buClr>
-          <a:schemeClr val="tx1"/>
+          <a:schemeClr val="accent1">
+            <a:lumMod val="75000"/>
+          </a:schemeClr>
         </a:buClr>
-        <a:buSzPct val="100000"/>
+        <a:buSzPct val="145000"/>
         <a:buFont typeface="Arial"/>
         <a:buChar char="•"/>
-        <a:defRPr sz="1600" kern="1200" cap="small">
-          <a:gradFill flip="none" rotWithShape="1">
-            <a:gsLst>
-              <a:gs pos="0">
-                <a:schemeClr val="tx1"/>
-              </a:gs>
-              <a:gs pos="100000">
-                <a:schemeClr val="tx1">
-                  <a:lumMod val="75000"/>
-                </a:schemeClr>
-              </a:gs>
-            </a:gsLst>
-            <a:lin ang="5580000" scaled="0"/>
-            <a:tileRect/>
-          </a:gradFill>
-          <a:effectLst>
-            <a:glow rad="38100">
-              <a:schemeClr val="bg1">
-                <a:lumMod val="50000"/>
-                <a:lumOff val="50000"/>
-                <a:alpha val="20000"/>
-              </a:schemeClr>
-            </a:glow>
-            <a:outerShdw blurRad="44450" dist="12700" dir="13860000" algn="tl" rotWithShape="0">
-              <a:srgbClr val="000000">
-                <a:alpha val="20000"/>
-              </a:srgbClr>
-            </a:outerShdw>
-          </a:effectLst>
+        <a:defRPr sz="1800" kern="1200" cap="none">
+          <a:solidFill>
+            <a:schemeClr val="tx1"/>
+          </a:solidFill>
+          <a:effectLst/>
           <a:latin typeface="+mn-lt"/>
           <a:ea typeface="+mn-ea"/>
           <a:cs typeface="+mn-cs"/>
@@ -5275,40 +5926,18 @@
           <a:spcPts val="600"/>
         </a:spcAft>
         <a:buClr>
-          <a:schemeClr val="tx1"/>
+          <a:schemeClr val="accent1">
+            <a:lumMod val="75000"/>
+          </a:schemeClr>
         </a:buClr>
-        <a:buSzPct val="100000"/>
+        <a:buSzPct val="145000"/>
         <a:buFont typeface="Arial"/>
         <a:buChar char="•"/>
-        <a:defRPr sz="1400" kern="1200" cap="small">
-          <a:gradFill flip="none" rotWithShape="1">
-            <a:gsLst>
-              <a:gs pos="0">
-                <a:schemeClr val="tx1"/>
-              </a:gs>
-              <a:gs pos="100000">
-                <a:schemeClr val="tx1">
-                  <a:lumMod val="75000"/>
-                </a:schemeClr>
-              </a:gs>
-            </a:gsLst>
-            <a:lin ang="5580000" scaled="0"/>
-            <a:tileRect/>
-          </a:gradFill>
-          <a:effectLst>
-            <a:glow rad="38100">
-              <a:schemeClr val="bg1">
-                <a:lumMod val="50000"/>
-                <a:lumOff val="50000"/>
-                <a:alpha val="20000"/>
-              </a:schemeClr>
-            </a:glow>
-            <a:outerShdw blurRad="44450" dist="12700" dir="13860000" algn="tl" rotWithShape="0">
-              <a:srgbClr val="000000">
-                <a:alpha val="20000"/>
-              </a:srgbClr>
-            </a:outerShdw>
-          </a:effectLst>
+        <a:defRPr sz="1600" kern="1200" cap="none">
+          <a:solidFill>
+            <a:schemeClr val="tx1"/>
+          </a:solidFill>
+          <a:effectLst/>
           <a:latin typeface="+mn-lt"/>
           <a:ea typeface="+mn-ea"/>
           <a:cs typeface="+mn-cs"/>
@@ -5322,40 +5951,18 @@
           <a:spcPts val="600"/>
         </a:spcAft>
         <a:buClr>
-          <a:schemeClr val="tx1"/>
+          <a:schemeClr val="accent1">
+            <a:lumMod val="75000"/>
+          </a:schemeClr>
         </a:buClr>
-        <a:buSzPct val="100000"/>
+        <a:buSzPct val="145000"/>
         <a:buFont typeface="Arial"/>
         <a:buChar char="•"/>
-        <a:defRPr sz="1400" kern="1200" cap="small">
-          <a:gradFill flip="none" rotWithShape="1">
-            <a:gsLst>
-              <a:gs pos="0">
-                <a:schemeClr val="tx1"/>
-              </a:gs>
-              <a:gs pos="100000">
-                <a:schemeClr val="tx1">
-                  <a:lumMod val="75000"/>
-                </a:schemeClr>
-              </a:gs>
-            </a:gsLst>
-            <a:lin ang="5580000" scaled="0"/>
-            <a:tileRect/>
-          </a:gradFill>
-          <a:effectLst>
-            <a:glow rad="38100">
-              <a:schemeClr val="bg1">
-                <a:lumMod val="50000"/>
-                <a:lumOff val="50000"/>
-                <a:alpha val="20000"/>
-              </a:schemeClr>
-            </a:glow>
-            <a:outerShdw blurRad="44450" dist="12700" dir="13860000" algn="tl" rotWithShape="0">
-              <a:srgbClr val="000000">
-                <a:alpha val="20000"/>
-              </a:srgbClr>
-            </a:outerShdw>
-          </a:effectLst>
+        <a:defRPr sz="1400" kern="1200" cap="none">
+          <a:solidFill>
+            <a:schemeClr val="tx1"/>
+          </a:solidFill>
+          <a:effectLst/>
           <a:latin typeface="+mn-lt"/>
           <a:ea typeface="+mn-ea"/>
           <a:cs typeface="+mn-cs"/>
@@ -5369,40 +5976,18 @@
           <a:spcPts val="600"/>
         </a:spcAft>
         <a:buClr>
-          <a:schemeClr val="tx1"/>
+          <a:schemeClr val="accent1">
+            <a:lumMod val="75000"/>
+          </a:schemeClr>
         </a:buClr>
-        <a:buSzPct val="100000"/>
+        <a:buSzPct val="145000"/>
         <a:buFont typeface="Arial"/>
         <a:buChar char="•"/>
-        <a:defRPr sz="1200" kern="1200" cap="small">
-          <a:gradFill flip="none" rotWithShape="1">
-            <a:gsLst>
-              <a:gs pos="0">
-                <a:schemeClr val="tx1"/>
-              </a:gs>
-              <a:gs pos="100000">
-                <a:schemeClr val="tx1">
-                  <a:lumMod val="75000"/>
-                </a:schemeClr>
-              </a:gs>
-            </a:gsLst>
-            <a:lin ang="5580000" scaled="0"/>
-            <a:tileRect/>
-          </a:gradFill>
-          <a:effectLst>
-            <a:glow rad="38100">
-              <a:schemeClr val="bg1">
-                <a:lumMod val="50000"/>
-                <a:lumOff val="50000"/>
-                <a:alpha val="20000"/>
-              </a:schemeClr>
-            </a:glow>
-            <a:outerShdw blurRad="44450" dist="12700" dir="13860000" algn="tl" rotWithShape="0">
-              <a:srgbClr val="000000">
-                <a:alpha val="20000"/>
-              </a:srgbClr>
-            </a:outerShdw>
-          </a:effectLst>
+        <a:defRPr sz="1400" kern="1200" cap="none">
+          <a:solidFill>
+            <a:schemeClr val="tx1"/>
+          </a:solidFill>
+          <a:effectLst/>
           <a:latin typeface="+mn-lt"/>
           <a:ea typeface="+mn-ea"/>
           <a:cs typeface="+mn-cs"/>
@@ -5416,40 +6001,18 @@
           <a:spcPts val="600"/>
         </a:spcAft>
         <a:buClr>
-          <a:schemeClr val="tx1"/>
+          <a:schemeClr val="accent1">
+            <a:lumMod val="75000"/>
+          </a:schemeClr>
         </a:buClr>
-        <a:buSzPct val="100000"/>
+        <a:buSzPct val="145000"/>
         <a:buFont typeface="Arial"/>
         <a:buChar char="•"/>
-        <a:defRPr sz="1200" kern="1200" cap="small">
-          <a:gradFill flip="none" rotWithShape="1">
-            <a:gsLst>
-              <a:gs pos="0">
-                <a:schemeClr val="tx1"/>
-              </a:gs>
-              <a:gs pos="100000">
-                <a:schemeClr val="tx1">
-                  <a:lumMod val="75000"/>
-                </a:schemeClr>
-              </a:gs>
-            </a:gsLst>
-            <a:lin ang="5580000" scaled="0"/>
-            <a:tileRect/>
-          </a:gradFill>
-          <a:effectLst>
-            <a:glow rad="38100">
-              <a:schemeClr val="bg1">
-                <a:lumMod val="50000"/>
-                <a:lumOff val="50000"/>
-                <a:alpha val="20000"/>
-              </a:schemeClr>
-            </a:glow>
-            <a:outerShdw blurRad="44450" dist="12700" dir="13860000" algn="tl" rotWithShape="0">
-              <a:srgbClr val="000000">
-                <a:alpha val="20000"/>
-              </a:srgbClr>
-            </a:outerShdw>
-          </a:effectLst>
+        <a:defRPr sz="1400" kern="1200" cap="none">
+          <a:solidFill>
+            <a:schemeClr val="tx1"/>
+          </a:solidFill>
+          <a:effectLst/>
           <a:latin typeface="+mn-lt"/>
           <a:ea typeface="+mn-ea"/>
           <a:cs typeface="+mn-cs"/>
@@ -5463,40 +6026,18 @@
           <a:spcPts val="600"/>
         </a:spcAft>
         <a:buClr>
-          <a:schemeClr val="tx1"/>
+          <a:schemeClr val="accent1">
+            <a:lumMod val="75000"/>
+          </a:schemeClr>
         </a:buClr>
-        <a:buSzPct val="100000"/>
+        <a:buSzPct val="145000"/>
         <a:buFont typeface="Arial"/>
         <a:buChar char="•"/>
-        <a:defRPr sz="1200" kern="1200" cap="small">
-          <a:gradFill flip="none" rotWithShape="1">
-            <a:gsLst>
-              <a:gs pos="0">
-                <a:schemeClr val="tx1"/>
-              </a:gs>
-              <a:gs pos="100000">
-                <a:schemeClr val="tx1">
-                  <a:lumMod val="75000"/>
-                </a:schemeClr>
-              </a:gs>
-            </a:gsLst>
-            <a:lin ang="5580000" scaled="0"/>
-            <a:tileRect/>
-          </a:gradFill>
-          <a:effectLst>
-            <a:glow rad="38100">
-              <a:schemeClr val="bg1">
-                <a:lumMod val="50000"/>
-                <a:lumOff val="50000"/>
-                <a:alpha val="20000"/>
-              </a:schemeClr>
-            </a:glow>
-            <a:outerShdw blurRad="44450" dist="12700" dir="13860000" algn="tl" rotWithShape="0">
-              <a:srgbClr val="000000">
-                <a:alpha val="20000"/>
-              </a:srgbClr>
-            </a:outerShdw>
-          </a:effectLst>
+        <a:defRPr sz="1400" kern="1200" cap="none">
+          <a:solidFill>
+            <a:schemeClr val="tx1"/>
+          </a:solidFill>
+          <a:effectLst/>
           <a:latin typeface="+mn-lt"/>
           <a:ea typeface="+mn-ea"/>
           <a:cs typeface="+mn-cs"/>
@@ -5510,40 +6051,18 @@
           <a:spcPts val="600"/>
         </a:spcAft>
         <a:buClr>
-          <a:schemeClr val="tx1"/>
+          <a:schemeClr val="accent1">
+            <a:lumMod val="75000"/>
+          </a:schemeClr>
         </a:buClr>
-        <a:buSzPct val="100000"/>
+        <a:buSzPct val="145000"/>
         <a:buFont typeface="Arial"/>
         <a:buChar char="•"/>
-        <a:defRPr sz="1200" kern="1200" cap="small">
-          <a:gradFill flip="none" rotWithShape="1">
-            <a:gsLst>
-              <a:gs pos="0">
-                <a:schemeClr val="tx1"/>
-              </a:gs>
-              <a:gs pos="100000">
-                <a:schemeClr val="tx1">
-                  <a:lumMod val="75000"/>
-                </a:schemeClr>
-              </a:gs>
-            </a:gsLst>
-            <a:lin ang="5580000" scaled="0"/>
-            <a:tileRect/>
-          </a:gradFill>
-          <a:effectLst>
-            <a:glow rad="38100">
-              <a:schemeClr val="bg1">
-                <a:lumMod val="50000"/>
-                <a:lumOff val="50000"/>
-                <a:alpha val="20000"/>
-              </a:schemeClr>
-            </a:glow>
-            <a:outerShdw blurRad="44450" dist="12700" dir="13860000" algn="tl" rotWithShape="0">
-              <a:srgbClr val="000000">
-                <a:alpha val="20000"/>
-              </a:srgbClr>
-            </a:outerShdw>
-          </a:effectLst>
+        <a:defRPr sz="1400" kern="1200" cap="none">
+          <a:solidFill>
+            <a:schemeClr val="tx1"/>
+          </a:solidFill>
+          <a:effectLst/>
           <a:latin typeface="+mn-lt"/>
           <a:ea typeface="+mn-ea"/>
           <a:cs typeface="+mn-cs"/>
@@ -5676,38 +6195,49 @@
             <p:ph type="ctrTitle"/>
           </p:nvPr>
         </p:nvSpPr>
-        <p:spPr/>
-        <p:txBody>
-          <a:bodyPr/>
-          <a:lstStyle/>
-          <a:p>
-            <a:r>
-              <a:rPr lang="en-US" dirty="0" smtClean="0"/>
-              <a:t>NYSE Analysis With MySQL</a:t>
-            </a:r>
-            <a:endParaRPr lang="en-US" dirty="0"/>
-          </a:p>
-        </p:txBody>
-      </p:sp>
-      <p:sp>
-        <p:nvSpPr>
-          <p:cNvPr id="3" name="Subtitle 2"/>
-          <p:cNvSpPr>
-            <a:spLocks noGrp="1"/>
-          </p:cNvSpPr>
-          <p:nvPr>
-            <p:ph type="subTitle" idx="1"/>
-          </p:nvPr>
-        </p:nvSpPr>
-        <p:spPr/>
+        <p:spPr>
+          <a:xfrm>
+            <a:off x="1751012" y="609601"/>
+            <a:ext cx="8676222" cy="1761640"/>
+          </a:xfrm>
+        </p:spPr>
         <p:txBody>
           <a:bodyPr>
-            <a:normAutofit fontScale="92500" lnSpcReduction="20000"/>
+            <a:normAutofit fontScale="90000"/>
           </a:bodyPr>
           <a:lstStyle/>
           <a:p>
             <a:r>
-              <a:rPr lang="en-US" dirty="0">
+              <a:rPr lang="en-US" dirty="0"/>
+              <a:t>NYSE Analysis With MySQL</a:t>
+            </a:r>
+          </a:p>
+        </p:txBody>
+      </p:sp>
+      <p:sp>
+        <p:nvSpPr>
+          <p:cNvPr id="3" name="Subtitle 2"/>
+          <p:cNvSpPr>
+            <a:spLocks noGrp="1"/>
+          </p:cNvSpPr>
+          <p:nvPr>
+            <p:ph type="subTitle" idx="1"/>
+          </p:nvPr>
+        </p:nvSpPr>
+        <p:spPr>
+          <a:xfrm>
+            <a:off x="1751012" y="2371241"/>
+            <a:ext cx="8676222" cy="3419959"/>
+          </a:xfrm>
+        </p:spPr>
+        <p:txBody>
+          <a:bodyPr>
+            <a:noAutofit/>
+          </a:bodyPr>
+          <a:lstStyle/>
+          <a:p>
+            <a:r>
+              <a:rPr lang="en-US" sz="2400" dirty="0">
                 <a:effectLst/>
               </a:rPr>
               <a:t>Ethan Graham, Scott Gozdzialski, Huynh Vu</a:t>
@@ -5715,7 +6245,7 @@
           </a:p>
           <a:p>
             <a:r>
-              <a:rPr lang="en-US" dirty="0">
+              <a:rPr lang="en-US" sz="2400" dirty="0">
                 <a:effectLst/>
               </a:rPr>
               <a:t>Graduate Students Master of Data Science</a:t>
@@ -5723,7 +6253,7 @@
           </a:p>
           <a:p>
             <a:r>
-              <a:rPr lang="en-US" dirty="0">
+              <a:rPr lang="en-US" sz="2400" dirty="0">
                 <a:effectLst/>
               </a:rPr>
               <a:t>Southern Methodist University</a:t>
@@ -5731,7 +6261,7 @@
           </a:p>
           <a:p>
             <a:r>
-              <a:rPr lang="en-US" dirty="0">
+              <a:rPr lang="en-US" sz="2400" dirty="0">
                 <a:effectLst/>
               </a:rPr>
               <a:t>Dallas, Texas</a:t>
@@ -5739,14 +6269,27 @@
           </a:p>
           <a:p>
             <a:r>
-              <a:rPr lang="en-US" dirty="0">
+              <a:rPr lang="en-US" sz="2400" dirty="0">
                 <a:effectLst/>
               </a:rPr>
               <a:t> </a:t>
             </a:r>
           </a:p>
           <a:p>
-            <a:endParaRPr lang="en-US" dirty="0"/>
+            <a:r>
+              <a:rPr lang="en-US" sz="2400" dirty="0" err="1"/>
+              <a:t>Github</a:t>
+            </a:r>
+            <a:r>
+              <a:rPr lang="en-US" sz="2400" dirty="0"/>
+              <a:t> link</a:t>
+            </a:r>
+          </a:p>
+          <a:p>
+            <a:r>
+              <a:rPr lang="en-US" sz="2400" dirty="0"/>
+              <a:t>https://github.com/DSSMU/MSDS7330_Project</a:t>
+            </a:r>
           </a:p>
         </p:txBody>
       </p:sp>
@@ -5796,10 +6339,9 @@
           <a:lstStyle/>
           <a:p>
             <a:r>
-              <a:rPr lang="en-US" dirty="0" smtClean="0"/>
+              <a:rPr lang="en-US" dirty="0"/>
               <a:t>NYSE Securities Analysis With MySQL</a:t>
             </a:r>
-            <a:endParaRPr lang="en-US" dirty="0"/>
           </a:p>
         </p:txBody>
       </p:sp>
@@ -5815,76 +6357,64 @@
         </p:nvSpPr>
         <p:spPr/>
         <p:txBody>
-          <a:bodyPr/>
+          <a:bodyPr>
+            <a:normAutofit/>
+          </a:bodyPr>
           <a:lstStyle/>
           <a:p>
             <a:r>
               <a:rPr lang="en-US" dirty="0"/>
-              <a:t>Initial </a:t>
-            </a:r>
-            <a:r>
-              <a:rPr lang="en-US" dirty="0" smtClean="0"/>
-              <a:t>plan: </a:t>
+              <a:t>Initial plan: </a:t>
             </a:r>
             <a:r>
               <a:rPr lang="en-US" dirty="0">
                 <a:hlinkClick r:id="rId2"/>
               </a:rPr>
-              <a:t>https://</a:t>
-            </a:r>
-            <a:r>
-              <a:rPr lang="en-US" dirty="0" smtClean="0">
-                <a:hlinkClick r:id="rId2"/>
-              </a:rPr>
-              <a:t>cran.rstudio.com/web/packages/stocks/index.html</a:t>
-            </a:r>
-            <a:endParaRPr lang="en-US" dirty="0" smtClean="0"/>
+              <a:t>https://cran.rstudio.com/web/packages/stocks/index.html</a:t>
+            </a:r>
+            <a:endParaRPr lang="en-US" dirty="0"/>
           </a:p>
           <a:p>
             <a:pPr lvl="1"/>
             <a:r>
-              <a:rPr lang="en-US" dirty="0" smtClean="0"/>
+              <a:rPr lang="en-US" sz="2400" dirty="0"/>
               <a:t>Utilities, but no actual data</a:t>
             </a:r>
           </a:p>
           <a:p>
             <a:r>
-              <a:rPr lang="en-US" dirty="0" smtClean="0"/>
+              <a:rPr lang="en-US" dirty="0"/>
               <a:t>Better Plan: </a:t>
             </a:r>
             <a:r>
-              <a:rPr lang="en-US" dirty="0" smtClean="0">
+              <a:rPr lang="en-US" dirty="0">
+                <a:solidFill>
+                  <a:srgbClr val="0070C0"/>
+                </a:solidFill>
                 <a:effectLst/>
                 <a:hlinkClick r:id="rId3"/>
               </a:rPr>
-              <a:t>https</a:t>
+              <a:t>https://www.kaggle.com/benjibb/lstm-stock-prediction-20170507/data</a:t>
             </a:r>
             <a:r>
               <a:rPr lang="en-US" dirty="0">
-                <a:effectLst/>
-                <a:hlinkClick r:id="rId3"/>
-              </a:rPr>
-              <a:t>://www.kaggle.com/benjibb/lstm-stock-prediction-20170507/data</a:t>
-            </a:r>
-            <a:r>
-              <a:rPr lang="en-US" dirty="0">
+                <a:solidFill>
+                  <a:srgbClr val="0070C0"/>
+                </a:solidFill>
                 <a:effectLst/>
               </a:rPr>
               <a:t> </a:t>
             </a:r>
-            <a:endParaRPr lang="en-US" dirty="0" smtClean="0">
-              <a:effectLst/>
-            </a:endParaRPr>
           </a:p>
           <a:p>
             <a:pPr lvl="1"/>
             <a:r>
-              <a:rPr lang="en-US" dirty="0" smtClean="0">
+              <a:rPr lang="en-US" sz="2400" dirty="0">
                 <a:effectLst/>
               </a:rPr>
               <a:t>NYSE DATA FROM 2010-2016</a:t>
             </a:r>
-            <a:endParaRPr lang="en-US" dirty="0"/>
+            <a:endParaRPr lang="en-US" sz="2400" dirty="0"/>
           </a:p>
         </p:txBody>
       </p:sp>
@@ -5920,7 +6450,13 @@
       </p:grpSpPr>
       <p:sp>
         <p:nvSpPr>
-          <p:cNvPr id="2" name="Title 1"/>
+          <p:cNvPr id="2" name="Title 1">
+            <a:extLst>
+              <a:ext uri="{FF2B5EF4-FFF2-40B4-BE49-F238E27FC236}">
+                <a16:creationId xmlns:a16="http://schemas.microsoft.com/office/drawing/2014/main" id="{26822B25-6E46-4AEF-929A-5ADCB6FBC7A7}"/>
+              </a:ext>
+            </a:extLst>
+          </p:cNvPr>
           <p:cNvSpPr>
             <a:spLocks noGrp="1"/>
           </p:cNvSpPr>
@@ -5928,16 +6464,528 @@
             <p:ph type="title"/>
           </p:nvPr>
         </p:nvSpPr>
-        <p:spPr/>
+        <p:spPr>
+          <a:xfrm>
+            <a:off x="1484309" y="0"/>
+            <a:ext cx="10018713" cy="1483963"/>
+          </a:xfrm>
+        </p:spPr>
         <p:txBody>
           <a:bodyPr/>
           <a:lstStyle/>
           <a:p>
             <a:r>
-              <a:rPr lang="en-US" dirty="0" smtClean="0"/>
+              <a:rPr lang="en-US" dirty="0"/>
+              <a:t>Data</a:t>
+            </a:r>
+          </a:p>
+        </p:txBody>
+      </p:sp>
+      <p:sp>
+        <p:nvSpPr>
+          <p:cNvPr id="3" name="Content Placeholder 2">
+            <a:extLst>
+              <a:ext uri="{FF2B5EF4-FFF2-40B4-BE49-F238E27FC236}">
+                <a16:creationId xmlns:a16="http://schemas.microsoft.com/office/drawing/2014/main" id="{89274F08-7D4E-45B1-9D36-7117C50B3C3A}"/>
+              </a:ext>
+            </a:extLst>
+          </p:cNvPr>
+          <p:cNvSpPr>
+            <a:spLocks noGrp="1"/>
+          </p:cNvSpPr>
+          <p:nvPr>
+            <p:ph idx="1"/>
+          </p:nvPr>
+        </p:nvSpPr>
+        <p:spPr>
+          <a:xfrm>
+            <a:off x="1484310" y="1175288"/>
+            <a:ext cx="10018713" cy="5566475"/>
+          </a:xfrm>
+        </p:spPr>
+        <p:txBody>
+          <a:bodyPr>
+            <a:normAutofit/>
+          </a:bodyPr>
+          <a:lstStyle/>
+          <a:p>
+            <a:pPr marL="0" indent="0">
+              <a:buNone/>
+            </a:pPr>
+            <a:r>
+              <a:rPr lang="en-US" dirty="0"/>
+              <a:t>The data consists New York Stock Exchange data from 2010 to 2016.  It is made up of four files.</a:t>
+            </a:r>
+          </a:p>
+          <a:p>
+            <a:pPr marL="0" indent="0">
+              <a:buNone/>
+            </a:pPr>
+            <a:endParaRPr lang="en-US" dirty="0"/>
+          </a:p>
+          <a:p>
+            <a:pPr marL="0" indent="0">
+              <a:buNone/>
+            </a:pPr>
+            <a:r>
+              <a:rPr lang="en-US" b="1" dirty="0"/>
+              <a:t>Prices.csv</a:t>
+            </a:r>
+            <a:r>
+              <a:rPr lang="en-US" dirty="0"/>
+              <a:t> - Raw daily stock prices  50.4MB</a:t>
+            </a:r>
+          </a:p>
+          <a:p>
+            <a:pPr marL="0" indent="0">
+              <a:buNone/>
+            </a:pPr>
+            <a:r>
+              <a:rPr lang="en-US" b="1" dirty="0"/>
+              <a:t>Prices-split</a:t>
+            </a:r>
+            <a:r>
+              <a:rPr lang="en-US" dirty="0"/>
+              <a:t>-adjusted.csv – adjustment for and stock splits  51.4MB</a:t>
+            </a:r>
+          </a:p>
+          <a:p>
+            <a:pPr marL="0" indent="0">
+              <a:buNone/>
+            </a:pPr>
+            <a:r>
+              <a:rPr lang="en-US" b="1" dirty="0"/>
+              <a:t>Securities.csv </a:t>
+            </a:r>
+            <a:r>
+              <a:rPr lang="en-US" dirty="0"/>
+              <a:t>– descriptions of the companies and different sectors  60KB</a:t>
+            </a:r>
+          </a:p>
+          <a:p>
+            <a:pPr marL="0" indent="0">
+              <a:buNone/>
+            </a:pPr>
+            <a:r>
+              <a:rPr lang="en-US" b="1" dirty="0"/>
+              <a:t>Fundamentals.csv </a:t>
+            </a:r>
+            <a:r>
+              <a:rPr lang="en-US" dirty="0"/>
+              <a:t>– SEC 10K filings for each company  1.3MB</a:t>
+            </a:r>
+          </a:p>
+          <a:p>
+            <a:pPr marL="0" indent="0">
+              <a:buNone/>
+            </a:pPr>
+            <a:endParaRPr lang="en-US" dirty="0"/>
+          </a:p>
+          <a:p>
+            <a:pPr marL="0" indent="0">
+              <a:buNone/>
+            </a:pPr>
+            <a:r>
+              <a:rPr lang="en-US" dirty="0"/>
+              <a:t>This data was used in a SQL database on two Mac machines running the SQL server on Bluemix and one Windows 10 Machine running SQLite3.</a:t>
+            </a:r>
+          </a:p>
+        </p:txBody>
+      </p:sp>
+    </p:spTree>
+    <p:extLst>
+      <p:ext uri="{BB962C8B-B14F-4D97-AF65-F5344CB8AC3E}">
+        <p14:creationId xmlns:p14="http://schemas.microsoft.com/office/powerpoint/2010/main" val="4271824628"/>
+      </p:ext>
+    </p:extLst>
+  </p:cSld>
+  <p:clrMapOvr>
+    <a:masterClrMapping/>
+  </p:clrMapOvr>
+</p:sld>
+</file>
+
+<file path=ppt/slides/slide4.xml><?xml version="1.0" encoding="utf-8"?>
+<p:sld xmlns:a="http://schemas.openxmlformats.org/drawingml/2006/main" xmlns:r="http://schemas.openxmlformats.org/officeDocument/2006/relationships" xmlns:p="http://schemas.openxmlformats.org/presentationml/2006/main">
+  <p:cSld>
+    <p:spTree>
+      <p:nvGrpSpPr>
+        <p:cNvPr id="1" name=""/>
+        <p:cNvGrpSpPr/>
+        <p:nvPr/>
+      </p:nvGrpSpPr>
+      <p:grpSpPr>
+        <a:xfrm>
+          <a:off x="0" y="0"/>
+          <a:ext cx="0" cy="0"/>
+          <a:chOff x="0" y="0"/>
+          <a:chExt cx="0" cy="0"/>
+        </a:xfrm>
+      </p:grpSpPr>
+      <p:sp>
+        <p:nvSpPr>
+          <p:cNvPr id="2" name="Title 1">
+            <a:extLst>
+              <a:ext uri="{FF2B5EF4-FFF2-40B4-BE49-F238E27FC236}">
+                <a16:creationId xmlns:a16="http://schemas.microsoft.com/office/drawing/2014/main" id="{26822B25-6E46-4AEF-929A-5ADCB6FBC7A7}"/>
+              </a:ext>
+            </a:extLst>
+          </p:cNvPr>
+          <p:cNvSpPr>
+            <a:spLocks noGrp="1"/>
+          </p:cNvSpPr>
+          <p:nvPr>
+            <p:ph type="title"/>
+          </p:nvPr>
+        </p:nvSpPr>
+        <p:spPr>
+          <a:xfrm>
+            <a:off x="1484309" y="0"/>
+            <a:ext cx="10018713" cy="1483963"/>
+          </a:xfrm>
+        </p:spPr>
+        <p:txBody>
+          <a:bodyPr/>
+          <a:lstStyle/>
+          <a:p>
+            <a:r>
+              <a:rPr lang="en-US" dirty="0"/>
+              <a:t>Data</a:t>
+            </a:r>
+          </a:p>
+        </p:txBody>
+      </p:sp>
+      <p:sp>
+        <p:nvSpPr>
+          <p:cNvPr id="3" name="Content Placeholder 2">
+            <a:extLst>
+              <a:ext uri="{FF2B5EF4-FFF2-40B4-BE49-F238E27FC236}">
+                <a16:creationId xmlns:a16="http://schemas.microsoft.com/office/drawing/2014/main" id="{89274F08-7D4E-45B1-9D36-7117C50B3C3A}"/>
+              </a:ext>
+            </a:extLst>
+          </p:cNvPr>
+          <p:cNvSpPr>
+            <a:spLocks noGrp="1"/>
+          </p:cNvSpPr>
+          <p:nvPr>
+            <p:ph idx="1"/>
+          </p:nvPr>
+        </p:nvSpPr>
+        <p:spPr>
+          <a:xfrm>
+            <a:off x="1484310" y="1175288"/>
+            <a:ext cx="10018713" cy="3026967"/>
+          </a:xfrm>
+        </p:spPr>
+        <p:txBody>
+          <a:bodyPr>
+            <a:noAutofit/>
+          </a:bodyPr>
+          <a:lstStyle/>
+          <a:p>
+            <a:pPr marL="0" indent="0">
+              <a:buNone/>
+            </a:pPr>
+            <a:r>
+              <a:rPr lang="en-US" b="1" dirty="0"/>
+              <a:t>Prices.csv</a:t>
+            </a:r>
+            <a:r>
+              <a:rPr lang="en-US" dirty="0"/>
+              <a:t> - Raw daily stock prices  50.4MB</a:t>
+            </a:r>
+          </a:p>
+          <a:p>
+            <a:pPr marL="0" indent="0">
+              <a:buNone/>
+            </a:pPr>
+            <a:r>
+              <a:rPr lang="en-US" b="1" dirty="0"/>
+              <a:t>Prices-split</a:t>
+            </a:r>
+            <a:r>
+              <a:rPr lang="en-US" dirty="0"/>
+              <a:t>-adjusted.csv – adjustment for and stock splits  51.4MB</a:t>
+            </a:r>
+          </a:p>
+          <a:p>
+            <a:pPr marL="0" indent="0">
+              <a:buNone/>
+            </a:pPr>
+            <a:r>
+              <a:rPr lang="en-US" dirty="0"/>
+              <a:t>The heading for Prices.csv  and Prices-Split.csv are  Date, Symbol, Open, Close, Low, High, and Volume</a:t>
+            </a:r>
+          </a:p>
+          <a:p>
+            <a:pPr marL="0" indent="0">
+              <a:buNone/>
+            </a:pPr>
+            <a:r>
+              <a:rPr lang="en-US" dirty="0"/>
+              <a:t> Example below.</a:t>
+            </a:r>
+          </a:p>
+        </p:txBody>
+      </p:sp>
+      <p:pic>
+        <p:nvPicPr>
+          <p:cNvPr id="5" name="Picture 4">
+            <a:extLst>
+              <a:ext uri="{FF2B5EF4-FFF2-40B4-BE49-F238E27FC236}">
+                <a16:creationId xmlns:a16="http://schemas.microsoft.com/office/drawing/2014/main" id="{C558E54D-880A-4D13-A5FA-7CD4C9E451BA}"/>
+              </a:ext>
+            </a:extLst>
+          </p:cNvPr>
+          <p:cNvPicPr>
+            <a:picLocks noChangeAspect="1"/>
+          </p:cNvPicPr>
+          <p:nvPr/>
+        </p:nvPicPr>
+        <p:blipFill rotWithShape="1">
+          <a:blip r:embed="rId2"/>
+          <a:srcRect l="4643" t="37698" r="79320" b="50678"/>
+          <a:stretch/>
+        </p:blipFill>
+        <p:spPr>
+          <a:xfrm>
+            <a:off x="1137893" y="4202255"/>
+            <a:ext cx="10711543" cy="2195962"/>
+          </a:xfrm>
+          <a:prstGeom prst="rect">
+            <a:avLst/>
+          </a:prstGeom>
+        </p:spPr>
+      </p:pic>
+    </p:spTree>
+    <p:extLst>
+      <p:ext uri="{BB962C8B-B14F-4D97-AF65-F5344CB8AC3E}">
+        <p14:creationId xmlns:p14="http://schemas.microsoft.com/office/powerpoint/2010/main" val="3330653893"/>
+      </p:ext>
+    </p:extLst>
+  </p:cSld>
+  <p:clrMapOvr>
+    <a:masterClrMapping/>
+  </p:clrMapOvr>
+</p:sld>
+</file>
+
+<file path=ppt/slides/slide5.xml><?xml version="1.0" encoding="utf-8"?>
+<p:sld xmlns:a="http://schemas.openxmlformats.org/drawingml/2006/main" xmlns:r="http://schemas.openxmlformats.org/officeDocument/2006/relationships" xmlns:p="http://schemas.openxmlformats.org/presentationml/2006/main">
+  <p:cSld>
+    <p:spTree>
+      <p:nvGrpSpPr>
+        <p:cNvPr id="1" name=""/>
+        <p:cNvGrpSpPr/>
+        <p:nvPr/>
+      </p:nvGrpSpPr>
+      <p:grpSpPr>
+        <a:xfrm>
+          <a:off x="0" y="0"/>
+          <a:ext cx="0" cy="0"/>
+          <a:chOff x="0" y="0"/>
+          <a:chExt cx="0" cy="0"/>
+        </a:xfrm>
+      </p:grpSpPr>
+      <p:sp>
+        <p:nvSpPr>
+          <p:cNvPr id="2" name="Title 1">
+            <a:extLst>
+              <a:ext uri="{FF2B5EF4-FFF2-40B4-BE49-F238E27FC236}">
+                <a16:creationId xmlns:a16="http://schemas.microsoft.com/office/drawing/2014/main" id="{26822B25-6E46-4AEF-929A-5ADCB6FBC7A7}"/>
+              </a:ext>
+            </a:extLst>
+          </p:cNvPr>
+          <p:cNvSpPr>
+            <a:spLocks noGrp="1"/>
+          </p:cNvSpPr>
+          <p:nvPr>
+            <p:ph type="title"/>
+          </p:nvPr>
+        </p:nvSpPr>
+        <p:spPr>
+          <a:xfrm>
+            <a:off x="1484309" y="0"/>
+            <a:ext cx="10018713" cy="1483963"/>
+          </a:xfrm>
+        </p:spPr>
+        <p:txBody>
+          <a:bodyPr/>
+          <a:lstStyle/>
+          <a:p>
+            <a:r>
+              <a:rPr lang="en-US" dirty="0"/>
+              <a:t>Data</a:t>
+            </a:r>
+          </a:p>
+        </p:txBody>
+      </p:sp>
+      <p:sp>
+        <p:nvSpPr>
+          <p:cNvPr id="3" name="Content Placeholder 2">
+            <a:extLst>
+              <a:ext uri="{FF2B5EF4-FFF2-40B4-BE49-F238E27FC236}">
+                <a16:creationId xmlns:a16="http://schemas.microsoft.com/office/drawing/2014/main" id="{89274F08-7D4E-45B1-9D36-7117C50B3C3A}"/>
+              </a:ext>
+            </a:extLst>
+          </p:cNvPr>
+          <p:cNvSpPr>
+            <a:spLocks noGrp="1"/>
+          </p:cNvSpPr>
+          <p:nvPr>
+            <p:ph idx="1"/>
+          </p:nvPr>
+        </p:nvSpPr>
+        <p:spPr>
+          <a:xfrm>
+            <a:off x="1484310" y="1175288"/>
+            <a:ext cx="10018713" cy="5682712"/>
+          </a:xfrm>
+        </p:spPr>
+        <p:txBody>
+          <a:bodyPr>
+            <a:noAutofit/>
+          </a:bodyPr>
+          <a:lstStyle/>
+          <a:p>
+            <a:pPr marL="0" indent="0">
+              <a:buNone/>
+            </a:pPr>
+            <a:r>
+              <a:rPr lang="en-US" b="1" dirty="0"/>
+              <a:t>Securities.csv </a:t>
+            </a:r>
+            <a:r>
+              <a:rPr lang="en-US" dirty="0"/>
+              <a:t>– descriptions of the companies and different sectors  60KB</a:t>
+            </a:r>
+          </a:p>
+          <a:p>
+            <a:pPr marL="0" indent="0">
+              <a:buNone/>
+            </a:pPr>
+            <a:r>
+              <a:rPr lang="en-US" dirty="0"/>
+              <a:t>The heading for Securities.csv  are  Ticker Symbol, Security, SEC filings, GICS Sector, GICS Sub Industry, Address of Headquarter, Date first added, CIK</a:t>
+            </a:r>
+          </a:p>
+          <a:p>
+            <a:pPr marL="0" indent="0">
+              <a:buNone/>
+            </a:pPr>
+            <a:endParaRPr lang="en-US" dirty="0"/>
+          </a:p>
+          <a:p>
+            <a:pPr marL="0" indent="0">
+              <a:buNone/>
+            </a:pPr>
+            <a:r>
+              <a:rPr lang="en-US" b="1" dirty="0"/>
+              <a:t>Fundamentals.csv </a:t>
+            </a:r>
+            <a:r>
+              <a:rPr lang="en-US" dirty="0"/>
+              <a:t>– SEC 10K filings for each company</a:t>
+            </a:r>
+          </a:p>
+          <a:p>
+            <a:pPr marL="0" indent="0">
+              <a:buNone/>
+            </a:pPr>
+            <a:r>
+              <a:rPr lang="en-US" dirty="0"/>
+              <a:t>The headings for fundamentals is ID, Ticker Symbol, Period Ending, Accounts Payable, </a:t>
+            </a:r>
+            <a:r>
+              <a:rPr lang="en-US" dirty="0" err="1"/>
+              <a:t>Add’l</a:t>
+            </a:r>
+            <a:r>
+              <a:rPr lang="en-US" dirty="0"/>
+              <a:t> income/expense items, After tax ROE, Capital Expenditures, Capital surplus, Cash Ratio, cash and Cash equivalents Changes in Inventories, Common Stocks, Cost of revenue, Current ratio, deferred Asset Charges, Deferred Liability Charges, Depreciation, earnings </a:t>
+            </a:r>
+            <a:r>
+              <a:rPr lang="en-US" dirty="0" err="1"/>
+              <a:t>Befroe</a:t>
+            </a:r>
+            <a:r>
+              <a:rPr lang="en-US" dirty="0"/>
+              <a:t> Interest and tax, Earning Before tax….and 61 others covering all Net, Gross, and Tax  </a:t>
+            </a:r>
+            <a:r>
+              <a:rPr lang="en-US" dirty="0" err="1"/>
+              <a:t>Expendature</a:t>
+            </a:r>
+            <a:r>
+              <a:rPr lang="en-US" dirty="0"/>
+              <a:t>, Revenue, or Liability.</a:t>
+            </a:r>
+          </a:p>
+          <a:p>
+            <a:pPr marL="0" indent="0">
+              <a:buNone/>
+            </a:pPr>
+            <a:r>
+              <a:rPr lang="en-US" dirty="0"/>
+              <a:t> These files take up to much screen to display an example below.</a:t>
+            </a:r>
+          </a:p>
+        </p:txBody>
+      </p:sp>
+    </p:spTree>
+    <p:extLst>
+      <p:ext uri="{BB962C8B-B14F-4D97-AF65-F5344CB8AC3E}">
+        <p14:creationId xmlns:p14="http://schemas.microsoft.com/office/powerpoint/2010/main" val="3586946995"/>
+      </p:ext>
+    </p:extLst>
+  </p:cSld>
+  <p:clrMapOvr>
+    <a:masterClrMapping/>
+  </p:clrMapOvr>
+</p:sld>
+</file>
+
+<file path=ppt/slides/slide6.xml><?xml version="1.0" encoding="utf-8"?>
+<p:sld xmlns:a="http://schemas.openxmlformats.org/drawingml/2006/main" xmlns:r="http://schemas.openxmlformats.org/officeDocument/2006/relationships" xmlns:p="http://schemas.openxmlformats.org/presentationml/2006/main">
+  <p:cSld>
+    <p:spTree>
+      <p:nvGrpSpPr>
+        <p:cNvPr id="1" name=""/>
+        <p:cNvGrpSpPr/>
+        <p:nvPr/>
+      </p:nvGrpSpPr>
+      <p:grpSpPr>
+        <a:xfrm>
+          <a:off x="0" y="0"/>
+          <a:ext cx="0" cy="0"/>
+          <a:chOff x="0" y="0"/>
+          <a:chExt cx="0" cy="0"/>
+        </a:xfrm>
+      </p:grpSpPr>
+      <p:sp>
+        <p:nvSpPr>
+          <p:cNvPr id="2" name="Title 1"/>
+          <p:cNvSpPr>
+            <a:spLocks noGrp="1"/>
+          </p:cNvSpPr>
+          <p:nvPr>
+            <p:ph type="title"/>
+          </p:nvPr>
+        </p:nvSpPr>
+        <p:spPr>
+          <a:xfrm>
+            <a:off x="1484310" y="19373"/>
+            <a:ext cx="10018713" cy="1282485"/>
+          </a:xfrm>
+        </p:spPr>
+        <p:txBody>
+          <a:bodyPr/>
+          <a:lstStyle/>
+          <a:p>
+            <a:r>
+              <a:rPr lang="en-US" dirty="0"/>
               <a:t>MYSQL DATABASE</a:t>
             </a:r>
-            <a:endParaRPr lang="en-US" dirty="0"/>
           </a:p>
         </p:txBody>
       </p:sp>
@@ -5965,11 +7013,55 @@
         </p:blipFill>
         <p:spPr>
           <a:xfrm>
-            <a:off x="3171825" y="1941664"/>
-            <a:ext cx="6172200" cy="4830826"/>
+            <a:off x="3297612" y="2372421"/>
+            <a:ext cx="5542971" cy="4338345"/>
           </a:xfrm>
         </p:spPr>
       </p:pic>
+      <p:sp>
+        <p:nvSpPr>
+          <p:cNvPr id="3" name="TextBox 2">
+            <a:extLst>
+              <a:ext uri="{FF2B5EF4-FFF2-40B4-BE49-F238E27FC236}">
+                <a16:creationId xmlns:a16="http://schemas.microsoft.com/office/drawing/2014/main" id="{5FE08D2D-4F03-41CC-AD0D-5190FAF835C5}"/>
+              </a:ext>
+            </a:extLst>
+          </p:cNvPr>
+          <p:cNvSpPr txBox="1"/>
+          <p:nvPr/>
+        </p:nvSpPr>
+        <p:spPr>
+          <a:xfrm>
+            <a:off x="1484310" y="1449091"/>
+            <a:ext cx="10018713" cy="923330"/>
+          </a:xfrm>
+          <a:prstGeom prst="rect">
+            <a:avLst/>
+          </a:prstGeom>
+          <a:noFill/>
+        </p:spPr>
+        <p:txBody>
+          <a:bodyPr wrap="square" rtlCol="0">
+            <a:spAutoFit/>
+          </a:bodyPr>
+          <a:lstStyle/>
+          <a:p>
+            <a:r>
+              <a:rPr lang="en-US" dirty="0"/>
+              <a:t>The Data was put into an SQL Database with the Ticker Symbol as the unifying key.</a:t>
+            </a:r>
+          </a:p>
+          <a:p>
+            <a:endParaRPr lang="en-US" dirty="0"/>
+          </a:p>
+          <a:p>
+            <a:r>
+              <a:rPr lang="en-US" dirty="0"/>
+              <a:t>Relation shown below</a:t>
+            </a:r>
+          </a:p>
+        </p:txBody>
+      </p:sp>
     </p:spTree>
     <p:extLst>
       <p:ext uri="{BB962C8B-B14F-4D97-AF65-F5344CB8AC3E}">
@@ -5983,10 +7075,669 @@
 </p:sld>
 </file>
 
+<file path=ppt/slides/slide7.xml><?xml version="1.0" encoding="utf-8"?>
+<p:sld xmlns:a="http://schemas.openxmlformats.org/drawingml/2006/main" xmlns:r="http://schemas.openxmlformats.org/officeDocument/2006/relationships" xmlns:p="http://schemas.openxmlformats.org/presentationml/2006/main">
+  <p:cSld>
+    <p:spTree>
+      <p:nvGrpSpPr>
+        <p:cNvPr id="1" name=""/>
+        <p:cNvGrpSpPr/>
+        <p:nvPr/>
+      </p:nvGrpSpPr>
+      <p:grpSpPr>
+        <a:xfrm>
+          <a:off x="0" y="0"/>
+          <a:ext cx="0" cy="0"/>
+          <a:chOff x="0" y="0"/>
+          <a:chExt cx="0" cy="0"/>
+        </a:xfrm>
+      </p:grpSpPr>
+      <p:sp>
+        <p:nvSpPr>
+          <p:cNvPr id="2" name="Title 1"/>
+          <p:cNvSpPr>
+            <a:spLocks noGrp="1"/>
+          </p:cNvSpPr>
+          <p:nvPr>
+            <p:ph type="title"/>
+          </p:nvPr>
+        </p:nvSpPr>
+        <p:spPr>
+          <a:xfrm>
+            <a:off x="1484310" y="19373"/>
+            <a:ext cx="10018713" cy="1282485"/>
+          </a:xfrm>
+        </p:spPr>
+        <p:txBody>
+          <a:bodyPr/>
+          <a:lstStyle/>
+          <a:p>
+            <a:r>
+              <a:rPr lang="en-US" dirty="0"/>
+              <a:t>MYSQL DATABASE DDL example</a:t>
+            </a:r>
+          </a:p>
+        </p:txBody>
+      </p:sp>
+      <p:sp>
+        <p:nvSpPr>
+          <p:cNvPr id="3" name="TextBox 2">
+            <a:extLst>
+              <a:ext uri="{FF2B5EF4-FFF2-40B4-BE49-F238E27FC236}">
+                <a16:creationId xmlns:a16="http://schemas.microsoft.com/office/drawing/2014/main" id="{5FE08D2D-4F03-41CC-AD0D-5190FAF835C5}"/>
+              </a:ext>
+            </a:extLst>
+          </p:cNvPr>
+          <p:cNvSpPr txBox="1"/>
+          <p:nvPr/>
+        </p:nvSpPr>
+        <p:spPr>
+          <a:xfrm>
+            <a:off x="1484310" y="1449091"/>
+            <a:ext cx="10018713" cy="5355312"/>
+          </a:xfrm>
+          <a:prstGeom prst="rect">
+            <a:avLst/>
+          </a:prstGeom>
+          <a:noFill/>
+        </p:spPr>
+        <p:txBody>
+          <a:bodyPr wrap="square" rtlCol="0">
+            <a:spAutoFit/>
+          </a:bodyPr>
+          <a:lstStyle/>
+          <a:p>
+            <a:endParaRPr lang="en-US" dirty="0"/>
+          </a:p>
+          <a:p>
+            <a:r>
+              <a:rPr lang="en-US" dirty="0"/>
+              <a:t>CREATE TABLE securities </a:t>
+            </a:r>
+          </a:p>
+          <a:p>
+            <a:r>
+              <a:rPr lang="en-US" dirty="0"/>
+              <a:t>(</a:t>
+            </a:r>
+          </a:p>
+          <a:p>
+            <a:r>
+              <a:rPr lang="en-US" dirty="0"/>
+              <a:t>	symbol VARCHAR(5) PRIMARY KEY,</a:t>
+            </a:r>
+          </a:p>
+          <a:p>
+            <a:r>
+              <a:rPr lang="en-US" dirty="0"/>
+              <a:t>	Security VARCHAR(20) NOT NULL,</a:t>
+            </a:r>
+          </a:p>
+          <a:p>
+            <a:r>
+              <a:rPr lang="en-US" dirty="0"/>
+              <a:t>	</a:t>
+            </a:r>
+            <a:r>
+              <a:rPr lang="en-US" dirty="0" err="1"/>
+              <a:t>SEC_filings</a:t>
+            </a:r>
+            <a:r>
+              <a:rPr lang="en-US" dirty="0"/>
+              <a:t> CHAR(7) NOT NULL,</a:t>
+            </a:r>
+          </a:p>
+          <a:p>
+            <a:r>
+              <a:rPr lang="en-US" dirty="0"/>
+              <a:t>	</a:t>
+            </a:r>
+            <a:r>
+              <a:rPr lang="en-US" dirty="0" err="1"/>
+              <a:t>GICS_Sector</a:t>
+            </a:r>
+            <a:r>
+              <a:rPr lang="en-US" dirty="0"/>
+              <a:t> VARCHAR(20) NOT NULL,</a:t>
+            </a:r>
+          </a:p>
+          <a:p>
+            <a:r>
+              <a:rPr lang="en-US" dirty="0"/>
+              <a:t>	</a:t>
+            </a:r>
+            <a:r>
+              <a:rPr lang="en-US" dirty="0" err="1"/>
+              <a:t>GICS_Sub_Industry</a:t>
+            </a:r>
+            <a:r>
+              <a:rPr lang="en-US" dirty="0"/>
+              <a:t> VARCHAR(30) NOT NULL,</a:t>
+            </a:r>
+          </a:p>
+          <a:p>
+            <a:r>
+              <a:rPr lang="en-US" dirty="0"/>
+              <a:t>	Address VARCHAR(25) NOT NULL,</a:t>
+            </a:r>
+          </a:p>
+          <a:p>
+            <a:r>
+              <a:rPr lang="en-US" dirty="0"/>
+              <a:t>	</a:t>
+            </a:r>
+            <a:r>
+              <a:rPr lang="en-US" dirty="0" err="1"/>
+              <a:t>Date_first_added</a:t>
+            </a:r>
+            <a:r>
+              <a:rPr lang="en-US" dirty="0"/>
+              <a:t> DATE,</a:t>
+            </a:r>
+          </a:p>
+          <a:p>
+            <a:r>
+              <a:rPr lang="en-US" dirty="0"/>
+              <a:t>	CIK INT NOT NULL</a:t>
+            </a:r>
+          </a:p>
+          <a:p>
+            <a:r>
+              <a:rPr lang="en-US" dirty="0"/>
+              <a:t>);</a:t>
+            </a:r>
+          </a:p>
+          <a:p>
+            <a:endParaRPr lang="en-US" dirty="0"/>
+          </a:p>
+          <a:p>
+            <a:endParaRPr lang="en-US" dirty="0"/>
+          </a:p>
+          <a:p>
+            <a:endParaRPr lang="en-US" dirty="0"/>
+          </a:p>
+          <a:p>
+            <a:endParaRPr lang="en-US" dirty="0"/>
+          </a:p>
+          <a:p>
+            <a:endParaRPr lang="en-US" dirty="0"/>
+          </a:p>
+          <a:p>
+            <a:endParaRPr lang="en-US" dirty="0"/>
+          </a:p>
+          <a:p>
+            <a:r>
+              <a:rPr lang="en-US" dirty="0"/>
+              <a:t>The entire DDL structure is located in the </a:t>
+            </a:r>
+            <a:r>
+              <a:rPr lang="en-US" dirty="0" err="1"/>
+              <a:t>github</a:t>
+            </a:r>
+            <a:r>
+              <a:rPr lang="en-US" dirty="0"/>
+              <a:t> link displayed on the first slide</a:t>
+            </a:r>
+          </a:p>
+        </p:txBody>
+      </p:sp>
+    </p:spTree>
+    <p:extLst>
+      <p:ext uri="{BB962C8B-B14F-4D97-AF65-F5344CB8AC3E}">
+        <p14:creationId xmlns:p14="http://schemas.microsoft.com/office/powerpoint/2010/main" val="2740237508"/>
+      </p:ext>
+    </p:extLst>
+  </p:cSld>
+  <p:clrMapOvr>
+    <a:masterClrMapping/>
+  </p:clrMapOvr>
+</p:sld>
+</file>
+
+<file path=ppt/slides/slide8.xml><?xml version="1.0" encoding="utf-8"?>
+<p:sld xmlns:a="http://schemas.openxmlformats.org/drawingml/2006/main" xmlns:r="http://schemas.openxmlformats.org/officeDocument/2006/relationships" xmlns:p="http://schemas.openxmlformats.org/presentationml/2006/main">
+  <p:cSld>
+    <p:spTree>
+      <p:nvGrpSpPr>
+        <p:cNvPr id="1" name=""/>
+        <p:cNvGrpSpPr/>
+        <p:nvPr/>
+      </p:nvGrpSpPr>
+      <p:grpSpPr>
+        <a:xfrm>
+          <a:off x="0" y="0"/>
+          <a:ext cx="0" cy="0"/>
+          <a:chOff x="0" y="0"/>
+          <a:chExt cx="0" cy="0"/>
+        </a:xfrm>
+      </p:grpSpPr>
+      <p:sp>
+        <p:nvSpPr>
+          <p:cNvPr id="2" name="Title 1"/>
+          <p:cNvSpPr>
+            <a:spLocks noGrp="1"/>
+          </p:cNvSpPr>
+          <p:nvPr>
+            <p:ph type="title"/>
+          </p:nvPr>
+        </p:nvSpPr>
+        <p:spPr>
+          <a:xfrm>
+            <a:off x="1484310" y="19373"/>
+            <a:ext cx="10018713" cy="1282485"/>
+          </a:xfrm>
+        </p:spPr>
+        <p:txBody>
+          <a:bodyPr/>
+          <a:lstStyle/>
+          <a:p>
+            <a:r>
+              <a:rPr lang="en-US" dirty="0"/>
+              <a:t>MYSQL DATABASE DML example</a:t>
+            </a:r>
+          </a:p>
+        </p:txBody>
+      </p:sp>
+      <p:sp>
+        <p:nvSpPr>
+          <p:cNvPr id="3" name="TextBox 2">
+            <a:extLst>
+              <a:ext uri="{FF2B5EF4-FFF2-40B4-BE49-F238E27FC236}">
+                <a16:creationId xmlns:a16="http://schemas.microsoft.com/office/drawing/2014/main" id="{5FE08D2D-4F03-41CC-AD0D-5190FAF835C5}"/>
+              </a:ext>
+            </a:extLst>
+          </p:cNvPr>
+          <p:cNvSpPr txBox="1"/>
+          <p:nvPr/>
+        </p:nvSpPr>
+        <p:spPr>
+          <a:xfrm>
+            <a:off x="1484310" y="1449091"/>
+            <a:ext cx="10018713" cy="5355312"/>
+          </a:xfrm>
+          <a:prstGeom prst="rect">
+            <a:avLst/>
+          </a:prstGeom>
+          <a:noFill/>
+        </p:spPr>
+        <p:txBody>
+          <a:bodyPr wrap="square" rtlCol="0">
+            <a:spAutoFit/>
+          </a:bodyPr>
+          <a:lstStyle/>
+          <a:p>
+            <a:r>
+              <a:rPr lang="en-US" dirty="0"/>
+              <a:t>use stocks;</a:t>
+            </a:r>
+          </a:p>
+          <a:p>
+            <a:endParaRPr lang="en-US" dirty="0"/>
+          </a:p>
+          <a:p>
+            <a:r>
+              <a:rPr lang="en-US" dirty="0"/>
+              <a:t>LOAD DATA LOCAL INFILE '/Users/Ethan/Desktop/</a:t>
+            </a:r>
+            <a:r>
+              <a:rPr lang="en-US" dirty="0" err="1"/>
+              <a:t>nyse</a:t>
+            </a:r>
+            <a:r>
+              <a:rPr lang="en-US" dirty="0"/>
+              <a:t>/securities.csv' INTO TABLE securities</a:t>
+            </a:r>
+          </a:p>
+          <a:p>
+            <a:r>
+              <a:rPr lang="en-US" dirty="0"/>
+              <a:t>FIELDS TERMINATED BY ',' ENCLOSED BY '"' IGNORE 1 LINES;</a:t>
+            </a:r>
+          </a:p>
+          <a:p>
+            <a:r>
+              <a:rPr lang="en-US" dirty="0"/>
+              <a:t>LOAD DATA LOCAL INFILE '/Users/Ethan/Desktop/</a:t>
+            </a:r>
+            <a:r>
+              <a:rPr lang="en-US" dirty="0" err="1"/>
+              <a:t>nyse</a:t>
+            </a:r>
+            <a:r>
+              <a:rPr lang="en-US" dirty="0"/>
+              <a:t>/prices.csv' INTO TABLE prices</a:t>
+            </a:r>
+          </a:p>
+          <a:p>
+            <a:endParaRPr lang="en-US" dirty="0"/>
+          </a:p>
+          <a:p>
+            <a:r>
+              <a:rPr lang="en-US" dirty="0"/>
+              <a:t>FIELDS TERMINATED BY ',' IGNORE 1 LINES;</a:t>
+            </a:r>
+          </a:p>
+          <a:p>
+            <a:endParaRPr lang="en-US" dirty="0"/>
+          </a:p>
+          <a:p>
+            <a:r>
+              <a:rPr lang="en-US" dirty="0"/>
+              <a:t>CREATE  OR REPLACE VIEW assets AS </a:t>
+            </a:r>
+          </a:p>
+          <a:p>
+            <a:r>
+              <a:rPr lang="en-US" dirty="0"/>
+              <a:t>	SELECT 	</a:t>
+            </a:r>
+            <a:r>
+              <a:rPr lang="en-US" dirty="0" err="1"/>
+              <a:t>avg</a:t>
+            </a:r>
+            <a:r>
+              <a:rPr lang="en-US" dirty="0"/>
+              <a:t>(</a:t>
+            </a:r>
+            <a:r>
+              <a:rPr lang="en-US" dirty="0" err="1"/>
+              <a:t>Total_Assets</a:t>
+            </a:r>
+            <a:r>
+              <a:rPr lang="en-US" dirty="0"/>
+              <a:t>) as Assets, symbol FROM </a:t>
+            </a:r>
+          </a:p>
+          <a:p>
+            <a:r>
+              <a:rPr lang="en-US" dirty="0"/>
+              <a:t>    fundamentals Group By symbol ORDER BY Assets DESC LIMIT 10;</a:t>
+            </a:r>
+          </a:p>
+          <a:p>
+            <a:endParaRPr lang="en-US" dirty="0"/>
+          </a:p>
+          <a:p>
+            <a:endParaRPr lang="en-US" dirty="0"/>
+          </a:p>
+          <a:p>
+            <a:endParaRPr lang="en-US" dirty="0"/>
+          </a:p>
+          <a:p>
+            <a:endParaRPr lang="en-US" dirty="0"/>
+          </a:p>
+          <a:p>
+            <a:endParaRPr lang="en-US" dirty="0"/>
+          </a:p>
+          <a:p>
+            <a:endParaRPr lang="en-US" dirty="0"/>
+          </a:p>
+          <a:p>
+            <a:endParaRPr lang="en-US" dirty="0"/>
+          </a:p>
+          <a:p>
+            <a:r>
+              <a:rPr lang="en-US" dirty="0"/>
+              <a:t>The entire DML structure is located in the </a:t>
+            </a:r>
+            <a:r>
+              <a:rPr lang="en-US" dirty="0" err="1"/>
+              <a:t>github</a:t>
+            </a:r>
+            <a:r>
+              <a:rPr lang="en-US" dirty="0"/>
+              <a:t> link displayed on the first slide</a:t>
+            </a:r>
+          </a:p>
+        </p:txBody>
+      </p:sp>
+    </p:spTree>
+    <p:extLst>
+      <p:ext uri="{BB962C8B-B14F-4D97-AF65-F5344CB8AC3E}">
+        <p14:creationId xmlns:p14="http://schemas.microsoft.com/office/powerpoint/2010/main" val="1665571931"/>
+      </p:ext>
+    </p:extLst>
+  </p:cSld>
+  <p:clrMapOvr>
+    <a:masterClrMapping/>
+  </p:clrMapOvr>
+</p:sld>
+</file>
+
+<file path=ppt/slides/slide9.xml><?xml version="1.0" encoding="utf-8"?>
+<p:sld xmlns:a="http://schemas.openxmlformats.org/drawingml/2006/main" xmlns:r="http://schemas.openxmlformats.org/officeDocument/2006/relationships" xmlns:p="http://schemas.openxmlformats.org/presentationml/2006/main">
+  <p:cSld>
+    <p:spTree>
+      <p:nvGrpSpPr>
+        <p:cNvPr id="1" name=""/>
+        <p:cNvGrpSpPr/>
+        <p:nvPr/>
+      </p:nvGrpSpPr>
+      <p:grpSpPr>
+        <a:xfrm>
+          <a:off x="0" y="0"/>
+          <a:ext cx="0" cy="0"/>
+          <a:chOff x="0" y="0"/>
+          <a:chExt cx="0" cy="0"/>
+        </a:xfrm>
+      </p:grpSpPr>
+      <p:sp>
+        <p:nvSpPr>
+          <p:cNvPr id="2" name="Title 1"/>
+          <p:cNvSpPr>
+            <a:spLocks noGrp="1"/>
+          </p:cNvSpPr>
+          <p:nvPr>
+            <p:ph type="title"/>
+          </p:nvPr>
+        </p:nvSpPr>
+        <p:spPr>
+          <a:xfrm>
+            <a:off x="1484310" y="19373"/>
+            <a:ext cx="10018713" cy="1282485"/>
+          </a:xfrm>
+        </p:spPr>
+        <p:txBody>
+          <a:bodyPr/>
+          <a:lstStyle/>
+          <a:p>
+            <a:r>
+              <a:rPr lang="en-US" dirty="0"/>
+              <a:t>Insight 1</a:t>
+            </a:r>
+          </a:p>
+        </p:txBody>
+      </p:sp>
+      <p:sp>
+        <p:nvSpPr>
+          <p:cNvPr id="3" name="TextBox 2">
+            <a:extLst>
+              <a:ext uri="{FF2B5EF4-FFF2-40B4-BE49-F238E27FC236}">
+                <a16:creationId xmlns:a16="http://schemas.microsoft.com/office/drawing/2014/main" id="{5FE08D2D-4F03-41CC-AD0D-5190FAF835C5}"/>
+              </a:ext>
+            </a:extLst>
+          </p:cNvPr>
+          <p:cNvSpPr txBox="1"/>
+          <p:nvPr/>
+        </p:nvSpPr>
+        <p:spPr>
+          <a:xfrm>
+            <a:off x="1484310" y="1449091"/>
+            <a:ext cx="10018713" cy="4801314"/>
+          </a:xfrm>
+          <a:prstGeom prst="rect">
+            <a:avLst/>
+          </a:prstGeom>
+          <a:noFill/>
+        </p:spPr>
+        <p:txBody>
+          <a:bodyPr wrap="square" rtlCol="0">
+            <a:spAutoFit/>
+          </a:bodyPr>
+          <a:lstStyle/>
+          <a:p>
+            <a:r>
+              <a:rPr lang="en-US" dirty="0"/>
+              <a:t>Is there a relationship between stock growth and </a:t>
+            </a:r>
+            <a:r>
+              <a:rPr lang="en-US" dirty="0" err="1"/>
+              <a:t>volatily</a:t>
+            </a:r>
+            <a:r>
+              <a:rPr lang="en-US" dirty="0"/>
+              <a:t>?</a:t>
+            </a:r>
+          </a:p>
+          <a:p>
+            <a:endParaRPr lang="en-US" dirty="0"/>
+          </a:p>
+          <a:p>
+            <a:endParaRPr lang="en-US" dirty="0"/>
+          </a:p>
+          <a:p>
+            <a:r>
+              <a:rPr lang="en-US" dirty="0"/>
+              <a:t>We use prices-split-adjusted to account for changes of </a:t>
+            </a:r>
+          </a:p>
+          <a:p>
+            <a:r>
+              <a:rPr lang="en-US" dirty="0"/>
+              <a:t>Stock value based on splits.  We use the standard </a:t>
+            </a:r>
+          </a:p>
+          <a:p>
+            <a:r>
+              <a:rPr lang="en-US" dirty="0"/>
+              <a:t>deviation of the stock as a measure of </a:t>
+            </a:r>
+            <a:r>
+              <a:rPr lang="en-US" dirty="0" err="1"/>
+              <a:t>volatity</a:t>
+            </a:r>
+            <a:r>
+              <a:rPr lang="en-US" dirty="0"/>
+              <a:t>.</a:t>
+            </a:r>
+          </a:p>
+          <a:p>
+            <a:endParaRPr lang="en-US" dirty="0"/>
+          </a:p>
+          <a:p>
+            <a:endParaRPr lang="en-US" dirty="0"/>
+          </a:p>
+          <a:p>
+            <a:r>
+              <a:rPr lang="en-US" dirty="0"/>
+              <a:t>SELECT * FROM</a:t>
+            </a:r>
+          </a:p>
+          <a:p>
+            <a:r>
+              <a:rPr lang="en-US" dirty="0"/>
+              <a:t>  (</a:t>
+            </a:r>
+          </a:p>
+          <a:p>
+            <a:r>
+              <a:rPr lang="en-US" dirty="0"/>
+              <a:t>  SELECT symbol, max(high)-min(low) AS growth</a:t>
+            </a:r>
+          </a:p>
+          <a:p>
+            <a:r>
+              <a:rPr lang="en-US" dirty="0"/>
+              <a:t>  FROM </a:t>
+            </a:r>
+            <a:r>
+              <a:rPr lang="en-US" dirty="0" err="1"/>
+              <a:t>prices_split</a:t>
+            </a:r>
+            <a:endParaRPr lang="en-US" dirty="0"/>
+          </a:p>
+          <a:p>
+            <a:r>
+              <a:rPr lang="en-US" dirty="0"/>
+              <a:t>  GROUP BY symbol</a:t>
+            </a:r>
+          </a:p>
+          <a:p>
+            <a:r>
+              <a:rPr lang="en-US" dirty="0"/>
+              <a:t>  ) AS </a:t>
+            </a:r>
+            <a:r>
+              <a:rPr lang="en-US" dirty="0" err="1"/>
+              <a:t>subTable</a:t>
+            </a:r>
+            <a:r>
+              <a:rPr lang="en-US" dirty="0"/>
+              <a:t> ORDER BY growth ASC LIMIT 1;</a:t>
+            </a:r>
+          </a:p>
+          <a:p>
+            <a:endParaRPr lang="en-US" dirty="0"/>
+          </a:p>
+          <a:p>
+            <a:endParaRPr lang="en-US" dirty="0"/>
+          </a:p>
+          <a:p>
+            <a:endParaRPr lang="en-US" dirty="0"/>
+          </a:p>
+        </p:txBody>
+      </p:sp>
+      <p:pic>
+        <p:nvPicPr>
+          <p:cNvPr id="4" name="Picture 3">
+            <a:extLst>
+              <a:ext uri="{FF2B5EF4-FFF2-40B4-BE49-F238E27FC236}">
+                <a16:creationId xmlns:a16="http://schemas.microsoft.com/office/drawing/2014/main" id="{CA12F6A2-5AB2-4D88-81F2-9522E2AC6DA3}"/>
+              </a:ext>
+            </a:extLst>
+          </p:cNvPr>
+          <p:cNvPicPr/>
+          <p:nvPr/>
+        </p:nvPicPr>
+        <p:blipFill>
+          <a:blip r:embed="rId2">
+            <a:extLst>
+              <a:ext uri="{28A0092B-C50C-407E-A947-70E740481C1C}">
+                <a14:useLocalDpi xmlns:a14="http://schemas.microsoft.com/office/drawing/2010/main" val="0"/>
+              </a:ext>
+            </a:extLst>
+          </a:blip>
+          <a:stretch>
+            <a:fillRect/>
+          </a:stretch>
+        </p:blipFill>
+        <p:spPr>
+          <a:xfrm>
+            <a:off x="7045696" y="1301857"/>
+            <a:ext cx="4965490" cy="4122549"/>
+          </a:xfrm>
+          <a:prstGeom prst="rect">
+            <a:avLst/>
+          </a:prstGeom>
+        </p:spPr>
+      </p:pic>
+    </p:spTree>
+    <p:extLst>
+      <p:ext uri="{BB962C8B-B14F-4D97-AF65-F5344CB8AC3E}">
+        <p14:creationId xmlns:p14="http://schemas.microsoft.com/office/powerpoint/2010/main" val="3614950991"/>
+      </p:ext>
+    </p:extLst>
+  </p:cSld>
+  <p:clrMapOvr>
+    <a:masterClrMapping/>
+  </p:clrMapOvr>
+</p:sld>
+</file>
+
 <file path=ppt/theme/theme1.xml><?xml version="1.0" encoding="utf-8"?>
-<a:theme xmlns:a="http://schemas.openxmlformats.org/drawingml/2006/main" name="Mesh">
+<a:theme xmlns:a="http://schemas.openxmlformats.org/drawingml/2006/main" name="Parallax">
   <a:themeElements>
-    <a:clrScheme name="Mesh">
+    <a:clrScheme name="Parallax">
       <a:dk1>
         <a:sysClr val="windowText" lastClr="000000"/>
       </a:dk1>
@@ -5994,47 +7745,47 @@
         <a:sysClr val="window" lastClr="FFFFFF"/>
       </a:lt1>
       <a:dk2>
-        <a:srgbClr val="363D46"/>
+        <a:srgbClr val="212121"/>
       </a:dk2>
       <a:lt2>
-        <a:srgbClr val="EBEBEB"/>
+        <a:srgbClr val="CDD0D1"/>
       </a:lt2>
       <a:accent1>
-        <a:srgbClr val="6F6F6F"/>
+        <a:srgbClr val="30ACEC"/>
       </a:accent1>
       <a:accent2>
-        <a:srgbClr val="BFBFA5"/>
+        <a:srgbClr val="80C34F"/>
       </a:accent2>
       <a:accent3>
-        <a:srgbClr val="DCD084"/>
+        <a:srgbClr val="E29D3E"/>
       </a:accent3>
       <a:accent4>
-        <a:srgbClr val="E7BF5F"/>
+        <a:srgbClr val="D64A3B"/>
       </a:accent4>
       <a:accent5>
-        <a:srgbClr val="E9A039"/>
+        <a:srgbClr val="D64787"/>
       </a:accent5>
       <a:accent6>
-        <a:srgbClr val="CF7133"/>
+        <a:srgbClr val="A666E1"/>
       </a:accent6>
       <a:hlink>
-        <a:srgbClr val="F28943"/>
+        <a:srgbClr val="3085ED"/>
       </a:hlink>
       <a:folHlink>
-        <a:srgbClr val="F1B76C"/>
+        <a:srgbClr val="82B6F4"/>
       </a:folHlink>
     </a:clrScheme>
-    <a:fontScheme name="Mesh">
+    <a:fontScheme name="Parallax">
       <a:majorFont>
-        <a:latin typeface="Century Gothic" panose="020B0502020202020204"/>
+        <a:latin typeface="Corbel" panose="020B0503020204020204"/>
         <a:ea typeface=""/>
         <a:cs typeface=""/>
-        <a:font script="Jpan" typeface="ＭＳ ゴシック"/>
-        <a:font script="Hang" typeface="맑은 고딕"/>
-        <a:font script="Hans" typeface="宋体"/>
+        <a:font script="Jpan" typeface="HGｺﾞｼｯｸM"/>
+        <a:font script="Hang" typeface="HY엽서L"/>
+        <a:font script="Hans" typeface="华文楷体"/>
         <a:font script="Hant" typeface="新細明體"/>
         <a:font script="Arab" typeface="Tahoma"/>
-        <a:font script="Hebr" typeface="Gisha"/>
+        <a:font script="Hebr" typeface="Miriam"/>
         <a:font script="Thai" typeface="DilleniaUPC"/>
         <a:font script="Ethi" typeface="Nyala"/>
         <a:font script="Beng" typeface="Vrinda"/>
@@ -6056,20 +7807,20 @@
         <a:font script="Laoo" typeface="DokChampa"/>
         <a:font script="Sinh" typeface="Iskoola Pota"/>
         <a:font script="Mong" typeface="Mongolian Baiti"/>
-        <a:font script="Viet" typeface="Tahoma"/>
+        <a:font script="Viet" typeface="Arial"/>
         <a:font script="Uigh" typeface="Microsoft Uighur"/>
         <a:font script="Geor" typeface="Sylfaen"/>
       </a:majorFont>
       <a:minorFont>
-        <a:latin typeface="Century Gothic" panose="020B0502020202020204"/>
+        <a:latin typeface="Corbel" panose="020B0503020204020204"/>
         <a:ea typeface=""/>
         <a:cs typeface=""/>
-        <a:font script="Jpan" typeface="ＭＳ ゴシック"/>
-        <a:font script="Hang" typeface="맑은 고딕"/>
-        <a:font script="Hans" typeface="宋体"/>
+        <a:font script="Jpan" typeface="HGｺﾞｼｯｸM"/>
+        <a:font script="Hang" typeface="HY엽서L"/>
+        <a:font script="Hans" typeface="华文楷体"/>
         <a:font script="Hant" typeface="新細明體"/>
         <a:font script="Arab" typeface="Tahoma"/>
-        <a:font script="Hebr" typeface="Gisha"/>
+        <a:font script="Hebr" typeface="Miriam"/>
         <a:font script="Thai" typeface="DilleniaUPC"/>
         <a:font script="Ethi" typeface="Nyala"/>
         <a:font script="Beng" typeface="Vrinda"/>
@@ -6091,12 +7842,12 @@
         <a:font script="Laoo" typeface="DokChampa"/>
         <a:font script="Sinh" typeface="Iskoola Pota"/>
         <a:font script="Mong" typeface="Mongolian Baiti"/>
-        <a:font script="Viet" typeface="Verdana"/>
+        <a:font script="Viet" typeface="Arial"/>
         <a:font script="Uigh" typeface="Microsoft Uighur"/>
         <a:font script="Geor" typeface="Sylfaen"/>
       </a:minorFont>
     </a:fontScheme>
-    <a:fmtScheme name="Mesh">
+    <a:fmtScheme name="Parallax">
       <a:fillStyleLst>
         <a:solidFill>
           <a:schemeClr val="phClr"/>
@@ -6106,12 +7857,12 @@
             <a:gs pos="0">
               <a:schemeClr val="phClr">
                 <a:tint val="60000"/>
-                <a:lumMod val="110000"/>
+                <a:lumMod val="104000"/>
               </a:schemeClr>
             </a:gs>
             <a:gs pos="100000">
               <a:schemeClr val="phClr">
-                <a:tint val="82000"/>
+                <a:tint val="84000"/>
               </a:schemeClr>
             </a:gs>
           </a:gsLst>
@@ -6122,33 +7873,37 @@
             <a:gs pos="0">
               <a:schemeClr val="phClr">
                 <a:tint val="96000"/>
-                <a:lumMod val="104000"/>
+                <a:lumMod val="102000"/>
               </a:schemeClr>
             </a:gs>
             <a:gs pos="100000">
               <a:schemeClr val="phClr">
-                <a:shade val="84000"/>
-                <a:lumMod val="84000"/>
+                <a:shade val="88000"/>
+                <a:lumMod val="94000"/>
               </a:schemeClr>
             </a:gs>
           </a:gsLst>
-          <a:lin ang="5400000" scaled="0"/>
+          <a:path path="circle">
+            <a:fillToRect l="50000" t="100000" r="100000" b="50000"/>
+          </a:path>
         </a:gradFill>
       </a:fillStyleLst>
       <a:lnStyleLst>
         <a:ln w="9525" cap="rnd" cmpd="sng" algn="ctr">
           <a:solidFill>
-            <a:schemeClr val="phClr"/>
+            <a:schemeClr val="phClr">
+              <a:tint val="60000"/>
+            </a:schemeClr>
           </a:solidFill>
           <a:prstDash val="solid"/>
         </a:ln>
-        <a:ln w="19050" cap="rnd" cmpd="sng" algn="ctr">
+        <a:ln w="15875" cap="rnd" cmpd="sng" algn="ctr">
           <a:solidFill>
             <a:schemeClr val="phClr"/>
           </a:solidFill>
           <a:prstDash val="solid"/>
         </a:ln>
-        <a:ln w="25400" cap="rnd" cmpd="sng" algn="ctr">
+        <a:ln w="22225" cap="rnd" cmpd="sng" algn="ctr">
           <a:solidFill>
             <a:schemeClr val="phClr"/>
           </a:solidFill>
@@ -6161,18 +7916,14 @@
         </a:effectStyle>
         <a:effectStyle>
           <a:effectLst>
-            <a:innerShdw blurRad="50800" dist="25400" dir="13500000">
-              <a:srgbClr val="000000">
-                <a:alpha val="55000"/>
-              </a:srgbClr>
-            </a:innerShdw>
+            <a:reflection blurRad="12700" stA="26000" endPos="32000" dist="12700" dir="5400000" sy="-100000" rotWithShape="0"/>
           </a:effectLst>
         </a:effectStyle>
         <a:effectStyle>
           <a:effectLst>
-            <a:outerShdw blurRad="50800" dist="38100" dir="5400000" rotWithShape="0">
+            <a:outerShdw blurRad="38100" dist="25400" dir="5400000" rotWithShape="0">
               <a:srgbClr val="000000">
-                <a:alpha val="60000"/>
+                <a:alpha val="64000"/>
               </a:srgbClr>
             </a:outerShdw>
           </a:effectLst>
@@ -6180,10 +7931,12 @@
             <a:camera prst="orthographicFront">
               <a:rot lat="0" lon="0" rev="0"/>
             </a:camera>
-            <a:lightRig rig="threePt" dir="tl"/>
+            <a:lightRig rig="threePt" dir="tl">
+              <a:rot lat="0" lon="0" rev="1200000"/>
+            </a:lightRig>
           </a:scene3d>
           <a:sp3d>
-            <a:bevelT w="25400" h="25400" prst="slope"/>
+            <a:bevelT w="25400" h="12700"/>
           </a:sp3d>
         </a:effectStyle>
       </a:effectStyleLst>
@@ -6212,15 +7965,13 @@
           <a:blip xmlns:r="http://schemas.openxmlformats.org/officeDocument/2006/relationships" r:embed="rId1">
             <a:duotone>
               <a:schemeClr val="phClr">
-                <a:shade val="28000"/>
-                <a:satMod val="94000"/>
-                <a:lumMod val="20000"/>
+                <a:shade val="76000"/>
+                <a:satMod val="180000"/>
               </a:schemeClr>
               <a:schemeClr val="phClr">
-                <a:tint val="94000"/>
-                <a:shade val="84000"/>
-                <a:satMod val="148000"/>
-                <a:lumMod val="114000"/>
+                <a:tint val="80000"/>
+                <a:satMod val="120000"/>
+                <a:lumMod val="180000"/>
               </a:schemeClr>
             </a:duotone>
           </a:blip>
@@ -6233,7 +7984,7 @@
   <a:extraClrSchemeLst/>
   <a:extLst>
     <a:ext uri="{05A4C25C-085E-4340-85A3-A5531E510DB2}">
-      <thm15:themeFamily xmlns:thm15="http://schemas.microsoft.com/office/thememl/2012/main" name="Mesh" id="{789EC3FE-34FD-429C-9918-760025E6C145}" vid="{B8BE45C0-8141-4D58-8C71-A009BC26FBBB}"/>
+      <thm15:themeFamily xmlns:thm15="http://schemas.microsoft.com/office/thememl/2012/main" name="Parallax" id="{3388167B-A2EB-4685-9635-1831D9AEF8C4}" vid="{4F7A876A-7598-49CA-AFC8-8EDA2551E4A7}"/>
     </a:ext>
   </a:extLst>
 </a:theme>

--- a/NYSE Analysis With MySQL.pptx
+++ b/NYSE Analysis With MySQL.pptx
@@ -10082,6 +10082,20 @@
             <a:pPr marL="0" indent="0">
               <a:buNone/>
             </a:pPr>
+            <a:r>
+              <a:rPr lang="en-US" sz="2400" dirty="0"/>
+              <a:t>Total </a:t>
+            </a:r>
+            <a:r>
+              <a:rPr lang="en-US" sz="2400"/>
+              <a:t>Data size is 103.6MB</a:t>
+            </a:r>
+            <a:endParaRPr lang="en-US" sz="2400" dirty="0"/>
+          </a:p>
+          <a:p>
+            <a:pPr marL="0" indent="0">
+              <a:buNone/>
+            </a:pPr>
             <a:endParaRPr lang="en-US" sz="2400" dirty="0"/>
           </a:p>
           <a:p>

--- a/NYSE Analysis With MySQL.pptx
+++ b/NYSE Analysis With MySQL.pptx
@@ -4,6 +4,9 @@
   <p:sldMasterIdLst>
     <p:sldMasterId id="2147483710" r:id="rId1"/>
   </p:sldMasterIdLst>
+  <p:notesMasterIdLst>
+    <p:notesMasterId r:id="rId19"/>
+  </p:notesMasterIdLst>
   <p:sldIdLst>
     <p:sldId id="256" r:id="rId2"/>
     <p:sldId id="257" r:id="rId3"/>
@@ -132,6 +135,608 @@
 <p1510:revInfo xmlns:a="http://schemas.openxmlformats.org/drawingml/2006/main" xmlns:r="http://schemas.openxmlformats.org/officeDocument/2006/relationships" xmlns:p1510="http://schemas.microsoft.com/office/powerpoint/2015/10/main"/>
 </file>
 
+<file path=ppt/notesMasters/notesMaster1.xml><?xml version="1.0" encoding="utf-8"?>
+<p:notesMaster xmlns:a="http://schemas.openxmlformats.org/drawingml/2006/main" xmlns:r="http://schemas.openxmlformats.org/officeDocument/2006/relationships" xmlns:p="http://schemas.openxmlformats.org/presentationml/2006/main">
+  <p:cSld>
+    <p:bg>
+      <p:bgRef idx="1001">
+        <a:schemeClr val="bg1"/>
+      </p:bgRef>
+    </p:bg>
+    <p:spTree>
+      <p:nvGrpSpPr>
+        <p:cNvPr id="1" name=""/>
+        <p:cNvGrpSpPr/>
+        <p:nvPr/>
+      </p:nvGrpSpPr>
+      <p:grpSpPr>
+        <a:xfrm>
+          <a:off x="0" y="0"/>
+          <a:ext cx="0" cy="0"/>
+          <a:chOff x="0" y="0"/>
+          <a:chExt cx="0" cy="0"/>
+        </a:xfrm>
+      </p:grpSpPr>
+      <p:sp>
+        <p:nvSpPr>
+          <p:cNvPr id="2" name="Header Placeholder 1"/>
+          <p:cNvSpPr>
+            <a:spLocks noGrp="1"/>
+          </p:cNvSpPr>
+          <p:nvPr>
+            <p:ph type="hdr" sz="quarter"/>
+          </p:nvPr>
+        </p:nvSpPr>
+        <p:spPr>
+          <a:xfrm>
+            <a:off x="0" y="0"/>
+            <a:ext cx="2971800" cy="458788"/>
+          </a:xfrm>
+          <a:prstGeom prst="rect">
+            <a:avLst/>
+          </a:prstGeom>
+        </p:spPr>
+        <p:txBody>
+          <a:bodyPr vert="horz" lIns="91440" tIns="45720" rIns="91440" bIns="45720" rtlCol="0"/>
+          <a:lstStyle>
+            <a:lvl1pPr algn="l">
+              <a:defRPr sz="1200"/>
+            </a:lvl1pPr>
+          </a:lstStyle>
+          <a:p>
+            <a:endParaRPr lang="en-US"/>
+          </a:p>
+        </p:txBody>
+      </p:sp>
+      <p:sp>
+        <p:nvSpPr>
+          <p:cNvPr id="3" name="Date Placeholder 2"/>
+          <p:cNvSpPr>
+            <a:spLocks noGrp="1"/>
+          </p:cNvSpPr>
+          <p:nvPr>
+            <p:ph type="dt" idx="1"/>
+          </p:nvPr>
+        </p:nvSpPr>
+        <p:spPr>
+          <a:xfrm>
+            <a:off x="3884613" y="0"/>
+            <a:ext cx="2971800" cy="458788"/>
+          </a:xfrm>
+          <a:prstGeom prst="rect">
+            <a:avLst/>
+          </a:prstGeom>
+        </p:spPr>
+        <p:txBody>
+          <a:bodyPr vert="horz" lIns="91440" tIns="45720" rIns="91440" bIns="45720" rtlCol="0"/>
+          <a:lstStyle>
+            <a:lvl1pPr algn="r">
+              <a:defRPr sz="1200"/>
+            </a:lvl1pPr>
+          </a:lstStyle>
+          <a:p>
+            <a:fld id="{686EA775-9A7D-5143-8247-26F85215B26A}" type="datetimeFigureOut">
+              <a:rPr lang="en-US" smtClean="0"/>
+              <a:t>8/14/17</a:t>
+            </a:fld>
+            <a:endParaRPr lang="en-US"/>
+          </a:p>
+        </p:txBody>
+      </p:sp>
+      <p:sp>
+        <p:nvSpPr>
+          <p:cNvPr id="4" name="Slide Image Placeholder 3"/>
+          <p:cNvSpPr>
+            <a:spLocks noGrp="1" noRot="1" noChangeAspect="1"/>
+          </p:cNvSpPr>
+          <p:nvPr>
+            <p:ph type="sldImg" idx="2"/>
+          </p:nvPr>
+        </p:nvSpPr>
+        <p:spPr>
+          <a:xfrm>
+            <a:off x="685800" y="1143000"/>
+            <a:ext cx="5486400" cy="3086100"/>
+          </a:xfrm>
+          <a:prstGeom prst="rect">
+            <a:avLst/>
+          </a:prstGeom>
+          <a:noFill/>
+          <a:ln w="12700">
+            <a:solidFill>
+              <a:prstClr val="black"/>
+            </a:solidFill>
+          </a:ln>
+        </p:spPr>
+        <p:txBody>
+          <a:bodyPr vert="horz" lIns="91440" tIns="45720" rIns="91440" bIns="45720" rtlCol="0" anchor="ctr"/>
+          <a:lstStyle/>
+          <a:p>
+            <a:endParaRPr lang="en-US"/>
+          </a:p>
+        </p:txBody>
+      </p:sp>
+      <p:sp>
+        <p:nvSpPr>
+          <p:cNvPr id="5" name="Notes Placeholder 4"/>
+          <p:cNvSpPr>
+            <a:spLocks noGrp="1"/>
+          </p:cNvSpPr>
+          <p:nvPr>
+            <p:ph type="body" sz="quarter" idx="3"/>
+          </p:nvPr>
+        </p:nvSpPr>
+        <p:spPr>
+          <a:xfrm>
+            <a:off x="685800" y="4400550"/>
+            <a:ext cx="5486400" cy="3600450"/>
+          </a:xfrm>
+          <a:prstGeom prst="rect">
+            <a:avLst/>
+          </a:prstGeom>
+        </p:spPr>
+        <p:txBody>
+          <a:bodyPr vert="horz" lIns="91440" tIns="45720" rIns="91440" bIns="45720" rtlCol="0"/>
+          <a:lstStyle/>
+          <a:p>
+            <a:pPr lvl="0"/>
+            <a:r>
+              <a:rPr lang="en-US" smtClean="0"/>
+              <a:t>Click to edit Master text styles</a:t>
+            </a:r>
+          </a:p>
+          <a:p>
+            <a:pPr lvl="1"/>
+            <a:r>
+              <a:rPr lang="en-US" smtClean="0"/>
+              <a:t>Second level</a:t>
+            </a:r>
+          </a:p>
+          <a:p>
+            <a:pPr lvl="2"/>
+            <a:r>
+              <a:rPr lang="en-US" smtClean="0"/>
+              <a:t>Third level</a:t>
+            </a:r>
+          </a:p>
+          <a:p>
+            <a:pPr lvl="3"/>
+            <a:r>
+              <a:rPr lang="en-US" smtClean="0"/>
+              <a:t>Fourth level</a:t>
+            </a:r>
+          </a:p>
+          <a:p>
+            <a:pPr lvl="4"/>
+            <a:r>
+              <a:rPr lang="en-US" smtClean="0"/>
+              <a:t>Fifth level</a:t>
+            </a:r>
+            <a:endParaRPr lang="en-US"/>
+          </a:p>
+        </p:txBody>
+      </p:sp>
+      <p:sp>
+        <p:nvSpPr>
+          <p:cNvPr id="6" name="Footer Placeholder 5"/>
+          <p:cNvSpPr>
+            <a:spLocks noGrp="1"/>
+          </p:cNvSpPr>
+          <p:nvPr>
+            <p:ph type="ftr" sz="quarter" idx="4"/>
+          </p:nvPr>
+        </p:nvSpPr>
+        <p:spPr>
+          <a:xfrm>
+            <a:off x="0" y="8685213"/>
+            <a:ext cx="2971800" cy="458787"/>
+          </a:xfrm>
+          <a:prstGeom prst="rect">
+            <a:avLst/>
+          </a:prstGeom>
+        </p:spPr>
+        <p:txBody>
+          <a:bodyPr vert="horz" lIns="91440" tIns="45720" rIns="91440" bIns="45720" rtlCol="0" anchor="b"/>
+          <a:lstStyle>
+            <a:lvl1pPr algn="l">
+              <a:defRPr sz="1200"/>
+            </a:lvl1pPr>
+          </a:lstStyle>
+          <a:p>
+            <a:endParaRPr lang="en-US"/>
+          </a:p>
+        </p:txBody>
+      </p:sp>
+      <p:sp>
+        <p:nvSpPr>
+          <p:cNvPr id="7" name="Slide Number Placeholder 6"/>
+          <p:cNvSpPr>
+            <a:spLocks noGrp="1"/>
+          </p:cNvSpPr>
+          <p:nvPr>
+            <p:ph type="sldNum" sz="quarter" idx="5"/>
+          </p:nvPr>
+        </p:nvSpPr>
+        <p:spPr>
+          <a:xfrm>
+            <a:off x="3884613" y="8685213"/>
+            <a:ext cx="2971800" cy="458787"/>
+          </a:xfrm>
+          <a:prstGeom prst="rect">
+            <a:avLst/>
+          </a:prstGeom>
+        </p:spPr>
+        <p:txBody>
+          <a:bodyPr vert="horz" lIns="91440" tIns="45720" rIns="91440" bIns="45720" rtlCol="0" anchor="b"/>
+          <a:lstStyle>
+            <a:lvl1pPr algn="r">
+              <a:defRPr sz="1200"/>
+            </a:lvl1pPr>
+          </a:lstStyle>
+          <a:p>
+            <a:fld id="{90065BF4-54B7-ED4B-BAB6-0FA6251F32CC}" type="slidenum">
+              <a:rPr lang="en-US" smtClean="0"/>
+              <a:t>‹#›</a:t>
+            </a:fld>
+            <a:endParaRPr lang="en-US"/>
+          </a:p>
+        </p:txBody>
+      </p:sp>
+    </p:spTree>
+    <p:extLst>
+      <p:ext uri="{BB962C8B-B14F-4D97-AF65-F5344CB8AC3E}">
+        <p14:creationId xmlns:p14="http://schemas.microsoft.com/office/powerpoint/2010/main" val="2039084491"/>
+      </p:ext>
+    </p:extLst>
+  </p:cSld>
+  <p:clrMap bg1="lt1" tx1="dk1" bg2="lt2" tx2="dk2" accent1="accent1" accent2="accent2" accent3="accent3" accent4="accent4" accent5="accent5" accent6="accent6" hlink="hlink" folHlink="folHlink"/>
+  <p:notesStyle>
+    <a:lvl1pPr marL="0" algn="l" defTabSz="914400" rtl="0" eaLnBrk="1" latinLnBrk="0" hangingPunct="1">
+      <a:defRPr sz="1200" kern="1200">
+        <a:solidFill>
+          <a:schemeClr val="tx1"/>
+        </a:solidFill>
+        <a:latin typeface="+mn-lt"/>
+        <a:ea typeface="+mn-ea"/>
+        <a:cs typeface="+mn-cs"/>
+      </a:defRPr>
+    </a:lvl1pPr>
+    <a:lvl2pPr marL="457200" algn="l" defTabSz="914400" rtl="0" eaLnBrk="1" latinLnBrk="0" hangingPunct="1">
+      <a:defRPr sz="1200" kern="1200">
+        <a:solidFill>
+          <a:schemeClr val="tx1"/>
+        </a:solidFill>
+        <a:latin typeface="+mn-lt"/>
+        <a:ea typeface="+mn-ea"/>
+        <a:cs typeface="+mn-cs"/>
+      </a:defRPr>
+    </a:lvl2pPr>
+    <a:lvl3pPr marL="914400" algn="l" defTabSz="914400" rtl="0" eaLnBrk="1" latinLnBrk="0" hangingPunct="1">
+      <a:defRPr sz="1200" kern="1200">
+        <a:solidFill>
+          <a:schemeClr val="tx1"/>
+        </a:solidFill>
+        <a:latin typeface="+mn-lt"/>
+        <a:ea typeface="+mn-ea"/>
+        <a:cs typeface="+mn-cs"/>
+      </a:defRPr>
+    </a:lvl3pPr>
+    <a:lvl4pPr marL="1371600" algn="l" defTabSz="914400" rtl="0" eaLnBrk="1" latinLnBrk="0" hangingPunct="1">
+      <a:defRPr sz="1200" kern="1200">
+        <a:solidFill>
+          <a:schemeClr val="tx1"/>
+        </a:solidFill>
+        <a:latin typeface="+mn-lt"/>
+        <a:ea typeface="+mn-ea"/>
+        <a:cs typeface="+mn-cs"/>
+      </a:defRPr>
+    </a:lvl4pPr>
+    <a:lvl5pPr marL="1828800" algn="l" defTabSz="914400" rtl="0" eaLnBrk="1" latinLnBrk="0" hangingPunct="1">
+      <a:defRPr sz="1200" kern="1200">
+        <a:solidFill>
+          <a:schemeClr val="tx1"/>
+        </a:solidFill>
+        <a:latin typeface="+mn-lt"/>
+        <a:ea typeface="+mn-ea"/>
+        <a:cs typeface="+mn-cs"/>
+      </a:defRPr>
+    </a:lvl5pPr>
+    <a:lvl6pPr marL="2286000" algn="l" defTabSz="914400" rtl="0" eaLnBrk="1" latinLnBrk="0" hangingPunct="1">
+      <a:defRPr sz="1200" kern="1200">
+        <a:solidFill>
+          <a:schemeClr val="tx1"/>
+        </a:solidFill>
+        <a:latin typeface="+mn-lt"/>
+        <a:ea typeface="+mn-ea"/>
+        <a:cs typeface="+mn-cs"/>
+      </a:defRPr>
+    </a:lvl6pPr>
+    <a:lvl7pPr marL="2743200" algn="l" defTabSz="914400" rtl="0" eaLnBrk="1" latinLnBrk="0" hangingPunct="1">
+      <a:defRPr sz="1200" kern="1200">
+        <a:solidFill>
+          <a:schemeClr val="tx1"/>
+        </a:solidFill>
+        <a:latin typeface="+mn-lt"/>
+        <a:ea typeface="+mn-ea"/>
+        <a:cs typeface="+mn-cs"/>
+      </a:defRPr>
+    </a:lvl7pPr>
+    <a:lvl8pPr marL="3200400" algn="l" defTabSz="914400" rtl="0" eaLnBrk="1" latinLnBrk="0" hangingPunct="1">
+      <a:defRPr sz="1200" kern="1200">
+        <a:solidFill>
+          <a:schemeClr val="tx1"/>
+        </a:solidFill>
+        <a:latin typeface="+mn-lt"/>
+        <a:ea typeface="+mn-ea"/>
+        <a:cs typeface="+mn-cs"/>
+      </a:defRPr>
+    </a:lvl8pPr>
+    <a:lvl9pPr marL="3657600" algn="l" defTabSz="914400" rtl="0" eaLnBrk="1" latinLnBrk="0" hangingPunct="1">
+      <a:defRPr sz="1200" kern="1200">
+        <a:solidFill>
+          <a:schemeClr val="tx1"/>
+        </a:solidFill>
+        <a:latin typeface="+mn-lt"/>
+        <a:ea typeface="+mn-ea"/>
+        <a:cs typeface="+mn-cs"/>
+      </a:defRPr>
+    </a:lvl9pPr>
+  </p:notesStyle>
+</p:notesMaster>
+</file>
+
+<file path=ppt/notesSlides/notesSlide1.xml><?xml version="1.0" encoding="utf-8"?>
+<p:notes xmlns:a="http://schemas.openxmlformats.org/drawingml/2006/main" xmlns:r="http://schemas.openxmlformats.org/officeDocument/2006/relationships" xmlns:p="http://schemas.openxmlformats.org/presentationml/2006/main">
+  <p:cSld>
+    <p:spTree>
+      <p:nvGrpSpPr>
+        <p:cNvPr id="1" name=""/>
+        <p:cNvGrpSpPr/>
+        <p:nvPr/>
+      </p:nvGrpSpPr>
+      <p:grpSpPr>
+        <a:xfrm>
+          <a:off x="0" y="0"/>
+          <a:ext cx="0" cy="0"/>
+          <a:chOff x="0" y="0"/>
+          <a:chExt cx="0" cy="0"/>
+        </a:xfrm>
+      </p:grpSpPr>
+      <p:sp>
+        <p:nvSpPr>
+          <p:cNvPr id="2" name="Slide Image Placeholder 1"/>
+          <p:cNvSpPr>
+            <a:spLocks noGrp="1" noRot="1" noChangeAspect="1"/>
+          </p:cNvSpPr>
+          <p:nvPr>
+            <p:ph type="sldImg"/>
+          </p:nvPr>
+        </p:nvSpPr>
+        <p:spPr/>
+      </p:sp>
+      <p:sp>
+        <p:nvSpPr>
+          <p:cNvPr id="3" name="Notes Placeholder 2"/>
+          <p:cNvSpPr>
+            <a:spLocks noGrp="1"/>
+          </p:cNvSpPr>
+          <p:nvPr>
+            <p:ph type="body" idx="1"/>
+          </p:nvPr>
+        </p:nvSpPr>
+        <p:spPr/>
+        <p:txBody>
+          <a:bodyPr/>
+          <a:lstStyle/>
+          <a:p>
+            <a:endParaRPr lang="en-US" dirty="0"/>
+          </a:p>
+        </p:txBody>
+      </p:sp>
+      <p:sp>
+        <p:nvSpPr>
+          <p:cNvPr id="4" name="Slide Number Placeholder 3"/>
+          <p:cNvSpPr>
+            <a:spLocks noGrp="1"/>
+          </p:cNvSpPr>
+          <p:nvPr>
+            <p:ph type="sldNum" sz="quarter" idx="10"/>
+          </p:nvPr>
+        </p:nvSpPr>
+        <p:spPr/>
+        <p:txBody>
+          <a:bodyPr/>
+          <a:lstStyle/>
+          <a:p>
+            <a:fld id="{90065BF4-54B7-ED4B-BAB6-0FA6251F32CC}" type="slidenum">
+              <a:rPr lang="en-US" smtClean="0"/>
+              <a:t>9</a:t>
+            </a:fld>
+            <a:endParaRPr lang="en-US"/>
+          </a:p>
+        </p:txBody>
+      </p:sp>
+    </p:spTree>
+    <p:extLst>
+      <p:ext uri="{BB962C8B-B14F-4D97-AF65-F5344CB8AC3E}">
+        <p14:creationId xmlns:p14="http://schemas.microsoft.com/office/powerpoint/2010/main" val="15115840"/>
+      </p:ext>
+    </p:extLst>
+  </p:cSld>
+  <p:clrMapOvr>
+    <a:masterClrMapping/>
+  </p:clrMapOvr>
+</p:notes>
+</file>
+
+<file path=ppt/notesSlides/notesSlide2.xml><?xml version="1.0" encoding="utf-8"?>
+<p:notes xmlns:a="http://schemas.openxmlformats.org/drawingml/2006/main" xmlns:r="http://schemas.openxmlformats.org/officeDocument/2006/relationships" xmlns:p="http://schemas.openxmlformats.org/presentationml/2006/main">
+  <p:cSld>
+    <p:spTree>
+      <p:nvGrpSpPr>
+        <p:cNvPr id="1" name=""/>
+        <p:cNvGrpSpPr/>
+        <p:nvPr/>
+      </p:nvGrpSpPr>
+      <p:grpSpPr>
+        <a:xfrm>
+          <a:off x="0" y="0"/>
+          <a:ext cx="0" cy="0"/>
+          <a:chOff x="0" y="0"/>
+          <a:chExt cx="0" cy="0"/>
+        </a:xfrm>
+      </p:grpSpPr>
+      <p:sp>
+        <p:nvSpPr>
+          <p:cNvPr id="2" name="Slide Image Placeholder 1"/>
+          <p:cNvSpPr>
+            <a:spLocks noGrp="1" noRot="1" noChangeAspect="1"/>
+          </p:cNvSpPr>
+          <p:nvPr>
+            <p:ph type="sldImg"/>
+          </p:nvPr>
+        </p:nvSpPr>
+        <p:spPr/>
+      </p:sp>
+      <p:sp>
+        <p:nvSpPr>
+          <p:cNvPr id="3" name="Notes Placeholder 2"/>
+          <p:cNvSpPr>
+            <a:spLocks noGrp="1"/>
+          </p:cNvSpPr>
+          <p:nvPr>
+            <p:ph type="body" idx="1"/>
+          </p:nvPr>
+        </p:nvSpPr>
+        <p:spPr/>
+        <p:txBody>
+          <a:bodyPr/>
+          <a:lstStyle/>
+          <a:p>
+            <a:endParaRPr lang="en-US"/>
+          </a:p>
+        </p:txBody>
+      </p:sp>
+      <p:sp>
+        <p:nvSpPr>
+          <p:cNvPr id="4" name="Slide Number Placeholder 3"/>
+          <p:cNvSpPr>
+            <a:spLocks noGrp="1"/>
+          </p:cNvSpPr>
+          <p:nvPr>
+            <p:ph type="sldNum" sz="quarter" idx="10"/>
+          </p:nvPr>
+        </p:nvSpPr>
+        <p:spPr/>
+        <p:txBody>
+          <a:bodyPr/>
+          <a:lstStyle/>
+          <a:p>
+            <a:fld id="{90065BF4-54B7-ED4B-BAB6-0FA6251F32CC}" type="slidenum">
+              <a:rPr lang="en-US" smtClean="0"/>
+              <a:t>13</a:t>
+            </a:fld>
+            <a:endParaRPr lang="en-US"/>
+          </a:p>
+        </p:txBody>
+      </p:sp>
+    </p:spTree>
+    <p:extLst>
+      <p:ext uri="{BB962C8B-B14F-4D97-AF65-F5344CB8AC3E}">
+        <p14:creationId xmlns:p14="http://schemas.microsoft.com/office/powerpoint/2010/main" val="660170408"/>
+      </p:ext>
+    </p:extLst>
+  </p:cSld>
+  <p:clrMapOvr>
+    <a:masterClrMapping/>
+  </p:clrMapOvr>
+</p:notes>
+</file>
+
+<file path=ppt/notesSlides/notesSlide3.xml><?xml version="1.0" encoding="utf-8"?>
+<p:notes xmlns:a="http://schemas.openxmlformats.org/drawingml/2006/main" xmlns:r="http://schemas.openxmlformats.org/officeDocument/2006/relationships" xmlns:p="http://schemas.openxmlformats.org/presentationml/2006/main">
+  <p:cSld>
+    <p:spTree>
+      <p:nvGrpSpPr>
+        <p:cNvPr id="1" name=""/>
+        <p:cNvGrpSpPr/>
+        <p:nvPr/>
+      </p:nvGrpSpPr>
+      <p:grpSpPr>
+        <a:xfrm>
+          <a:off x="0" y="0"/>
+          <a:ext cx="0" cy="0"/>
+          <a:chOff x="0" y="0"/>
+          <a:chExt cx="0" cy="0"/>
+        </a:xfrm>
+      </p:grpSpPr>
+      <p:sp>
+        <p:nvSpPr>
+          <p:cNvPr id="2" name="Slide Image Placeholder 1"/>
+          <p:cNvSpPr>
+            <a:spLocks noGrp="1" noRot="1" noChangeAspect="1"/>
+          </p:cNvSpPr>
+          <p:nvPr>
+            <p:ph type="sldImg"/>
+          </p:nvPr>
+        </p:nvSpPr>
+        <p:spPr/>
+      </p:sp>
+      <p:sp>
+        <p:nvSpPr>
+          <p:cNvPr id="3" name="Notes Placeholder 2"/>
+          <p:cNvSpPr>
+            <a:spLocks noGrp="1"/>
+          </p:cNvSpPr>
+          <p:nvPr>
+            <p:ph type="body" idx="1"/>
+          </p:nvPr>
+        </p:nvSpPr>
+        <p:spPr/>
+        <p:txBody>
+          <a:bodyPr/>
+          <a:lstStyle/>
+          <a:p>
+            <a:endParaRPr lang="en-US" dirty="0"/>
+          </a:p>
+        </p:txBody>
+      </p:sp>
+      <p:sp>
+        <p:nvSpPr>
+          <p:cNvPr id="4" name="Slide Number Placeholder 3"/>
+          <p:cNvSpPr>
+            <a:spLocks noGrp="1"/>
+          </p:cNvSpPr>
+          <p:nvPr>
+            <p:ph type="sldNum" sz="quarter" idx="10"/>
+          </p:nvPr>
+        </p:nvSpPr>
+        <p:spPr/>
+        <p:txBody>
+          <a:bodyPr/>
+          <a:lstStyle/>
+          <a:p>
+            <a:fld id="{90065BF4-54B7-ED4B-BAB6-0FA6251F32CC}" type="slidenum">
+              <a:rPr lang="en-US" smtClean="0"/>
+              <a:t>14</a:t>
+            </a:fld>
+            <a:endParaRPr lang="en-US"/>
+          </a:p>
+        </p:txBody>
+      </p:sp>
+    </p:spTree>
+    <p:extLst>
+      <p:ext uri="{BB962C8B-B14F-4D97-AF65-F5344CB8AC3E}">
+        <p14:creationId xmlns:p14="http://schemas.microsoft.com/office/powerpoint/2010/main" val="1349001411"/>
+      </p:ext>
+    </p:extLst>
+  </p:cSld>
+  <p:clrMapOvr>
+    <a:masterClrMapping/>
+  </p:clrMapOvr>
+</p:notes>
+</file>
+
 <file path=ppt/slideLayouts/slideLayout1.xml><?xml version="1.0" encoding="utf-8"?>
 <p:sldLayout xmlns:a="http://schemas.openxmlformats.org/drawingml/2006/main" xmlns:r="http://schemas.openxmlformats.org/officeDocument/2006/relationships" xmlns:p="http://schemas.openxmlformats.org/presentationml/2006/main" type="title" preserve="1">
   <p:cSld name="Title Slide">
@@ -319,7 +924,7 @@
             <a:fld id="{B61BEF0D-F0BB-DE4B-95CE-6DB70DBA9567}" type="datetimeFigureOut">
               <a:rPr lang="en-US" smtClean="0"/>
               <a:pPr/>
-              <a:t>8/13/2017</a:t>
+              <a:t>8/13/17</a:t>
             </a:fld>
             <a:endParaRPr lang="en-US" dirty="0"/>
           </a:p>
@@ -596,7 +1201,7 @@
             <a:fld id="{B61BEF0D-F0BB-DE4B-95CE-6DB70DBA9567}" type="datetimeFigureOut">
               <a:rPr lang="en-US" smtClean="0"/>
               <a:pPr/>
-              <a:t>8/13/2017</a:t>
+              <a:t>8/13/17</a:t>
             </a:fld>
             <a:endParaRPr lang="en-US" dirty="0"/>
           </a:p>
@@ -792,7 +1397,7 @@
             <a:fld id="{B61BEF0D-F0BB-DE4B-95CE-6DB70DBA9567}" type="datetimeFigureOut">
               <a:rPr lang="en-US" smtClean="0"/>
               <a:pPr/>
-              <a:t>8/13/2017</a:t>
+              <a:t>8/13/17</a:t>
             </a:fld>
             <a:endParaRPr lang="en-US" dirty="0"/>
           </a:p>
@@ -1067,7 +1672,7 @@
             <a:fld id="{B61BEF0D-F0BB-DE4B-95CE-6DB70DBA9567}" type="datetimeFigureOut">
               <a:rPr lang="en-US" smtClean="0"/>
               <a:pPr/>
-              <a:t>8/13/2017</a:t>
+              <a:t>8/13/17</a:t>
             </a:fld>
             <a:endParaRPr lang="en-US" dirty="0"/>
           </a:p>
@@ -1410,7 +2015,7 @@
             <a:fld id="{B61BEF0D-F0BB-DE4B-95CE-6DB70DBA9567}" type="datetimeFigureOut">
               <a:rPr lang="en-US" smtClean="0"/>
               <a:pPr/>
-              <a:t>8/13/2017</a:t>
+              <a:t>8/13/17</a:t>
             </a:fld>
             <a:endParaRPr lang="en-US" dirty="0"/>
           </a:p>
@@ -2035,7 +2640,7 @@
             <a:fld id="{B61BEF0D-F0BB-DE4B-95CE-6DB70DBA9567}" type="datetimeFigureOut">
               <a:rPr lang="en-US" smtClean="0"/>
               <a:pPr/>
-              <a:t>8/13/2017</a:t>
+              <a:t>8/13/17</a:t>
             </a:fld>
             <a:endParaRPr lang="en-US" dirty="0"/>
           </a:p>
@@ -2897,7 +3502,7 @@
             <a:fld id="{B61BEF0D-F0BB-DE4B-95CE-6DB70DBA9567}" type="datetimeFigureOut">
               <a:rPr lang="en-US" smtClean="0"/>
               <a:pPr/>
-              <a:t>8/13/2017</a:t>
+              <a:t>8/13/17</a:t>
             </a:fld>
             <a:endParaRPr lang="en-US" dirty="0"/>
           </a:p>
@@ -3069,7 +3674,7 @@
             <a:fld id="{B61BEF0D-F0BB-DE4B-95CE-6DB70DBA9567}" type="datetimeFigureOut">
               <a:rPr lang="en-US" smtClean="0"/>
               <a:pPr/>
-              <a:t>8/13/2017</a:t>
+              <a:t>8/13/17</a:t>
             </a:fld>
             <a:endParaRPr lang="en-US" dirty="0"/>
           </a:p>
@@ -3251,7 +3856,7 @@
             <a:fld id="{B61BEF0D-F0BB-DE4B-95CE-6DB70DBA9567}" type="datetimeFigureOut">
               <a:rPr lang="en-US" smtClean="0"/>
               <a:pPr/>
-              <a:t>8/13/2017</a:t>
+              <a:t>8/13/17</a:t>
             </a:fld>
             <a:endParaRPr lang="en-US" dirty="0"/>
           </a:p>
@@ -3423,7 +4028,7 @@
             <a:fld id="{B61BEF0D-F0BB-DE4B-95CE-6DB70DBA9567}" type="datetimeFigureOut">
               <a:rPr lang="en-US" smtClean="0"/>
               <a:pPr/>
-              <a:t>8/13/2017</a:t>
+              <a:t>8/13/17</a:t>
             </a:fld>
             <a:endParaRPr lang="en-US" dirty="0"/>
           </a:p>
@@ -3672,7 +4277,7 @@
             <a:fld id="{B61BEF0D-F0BB-DE4B-95CE-6DB70DBA9567}" type="datetimeFigureOut">
               <a:rPr lang="en-US" smtClean="0"/>
               <a:pPr/>
-              <a:t>8/13/2017</a:t>
+              <a:t>8/13/17</a:t>
             </a:fld>
             <a:endParaRPr lang="en-US" dirty="0"/>
           </a:p>
@@ -3966,7 +4571,7 @@
             <a:fld id="{B61BEF0D-F0BB-DE4B-95CE-6DB70DBA9567}" type="datetimeFigureOut">
               <a:rPr lang="en-US" smtClean="0"/>
               <a:pPr/>
-              <a:t>8/13/2017</a:t>
+              <a:t>8/13/17</a:t>
             </a:fld>
             <a:endParaRPr lang="en-US" dirty="0"/>
           </a:p>
@@ -4412,7 +5017,7 @@
             <a:fld id="{B61BEF0D-F0BB-DE4B-95CE-6DB70DBA9567}" type="datetimeFigureOut">
               <a:rPr lang="en-US" smtClean="0"/>
               <a:pPr/>
-              <a:t>8/13/2017</a:t>
+              <a:t>8/13/17</a:t>
             </a:fld>
             <a:endParaRPr lang="en-US" dirty="0"/>
           </a:p>
@@ -4532,7 +5137,7 @@
             <a:fld id="{B61BEF0D-F0BB-DE4B-95CE-6DB70DBA9567}" type="datetimeFigureOut">
               <a:rPr lang="en-US" smtClean="0"/>
               <a:pPr/>
-              <a:t>8/13/2017</a:t>
+              <a:t>8/13/17</a:t>
             </a:fld>
             <a:endParaRPr lang="en-US" dirty="0"/>
           </a:p>
@@ -4629,7 +5234,7 @@
             <a:fld id="{B61BEF0D-F0BB-DE4B-95CE-6DB70DBA9567}" type="datetimeFigureOut">
               <a:rPr lang="en-US" smtClean="0"/>
               <a:pPr/>
-              <a:t>8/13/2017</a:t>
+              <a:t>8/13/17</a:t>
             </a:fld>
             <a:endParaRPr lang="en-US" dirty="0"/>
           </a:p>
@@ -4910,7 +5515,7 @@
             <a:fld id="{B61BEF0D-F0BB-DE4B-95CE-6DB70DBA9567}" type="datetimeFigureOut">
               <a:rPr lang="en-US" smtClean="0"/>
               <a:pPr/>
-              <a:t>8/13/2017</a:t>
+              <a:t>8/13/17</a:t>
             </a:fld>
             <a:endParaRPr lang="en-US" dirty="0"/>
           </a:p>
@@ -5187,7 +5792,7 @@
             <a:fld id="{B61BEF0D-F0BB-DE4B-95CE-6DB70DBA9567}" type="datetimeFigureOut">
               <a:rPr lang="en-US" smtClean="0"/>
               <a:pPr/>
-              <a:t>8/13/2017</a:t>
+              <a:t>8/13/17</a:t>
             </a:fld>
             <a:endParaRPr lang="en-US" dirty="0"/>
           </a:p>
@@ -5618,7 +6223,7 @@
             <a:fld id="{B61BEF0D-F0BB-DE4B-95CE-6DB70DBA9567}" type="datetimeFigureOut">
               <a:rPr lang="en-US" smtClean="0"/>
               <a:pPr/>
-              <a:t>8/13/2017</a:t>
+              <a:t>8/13/17</a:t>
             </a:fld>
             <a:endParaRPr lang="en-US" dirty="0"/>
           </a:p>
@@ -6322,7 +6927,7 @@
           <p:cNvPr id="3" name="TextBox 2">
             <a:extLst>
               <a:ext uri="{FF2B5EF4-FFF2-40B4-BE49-F238E27FC236}">
-                <a16:creationId xmlns:a16="http://schemas.microsoft.com/office/drawing/2014/main" id="{5FE08D2D-4F03-41CC-AD0D-5190FAF835C5}"/>
+                <a16:creationId xmlns:a16="http://schemas.microsoft.com/office/drawing/2014/main" xmlns="" id="{5FE08D2D-4F03-41CC-AD0D-5190FAF835C5}"/>
               </a:ext>
             </a:extLst>
           </p:cNvPr>
@@ -6403,7 +7008,7 @@
           <p:cNvPr id="5" name="Picture 4">
             <a:extLst>
               <a:ext uri="{FF2B5EF4-FFF2-40B4-BE49-F238E27FC236}">
-                <a16:creationId xmlns:a16="http://schemas.microsoft.com/office/drawing/2014/main" id="{48379F79-E9D9-40C7-AF77-9BACFD254E5B}"/>
+                <a16:creationId xmlns:a16="http://schemas.microsoft.com/office/drawing/2014/main" xmlns="" id="{48379F79-E9D9-40C7-AF77-9BACFD254E5B}"/>
               </a:ext>
             </a:extLst>
           </p:cNvPr>
@@ -6494,7 +7099,7 @@
           <p:cNvPr id="3" name="TextBox 2">
             <a:extLst>
               <a:ext uri="{FF2B5EF4-FFF2-40B4-BE49-F238E27FC236}">
-                <a16:creationId xmlns:a16="http://schemas.microsoft.com/office/drawing/2014/main" id="{5FE08D2D-4F03-41CC-AD0D-5190FAF835C5}"/>
+                <a16:creationId xmlns:a16="http://schemas.microsoft.com/office/drawing/2014/main" xmlns="" id="{5FE08D2D-4F03-41CC-AD0D-5190FAF835C5}"/>
               </a:ext>
             </a:extLst>
           </p:cNvPr>
@@ -6696,7 +7301,7 @@
           <p:cNvPr id="4" name="Table 3">
             <a:extLst>
               <a:ext uri="{FF2B5EF4-FFF2-40B4-BE49-F238E27FC236}">
-                <a16:creationId xmlns:a16="http://schemas.microsoft.com/office/drawing/2014/main" id="{8DCEED3E-FBD7-4193-95AD-7E84AD914061}"/>
+                <a16:creationId xmlns:a16="http://schemas.microsoft.com/office/drawing/2014/main" xmlns="" id="{8DCEED3E-FBD7-4193-95AD-7E84AD914061}"/>
               </a:ext>
             </a:extLst>
           </p:cNvPr>
@@ -6723,14 +7328,14 @@
                 <a:gridCol w="4938661">
                   <a:extLst>
                     <a:ext uri="{9D8B030D-6E8A-4147-A177-3AD203B41FA5}">
-                      <a16:colId xmlns:a16="http://schemas.microsoft.com/office/drawing/2014/main" val="1517334841"/>
+                      <a16:colId xmlns:a16="http://schemas.microsoft.com/office/drawing/2014/main" xmlns="" val="1517334841"/>
                     </a:ext>
                   </a:extLst>
                 </a:gridCol>
                 <a:gridCol w="3956982">
                   <a:extLst>
                     <a:ext uri="{9D8B030D-6E8A-4147-A177-3AD203B41FA5}">
-                      <a16:colId xmlns:a16="http://schemas.microsoft.com/office/drawing/2014/main" val="2434254746"/>
+                      <a16:colId xmlns:a16="http://schemas.microsoft.com/office/drawing/2014/main" xmlns="" val="2434254746"/>
                     </a:ext>
                   </a:extLst>
                 </a:gridCol>
@@ -6876,7 +7481,7 @@
                 </a:tc>
                 <a:extLst>
                   <a:ext uri="{0D108BD9-81ED-4DB2-BD59-A6C34878D82A}">
-                    <a16:rowId xmlns:a16="http://schemas.microsoft.com/office/drawing/2014/main" val="2735415994"/>
+                    <a16:rowId xmlns:a16="http://schemas.microsoft.com/office/drawing/2014/main" xmlns="" val="2735415994"/>
                   </a:ext>
                 </a:extLst>
               </a:tr>
@@ -7021,7 +7626,7 @@
                 </a:tc>
                 <a:extLst>
                   <a:ext uri="{0D108BD9-81ED-4DB2-BD59-A6C34878D82A}">
-                    <a16:rowId xmlns:a16="http://schemas.microsoft.com/office/drawing/2014/main" val="53378166"/>
+                    <a16:rowId xmlns:a16="http://schemas.microsoft.com/office/drawing/2014/main" xmlns="" val="53378166"/>
                   </a:ext>
                 </a:extLst>
               </a:tr>
@@ -7166,7 +7771,7 @@
                 </a:tc>
                 <a:extLst>
                   <a:ext uri="{0D108BD9-81ED-4DB2-BD59-A6C34878D82A}">
-                    <a16:rowId xmlns:a16="http://schemas.microsoft.com/office/drawing/2014/main" val="3499138134"/>
+                    <a16:rowId xmlns:a16="http://schemas.microsoft.com/office/drawing/2014/main" xmlns="" val="3499138134"/>
                   </a:ext>
                 </a:extLst>
               </a:tr>
@@ -7311,7 +7916,7 @@
                 </a:tc>
                 <a:extLst>
                   <a:ext uri="{0D108BD9-81ED-4DB2-BD59-A6C34878D82A}">
-                    <a16:rowId xmlns:a16="http://schemas.microsoft.com/office/drawing/2014/main" val="2029229186"/>
+                    <a16:rowId xmlns:a16="http://schemas.microsoft.com/office/drawing/2014/main" xmlns="" val="2029229186"/>
                   </a:ext>
                 </a:extLst>
               </a:tr>
@@ -7456,7 +8061,7 @@
                 </a:tc>
                 <a:extLst>
                   <a:ext uri="{0D108BD9-81ED-4DB2-BD59-A6C34878D82A}">
-                    <a16:rowId xmlns:a16="http://schemas.microsoft.com/office/drawing/2014/main" val="257496341"/>
+                    <a16:rowId xmlns:a16="http://schemas.microsoft.com/office/drawing/2014/main" xmlns="" val="257496341"/>
                   </a:ext>
                 </a:extLst>
               </a:tr>
@@ -7469,7 +8074,7 @@
           <p:cNvPr id="5" name="Table 4">
             <a:extLst>
               <a:ext uri="{FF2B5EF4-FFF2-40B4-BE49-F238E27FC236}">
-                <a16:creationId xmlns:a16="http://schemas.microsoft.com/office/drawing/2014/main" id="{7E3B2EB3-B496-434C-84A9-0C20B6D04055}"/>
+                <a16:creationId xmlns:a16="http://schemas.microsoft.com/office/drawing/2014/main" xmlns="" id="{7E3B2EB3-B496-434C-84A9-0C20B6D04055}"/>
               </a:ext>
             </a:extLst>
           </p:cNvPr>
@@ -7496,14 +8101,14 @@
                 <a:gridCol w="6204834">
                   <a:extLst>
                     <a:ext uri="{9D8B030D-6E8A-4147-A177-3AD203B41FA5}">
-                      <a16:colId xmlns:a16="http://schemas.microsoft.com/office/drawing/2014/main" val="1517334841"/>
+                      <a16:colId xmlns:a16="http://schemas.microsoft.com/office/drawing/2014/main" xmlns="" val="1517334841"/>
                     </a:ext>
                   </a:extLst>
                 </a:gridCol>
                 <a:gridCol w="2690809">
                   <a:extLst>
                     <a:ext uri="{9D8B030D-6E8A-4147-A177-3AD203B41FA5}">
-                      <a16:colId xmlns:a16="http://schemas.microsoft.com/office/drawing/2014/main" val="2434254746"/>
+                      <a16:colId xmlns:a16="http://schemas.microsoft.com/office/drawing/2014/main" xmlns="" val="2434254746"/>
                     </a:ext>
                   </a:extLst>
                 </a:gridCol>
@@ -7649,7 +8254,7 @@
                 </a:tc>
                 <a:extLst>
                   <a:ext uri="{0D108BD9-81ED-4DB2-BD59-A6C34878D82A}">
-                    <a16:rowId xmlns:a16="http://schemas.microsoft.com/office/drawing/2014/main" val="2735415994"/>
+                    <a16:rowId xmlns:a16="http://schemas.microsoft.com/office/drawing/2014/main" xmlns="" val="2735415994"/>
                   </a:ext>
                 </a:extLst>
               </a:tr>
@@ -7794,7 +8399,7 @@
                 </a:tc>
                 <a:extLst>
                   <a:ext uri="{0D108BD9-81ED-4DB2-BD59-A6C34878D82A}">
-                    <a16:rowId xmlns:a16="http://schemas.microsoft.com/office/drawing/2014/main" val="53378166"/>
+                    <a16:rowId xmlns:a16="http://schemas.microsoft.com/office/drawing/2014/main" xmlns="" val="53378166"/>
                   </a:ext>
                 </a:extLst>
               </a:tr>
@@ -7939,7 +8544,7 @@
                 </a:tc>
                 <a:extLst>
                   <a:ext uri="{0D108BD9-81ED-4DB2-BD59-A6C34878D82A}">
-                    <a16:rowId xmlns:a16="http://schemas.microsoft.com/office/drawing/2014/main" val="3499138134"/>
+                    <a16:rowId xmlns:a16="http://schemas.microsoft.com/office/drawing/2014/main" xmlns="" val="3499138134"/>
                   </a:ext>
                 </a:extLst>
               </a:tr>
@@ -8084,7 +8689,7 @@
                 </a:tc>
                 <a:extLst>
                   <a:ext uri="{0D108BD9-81ED-4DB2-BD59-A6C34878D82A}">
-                    <a16:rowId xmlns:a16="http://schemas.microsoft.com/office/drawing/2014/main" val="2029229186"/>
+                    <a16:rowId xmlns:a16="http://schemas.microsoft.com/office/drawing/2014/main" xmlns="" val="2029229186"/>
                   </a:ext>
                 </a:extLst>
               </a:tr>
@@ -8229,7 +8834,7 @@
                 </a:tc>
                 <a:extLst>
                   <a:ext uri="{0D108BD9-81ED-4DB2-BD59-A6C34878D82A}">
-                    <a16:rowId xmlns:a16="http://schemas.microsoft.com/office/drawing/2014/main" val="257496341"/>
+                    <a16:rowId xmlns:a16="http://schemas.microsoft.com/office/drawing/2014/main" xmlns="" val="257496341"/>
                   </a:ext>
                 </a:extLst>
               </a:tr>
@@ -8242,7 +8847,7 @@
           <p:cNvPr id="6" name="TextBox 5">
             <a:extLst>
               <a:ext uri="{FF2B5EF4-FFF2-40B4-BE49-F238E27FC236}">
-                <a16:creationId xmlns:a16="http://schemas.microsoft.com/office/drawing/2014/main" id="{9735059D-8639-472D-85DD-B005F42962B3}"/>
+                <a16:creationId xmlns:a16="http://schemas.microsoft.com/office/drawing/2014/main" xmlns="" id="{9735059D-8639-472D-85DD-B005F42962B3}"/>
               </a:ext>
             </a:extLst>
           </p:cNvPr>
@@ -8277,7 +8882,7 @@
           <p:cNvPr id="7" name="TextBox 6">
             <a:extLst>
               <a:ext uri="{FF2B5EF4-FFF2-40B4-BE49-F238E27FC236}">
-                <a16:creationId xmlns:a16="http://schemas.microsoft.com/office/drawing/2014/main" id="{C29E70AB-A2EE-4DE5-B615-25930E83BB39}"/>
+                <a16:creationId xmlns:a16="http://schemas.microsoft.com/office/drawing/2014/main" xmlns="" id="{C29E70AB-A2EE-4DE5-B615-25930E83BB39}"/>
               </a:ext>
             </a:extLst>
           </p:cNvPr>
@@ -8369,7 +8974,7 @@
           <p:cNvPr id="3" name="TextBox 2">
             <a:extLst>
               <a:ext uri="{FF2B5EF4-FFF2-40B4-BE49-F238E27FC236}">
-                <a16:creationId xmlns:a16="http://schemas.microsoft.com/office/drawing/2014/main" id="{5FE08D2D-4F03-41CC-AD0D-5190FAF835C5}"/>
+                <a16:creationId xmlns:a16="http://schemas.microsoft.com/office/drawing/2014/main" xmlns="" id="{5FE08D2D-4F03-41CC-AD0D-5190FAF835C5}"/>
               </a:ext>
             </a:extLst>
           </p:cNvPr>
@@ -8496,7 +9101,7 @@
           <p:cNvPr id="4" name="Table 3">
             <a:extLst>
               <a:ext uri="{FF2B5EF4-FFF2-40B4-BE49-F238E27FC236}">
-                <a16:creationId xmlns:a16="http://schemas.microsoft.com/office/drawing/2014/main" id="{F30C9338-C546-49B6-A915-13CBDF47517F}"/>
+                <a16:creationId xmlns:a16="http://schemas.microsoft.com/office/drawing/2014/main" xmlns="" id="{F30C9338-C546-49B6-A915-13CBDF47517F}"/>
               </a:ext>
             </a:extLst>
           </p:cNvPr>
@@ -8525,28 +9130,28 @@
                 <a:gridCol w="1183904">
                   <a:extLst>
                     <a:ext uri="{9D8B030D-6E8A-4147-A177-3AD203B41FA5}">
-                      <a16:colId xmlns:a16="http://schemas.microsoft.com/office/drawing/2014/main" val="3414294309"/>
+                      <a16:colId xmlns:a16="http://schemas.microsoft.com/office/drawing/2014/main" xmlns="" val="3414294309"/>
                     </a:ext>
                   </a:extLst>
                 </a:gridCol>
                 <a:gridCol w="1241778">
                   <a:extLst>
                     <a:ext uri="{9D8B030D-6E8A-4147-A177-3AD203B41FA5}">
-                      <a16:colId xmlns:a16="http://schemas.microsoft.com/office/drawing/2014/main" val="3203402679"/>
+                      <a16:colId xmlns:a16="http://schemas.microsoft.com/office/drawing/2014/main" xmlns="" val="3203402679"/>
                     </a:ext>
                   </a:extLst>
                 </a:gridCol>
                 <a:gridCol w="948266">
                   <a:extLst>
                     <a:ext uri="{9D8B030D-6E8A-4147-A177-3AD203B41FA5}">
-                      <a16:colId xmlns:a16="http://schemas.microsoft.com/office/drawing/2014/main" val="3772256673"/>
+                      <a16:colId xmlns:a16="http://schemas.microsoft.com/office/drawing/2014/main" xmlns="" val="3772256673"/>
                     </a:ext>
                   </a:extLst>
                 </a:gridCol>
                 <a:gridCol w="1693335">
                   <a:extLst>
                     <a:ext uri="{9D8B030D-6E8A-4147-A177-3AD203B41FA5}">
-                      <a16:colId xmlns:a16="http://schemas.microsoft.com/office/drawing/2014/main" val="1549248394"/>
+                      <a16:colId xmlns:a16="http://schemas.microsoft.com/office/drawing/2014/main" xmlns="" val="1549248394"/>
                     </a:ext>
                   </a:extLst>
                 </a:gridCol>
@@ -8670,7 +9275,7 @@
                 </a:tc>
                 <a:extLst>
                   <a:ext uri="{0D108BD9-81ED-4DB2-BD59-A6C34878D82A}">
-                    <a16:rowId xmlns:a16="http://schemas.microsoft.com/office/drawing/2014/main" val="441241208"/>
+                    <a16:rowId xmlns:a16="http://schemas.microsoft.com/office/drawing/2014/main" xmlns="" val="441241208"/>
                   </a:ext>
                 </a:extLst>
               </a:tr>
@@ -8793,7 +9398,7 @@
                 </a:tc>
                 <a:extLst>
                   <a:ext uri="{0D108BD9-81ED-4DB2-BD59-A6C34878D82A}">
-                    <a16:rowId xmlns:a16="http://schemas.microsoft.com/office/drawing/2014/main" val="2520659642"/>
+                    <a16:rowId xmlns:a16="http://schemas.microsoft.com/office/drawing/2014/main" xmlns="" val="2520659642"/>
                   </a:ext>
                 </a:extLst>
               </a:tr>
@@ -8916,7 +9521,7 @@
                 </a:tc>
                 <a:extLst>
                   <a:ext uri="{0D108BD9-81ED-4DB2-BD59-A6C34878D82A}">
-                    <a16:rowId xmlns:a16="http://schemas.microsoft.com/office/drawing/2014/main" val="3995171463"/>
+                    <a16:rowId xmlns:a16="http://schemas.microsoft.com/office/drawing/2014/main" xmlns="" val="3995171463"/>
                   </a:ext>
                 </a:extLst>
               </a:tr>
@@ -9039,7 +9644,7 @@
                 </a:tc>
                 <a:extLst>
                   <a:ext uri="{0D108BD9-81ED-4DB2-BD59-A6C34878D82A}">
-                    <a16:rowId xmlns:a16="http://schemas.microsoft.com/office/drawing/2014/main" val="803761382"/>
+                    <a16:rowId xmlns:a16="http://schemas.microsoft.com/office/drawing/2014/main" xmlns="" val="803761382"/>
                   </a:ext>
                 </a:extLst>
               </a:tr>
@@ -9052,7 +9657,7 @@
           <p:cNvPr id="6" name="TextBox 5">
             <a:extLst>
               <a:ext uri="{FF2B5EF4-FFF2-40B4-BE49-F238E27FC236}">
-                <a16:creationId xmlns:a16="http://schemas.microsoft.com/office/drawing/2014/main" id="{4D9B7089-544A-458E-9FAD-F71AF7792DD9}"/>
+                <a16:creationId xmlns:a16="http://schemas.microsoft.com/office/drawing/2014/main" xmlns="" id="{4D9B7089-544A-458E-9FAD-F71AF7792DD9}"/>
               </a:ext>
             </a:extLst>
           </p:cNvPr>
@@ -9148,7 +9753,7 @@
           <p:cNvPr id="7" name="Picture 6">
             <a:extLst>
               <a:ext uri="{FF2B5EF4-FFF2-40B4-BE49-F238E27FC236}">
-                <a16:creationId xmlns:a16="http://schemas.microsoft.com/office/drawing/2014/main" id="{5ED4A67D-E6ED-498D-AA01-88C92C450CAA}"/>
+                <a16:creationId xmlns:a16="http://schemas.microsoft.com/office/drawing/2014/main" xmlns="" id="{5ED4A67D-E6ED-498D-AA01-88C92C450CAA}"/>
               </a:ext>
             </a:extLst>
           </p:cNvPr>
@@ -9156,7 +9761,7 @@
           <p:nvPr/>
         </p:nvPicPr>
         <p:blipFill>
-          <a:blip r:embed="rId2">
+          <a:blip r:embed="rId3">
             <a:extLst>
               <a:ext uri="{28A0092B-C50C-407E-A947-70E740481C1C}">
                 <a14:useLocalDpi xmlns:a14="http://schemas.microsoft.com/office/drawing/2010/main" val="0"/>
@@ -9244,7 +9849,7 @@
           <p:cNvPr id="3" name="TextBox 2">
             <a:extLst>
               <a:ext uri="{FF2B5EF4-FFF2-40B4-BE49-F238E27FC236}">
-                <a16:creationId xmlns:a16="http://schemas.microsoft.com/office/drawing/2014/main" id="{5FE08D2D-4F03-41CC-AD0D-5190FAF835C5}"/>
+                <a16:creationId xmlns:a16="http://schemas.microsoft.com/office/drawing/2014/main" xmlns="" id="{5FE08D2D-4F03-41CC-AD0D-5190FAF835C5}"/>
               </a:ext>
             </a:extLst>
           </p:cNvPr>
@@ -9285,7 +9890,7 @@
           <p:cNvPr id="6" name="Graphic 5" descr="Sheep">
             <a:extLst>
               <a:ext uri="{FF2B5EF4-FFF2-40B4-BE49-F238E27FC236}">
-                <a16:creationId xmlns:a16="http://schemas.microsoft.com/office/drawing/2014/main" id="{8C2A2B99-5BFF-42A4-AE16-6909CA0E1B3C}"/>
+                <a16:creationId xmlns:a16="http://schemas.microsoft.com/office/drawing/2014/main" xmlns="" id="{8C2A2B99-5BFF-42A4-AE16-6909CA0E1B3C}"/>
               </a:ext>
             </a:extLst>
           </p:cNvPr>
@@ -9298,7 +9903,7 @@
           <a:blip r:embed="rId2">
             <a:extLst>
               <a:ext uri="{96DAC541-7B7A-43D3-8B79-37D633B846F1}">
-                <asvg:svgBlip xmlns:asvg="http://schemas.microsoft.com/office/drawing/2016/SVG/main" r:embed="rId3"/>
+                <asvg:svgBlip xmlns:asvg="http://schemas.microsoft.com/office/drawing/2016/SVG/main" xmlns="" r:embed="rId3"/>
               </a:ext>
             </a:extLst>
           </a:blip>
@@ -9321,7 +9926,7 @@
           <p:cNvPr id="8" name="Graphic 7" descr="Pig">
             <a:extLst>
               <a:ext uri="{FF2B5EF4-FFF2-40B4-BE49-F238E27FC236}">
-                <a16:creationId xmlns:a16="http://schemas.microsoft.com/office/drawing/2014/main" id="{1B35EB13-2CFD-45DA-9E8E-35385989DF92}"/>
+                <a16:creationId xmlns:a16="http://schemas.microsoft.com/office/drawing/2014/main" xmlns="" id="{1B35EB13-2CFD-45DA-9E8E-35385989DF92}"/>
               </a:ext>
             </a:extLst>
           </p:cNvPr>
@@ -9334,7 +9939,7 @@
           <a:blip r:embed="rId4">
             <a:extLst>
               <a:ext uri="{96DAC541-7B7A-43D3-8B79-37D633B846F1}">
-                <asvg:svgBlip xmlns:asvg="http://schemas.microsoft.com/office/drawing/2016/SVG/main" r:embed="rId5"/>
+                <asvg:svgBlip xmlns:asvg="http://schemas.microsoft.com/office/drawing/2016/SVG/main" xmlns="" r:embed="rId5"/>
               </a:ext>
             </a:extLst>
           </a:blip>
@@ -9357,7 +9962,7 @@
           <p:cNvPr id="10" name="Graphic 9" descr="Rooster">
             <a:extLst>
               <a:ext uri="{FF2B5EF4-FFF2-40B4-BE49-F238E27FC236}">
-                <a16:creationId xmlns:a16="http://schemas.microsoft.com/office/drawing/2014/main" id="{659C2573-33AE-4705-B628-40B416D6B1EB}"/>
+                <a16:creationId xmlns:a16="http://schemas.microsoft.com/office/drawing/2014/main" xmlns="" id="{659C2573-33AE-4705-B628-40B416D6B1EB}"/>
               </a:ext>
             </a:extLst>
           </p:cNvPr>
@@ -9370,7 +9975,7 @@
           <a:blip r:embed="rId6">
             <a:extLst>
               <a:ext uri="{96DAC541-7B7A-43D3-8B79-37D633B846F1}">
-                <asvg:svgBlip xmlns:asvg="http://schemas.microsoft.com/office/drawing/2016/SVG/main" r:embed="rId7"/>
+                <asvg:svgBlip xmlns:asvg="http://schemas.microsoft.com/office/drawing/2016/SVG/main" xmlns="" r:embed="rId7"/>
               </a:ext>
             </a:extLst>
           </a:blip>
@@ -9393,7 +9998,7 @@
           <p:cNvPr id="12" name="Graphic 11" descr="Cow">
             <a:extLst>
               <a:ext uri="{FF2B5EF4-FFF2-40B4-BE49-F238E27FC236}">
-                <a16:creationId xmlns:a16="http://schemas.microsoft.com/office/drawing/2014/main" id="{1E2A4920-4622-4729-9876-2C97CE9A8D6A}"/>
+                <a16:creationId xmlns:a16="http://schemas.microsoft.com/office/drawing/2014/main" xmlns="" id="{1E2A4920-4622-4729-9876-2C97CE9A8D6A}"/>
               </a:ext>
             </a:extLst>
           </p:cNvPr>
@@ -9406,7 +10011,7 @@
           <a:blip r:embed="rId8">
             <a:extLst>
               <a:ext uri="{96DAC541-7B7A-43D3-8B79-37D633B846F1}">
-                <asvg:svgBlip xmlns:asvg="http://schemas.microsoft.com/office/drawing/2016/SVG/main" r:embed="rId9"/>
+                <asvg:svgBlip xmlns:asvg="http://schemas.microsoft.com/office/drawing/2016/SVG/main" xmlns="" r:embed="rId9"/>
               </a:ext>
             </a:extLst>
           </a:blip>
@@ -9429,7 +10034,7 @@
           <p:cNvPr id="14" name="Graphic 13" descr="Goat">
             <a:extLst>
               <a:ext uri="{FF2B5EF4-FFF2-40B4-BE49-F238E27FC236}">
-                <a16:creationId xmlns:a16="http://schemas.microsoft.com/office/drawing/2014/main" id="{6CC7B603-B920-4301-BC48-68FB832F44C5}"/>
+                <a16:creationId xmlns:a16="http://schemas.microsoft.com/office/drawing/2014/main" xmlns="" id="{6CC7B603-B920-4301-BC48-68FB832F44C5}"/>
               </a:ext>
             </a:extLst>
           </p:cNvPr>
@@ -9442,7 +10047,7 @@
           <a:blip r:embed="rId10">
             <a:extLst>
               <a:ext uri="{96DAC541-7B7A-43D3-8B79-37D633B846F1}">
-                <asvg:svgBlip xmlns:asvg="http://schemas.microsoft.com/office/drawing/2016/SVG/main" r:embed="rId11"/>
+                <asvg:svgBlip xmlns:asvg="http://schemas.microsoft.com/office/drawing/2016/SVG/main" xmlns="" r:embed="rId11"/>
               </a:ext>
             </a:extLst>
           </a:blip>
@@ -9465,7 +10070,7 @@
           <p:cNvPr id="16" name="Graphic 15" descr="Horse">
             <a:extLst>
               <a:ext uri="{FF2B5EF4-FFF2-40B4-BE49-F238E27FC236}">
-                <a16:creationId xmlns:a16="http://schemas.microsoft.com/office/drawing/2014/main" id="{CBCBFAEF-52FF-4676-B477-E265CD792BD9}"/>
+                <a16:creationId xmlns:a16="http://schemas.microsoft.com/office/drawing/2014/main" xmlns="" id="{CBCBFAEF-52FF-4676-B477-E265CD792BD9}"/>
               </a:ext>
             </a:extLst>
           </p:cNvPr>
@@ -9478,7 +10083,7 @@
           <a:blip r:embed="rId12">
             <a:extLst>
               <a:ext uri="{96DAC541-7B7A-43D3-8B79-37D633B846F1}">
-                <asvg:svgBlip xmlns:asvg="http://schemas.microsoft.com/office/drawing/2016/SVG/main" r:embed="rId13"/>
+                <asvg:svgBlip xmlns:asvg="http://schemas.microsoft.com/office/drawing/2016/SVG/main" xmlns="" r:embed="rId13"/>
               </a:ext>
             </a:extLst>
           </a:blip>
@@ -9501,7 +10106,7 @@
           <p:cNvPr id="18" name="Graphic 17" descr="Barn">
             <a:extLst>
               <a:ext uri="{FF2B5EF4-FFF2-40B4-BE49-F238E27FC236}">
-                <a16:creationId xmlns:a16="http://schemas.microsoft.com/office/drawing/2014/main" id="{E9CC7A8E-AE81-4A85-8C9F-142E81F8885C}"/>
+                <a16:creationId xmlns:a16="http://schemas.microsoft.com/office/drawing/2014/main" xmlns="" id="{E9CC7A8E-AE81-4A85-8C9F-142E81F8885C}"/>
               </a:ext>
             </a:extLst>
           </p:cNvPr>
@@ -9514,7 +10119,7 @@
           <a:blip r:embed="rId14">
             <a:extLst>
               <a:ext uri="{96DAC541-7B7A-43D3-8B79-37D633B846F1}">
-                <asvg:svgBlip xmlns:asvg="http://schemas.microsoft.com/office/drawing/2016/SVG/main" r:embed="rId15"/>
+                <asvg:svgBlip xmlns:asvg="http://schemas.microsoft.com/office/drawing/2016/SVG/main" xmlns="" r:embed="rId15"/>
               </a:ext>
             </a:extLst>
           </a:blip>
@@ -9537,7 +10142,7 @@
           <p:cNvPr id="20" name="Graphic 19" descr="Silo">
             <a:extLst>
               <a:ext uri="{FF2B5EF4-FFF2-40B4-BE49-F238E27FC236}">
-                <a16:creationId xmlns:a16="http://schemas.microsoft.com/office/drawing/2014/main" id="{9453F8FA-1457-45A2-9034-89956C212C25}"/>
+                <a16:creationId xmlns:a16="http://schemas.microsoft.com/office/drawing/2014/main" xmlns="" id="{9453F8FA-1457-45A2-9034-89956C212C25}"/>
               </a:ext>
             </a:extLst>
           </p:cNvPr>
@@ -9550,7 +10155,7 @@
           <a:blip r:embed="rId16">
             <a:extLst>
               <a:ext uri="{96DAC541-7B7A-43D3-8B79-37D633B846F1}">
-                <asvg:svgBlip xmlns:asvg="http://schemas.microsoft.com/office/drawing/2016/SVG/main" r:embed="rId17"/>
+                <asvg:svgBlip xmlns:asvg="http://schemas.microsoft.com/office/drawing/2016/SVG/main" xmlns="" r:embed="rId17"/>
               </a:ext>
             </a:extLst>
           </a:blip>
@@ -9630,7 +10235,7 @@
           <p:cNvPr id="3" name="TextBox 2">
             <a:extLst>
               <a:ext uri="{FF2B5EF4-FFF2-40B4-BE49-F238E27FC236}">
-                <a16:creationId xmlns:a16="http://schemas.microsoft.com/office/drawing/2014/main" id="{5FE08D2D-4F03-41CC-AD0D-5190FAF835C5}"/>
+                <a16:creationId xmlns:a16="http://schemas.microsoft.com/office/drawing/2014/main" xmlns="" id="{5FE08D2D-4F03-41CC-AD0D-5190FAF835C5}"/>
               </a:ext>
             </a:extLst>
           </p:cNvPr>
@@ -9956,7 +10561,7 @@
           <p:cNvPr id="2" name="Title 1">
             <a:extLst>
               <a:ext uri="{FF2B5EF4-FFF2-40B4-BE49-F238E27FC236}">
-                <a16:creationId xmlns:a16="http://schemas.microsoft.com/office/drawing/2014/main" id="{26822B25-6E46-4AEF-929A-5ADCB6FBC7A7}"/>
+                <a16:creationId xmlns:a16="http://schemas.microsoft.com/office/drawing/2014/main" xmlns="" id="{26822B25-6E46-4AEF-929A-5ADCB6FBC7A7}"/>
               </a:ext>
             </a:extLst>
           </p:cNvPr>
@@ -9989,7 +10594,7 @@
           <p:cNvPr id="3" name="Content Placeholder 2">
             <a:extLst>
               <a:ext uri="{FF2B5EF4-FFF2-40B4-BE49-F238E27FC236}">
-                <a16:creationId xmlns:a16="http://schemas.microsoft.com/office/drawing/2014/main" id="{89274F08-7D4E-45B1-9D36-7117C50B3C3A}"/>
+                <a16:creationId xmlns:a16="http://schemas.microsoft.com/office/drawing/2014/main" xmlns="" id="{89274F08-7D4E-45B1-9D36-7117C50B3C3A}"/>
               </a:ext>
             </a:extLst>
           </p:cNvPr>
@@ -10044,12 +10649,49 @@
               <a:buNone/>
             </a:pPr>
             <a:r>
+              <a:rPr lang="en-US" sz="2400" b="1" dirty="0" smtClean="0"/>
+              <a:t>Prices-split </a:t>
+            </a:r>
+            <a:r>
+              <a:rPr lang="en-US" sz="2400" dirty="0" smtClean="0"/>
+              <a:t>- </a:t>
+            </a:r>
+            <a:r>
+              <a:rPr lang="en-US" sz="2400" dirty="0" err="1" smtClean="0"/>
+              <a:t>adjusted.csv</a:t>
+            </a:r>
+            <a:r>
+              <a:rPr lang="en-US" sz="2400" dirty="0" smtClean="0"/>
+              <a:t> </a:t>
+            </a:r>
+            <a:r>
+              <a:rPr lang="en-US" sz="2400" dirty="0"/>
+              <a:t>– adjustment for and stock splits  51.4MB</a:t>
+            </a:r>
+          </a:p>
+          <a:p>
+            <a:pPr marL="0" indent="0">
+              <a:buNone/>
+            </a:pPr>
+            <a:r>
+              <a:rPr lang="en-US" sz="2400" b="1" dirty="0" err="1"/>
+              <a:t>Securities.csv</a:t>
+            </a:r>
+            <a:r>
               <a:rPr lang="en-US" sz="2400" b="1" dirty="0"/>
-              <a:t>Prices-split</a:t>
+              <a:t> </a:t>
             </a:r>
             <a:r>
               <a:rPr lang="en-US" sz="2400" dirty="0"/>
-              <a:t>-adjusted.csv – adjustment for and stock splits  51.4MB</a:t>
+              <a:t>-</a:t>
+            </a:r>
+            <a:r>
+              <a:rPr lang="en-US" sz="2400" dirty="0" smtClean="0"/>
+              <a:t> </a:t>
+            </a:r>
+            <a:r>
+              <a:rPr lang="en-US" sz="2400" dirty="0"/>
+              <a:t>descriptions of the companies and different sectors  60KB</a:t>
             </a:r>
           </a:p>
           <a:p>
@@ -10057,12 +10699,24 @@
               <a:buNone/>
             </a:pPr>
             <a:r>
+              <a:rPr lang="en-US" sz="2400" b="1" dirty="0" err="1"/>
+              <a:t>Fundamentals.csv</a:t>
+            </a:r>
+            <a:r>
               <a:rPr lang="en-US" sz="2400" b="1" dirty="0"/>
-              <a:t>Securities.csv </a:t>
+              <a:t> </a:t>
             </a:r>
             <a:r>
               <a:rPr lang="en-US" sz="2400" dirty="0"/>
-              <a:t>– descriptions of the companies and different sectors  60KB</a:t>
+              <a:t>-</a:t>
+            </a:r>
+            <a:r>
+              <a:rPr lang="en-US" sz="2400" dirty="0" smtClean="0"/>
+              <a:t> </a:t>
+            </a:r>
+            <a:r>
+              <a:rPr lang="en-US" sz="2400" dirty="0"/>
+              <a:t>SEC 10K filings for each company  1.3MB</a:t>
             </a:r>
           </a:p>
           <a:p>
@@ -10070,27 +10724,9 @@
               <a:buNone/>
             </a:pPr>
             <a:r>
-              <a:rPr lang="en-US" sz="2400" b="1" dirty="0"/>
-              <a:t>Fundamentals.csv </a:t>
-            </a:r>
-            <a:r>
               <a:rPr lang="en-US" sz="2400" dirty="0"/>
-              <a:t>– SEC 10K filings for each company  1.3MB</a:t>
-            </a:r>
-          </a:p>
-          <a:p>
-            <a:pPr marL="0" indent="0">
-              <a:buNone/>
-            </a:pPr>
-            <a:r>
-              <a:rPr lang="en-US" sz="2400" dirty="0"/>
-              <a:t>Total </a:t>
-            </a:r>
-            <a:r>
-              <a:rPr lang="en-US" sz="2400"/>
-              <a:t>Data size is 103.6MB</a:t>
-            </a:r>
-            <a:endParaRPr lang="en-US" sz="2400" dirty="0"/>
+              <a:t>Total Data size is 103.6MB</a:t>
+            </a:r>
           </a:p>
           <a:p>
             <a:pPr marL="0" indent="0">
@@ -10144,7 +10780,7 @@
           <p:cNvPr id="2" name="Title 1">
             <a:extLst>
               <a:ext uri="{FF2B5EF4-FFF2-40B4-BE49-F238E27FC236}">
-                <a16:creationId xmlns:a16="http://schemas.microsoft.com/office/drawing/2014/main" id="{26822B25-6E46-4AEF-929A-5ADCB6FBC7A7}"/>
+                <a16:creationId xmlns:a16="http://schemas.microsoft.com/office/drawing/2014/main" xmlns="" id="{26822B25-6E46-4AEF-929A-5ADCB6FBC7A7}"/>
               </a:ext>
             </a:extLst>
           </p:cNvPr>
@@ -10177,7 +10813,7 @@
           <p:cNvPr id="3" name="Content Placeholder 2">
             <a:extLst>
               <a:ext uri="{FF2B5EF4-FFF2-40B4-BE49-F238E27FC236}">
-                <a16:creationId xmlns:a16="http://schemas.microsoft.com/office/drawing/2014/main" id="{89274F08-7D4E-45B1-9D36-7117C50B3C3A}"/>
+                <a16:creationId xmlns:a16="http://schemas.microsoft.com/office/drawing/2014/main" xmlns="" id="{89274F08-7D4E-45B1-9D36-7117C50B3C3A}"/>
               </a:ext>
             </a:extLst>
           </p:cNvPr>
@@ -10250,7 +10886,7 @@
           <p:cNvPr id="5" name="Picture 4">
             <a:extLst>
               <a:ext uri="{FF2B5EF4-FFF2-40B4-BE49-F238E27FC236}">
-                <a16:creationId xmlns:a16="http://schemas.microsoft.com/office/drawing/2014/main" id="{C558E54D-880A-4D13-A5FA-7CD4C9E451BA}"/>
+                <a16:creationId xmlns:a16="http://schemas.microsoft.com/office/drawing/2014/main" xmlns="" id="{C558E54D-880A-4D13-A5FA-7CD4C9E451BA}"/>
               </a:ext>
             </a:extLst>
           </p:cNvPr>
@@ -10309,7 +10945,7 @@
           <p:cNvPr id="2" name="Title 1">
             <a:extLst>
               <a:ext uri="{FF2B5EF4-FFF2-40B4-BE49-F238E27FC236}">
-                <a16:creationId xmlns:a16="http://schemas.microsoft.com/office/drawing/2014/main" id="{26822B25-6E46-4AEF-929A-5ADCB6FBC7A7}"/>
+                <a16:creationId xmlns:a16="http://schemas.microsoft.com/office/drawing/2014/main" xmlns="" id="{26822B25-6E46-4AEF-929A-5ADCB6FBC7A7}"/>
               </a:ext>
             </a:extLst>
           </p:cNvPr>
@@ -10342,7 +10978,7 @@
           <p:cNvPr id="3" name="Content Placeholder 2">
             <a:extLst>
               <a:ext uri="{FF2B5EF4-FFF2-40B4-BE49-F238E27FC236}">
-                <a16:creationId xmlns:a16="http://schemas.microsoft.com/office/drawing/2014/main" id="{89274F08-7D4E-45B1-9D36-7117C50B3C3A}"/>
+                <a16:creationId xmlns:a16="http://schemas.microsoft.com/office/drawing/2014/main" xmlns="" id="{89274F08-7D4E-45B1-9D36-7117C50B3C3A}"/>
               </a:ext>
             </a:extLst>
           </p:cNvPr>
@@ -10405,7 +11041,15 @@
             </a:pPr>
             <a:r>
               <a:rPr lang="en-US" sz="2400" dirty="0"/>
-              <a:t>The headings for fundamentals is ID, Ticker Symbol, Period Ending, Accounts Payable, </a:t>
+              <a:t>The headings for </a:t>
+            </a:r>
+            <a:r>
+              <a:rPr lang="en-US" sz="2400" dirty="0" smtClean="0"/>
+              <a:t>fundamentals: ID</a:t>
+            </a:r>
+            <a:r>
+              <a:rPr lang="en-US" sz="2400" dirty="0"/>
+              <a:t>, Ticker Symbol, Period Ending, Accounts Payable, </a:t>
             </a:r>
             <a:r>
               <a:rPr lang="en-US" sz="2400" dirty="0" err="1"/>
@@ -10534,7 +11178,7 @@
           <p:cNvPr id="3" name="TextBox 2">
             <a:extLst>
               <a:ext uri="{FF2B5EF4-FFF2-40B4-BE49-F238E27FC236}">
-                <a16:creationId xmlns:a16="http://schemas.microsoft.com/office/drawing/2014/main" id="{5FE08D2D-4F03-41CC-AD0D-5190FAF835C5}"/>
+                <a16:creationId xmlns:a16="http://schemas.microsoft.com/office/drawing/2014/main" xmlns="" id="{5FE08D2D-4F03-41CC-AD0D-5190FAF835C5}"/>
               </a:ext>
             </a:extLst>
           </p:cNvPr>
@@ -10635,7 +11279,7 @@
           <p:cNvPr id="3" name="TextBox 2">
             <a:extLst>
               <a:ext uri="{FF2B5EF4-FFF2-40B4-BE49-F238E27FC236}">
-                <a16:creationId xmlns:a16="http://schemas.microsoft.com/office/drawing/2014/main" id="{5FE08D2D-4F03-41CC-AD0D-5190FAF835C5}"/>
+                <a16:creationId xmlns:a16="http://schemas.microsoft.com/office/drawing/2014/main" xmlns="" id="{5FE08D2D-4F03-41CC-AD0D-5190FAF835C5}"/>
               </a:ext>
             </a:extLst>
           </p:cNvPr>
@@ -10836,7 +11480,7 @@
           <p:cNvPr id="3" name="TextBox 2">
             <a:extLst>
               <a:ext uri="{FF2B5EF4-FFF2-40B4-BE49-F238E27FC236}">
-                <a16:creationId xmlns:a16="http://schemas.microsoft.com/office/drawing/2014/main" id="{5FE08D2D-4F03-41CC-AD0D-5190FAF835C5}"/>
+                <a16:creationId xmlns:a16="http://schemas.microsoft.com/office/drawing/2014/main" xmlns="" id="{5FE08D2D-4F03-41CC-AD0D-5190FAF835C5}"/>
               </a:ext>
             </a:extLst>
           </p:cNvPr>
@@ -11025,7 +11669,7 @@
           <p:cNvPr id="3" name="TextBox 2">
             <a:extLst>
               <a:ext uri="{FF2B5EF4-FFF2-40B4-BE49-F238E27FC236}">
-                <a16:creationId xmlns:a16="http://schemas.microsoft.com/office/drawing/2014/main" id="{5FE08D2D-4F03-41CC-AD0D-5190FAF835C5}"/>
+                <a16:creationId xmlns:a16="http://schemas.microsoft.com/office/drawing/2014/main" xmlns="" id="{5FE08D2D-4F03-41CC-AD0D-5190FAF835C5}"/>
               </a:ext>
             </a:extLst>
           </p:cNvPr>
@@ -11034,8 +11678,8 @@
         </p:nvSpPr>
         <p:spPr>
           <a:xfrm>
-            <a:off x="0" y="907224"/>
-            <a:ext cx="7045696" cy="6001643"/>
+            <a:off x="0" y="1294686"/>
+            <a:ext cx="7045696" cy="4893647"/>
           </a:xfrm>
           <a:prstGeom prst="rect">
             <a:avLst/>
@@ -11067,58 +11711,115 @@
           </a:p>
           <a:p>
             <a:r>
-              <a:rPr lang="en-US" sz="2400" dirty="0"/>
-              <a:t>SELECT * FROM</a:t>
-            </a:r>
-          </a:p>
-          <a:p>
-            <a:r>
-              <a:rPr lang="en-US" sz="2400" dirty="0"/>
-              <a:t>  (</a:t>
-            </a:r>
-          </a:p>
-          <a:p>
-            <a:r>
-              <a:rPr lang="en-US" sz="2400" dirty="0"/>
-              <a:t>  SELECT symbol, max(high)-min(low) AS growth</a:t>
-            </a:r>
-          </a:p>
-          <a:p>
-            <a:r>
-              <a:rPr lang="en-US" sz="2400" dirty="0"/>
-              <a:t>  FROM </a:t>
-            </a:r>
-            <a:r>
-              <a:rPr lang="en-US" sz="2400" dirty="0" err="1"/>
+              <a:rPr lang="en-US" sz="2400" dirty="0">
+                <a:latin typeface="Courier New" charset="0"/>
+                <a:ea typeface="Courier New" charset="0"/>
+                <a:cs typeface="Courier New" charset="0"/>
+              </a:rPr>
+              <a:t>SELECT symbol, </a:t>
+            </a:r>
+            <a:r>
+              <a:rPr lang="en-US" sz="2400" dirty="0" err="1">
+                <a:latin typeface="Courier New" charset="0"/>
+                <a:ea typeface="Courier New" charset="0"/>
+                <a:cs typeface="Courier New" charset="0"/>
+              </a:rPr>
+              <a:t>stddev</a:t>
+            </a:r>
+            <a:r>
+              <a:rPr lang="en-US" sz="2400" dirty="0">
+                <a:latin typeface="Courier New" charset="0"/>
+                <a:ea typeface="Courier New" charset="0"/>
+                <a:cs typeface="Courier New" charset="0"/>
+              </a:rPr>
+              <a:t>(high) as SD, max(high) - min(low) as growth   	FROM </a:t>
+            </a:r>
+            <a:r>
+              <a:rPr lang="en-US" sz="2400" dirty="0" err="1">
+                <a:latin typeface="Courier New" charset="0"/>
+                <a:ea typeface="Courier New" charset="0"/>
+                <a:cs typeface="Courier New" charset="0"/>
+              </a:rPr>
               <a:t>prices_split</a:t>
             </a:r>
-            <a:endParaRPr lang="en-US" sz="2400" dirty="0"/>
-          </a:p>
-          <a:p>
-            <a:r>
-              <a:rPr lang="en-US" sz="2400" dirty="0"/>
-              <a:t>  GROUP BY symbol</a:t>
-            </a:r>
-          </a:p>
-          <a:p>
-            <a:r>
-              <a:rPr lang="en-US" sz="2400" dirty="0"/>
-              <a:t>  ) </a:t>
-            </a:r>
-          </a:p>
-          <a:p>
-            <a:r>
-              <a:rPr lang="en-US" sz="2400" dirty="0"/>
-              <a:t>AS </a:t>
-            </a:r>
-            <a:r>
-              <a:rPr lang="en-US" sz="2400" dirty="0" err="1"/>
-              <a:t>subTable</a:t>
-            </a:r>
-            <a:r>
-              <a:rPr lang="en-US" sz="2400" dirty="0"/>
-              <a:t> ORDER BY growth ASC LIMIT 1;</a:t>
-            </a:r>
+            <a:r>
+              <a:rPr lang="en-US" sz="2400" dirty="0">
+                <a:latin typeface="Courier New" charset="0"/>
+                <a:ea typeface="Courier New" charset="0"/>
+                <a:cs typeface="Courier New" charset="0"/>
+              </a:rPr>
+              <a:t>     </a:t>
+            </a:r>
+            <a:endParaRPr lang="en-US" sz="2400" dirty="0" smtClean="0">
+              <a:latin typeface="Courier New" charset="0"/>
+              <a:ea typeface="Courier New" charset="0"/>
+              <a:cs typeface="Courier New" charset="0"/>
+            </a:endParaRPr>
+          </a:p>
+          <a:p>
+            <a:r>
+              <a:rPr lang="en-US" sz="2400" dirty="0">
+                <a:latin typeface="Courier New" charset="0"/>
+                <a:ea typeface="Courier New" charset="0"/>
+                <a:cs typeface="Courier New" charset="0"/>
+              </a:rPr>
+              <a:t>	</a:t>
+            </a:r>
+            <a:r>
+              <a:rPr lang="en-US" sz="2400" dirty="0" smtClean="0">
+                <a:latin typeface="Courier New" charset="0"/>
+                <a:ea typeface="Courier New" charset="0"/>
+                <a:cs typeface="Courier New" charset="0"/>
+              </a:rPr>
+              <a:t>GROUP </a:t>
+            </a:r>
+            <a:r>
+              <a:rPr lang="en-US" sz="2400" dirty="0">
+                <a:latin typeface="Courier New" charset="0"/>
+                <a:ea typeface="Courier New" charset="0"/>
+                <a:cs typeface="Courier New" charset="0"/>
+              </a:rPr>
+              <a:t>BY </a:t>
+            </a:r>
+            <a:r>
+              <a:rPr lang="en-US" sz="2400" dirty="0" smtClean="0">
+                <a:latin typeface="Courier New" charset="0"/>
+                <a:ea typeface="Courier New" charset="0"/>
+                <a:cs typeface="Courier New" charset="0"/>
+              </a:rPr>
+              <a:t>symbol</a:t>
+            </a:r>
+          </a:p>
+          <a:p>
+            <a:r>
+              <a:rPr lang="en-US" sz="2400" dirty="0">
+                <a:latin typeface="Courier New" charset="0"/>
+                <a:ea typeface="Courier New" charset="0"/>
+                <a:cs typeface="Courier New" charset="0"/>
+              </a:rPr>
+              <a:t>	</a:t>
+            </a:r>
+            <a:r>
+              <a:rPr lang="en-US" sz="2400" dirty="0" smtClean="0">
+                <a:latin typeface="Courier New" charset="0"/>
+                <a:ea typeface="Courier New" charset="0"/>
+                <a:cs typeface="Courier New" charset="0"/>
+              </a:rPr>
+              <a:t>ORDER </a:t>
+            </a:r>
+            <a:r>
+              <a:rPr lang="en-US" sz="2400" dirty="0">
+                <a:latin typeface="Courier New" charset="0"/>
+                <a:ea typeface="Courier New" charset="0"/>
+                <a:cs typeface="Courier New" charset="0"/>
+              </a:rPr>
+              <a:t>BY SD DESC LIMIT 10;</a:t>
+            </a:r>
+            <a:endParaRPr lang="en-US" sz="2400" dirty="0">
+              <a:latin typeface="Courier New" charset="0"/>
+              <a:ea typeface="Courier New" charset="0"/>
+              <a:cs typeface="Courier New" charset="0"/>
+            </a:endParaRPr>
           </a:p>
         </p:txBody>
       </p:sp>
@@ -11127,7 +11828,7 @@
           <p:cNvPr id="4" name="Picture 3">
             <a:extLst>
               <a:ext uri="{FF2B5EF4-FFF2-40B4-BE49-F238E27FC236}">
-                <a16:creationId xmlns:a16="http://schemas.microsoft.com/office/drawing/2014/main" id="{CA12F6A2-5AB2-4D88-81F2-9522E2AC6DA3}"/>
+                <a16:creationId xmlns:a16="http://schemas.microsoft.com/office/drawing/2014/main" xmlns="" id="{CA12F6A2-5AB2-4D88-81F2-9522E2AC6DA3}"/>
               </a:ext>
             </a:extLst>
           </p:cNvPr>
@@ -11135,7 +11836,7 @@
           <p:nvPr/>
         </p:nvPicPr>
         <p:blipFill>
-          <a:blip r:embed="rId2">
+          <a:blip r:embed="rId3">
             <a:extLst>
               <a:ext uri="{28A0092B-C50C-407E-A947-70E740481C1C}">
                 <a14:useLocalDpi xmlns:a14="http://schemas.microsoft.com/office/drawing/2010/main" val="0"/>
@@ -11433,4 +12134,265 @@
     </a:ext>
   </a:extLst>
 </a:theme>
+</file>
+
+<file path=ppt/theme/theme2.xml><?xml version="1.0" encoding="utf-8"?>
+<a:theme xmlns:a="http://schemas.openxmlformats.org/drawingml/2006/main" name="Office Theme">
+  <a:themeElements>
+    <a:clrScheme name="Office">
+      <a:dk1>
+        <a:sysClr val="windowText" lastClr="000000"/>
+      </a:dk1>
+      <a:lt1>
+        <a:sysClr val="window" lastClr="FFFFFF"/>
+      </a:lt1>
+      <a:dk2>
+        <a:srgbClr val="44546A"/>
+      </a:dk2>
+      <a:lt2>
+        <a:srgbClr val="E7E6E6"/>
+      </a:lt2>
+      <a:accent1>
+        <a:srgbClr val="4472C4"/>
+      </a:accent1>
+      <a:accent2>
+        <a:srgbClr val="ED7D31"/>
+      </a:accent2>
+      <a:accent3>
+        <a:srgbClr val="A5A5A5"/>
+      </a:accent3>
+      <a:accent4>
+        <a:srgbClr val="FFC000"/>
+      </a:accent4>
+      <a:accent5>
+        <a:srgbClr val="5B9BD5"/>
+      </a:accent5>
+      <a:accent6>
+        <a:srgbClr val="70AD47"/>
+      </a:accent6>
+      <a:hlink>
+        <a:srgbClr val="0563C1"/>
+      </a:hlink>
+      <a:folHlink>
+        <a:srgbClr val="954F72"/>
+      </a:folHlink>
+    </a:clrScheme>
+    <a:fontScheme name="Office">
+      <a:majorFont>
+        <a:latin typeface="Calibri Light" panose="020F0302020204030204"/>
+        <a:ea typeface=""/>
+        <a:cs typeface=""/>
+        <a:font script="Jpan" typeface="Yu Gothic Light"/>
+        <a:font script="Hang" typeface="맑은 고딕"/>
+        <a:font script="Hans" typeface="DengXian Light"/>
+        <a:font script="Hant" typeface="新細明體"/>
+        <a:font script="Arab" typeface="Times New Roman"/>
+        <a:font script="Hebr" typeface="Times New Roman"/>
+        <a:font script="Thai" typeface="Angsana New"/>
+        <a:font script="Ethi" typeface="Nyala"/>
+        <a:font script="Beng" typeface="Vrinda"/>
+        <a:font script="Gujr" typeface="Shruti"/>
+        <a:font script="Khmr" typeface="MoolBoran"/>
+        <a:font script="Knda" typeface="Tunga"/>
+        <a:font script="Guru" typeface="Raavi"/>
+        <a:font script="Cans" typeface="Euphemia"/>
+        <a:font script="Cher" typeface="Plantagenet Cherokee"/>
+        <a:font script="Yiii" typeface="Microsoft Yi Baiti"/>
+        <a:font script="Tibt" typeface="Microsoft Himalaya"/>
+        <a:font script="Thaa" typeface="MV Boli"/>
+        <a:font script="Deva" typeface="Mangal"/>
+        <a:font script="Telu" typeface="Gautami"/>
+        <a:font script="Taml" typeface="Latha"/>
+        <a:font script="Syrc" typeface="Estrangelo Edessa"/>
+        <a:font script="Orya" typeface="Kalinga"/>
+        <a:font script="Mlym" typeface="Kartika"/>
+        <a:font script="Laoo" typeface="DokChampa"/>
+        <a:font script="Sinh" typeface="Iskoola Pota"/>
+        <a:font script="Mong" typeface="Mongolian Baiti"/>
+        <a:font script="Viet" typeface="Times New Roman"/>
+        <a:font script="Uigh" typeface="Microsoft Uighur"/>
+        <a:font script="Geor" typeface="Sylfaen"/>
+      </a:majorFont>
+      <a:minorFont>
+        <a:latin typeface="Calibri" panose="020F0502020204030204"/>
+        <a:ea typeface=""/>
+        <a:cs typeface=""/>
+        <a:font script="Jpan" typeface="Yu Gothic"/>
+        <a:font script="Hang" typeface="맑은 고딕"/>
+        <a:font script="Hans" typeface="DengXian"/>
+        <a:font script="Hant" typeface="新細明體"/>
+        <a:font script="Arab" typeface="Arial"/>
+        <a:font script="Hebr" typeface="Arial"/>
+        <a:font script="Thai" typeface="Cordia New"/>
+        <a:font script="Ethi" typeface="Nyala"/>
+        <a:font script="Beng" typeface="Vrinda"/>
+        <a:font script="Gujr" typeface="Shruti"/>
+        <a:font script="Khmr" typeface="DaunPenh"/>
+        <a:font script="Knda" typeface="Tunga"/>
+        <a:font script="Guru" typeface="Raavi"/>
+        <a:font script="Cans" typeface="Euphemia"/>
+        <a:font script="Cher" typeface="Plantagenet Cherokee"/>
+        <a:font script="Yiii" typeface="Microsoft Yi Baiti"/>
+        <a:font script="Tibt" typeface="Microsoft Himalaya"/>
+        <a:font script="Thaa" typeface="MV Boli"/>
+        <a:font script="Deva" typeface="Mangal"/>
+        <a:font script="Telu" typeface="Gautami"/>
+        <a:font script="Taml" typeface="Latha"/>
+        <a:font script="Syrc" typeface="Estrangelo Edessa"/>
+        <a:font script="Orya" typeface="Kalinga"/>
+        <a:font script="Mlym" typeface="Kartika"/>
+        <a:font script="Laoo" typeface="DokChampa"/>
+        <a:font script="Sinh" typeface="Iskoola Pota"/>
+        <a:font script="Mong" typeface="Mongolian Baiti"/>
+        <a:font script="Viet" typeface="Arial"/>
+        <a:font script="Uigh" typeface="Microsoft Uighur"/>
+        <a:font script="Geor" typeface="Sylfaen"/>
+      </a:minorFont>
+    </a:fontScheme>
+    <a:fmtScheme name="Office">
+      <a:fillStyleLst>
+        <a:solidFill>
+          <a:schemeClr val="phClr"/>
+        </a:solidFill>
+        <a:gradFill rotWithShape="1">
+          <a:gsLst>
+            <a:gs pos="0">
+              <a:schemeClr val="phClr">
+                <a:lumMod val="110000"/>
+                <a:satMod val="105000"/>
+                <a:tint val="67000"/>
+              </a:schemeClr>
+            </a:gs>
+            <a:gs pos="50000">
+              <a:schemeClr val="phClr">
+                <a:lumMod val="105000"/>
+                <a:satMod val="103000"/>
+                <a:tint val="73000"/>
+              </a:schemeClr>
+            </a:gs>
+            <a:gs pos="100000">
+              <a:schemeClr val="phClr">
+                <a:lumMod val="105000"/>
+                <a:satMod val="109000"/>
+                <a:tint val="81000"/>
+              </a:schemeClr>
+            </a:gs>
+          </a:gsLst>
+          <a:lin ang="5400000" scaled="0"/>
+        </a:gradFill>
+        <a:gradFill rotWithShape="1">
+          <a:gsLst>
+            <a:gs pos="0">
+              <a:schemeClr val="phClr">
+                <a:satMod val="103000"/>
+                <a:lumMod val="102000"/>
+                <a:tint val="94000"/>
+              </a:schemeClr>
+            </a:gs>
+            <a:gs pos="50000">
+              <a:schemeClr val="phClr">
+                <a:satMod val="110000"/>
+                <a:lumMod val="100000"/>
+                <a:shade val="100000"/>
+              </a:schemeClr>
+            </a:gs>
+            <a:gs pos="100000">
+              <a:schemeClr val="phClr">
+                <a:lumMod val="99000"/>
+                <a:satMod val="120000"/>
+                <a:shade val="78000"/>
+              </a:schemeClr>
+            </a:gs>
+          </a:gsLst>
+          <a:lin ang="5400000" scaled="0"/>
+        </a:gradFill>
+      </a:fillStyleLst>
+      <a:lnStyleLst>
+        <a:ln w="6350" cap="flat" cmpd="sng" algn="ctr">
+          <a:solidFill>
+            <a:schemeClr val="phClr"/>
+          </a:solidFill>
+          <a:prstDash val="solid"/>
+          <a:miter lim="800000"/>
+        </a:ln>
+        <a:ln w="12700" cap="flat" cmpd="sng" algn="ctr">
+          <a:solidFill>
+            <a:schemeClr val="phClr"/>
+          </a:solidFill>
+          <a:prstDash val="solid"/>
+          <a:miter lim="800000"/>
+        </a:ln>
+        <a:ln w="19050" cap="flat" cmpd="sng" algn="ctr">
+          <a:solidFill>
+            <a:schemeClr val="phClr"/>
+          </a:solidFill>
+          <a:prstDash val="solid"/>
+          <a:miter lim="800000"/>
+        </a:ln>
+      </a:lnStyleLst>
+      <a:effectStyleLst>
+        <a:effectStyle>
+          <a:effectLst/>
+        </a:effectStyle>
+        <a:effectStyle>
+          <a:effectLst/>
+        </a:effectStyle>
+        <a:effectStyle>
+          <a:effectLst>
+            <a:outerShdw blurRad="57150" dist="19050" dir="5400000" algn="ctr" rotWithShape="0">
+              <a:srgbClr val="000000">
+                <a:alpha val="63000"/>
+              </a:srgbClr>
+            </a:outerShdw>
+          </a:effectLst>
+        </a:effectStyle>
+      </a:effectStyleLst>
+      <a:bgFillStyleLst>
+        <a:solidFill>
+          <a:schemeClr val="phClr"/>
+        </a:solidFill>
+        <a:solidFill>
+          <a:schemeClr val="phClr">
+            <a:tint val="95000"/>
+            <a:satMod val="170000"/>
+          </a:schemeClr>
+        </a:solidFill>
+        <a:gradFill rotWithShape="1">
+          <a:gsLst>
+            <a:gs pos="0">
+              <a:schemeClr val="phClr">
+                <a:tint val="93000"/>
+                <a:satMod val="150000"/>
+                <a:shade val="98000"/>
+                <a:lumMod val="102000"/>
+              </a:schemeClr>
+            </a:gs>
+            <a:gs pos="50000">
+              <a:schemeClr val="phClr">
+                <a:tint val="98000"/>
+                <a:satMod val="130000"/>
+                <a:shade val="90000"/>
+                <a:lumMod val="103000"/>
+              </a:schemeClr>
+            </a:gs>
+            <a:gs pos="100000">
+              <a:schemeClr val="phClr">
+                <a:shade val="63000"/>
+                <a:satMod val="120000"/>
+              </a:schemeClr>
+            </a:gs>
+          </a:gsLst>
+          <a:lin ang="5400000" scaled="0"/>
+        </a:gradFill>
+      </a:bgFillStyleLst>
+    </a:fmtScheme>
+  </a:themeElements>
+  <a:objectDefaults/>
+  <a:extraClrSchemeLst/>
+  <a:extLst>
+    <a:ext uri="{05A4C25C-085E-4340-85A3-A5531E510DB2}">
+      <thm15:themeFamily xmlns:thm15="http://schemas.microsoft.com/office/thememl/2012/main" name="Office Theme" id="{62F939B6-93AF-4DB8-9C6B-D6C7DFDC589F}" vid="{4A3C46E8-61CC-4603-A589-7422A47A8E4A}"/>
+    </a:ext>
+  </a:extLst>
+</a:theme>
 </file>
--- a/NYSE Analysis With MySQL.pptx
+++ b/NYSE Analysis With MySQL.pptx
@@ -5,7 +5,7 @@
     <p:sldMasterId id="2147483710" r:id="rId1"/>
   </p:sldMasterIdLst>
   <p:notesMasterIdLst>
-    <p:notesMasterId r:id="rId19"/>
+    <p:notesMasterId r:id="rId20"/>
   </p:notesMasterIdLst>
   <p:sldIdLst>
     <p:sldId id="256" r:id="rId2"/>
@@ -23,8 +23,9 @@
     <p:sldId id="270" r:id="rId14"/>
     <p:sldId id="273" r:id="rId15"/>
     <p:sldId id="271" r:id="rId16"/>
-    <p:sldId id="274" r:id="rId17"/>
-    <p:sldId id="275" r:id="rId18"/>
+    <p:sldId id="276" r:id="rId17"/>
+    <p:sldId id="274" r:id="rId18"/>
+    <p:sldId id="275" r:id="rId19"/>
   </p:sldIdLst>
   <p:sldSz cx="12192000" cy="6858000"/>
   <p:notesSz cx="6858000" cy="9144000"/>
@@ -613,7 +614,23 @@
           <a:bodyPr/>
           <a:lstStyle/>
           <a:p>
-            <a:endParaRPr lang="en-US"/>
+            <a:r>
+              <a:rPr lang="en-US" dirty="0" smtClean="0"/>
+              <a:t>This one is a bit more confusing.</a:t>
+            </a:r>
+          </a:p>
+          <a:p>
+            <a:r>
+              <a:rPr lang="en-US" dirty="0" smtClean="0"/>
+              <a:t>Looking at</a:t>
+            </a:r>
+            <a:r>
+              <a:rPr lang="en-US" baseline="0" dirty="0" smtClean="0"/>
+              <a:t> just Amazon’s stocks, more insights can be drawn.</a:t>
+            </a:r>
+          </a:p>
+          <a:p>
+            <a:endParaRPr lang="en-US" dirty="0" smtClean="0"/>
           </a:p>
         </p:txBody>
       </p:sp>
@@ -697,7 +714,67 @@
           <a:bodyPr/>
           <a:lstStyle/>
           <a:p>
-            <a:endParaRPr lang="en-US" dirty="0"/>
+            <a:r>
+              <a:rPr lang="en-US" dirty="0" smtClean="0"/>
+              <a:t>Visualizing the query</a:t>
+            </a:r>
+            <a:r>
+              <a:rPr lang="en-US" baseline="0" dirty="0" smtClean="0"/>
+              <a:t> results with special charts exemplifies the possibilities of finding insights in the data.</a:t>
+            </a:r>
+          </a:p>
+          <a:p>
+            <a:r>
+              <a:rPr lang="en-US" baseline="0" dirty="0" smtClean="0"/>
+              <a:t>In this chart:</a:t>
+            </a:r>
+          </a:p>
+          <a:p>
+            <a:pPr marL="171450" indent="-171450">
+              <a:buFont typeface="Arial" charset="0"/>
+              <a:buChar char="•"/>
+            </a:pPr>
+            <a:r>
+              <a:rPr lang="en-US" baseline="0" dirty="0" smtClean="0"/>
+              <a:t>We see Amazon’s earnings vs. year</a:t>
+            </a:r>
+          </a:p>
+          <a:p>
+            <a:pPr marL="171450" indent="-171450">
+              <a:buFont typeface="Arial" charset="0"/>
+              <a:buChar char="•"/>
+            </a:pPr>
+            <a:r>
+              <a:rPr lang="en-US" baseline="0" dirty="0" smtClean="0"/>
+              <a:t>The width of each square shows the relative magnitude in earnings before tax.</a:t>
+            </a:r>
+          </a:p>
+          <a:p>
+            <a:pPr marL="171450" indent="-171450">
+              <a:buFont typeface="Arial" charset="0"/>
+              <a:buChar char="•"/>
+            </a:pPr>
+            <a:r>
+              <a:rPr lang="en-US" baseline="0" dirty="0" smtClean="0"/>
+              <a:t>The height of each square shows the relative magnitude in capital expenditures.</a:t>
+            </a:r>
+          </a:p>
+          <a:p>
+            <a:pPr marL="171450" indent="-171450">
+              <a:buFont typeface="Arial" charset="0"/>
+              <a:buChar char="•"/>
+            </a:pPr>
+            <a:endParaRPr lang="en-US" baseline="0" dirty="0" smtClean="0"/>
+          </a:p>
+          <a:p>
+            <a:pPr marL="0" indent="0">
+              <a:buFont typeface="Arial" charset="0"/>
+              <a:buNone/>
+            </a:pPr>
+            <a:r>
+              <a:rPr lang="en-US" baseline="0" dirty="0" smtClean="0"/>
+              <a:t>These charts could be further enhanced with different shapes/colors etc.</a:t>
+            </a:r>
           </a:p>
         </p:txBody>
       </p:sp>
@@ -7016,7 +7093,7 @@
           <p:nvPr/>
         </p:nvPicPr>
         <p:blipFill>
-          <a:blip r:embed="rId2" cstate="print">
+          <a:blip r:embed="rId2">
             <a:extLst>
               <a:ext uri="{28A0092B-C50C-407E-A947-70E740481C1C}">
                 <a14:useLocalDpi xmlns:a14="http://schemas.microsoft.com/office/drawing/2010/main" val="0"/>
@@ -7029,8 +7106,8 @@
         </p:blipFill>
         <p:spPr>
           <a:xfrm>
-            <a:off x="7045697" y="1449090"/>
-            <a:ext cx="5146303" cy="4524315"/>
+            <a:off x="7045697" y="1884593"/>
+            <a:ext cx="5146303" cy="3653309"/>
           </a:xfrm>
           <a:prstGeom prst="rect">
             <a:avLst/>
@@ -7124,7 +7201,15 @@
           <a:p>
             <a:r>
               <a:rPr lang="en-US" sz="2400" dirty="0"/>
-              <a:t>Insight 3 we look into the different GICS sub industries to see how great of a difference there is in each sub industry.  There are 124 different sub industries, so we are highlighting the top 5 and bottom 5.</a:t>
+              <a:t>W</a:t>
+            </a:r>
+            <a:r>
+              <a:rPr lang="en-US" sz="2400" dirty="0" smtClean="0"/>
+              <a:t>e </a:t>
+            </a:r>
+            <a:r>
+              <a:rPr lang="en-US" sz="2400" dirty="0"/>
+              <a:t>look into the different GICS sub industries to see how great of a difference there is in each sub industry.  There are 124 different sub industries, so we are highlighting the top 5 and bottom 5.</a:t>
             </a:r>
           </a:p>
           <a:p>
@@ -8983,8 +9068,8 @@
         </p:nvSpPr>
         <p:spPr>
           <a:xfrm>
-            <a:off x="90311" y="1449091"/>
-            <a:ext cx="6955386" cy="5447645"/>
+            <a:off x="90310" y="919702"/>
+            <a:ext cx="6955386" cy="6186309"/>
           </a:xfrm>
           <a:prstGeom prst="rect">
             <a:avLst/>
@@ -8998,8 +9083,28 @@
           <a:lstStyle/>
           <a:p>
             <a:r>
+              <a:rPr lang="en-US" sz="2400" dirty="0" smtClean="0"/>
+              <a:t>Using the </a:t>
+            </a:r>
+            <a:r>
               <a:rPr lang="en-US" sz="2400" dirty="0"/>
-              <a:t>This one is a little more  confusing, using the same files as above we focus on Amazon.  We look into growth per year verse capital expenditures and earnings before tax.</a:t>
+              <a:t>same files as </a:t>
+            </a:r>
+            <a:r>
+              <a:rPr lang="en-US" sz="2400" dirty="0" smtClean="0"/>
+              <a:t>before we </a:t>
+            </a:r>
+            <a:r>
+              <a:rPr lang="en-US" sz="2400" dirty="0"/>
+              <a:t>focus </a:t>
+            </a:r>
+            <a:r>
+              <a:rPr lang="en-US" sz="2400" dirty="0" smtClean="0"/>
+              <a:t>on only </a:t>
+            </a:r>
+            <a:r>
+              <a:rPr lang="en-US" sz="2400" dirty="0"/>
+              <a:t>Amazon.  We look into growth per year verse capital expenditures and earnings before tax.</a:t>
             </a:r>
           </a:p>
           <a:p>
@@ -9007,84 +9112,160 @@
           </a:p>
           <a:p>
             <a:r>
-              <a:rPr lang="en-US" sz="2400" dirty="0"/>
+              <a:rPr lang="en-US" sz="2400" dirty="0">
+                <a:latin typeface="Courier New" charset="0"/>
+                <a:ea typeface="Courier New" charset="0"/>
+                <a:cs typeface="Courier New" charset="0"/>
+              </a:rPr>
               <a:t>SELECT MAX(high) - min(low) AS growth, </a:t>
             </a:r>
             <a:r>
-              <a:rPr lang="en-US" sz="2400" dirty="0" err="1"/>
+              <a:rPr lang="en-US" sz="2400" dirty="0" err="1">
+                <a:latin typeface="Courier New" charset="0"/>
+                <a:ea typeface="Courier New" charset="0"/>
+                <a:cs typeface="Courier New" charset="0"/>
+              </a:rPr>
               <a:t>capital_expenditures</a:t>
             </a:r>
             <a:r>
-              <a:rPr lang="en-US" sz="2400" dirty="0"/>
+              <a:rPr lang="en-US" sz="2400" dirty="0">
+                <a:latin typeface="Courier New" charset="0"/>
+                <a:ea typeface="Courier New" charset="0"/>
+                <a:cs typeface="Courier New" charset="0"/>
+              </a:rPr>
               <a:t>, YEAR(date), </a:t>
             </a:r>
             <a:r>
-              <a:rPr lang="en-US" sz="2400" dirty="0" err="1"/>
+              <a:rPr lang="en-US" sz="2400" dirty="0" err="1">
+                <a:latin typeface="Courier New" charset="0"/>
+                <a:ea typeface="Courier New" charset="0"/>
+                <a:cs typeface="Courier New" charset="0"/>
+              </a:rPr>
               <a:t>Earnings_Before_Tax</a:t>
             </a:r>
-            <a:endParaRPr lang="en-US" sz="2400" dirty="0"/>
-          </a:p>
-          <a:p>
-            <a:r>
-              <a:rPr lang="en-US" sz="2400" dirty="0"/>
+            <a:endParaRPr lang="en-US" sz="2400" dirty="0">
+              <a:latin typeface="Courier New" charset="0"/>
+              <a:ea typeface="Courier New" charset="0"/>
+              <a:cs typeface="Courier New" charset="0"/>
+            </a:endParaRPr>
+          </a:p>
+          <a:p>
+            <a:r>
+              <a:rPr lang="en-US" sz="2400" dirty="0">
+                <a:latin typeface="Courier New" charset="0"/>
+                <a:ea typeface="Courier New" charset="0"/>
+                <a:cs typeface="Courier New" charset="0"/>
+              </a:rPr>
               <a:t>FROM </a:t>
             </a:r>
             <a:r>
-              <a:rPr lang="en-US" sz="2400" dirty="0" err="1"/>
+              <a:rPr lang="en-US" sz="2400" dirty="0" err="1">
+                <a:latin typeface="Courier New" charset="0"/>
+                <a:ea typeface="Courier New" charset="0"/>
+                <a:cs typeface="Courier New" charset="0"/>
+              </a:rPr>
               <a:t>prices_split</a:t>
             </a:r>
             <a:r>
-              <a:rPr lang="en-US" sz="2400" dirty="0"/>
+              <a:rPr lang="en-US" sz="2400" dirty="0">
+                <a:latin typeface="Courier New" charset="0"/>
+                <a:ea typeface="Courier New" charset="0"/>
+                <a:cs typeface="Courier New" charset="0"/>
+              </a:rPr>
               <a:t> JOIN fundamentals ON</a:t>
             </a:r>
           </a:p>
           <a:p>
             <a:r>
-              <a:rPr lang="en-US" sz="2400" dirty="0"/>
+              <a:rPr lang="en-US" sz="2400" dirty="0">
+                <a:latin typeface="Courier New" charset="0"/>
+                <a:ea typeface="Courier New" charset="0"/>
+                <a:cs typeface="Courier New" charset="0"/>
+              </a:rPr>
               <a:t>	</a:t>
             </a:r>
             <a:r>
-              <a:rPr lang="en-US" sz="2400" dirty="0" err="1"/>
+              <a:rPr lang="en-US" sz="2400" dirty="0" err="1">
+                <a:latin typeface="Courier New" charset="0"/>
+                <a:ea typeface="Courier New" charset="0"/>
+                <a:cs typeface="Courier New" charset="0"/>
+              </a:rPr>
               <a:t>prices_split.symbol</a:t>
             </a:r>
             <a:r>
-              <a:rPr lang="en-US" sz="2400" dirty="0"/>
+              <a:rPr lang="en-US" sz="2400" dirty="0">
+                <a:latin typeface="Courier New" charset="0"/>
+                <a:ea typeface="Courier New" charset="0"/>
+                <a:cs typeface="Courier New" charset="0"/>
+              </a:rPr>
               <a:t> = </a:t>
             </a:r>
             <a:r>
-              <a:rPr lang="en-US" sz="2400" dirty="0" err="1"/>
+              <a:rPr lang="en-US" sz="2400" dirty="0" err="1">
+                <a:latin typeface="Courier New" charset="0"/>
+                <a:ea typeface="Courier New" charset="0"/>
+                <a:cs typeface="Courier New" charset="0"/>
+              </a:rPr>
               <a:t>fundamentals.symbol</a:t>
             </a:r>
             <a:r>
-              <a:rPr lang="en-US" sz="2400" dirty="0"/>
+              <a:rPr lang="en-US" sz="2400" dirty="0">
+                <a:latin typeface="Courier New" charset="0"/>
+                <a:ea typeface="Courier New" charset="0"/>
+                <a:cs typeface="Courier New" charset="0"/>
+              </a:rPr>
               <a:t> AND </a:t>
             </a:r>
             <a:r>
-              <a:rPr lang="en-US" sz="2400" dirty="0" err="1"/>
+              <a:rPr lang="en-US" sz="2400" dirty="0" err="1">
+                <a:latin typeface="Courier New" charset="0"/>
+                <a:ea typeface="Courier New" charset="0"/>
+                <a:cs typeface="Courier New" charset="0"/>
+              </a:rPr>
               <a:t>For_Year</a:t>
             </a:r>
             <a:r>
-              <a:rPr lang="en-US" sz="2400" dirty="0"/>
+              <a:rPr lang="en-US" sz="2400" dirty="0">
+                <a:latin typeface="Courier New" charset="0"/>
+                <a:ea typeface="Courier New" charset="0"/>
+                <a:cs typeface="Courier New" charset="0"/>
+              </a:rPr>
               <a:t> = YEAR(date)  </a:t>
             </a:r>
           </a:p>
           <a:p>
             <a:r>
-              <a:rPr lang="en-US" sz="2400" dirty="0"/>
+              <a:rPr lang="en-US" sz="2400" dirty="0">
+                <a:latin typeface="Courier New" charset="0"/>
+                <a:ea typeface="Courier New" charset="0"/>
+                <a:cs typeface="Courier New" charset="0"/>
+              </a:rPr>
               <a:t>WHERE </a:t>
             </a:r>
             <a:r>
-              <a:rPr lang="en-US" sz="2400" dirty="0" err="1"/>
+              <a:rPr lang="en-US" sz="2400" dirty="0" err="1">
+                <a:latin typeface="Courier New" charset="0"/>
+                <a:ea typeface="Courier New" charset="0"/>
+                <a:cs typeface="Courier New" charset="0"/>
+              </a:rPr>
               <a:t>prices_split.symbol</a:t>
             </a:r>
             <a:r>
-              <a:rPr lang="en-US" sz="2400" dirty="0"/>
+              <a:rPr lang="en-US" sz="2400" dirty="0">
+                <a:latin typeface="Courier New" charset="0"/>
+                <a:ea typeface="Courier New" charset="0"/>
+                <a:cs typeface="Courier New" charset="0"/>
+              </a:rPr>
               <a:t> = "AMZN"</a:t>
             </a:r>
           </a:p>
           <a:p>
             <a:r>
-              <a:rPr lang="en-US" sz="2400" dirty="0"/>
+              <a:rPr lang="en-US" sz="2400" dirty="0">
+                <a:latin typeface="Courier New" charset="0"/>
+                <a:ea typeface="Courier New" charset="0"/>
+                <a:cs typeface="Courier New" charset="0"/>
+              </a:rPr>
               <a:t>GROUP BY symbol, YEAR(date) LIMIT 10;</a:t>
             </a:r>
           </a:p>
@@ -9111,19 +9292,19 @@
           <p:nvPr>
             <p:extLst>
               <p:ext uri="{D42A27DB-BD31-4B8C-83A1-F6EECF244321}">
-                <p14:modId xmlns:p14="http://schemas.microsoft.com/office/powerpoint/2010/main" val="423408791"/>
+                <p14:modId xmlns:p14="http://schemas.microsoft.com/office/powerpoint/2010/main" val="178007752"/>
               </p:ext>
             </p:extLst>
           </p:nvPr>
         </p:nvGraphicFramePr>
         <p:xfrm>
           <a:off x="7045696" y="1516687"/>
-          <a:ext cx="5067283" cy="3291840"/>
+          <a:ext cx="5067283" cy="3261765"/>
         </p:xfrm>
         <a:graphic>
           <a:graphicData uri="http://schemas.openxmlformats.org/drawingml/2006/table">
             <a:tbl>
-              <a:tblPr firstRow="1" firstCol="1" bandRow="1">
+              <a:tblPr firstRow="1" bandRow="1">
                 <a:tableStyleId>{5C22544A-7EE6-4342-B048-85BDC9FD1C3A}</a:tableStyleId>
               </a:tblPr>
               <a:tblGrid>
@@ -9171,12 +9352,12 @@
                         </a:spcAft>
                       </a:pPr>
                       <a:r>
-                        <a:rPr lang="en-US" sz="2400">
+                        <a:rPr lang="en-US" sz="2400" dirty="0">
                           <a:effectLst/>
                         </a:rPr>
                         <a:t>growth</a:t>
                       </a:r>
-                      <a:endParaRPr lang="en-US" sz="2400">
+                      <a:endParaRPr lang="en-US" sz="2400" dirty="0">
                         <a:effectLst/>
                         <a:latin typeface="Cordia New" panose="020B0304020202020204" pitchFamily="34" charset="-34"/>
                         <a:ea typeface="Batang" panose="02030600000101010101" pitchFamily="18" charset="-127"/>
@@ -9294,12 +9475,12 @@
                         </a:spcAft>
                       </a:pPr>
                       <a:r>
-                        <a:rPr lang="en-US" sz="2400">
+                        <a:rPr lang="en-US" sz="2400" dirty="0" smtClean="0">
                           <a:effectLst/>
                         </a:rPr>
-                        <a:t>159.880005</a:t>
+                        <a:t>159.88</a:t>
                       </a:r>
-                      <a:endParaRPr lang="en-US" sz="2400">
+                      <a:endParaRPr lang="en-US" sz="2400" dirty="0">
                         <a:effectLst/>
                         <a:latin typeface="Cordia New" panose="020B0304020202020204" pitchFamily="34" charset="-34"/>
                         <a:ea typeface="Batang" panose="02030600000101010101" pitchFamily="18" charset="-127"/>
@@ -9417,12 +9598,12 @@
                         </a:spcAft>
                       </a:pPr>
                       <a:r>
-                        <a:rPr lang="en-US" sz="2400">
+                        <a:rPr lang="en-US" sz="2400" dirty="0" smtClean="0">
                           <a:effectLst/>
                         </a:rPr>
-                        <a:t>124.059998</a:t>
+                        <a:t>124.05</a:t>
                       </a:r>
-                      <a:endParaRPr lang="en-US" sz="2400">
+                      <a:endParaRPr lang="en-US" sz="2400" dirty="0">
                         <a:effectLst/>
                         <a:latin typeface="Cordia New" panose="020B0304020202020204" pitchFamily="34" charset="-34"/>
                         <a:ea typeface="Batang" panose="02030600000101010101" pitchFamily="18" charset="-127"/>
@@ -9540,12 +9721,12 @@
                         </a:spcAft>
                       </a:pPr>
                       <a:r>
-                        <a:rPr lang="en-US" sz="2400">
+                        <a:rPr lang="en-US" sz="2400" dirty="0" smtClean="0">
                           <a:effectLst/>
                         </a:rPr>
-                        <a:t>411.190002</a:t>
+                        <a:t>411.19</a:t>
                       </a:r>
-                      <a:endParaRPr lang="en-US" sz="2400">
+                      <a:endParaRPr lang="en-US" sz="2400" dirty="0">
                         <a:effectLst/>
                         <a:latin typeface="Cordia New" panose="020B0304020202020204" pitchFamily="34" charset="-34"/>
                         <a:ea typeface="Batang" panose="02030600000101010101" pitchFamily="18" charset="-127"/>
@@ -9858,8 +10039,8 @@
         </p:nvSpPr>
         <p:spPr>
           <a:xfrm>
-            <a:off x="0" y="1449091"/>
-            <a:ext cx="7045697" cy="1015663"/>
+            <a:off x="357809" y="1197299"/>
+            <a:ext cx="9197009" cy="5447645"/>
           </a:xfrm>
           <a:prstGeom prst="rect">
             <a:avLst/>
@@ -9874,7 +10055,215 @@
           <a:p>
             <a:r>
               <a:rPr lang="en-US" sz="2400" dirty="0"/>
-              <a:t>NEEDS STUFF.  Here is a farm to grow our ideas.</a:t>
+              <a:t>It is important to know which industries and stocks provide the highest earnings per share. Using the Global Industry Classification Standard (GICS) Sector, the 2016 data can be found:</a:t>
+            </a:r>
+            <a:r>
+              <a:rPr lang="en-US" sz="2400" dirty="0"/>
+              <a:t> </a:t>
+            </a:r>
+            <a:endParaRPr lang="en-US" sz="2400" dirty="0" smtClean="0"/>
+          </a:p>
+          <a:p>
+            <a:endParaRPr lang="en-US" sz="2400" dirty="0"/>
+          </a:p>
+          <a:p>
+            <a:r>
+              <a:rPr lang="en-US" sz="2400" dirty="0" smtClean="0">
+                <a:latin typeface="Courier New" charset="0"/>
+                <a:ea typeface="Courier New" charset="0"/>
+                <a:cs typeface="Courier New" charset="0"/>
+              </a:rPr>
+              <a:t>SELECT </a:t>
+            </a:r>
+            <a:r>
+              <a:rPr lang="en-US" sz="2400" dirty="0">
+                <a:latin typeface="Courier New" charset="0"/>
+                <a:ea typeface="Courier New" charset="0"/>
+                <a:cs typeface="Courier New" charset="0"/>
+              </a:rPr>
+              <a:t>DISTINCT </a:t>
+            </a:r>
+            <a:r>
+              <a:rPr lang="en-US" sz="2400" dirty="0" err="1">
+                <a:latin typeface="Courier New" charset="0"/>
+                <a:ea typeface="Courier New" charset="0"/>
+                <a:cs typeface="Courier New" charset="0"/>
+              </a:rPr>
+              <a:t>GICS_Sector</a:t>
+            </a:r>
+            <a:r>
+              <a:rPr lang="en-US" sz="2400" dirty="0">
+                <a:latin typeface="Courier New" charset="0"/>
+                <a:ea typeface="Courier New" charset="0"/>
+                <a:cs typeface="Courier New" charset="0"/>
+              </a:rPr>
+              <a:t>, `security`, MAX(</a:t>
+            </a:r>
+            <a:r>
+              <a:rPr lang="en-US" sz="2400" dirty="0" err="1">
+                <a:latin typeface="Courier New" charset="0"/>
+                <a:ea typeface="Courier New" charset="0"/>
+                <a:cs typeface="Courier New" charset="0"/>
+              </a:rPr>
+              <a:t>Earnings_Per_Share</a:t>
+            </a:r>
+            <a:r>
+              <a:rPr lang="en-US" sz="2400" dirty="0">
+                <a:latin typeface="Courier New" charset="0"/>
+                <a:ea typeface="Courier New" charset="0"/>
+                <a:cs typeface="Courier New" charset="0"/>
+              </a:rPr>
+              <a:t>)</a:t>
+            </a:r>
+            <a:r>
+              <a:rPr lang="en-US" sz="2400" b="1" dirty="0">
+                <a:latin typeface="Courier New" charset="0"/>
+                <a:ea typeface="Courier New" charset="0"/>
+                <a:cs typeface="Courier New" charset="0"/>
+              </a:rPr>
+              <a:t> </a:t>
+            </a:r>
+            <a:r>
+              <a:rPr lang="en-US" sz="2400" dirty="0">
+                <a:latin typeface="Courier New" charset="0"/>
+                <a:ea typeface="Courier New" charset="0"/>
+                <a:cs typeface="Courier New" charset="0"/>
+              </a:rPr>
+              <a:t>AS `Max EPS`</a:t>
+            </a:r>
+          </a:p>
+          <a:p>
+            <a:r>
+              <a:rPr lang="en-US" sz="2400" dirty="0">
+                <a:latin typeface="Courier New" charset="0"/>
+                <a:ea typeface="Courier New" charset="0"/>
+                <a:cs typeface="Courier New" charset="0"/>
+              </a:rPr>
+              <a:t>FROM fundamentals</a:t>
+            </a:r>
+          </a:p>
+          <a:p>
+            <a:r>
+              <a:rPr lang="en-US" sz="2400" dirty="0">
+                <a:latin typeface="Courier New" charset="0"/>
+                <a:ea typeface="Courier New" charset="0"/>
+                <a:cs typeface="Courier New" charset="0"/>
+              </a:rPr>
+              <a:t>INNER JOIN securities</a:t>
+            </a:r>
+          </a:p>
+          <a:p>
+            <a:r>
+              <a:rPr lang="en-US" sz="2400" dirty="0">
+                <a:latin typeface="Courier New" charset="0"/>
+                <a:ea typeface="Courier New" charset="0"/>
+                <a:cs typeface="Courier New" charset="0"/>
+              </a:rPr>
+              <a:t>	ON </a:t>
+            </a:r>
+            <a:r>
+              <a:rPr lang="en-US" sz="2400" dirty="0" err="1">
+                <a:latin typeface="Courier New" charset="0"/>
+                <a:ea typeface="Courier New" charset="0"/>
+                <a:cs typeface="Courier New" charset="0"/>
+              </a:rPr>
+              <a:t>fundamentals.symbol</a:t>
+            </a:r>
+            <a:r>
+              <a:rPr lang="en-US" sz="2400" dirty="0">
+                <a:latin typeface="Courier New" charset="0"/>
+                <a:ea typeface="Courier New" charset="0"/>
+                <a:cs typeface="Courier New" charset="0"/>
+              </a:rPr>
+              <a:t> = </a:t>
+            </a:r>
+            <a:r>
+              <a:rPr lang="en-US" sz="2400" dirty="0" err="1">
+                <a:latin typeface="Courier New" charset="0"/>
+                <a:ea typeface="Courier New" charset="0"/>
+                <a:cs typeface="Courier New" charset="0"/>
+              </a:rPr>
+              <a:t>securities.symbol</a:t>
+            </a:r>
+            <a:endParaRPr lang="en-US" sz="2400" dirty="0">
+              <a:latin typeface="Courier New" charset="0"/>
+              <a:ea typeface="Courier New" charset="0"/>
+              <a:cs typeface="Courier New" charset="0"/>
+            </a:endParaRPr>
+          </a:p>
+          <a:p>
+            <a:r>
+              <a:rPr lang="en-US" sz="2400" dirty="0">
+                <a:latin typeface="Courier New" charset="0"/>
+                <a:ea typeface="Courier New" charset="0"/>
+                <a:cs typeface="Courier New" charset="0"/>
+              </a:rPr>
+              <a:t>WHERE </a:t>
+            </a:r>
+            <a:r>
+              <a:rPr lang="en-US" sz="2400" dirty="0" err="1">
+                <a:latin typeface="Courier New" charset="0"/>
+                <a:ea typeface="Courier New" charset="0"/>
+                <a:cs typeface="Courier New" charset="0"/>
+              </a:rPr>
+              <a:t>For_Year</a:t>
+            </a:r>
+            <a:r>
+              <a:rPr lang="en-US" sz="2400" dirty="0">
+                <a:latin typeface="Courier New" charset="0"/>
+                <a:ea typeface="Courier New" charset="0"/>
+                <a:cs typeface="Courier New" charset="0"/>
+              </a:rPr>
+              <a:t> = 2016</a:t>
+            </a:r>
+          </a:p>
+          <a:p>
+            <a:r>
+              <a:rPr lang="en-US" sz="2400" dirty="0">
+                <a:latin typeface="Courier New" charset="0"/>
+                <a:ea typeface="Courier New" charset="0"/>
+                <a:cs typeface="Courier New" charset="0"/>
+              </a:rPr>
+              <a:t>GROUP BY </a:t>
+            </a:r>
+            <a:r>
+              <a:rPr lang="en-US" sz="2400" dirty="0" err="1">
+                <a:latin typeface="Courier New" charset="0"/>
+                <a:ea typeface="Courier New" charset="0"/>
+                <a:cs typeface="Courier New" charset="0"/>
+              </a:rPr>
+              <a:t>GICS_Sector</a:t>
+            </a:r>
+            <a:endParaRPr lang="en-US" sz="2400" dirty="0">
+              <a:latin typeface="Courier New" charset="0"/>
+              <a:ea typeface="Courier New" charset="0"/>
+              <a:cs typeface="Courier New" charset="0"/>
+            </a:endParaRPr>
+          </a:p>
+          <a:p>
+            <a:r>
+              <a:rPr lang="en-US" sz="2400" dirty="0">
+                <a:latin typeface="Courier New" charset="0"/>
+                <a:ea typeface="Courier New" charset="0"/>
+                <a:cs typeface="Courier New" charset="0"/>
+              </a:rPr>
+              <a:t>ORDER BY MAX(</a:t>
+            </a:r>
+            <a:r>
+              <a:rPr lang="en-US" sz="2400" dirty="0" err="1">
+                <a:latin typeface="Courier New" charset="0"/>
+                <a:ea typeface="Courier New" charset="0"/>
+                <a:cs typeface="Courier New" charset="0"/>
+              </a:rPr>
+              <a:t>Earnings_Per_Share</a:t>
+            </a:r>
+            <a:r>
+              <a:rPr lang="en-US" sz="2400" dirty="0">
+                <a:latin typeface="Courier New" charset="0"/>
+                <a:ea typeface="Courier New" charset="0"/>
+                <a:cs typeface="Courier New" charset="0"/>
+              </a:rPr>
+              <a:t>) DESC;</a:t>
             </a:r>
           </a:p>
           <a:p>
@@ -9885,294 +10274,6 @@
           </a:p>
         </p:txBody>
       </p:sp>
-      <p:pic>
-        <p:nvPicPr>
-          <p:cNvPr id="6" name="Graphic 5" descr="Sheep">
-            <a:extLst>
-              <a:ext uri="{FF2B5EF4-FFF2-40B4-BE49-F238E27FC236}">
-                <a16:creationId xmlns:a16="http://schemas.microsoft.com/office/drawing/2014/main" xmlns="" id="{8C2A2B99-5BFF-42A4-AE16-6909CA0E1B3C}"/>
-              </a:ext>
-            </a:extLst>
-          </p:cNvPr>
-          <p:cNvPicPr>
-            <a:picLocks noChangeAspect="1"/>
-          </p:cNvPicPr>
-          <p:nvPr/>
-        </p:nvPicPr>
-        <p:blipFill>
-          <a:blip r:embed="rId2">
-            <a:extLst>
-              <a:ext uri="{96DAC541-7B7A-43D3-8B79-37D633B846F1}">
-                <asvg:svgBlip xmlns:asvg="http://schemas.microsoft.com/office/drawing/2016/SVG/main" xmlns="" r:embed="rId3"/>
-              </a:ext>
-            </a:extLst>
-          </a:blip>
-          <a:stretch>
-            <a:fillRect/>
-          </a:stretch>
-        </p:blipFill>
-        <p:spPr>
-          <a:xfrm>
-            <a:off x="7594921" y="1550354"/>
-            <a:ext cx="1583803" cy="1583803"/>
-          </a:xfrm>
-          <a:prstGeom prst="rect">
-            <a:avLst/>
-          </a:prstGeom>
-        </p:spPr>
-      </p:pic>
-      <p:pic>
-        <p:nvPicPr>
-          <p:cNvPr id="8" name="Graphic 7" descr="Pig">
-            <a:extLst>
-              <a:ext uri="{FF2B5EF4-FFF2-40B4-BE49-F238E27FC236}">
-                <a16:creationId xmlns:a16="http://schemas.microsoft.com/office/drawing/2014/main" xmlns="" id="{1B35EB13-2CFD-45DA-9E8E-35385989DF92}"/>
-              </a:ext>
-            </a:extLst>
-          </p:cNvPr>
-          <p:cNvPicPr>
-            <a:picLocks noChangeAspect="1"/>
-          </p:cNvPicPr>
-          <p:nvPr/>
-        </p:nvPicPr>
-        <p:blipFill>
-          <a:blip r:embed="rId4">
-            <a:extLst>
-              <a:ext uri="{96DAC541-7B7A-43D3-8B79-37D633B846F1}">
-                <asvg:svgBlip xmlns:asvg="http://schemas.microsoft.com/office/drawing/2016/SVG/main" xmlns="" r:embed="rId5"/>
-              </a:ext>
-            </a:extLst>
-          </a:blip>
-          <a:stretch>
-            <a:fillRect/>
-          </a:stretch>
-        </p:blipFill>
-        <p:spPr>
-          <a:xfrm>
-            <a:off x="8613494" y="2339361"/>
-            <a:ext cx="1711124" cy="1711124"/>
-          </a:xfrm>
-          <a:prstGeom prst="rect">
-            <a:avLst/>
-          </a:prstGeom>
-        </p:spPr>
-      </p:pic>
-      <p:pic>
-        <p:nvPicPr>
-          <p:cNvPr id="10" name="Graphic 9" descr="Rooster">
-            <a:extLst>
-              <a:ext uri="{FF2B5EF4-FFF2-40B4-BE49-F238E27FC236}">
-                <a16:creationId xmlns:a16="http://schemas.microsoft.com/office/drawing/2014/main" xmlns="" id="{659C2573-33AE-4705-B628-40B416D6B1EB}"/>
-              </a:ext>
-            </a:extLst>
-          </p:cNvPr>
-          <p:cNvPicPr>
-            <a:picLocks noChangeAspect="1"/>
-          </p:cNvPicPr>
-          <p:nvPr/>
-        </p:nvPicPr>
-        <p:blipFill>
-          <a:blip r:embed="rId6">
-            <a:extLst>
-              <a:ext uri="{96DAC541-7B7A-43D3-8B79-37D633B846F1}">
-                <asvg:svgBlip xmlns:asvg="http://schemas.microsoft.com/office/drawing/2016/SVG/main" xmlns="" r:embed="rId7"/>
-              </a:ext>
-            </a:extLst>
-          </a:blip>
-          <a:stretch>
-            <a:fillRect/>
-          </a:stretch>
-        </p:blipFill>
-        <p:spPr>
-          <a:xfrm>
-            <a:off x="8156294" y="4630788"/>
-            <a:ext cx="914400" cy="914400"/>
-          </a:xfrm>
-          <a:prstGeom prst="rect">
-            <a:avLst/>
-          </a:prstGeom>
-        </p:spPr>
-      </p:pic>
-      <p:pic>
-        <p:nvPicPr>
-          <p:cNvPr id="12" name="Graphic 11" descr="Cow">
-            <a:extLst>
-              <a:ext uri="{FF2B5EF4-FFF2-40B4-BE49-F238E27FC236}">
-                <a16:creationId xmlns:a16="http://schemas.microsoft.com/office/drawing/2014/main" xmlns="" id="{1E2A4920-4622-4729-9876-2C97CE9A8D6A}"/>
-              </a:ext>
-            </a:extLst>
-          </p:cNvPr>
-          <p:cNvPicPr>
-            <a:picLocks noChangeAspect="1"/>
-          </p:cNvPicPr>
-          <p:nvPr/>
-        </p:nvPicPr>
-        <p:blipFill>
-          <a:blip r:embed="rId8">
-            <a:extLst>
-              <a:ext uri="{96DAC541-7B7A-43D3-8B79-37D633B846F1}">
-                <asvg:svgBlip xmlns:asvg="http://schemas.microsoft.com/office/drawing/2016/SVG/main" xmlns="" r:embed="rId9"/>
-              </a:ext>
-            </a:extLst>
-          </a:blip>
-          <a:stretch>
-            <a:fillRect/>
-          </a:stretch>
-        </p:blipFill>
-        <p:spPr>
-          <a:xfrm>
-            <a:off x="6037449" y="2563743"/>
-            <a:ext cx="2301433" cy="2301433"/>
-          </a:xfrm>
-          <a:prstGeom prst="rect">
-            <a:avLst/>
-          </a:prstGeom>
-        </p:spPr>
-      </p:pic>
-      <p:pic>
-        <p:nvPicPr>
-          <p:cNvPr id="14" name="Graphic 13" descr="Goat">
-            <a:extLst>
-              <a:ext uri="{FF2B5EF4-FFF2-40B4-BE49-F238E27FC236}">
-                <a16:creationId xmlns:a16="http://schemas.microsoft.com/office/drawing/2014/main" xmlns="" id="{6CC7B603-B920-4301-BC48-68FB832F44C5}"/>
-              </a:ext>
-            </a:extLst>
-          </p:cNvPr>
-          <p:cNvPicPr>
-            <a:picLocks noChangeAspect="1"/>
-          </p:cNvPicPr>
-          <p:nvPr/>
-        </p:nvPicPr>
-        <p:blipFill>
-          <a:blip r:embed="rId10">
-            <a:extLst>
-              <a:ext uri="{96DAC541-7B7A-43D3-8B79-37D633B846F1}">
-                <asvg:svgBlip xmlns:asvg="http://schemas.microsoft.com/office/drawing/2016/SVG/main" xmlns="" r:embed="rId11"/>
-              </a:ext>
-            </a:extLst>
-          </a:blip>
-          <a:stretch>
-            <a:fillRect/>
-          </a:stretch>
-        </p:blipFill>
-        <p:spPr>
-          <a:xfrm>
-            <a:off x="6774318" y="808260"/>
-            <a:ext cx="1281662" cy="1281662"/>
-          </a:xfrm>
-          <a:prstGeom prst="rect">
-            <a:avLst/>
-          </a:prstGeom>
-        </p:spPr>
-      </p:pic>
-      <p:pic>
-        <p:nvPicPr>
-          <p:cNvPr id="16" name="Graphic 15" descr="Horse">
-            <a:extLst>
-              <a:ext uri="{FF2B5EF4-FFF2-40B4-BE49-F238E27FC236}">
-                <a16:creationId xmlns:a16="http://schemas.microsoft.com/office/drawing/2014/main" xmlns="" id="{CBCBFAEF-52FF-4676-B477-E265CD792BD9}"/>
-              </a:ext>
-            </a:extLst>
-          </p:cNvPr>
-          <p:cNvPicPr>
-            <a:picLocks noChangeAspect="1"/>
-          </p:cNvPicPr>
-          <p:nvPr/>
-        </p:nvPicPr>
-        <p:blipFill>
-          <a:blip r:embed="rId12">
-            <a:extLst>
-              <a:ext uri="{96DAC541-7B7A-43D3-8B79-37D633B846F1}">
-                <asvg:svgBlip xmlns:asvg="http://schemas.microsoft.com/office/drawing/2016/SVG/main" xmlns="" r:embed="rId13"/>
-              </a:ext>
-            </a:extLst>
-          </a:blip>
-          <a:stretch>
-            <a:fillRect/>
-          </a:stretch>
-        </p:blipFill>
-        <p:spPr>
-          <a:xfrm>
-            <a:off x="8673296" y="4630788"/>
-            <a:ext cx="2197260" cy="2197260"/>
-          </a:xfrm>
-          <a:prstGeom prst="rect">
-            <a:avLst/>
-          </a:prstGeom>
-        </p:spPr>
-      </p:pic>
-      <p:pic>
-        <p:nvPicPr>
-          <p:cNvPr id="18" name="Graphic 17" descr="Barn">
-            <a:extLst>
-              <a:ext uri="{FF2B5EF4-FFF2-40B4-BE49-F238E27FC236}">
-                <a16:creationId xmlns:a16="http://schemas.microsoft.com/office/drawing/2014/main" xmlns="" id="{E9CC7A8E-AE81-4A85-8C9F-142E81F8885C}"/>
-              </a:ext>
-            </a:extLst>
-          </p:cNvPr>
-          <p:cNvPicPr>
-            <a:picLocks noChangeAspect="1"/>
-          </p:cNvPicPr>
-          <p:nvPr/>
-        </p:nvPicPr>
-        <p:blipFill>
-          <a:blip r:embed="rId14">
-            <a:extLst>
-              <a:ext uri="{96DAC541-7B7A-43D3-8B79-37D633B846F1}">
-                <asvg:svgBlip xmlns:asvg="http://schemas.microsoft.com/office/drawing/2016/SVG/main" xmlns="" r:embed="rId15"/>
-              </a:ext>
-            </a:extLst>
-          </a:blip>
-          <a:stretch>
-            <a:fillRect/>
-          </a:stretch>
-        </p:blipFill>
-        <p:spPr>
-          <a:xfrm>
-            <a:off x="2376911" y="2089922"/>
-            <a:ext cx="1738611" cy="1738611"/>
-          </a:xfrm>
-          <a:prstGeom prst="rect">
-            <a:avLst/>
-          </a:prstGeom>
-        </p:spPr>
-      </p:pic>
-      <p:pic>
-        <p:nvPicPr>
-          <p:cNvPr id="20" name="Graphic 19" descr="Silo">
-            <a:extLst>
-              <a:ext uri="{FF2B5EF4-FFF2-40B4-BE49-F238E27FC236}">
-                <a16:creationId xmlns:a16="http://schemas.microsoft.com/office/drawing/2014/main" xmlns="" id="{9453F8FA-1457-45A2-9034-89956C212C25}"/>
-              </a:ext>
-            </a:extLst>
-          </p:cNvPr>
-          <p:cNvPicPr>
-            <a:picLocks noChangeAspect="1"/>
-          </p:cNvPicPr>
-          <p:nvPr/>
-        </p:nvPicPr>
-        <p:blipFill>
-          <a:blip r:embed="rId16">
-            <a:extLst>
-              <a:ext uri="{96DAC541-7B7A-43D3-8B79-37D633B846F1}">
-                <asvg:svgBlip xmlns:asvg="http://schemas.microsoft.com/office/drawing/2016/SVG/main" xmlns="" r:embed="rId17"/>
-              </a:ext>
-            </a:extLst>
-          </a:blip>
-          <a:stretch>
-            <a:fillRect/>
-          </a:stretch>
-        </p:blipFill>
-        <p:spPr>
-          <a:xfrm>
-            <a:off x="893561" y="1787530"/>
-            <a:ext cx="2041003" cy="2041003"/>
-          </a:xfrm>
-          <a:prstGeom prst="rect">
-            <a:avLst/>
-          </a:prstGeom>
-        </p:spPr>
-      </p:pic>
     </p:spTree>
     <p:extLst>
       <p:ext uri="{BB962C8B-B14F-4D97-AF65-F5344CB8AC3E}">
@@ -10213,136 +10314,857 @@
             <p:ph type="title"/>
           </p:nvPr>
         </p:nvSpPr>
-        <p:spPr>
-          <a:xfrm>
-            <a:off x="1484310" y="19373"/>
-            <a:ext cx="10018713" cy="1282485"/>
-          </a:xfrm>
-        </p:spPr>
+        <p:spPr/>
         <p:txBody>
           <a:bodyPr/>
           <a:lstStyle/>
           <a:p>
             <a:r>
-              <a:rPr lang="en-US" dirty="0"/>
-              <a:t>Conclusion</a:t>
-            </a:r>
-          </a:p>
-        </p:txBody>
-      </p:sp>
-      <p:sp>
-        <p:nvSpPr>
-          <p:cNvPr id="3" name="TextBox 2">
-            <a:extLst>
-              <a:ext uri="{FF2B5EF4-FFF2-40B4-BE49-F238E27FC236}">
-                <a16:creationId xmlns:a16="http://schemas.microsoft.com/office/drawing/2014/main" xmlns="" id="{5FE08D2D-4F03-41CC-AD0D-5190FAF835C5}"/>
-              </a:ext>
-            </a:extLst>
-          </p:cNvPr>
-          <p:cNvSpPr txBox="1"/>
-          <p:nvPr/>
-        </p:nvSpPr>
-        <p:spPr>
-          <a:xfrm>
-            <a:off x="0" y="1449091"/>
-            <a:ext cx="12192000" cy="5539978"/>
-          </a:xfrm>
-          <a:prstGeom prst="rect">
-            <a:avLst/>
-          </a:prstGeom>
-          <a:noFill/>
-        </p:spPr>
-        <p:txBody>
-          <a:bodyPr wrap="square" rtlCol="0">
-            <a:spAutoFit/>
-          </a:bodyPr>
-          <a:lstStyle/>
-          <a:p>
-            <a:r>
-              <a:rPr lang="en-US" sz="2400" dirty="0"/>
-              <a:t>We looked into different stock data. Found at </a:t>
-            </a:r>
-            <a:r>
-              <a:rPr lang="en-US" sz="2400" dirty="0">
-                <a:solidFill>
-                  <a:srgbClr val="0070C0"/>
-                </a:solidFill>
-                <a:hlinkClick r:id="rId2"/>
-              </a:rPr>
-              <a:t>https://www.kaggle.com/benjibb/lstm-stock-prediction-20170507/data</a:t>
-            </a:r>
-            <a:r>
-              <a:rPr lang="en-US" sz="2400" dirty="0">
-                <a:solidFill>
-                  <a:srgbClr val="0070C0"/>
-                </a:solidFill>
-              </a:rPr>
-              <a:t> </a:t>
-            </a:r>
-          </a:p>
-          <a:p>
-            <a:endParaRPr lang="en-US" sz="2400" dirty="0">
-              <a:solidFill>
-                <a:srgbClr val="0070C0"/>
-              </a:solidFill>
-            </a:endParaRPr>
-          </a:p>
-          <a:p>
-            <a:r>
-              <a:rPr lang="en-US" sz="2400" dirty="0"/>
-              <a:t>Placed into a SQL relational DB where we looked at the data.</a:t>
-            </a:r>
-          </a:p>
-          <a:p>
-            <a:endParaRPr lang="en-US" sz="2400" dirty="0"/>
-          </a:p>
-          <a:p>
-            <a:endParaRPr lang="en-US" sz="2400" dirty="0"/>
-          </a:p>
-          <a:p>
-            <a:endParaRPr lang="en-US" sz="2400" dirty="0"/>
-          </a:p>
-          <a:p>
-            <a:endParaRPr lang="en-US" sz="2400" dirty="0"/>
-          </a:p>
-          <a:p>
-            <a:endParaRPr lang="en-US" sz="2400" dirty="0"/>
-          </a:p>
-          <a:p>
-            <a:endParaRPr lang="en-US" sz="2400" dirty="0"/>
-          </a:p>
-          <a:p>
-            <a:endParaRPr lang="en-US" sz="2400" dirty="0"/>
-          </a:p>
-          <a:p>
-            <a:endParaRPr lang="en-US" sz="2400" dirty="0"/>
-          </a:p>
-          <a:p>
-            <a:endParaRPr lang="en-US" sz="2400" dirty="0"/>
-          </a:p>
-          <a:p>
-            <a:r>
-              <a:rPr lang="en-US" sz="2400" dirty="0"/>
-              <a:t>All information can be found at </a:t>
-            </a:r>
-            <a:r>
-              <a:rPr lang="en-US" sz="2400" u="sng" dirty="0">
-                <a:solidFill>
-                  <a:srgbClr val="92D050"/>
-                </a:solidFill>
-              </a:rPr>
-              <a:t>https://github.com/DSSMU/MSDS7330_Project</a:t>
-            </a:r>
-          </a:p>
-          <a:p>
+              <a:rPr lang="en-US" dirty="0" smtClean="0"/>
+              <a:t>Insight 5</a:t>
+            </a:r>
             <a:endParaRPr lang="en-US" dirty="0"/>
           </a:p>
         </p:txBody>
       </p:sp>
+      <p:graphicFrame>
+        <p:nvGraphicFramePr>
+          <p:cNvPr id="6" name="Table 5"/>
+          <p:cNvGraphicFramePr>
+            <a:graphicFrameLocks noGrp="1"/>
+          </p:cNvGraphicFramePr>
+          <p:nvPr>
+            <p:extLst>
+              <p:ext uri="{D42A27DB-BD31-4B8C-83A1-F6EECF244321}">
+                <p14:modId xmlns:p14="http://schemas.microsoft.com/office/powerpoint/2010/main" val="506375659"/>
+              </p:ext>
+            </p:extLst>
+          </p:nvPr>
+        </p:nvGraphicFramePr>
+        <p:xfrm>
+          <a:off x="887895" y="1524001"/>
+          <a:ext cx="10323443" cy="4386468"/>
+        </p:xfrm>
+        <a:graphic>
+          <a:graphicData uri="http://schemas.openxmlformats.org/drawingml/2006/table">
+            <a:tbl>
+              <a:tblPr firstRow="1" bandRow="1">
+                <a:tableStyleId>{5C22544A-7EE6-4342-B048-85BDC9FD1C3A}</a:tableStyleId>
+              </a:tblPr>
+              <a:tblGrid>
+                <a:gridCol w="3925059"/>
+                <a:gridCol w="4068441"/>
+                <a:gridCol w="2329943"/>
+              </a:tblGrid>
+              <a:tr h="417759">
+                <a:tc>
+                  <a:txBody>
+                    <a:bodyPr/>
+                    <a:lstStyle/>
+                    <a:p>
+                      <a:pPr marL="0" marR="0" algn="just">
+                        <a:spcBef>
+                          <a:spcPts val="0"/>
+                        </a:spcBef>
+                        <a:spcAft>
+                          <a:spcPts val="0"/>
+                        </a:spcAft>
+                      </a:pPr>
+                      <a:r>
+                        <a:rPr lang="en-US" sz="2400">
+                          <a:effectLst/>
+                        </a:rPr>
+                        <a:t>GICS_Sector</a:t>
+                      </a:r>
+                      <a:endParaRPr lang="en-US" sz="4000">
+                        <a:effectLst/>
+                        <a:latin typeface="Cordia New" charset="0"/>
+                        <a:ea typeface="Batang" charset="-127"/>
+                        <a:cs typeface="Times New Roman" charset="0"/>
+                      </a:endParaRPr>
+                    </a:p>
+                  </a:txBody>
+                  <a:tcPr marL="68580" marR="68580" marT="0" marB="0"/>
+                </a:tc>
+                <a:tc>
+                  <a:txBody>
+                    <a:bodyPr/>
+                    <a:lstStyle/>
+                    <a:p>
+                      <a:pPr marL="0" marR="0" algn="just">
+                        <a:spcBef>
+                          <a:spcPts val="0"/>
+                        </a:spcBef>
+                        <a:spcAft>
+                          <a:spcPts val="0"/>
+                        </a:spcAft>
+                      </a:pPr>
+                      <a:r>
+                        <a:rPr lang="en-US" sz="2400">
+                          <a:effectLst/>
+                        </a:rPr>
+                        <a:t>security</a:t>
+                      </a:r>
+                      <a:endParaRPr lang="en-US" sz="4000">
+                        <a:effectLst/>
+                        <a:latin typeface="Cordia New" charset="0"/>
+                        <a:ea typeface="Batang" charset="-127"/>
+                        <a:cs typeface="Times New Roman" charset="0"/>
+                      </a:endParaRPr>
+                    </a:p>
+                  </a:txBody>
+                  <a:tcPr marL="68580" marR="68580" marT="0" marB="0"/>
+                </a:tc>
+                <a:tc>
+                  <a:txBody>
+                    <a:bodyPr/>
+                    <a:lstStyle/>
+                    <a:p>
+                      <a:pPr marL="0" marR="0" algn="just">
+                        <a:spcBef>
+                          <a:spcPts val="0"/>
+                        </a:spcBef>
+                        <a:spcAft>
+                          <a:spcPts val="0"/>
+                        </a:spcAft>
+                      </a:pPr>
+                      <a:r>
+                        <a:rPr lang="en-US" sz="2400">
+                          <a:effectLst/>
+                        </a:rPr>
+                        <a:t>Max EPS</a:t>
+                      </a:r>
+                      <a:endParaRPr lang="en-US" sz="4000">
+                        <a:effectLst/>
+                        <a:latin typeface="Cordia New" charset="0"/>
+                        <a:ea typeface="Batang" charset="-127"/>
+                        <a:cs typeface="Times New Roman" charset="0"/>
+                      </a:endParaRPr>
+                    </a:p>
+                  </a:txBody>
+                  <a:tcPr marL="68580" marR="68580" marT="0" marB="0"/>
+                </a:tc>
+              </a:tr>
+              <a:tr h="626638">
+                <a:tc>
+                  <a:txBody>
+                    <a:bodyPr/>
+                    <a:lstStyle/>
+                    <a:p>
+                      <a:pPr marL="0" marR="0" algn="just">
+                        <a:spcBef>
+                          <a:spcPts val="0"/>
+                        </a:spcBef>
+                        <a:spcAft>
+                          <a:spcPts val="0"/>
+                        </a:spcAft>
+                      </a:pPr>
+                      <a:r>
+                        <a:rPr lang="en-US" sz="2400">
+                          <a:effectLst/>
+                        </a:rPr>
+                        <a:t>Consumer Discretiona</a:t>
+                      </a:r>
+                      <a:endParaRPr lang="en-US" sz="4000">
+                        <a:effectLst/>
+                        <a:latin typeface="Cordia New" charset="0"/>
+                        <a:ea typeface="Batang" charset="-127"/>
+                        <a:cs typeface="Times New Roman" charset="0"/>
+                      </a:endParaRPr>
+                    </a:p>
+                  </a:txBody>
+                  <a:tcPr marL="68580" marR="68580" marT="0" marB="0"/>
+                </a:tc>
+                <a:tc>
+                  <a:txBody>
+                    <a:bodyPr/>
+                    <a:lstStyle/>
+                    <a:p>
+                      <a:pPr marL="0" marR="0" algn="just">
+                        <a:spcBef>
+                          <a:spcPts val="0"/>
+                        </a:spcBef>
+                        <a:spcAft>
+                          <a:spcPts val="0"/>
+                        </a:spcAft>
+                      </a:pPr>
+                      <a:r>
+                        <a:rPr lang="en-US" sz="2400">
+                          <a:effectLst/>
+                        </a:rPr>
+                        <a:t>AutoZone Inc</a:t>
+                      </a:r>
+                      <a:endParaRPr lang="en-US" sz="4000">
+                        <a:effectLst/>
+                        <a:latin typeface="Cordia New" charset="0"/>
+                        <a:ea typeface="Batang" charset="-127"/>
+                        <a:cs typeface="Times New Roman" charset="0"/>
+                      </a:endParaRPr>
+                    </a:p>
+                  </a:txBody>
+                  <a:tcPr marL="68580" marR="68580" marT="0" marB="0"/>
+                </a:tc>
+                <a:tc>
+                  <a:txBody>
+                    <a:bodyPr/>
+                    <a:lstStyle/>
+                    <a:p>
+                      <a:pPr marL="0" marR="0" algn="just">
+                        <a:spcBef>
+                          <a:spcPts val="0"/>
+                        </a:spcBef>
+                        <a:spcAft>
+                          <a:spcPts val="0"/>
+                        </a:spcAft>
+                      </a:pPr>
+                      <a:r>
+                        <a:rPr lang="en-US" sz="2400">
+                          <a:effectLst/>
+                        </a:rPr>
+                        <a:t>42</a:t>
+                      </a:r>
+                      <a:endParaRPr lang="en-US" sz="4000">
+                        <a:effectLst/>
+                        <a:latin typeface="Cordia New" charset="0"/>
+                        <a:ea typeface="Batang" charset="-127"/>
+                        <a:cs typeface="Times New Roman" charset="0"/>
+                      </a:endParaRPr>
+                    </a:p>
+                  </a:txBody>
+                  <a:tcPr marL="68580" marR="68580" marT="0" marB="0"/>
+                </a:tc>
+              </a:tr>
+              <a:tr h="626638">
+                <a:tc>
+                  <a:txBody>
+                    <a:bodyPr/>
+                    <a:lstStyle/>
+                    <a:p>
+                      <a:pPr marL="0" marR="0" algn="just">
+                        <a:spcBef>
+                          <a:spcPts val="0"/>
+                        </a:spcBef>
+                        <a:spcAft>
+                          <a:spcPts val="0"/>
+                        </a:spcAft>
+                      </a:pPr>
+                      <a:r>
+                        <a:rPr lang="en-US" sz="2400" dirty="0">
+                          <a:effectLst/>
+                        </a:rPr>
+                        <a:t>Health Care</a:t>
+                      </a:r>
+                      <a:endParaRPr lang="en-US" sz="4000" dirty="0">
+                        <a:effectLst/>
+                        <a:latin typeface="Cordia New" charset="0"/>
+                        <a:ea typeface="Batang" charset="-127"/>
+                        <a:cs typeface="Times New Roman" charset="0"/>
+                      </a:endParaRPr>
+                    </a:p>
+                  </a:txBody>
+                  <a:tcPr marL="68580" marR="68580" marT="0" marB="0"/>
+                </a:tc>
+                <a:tc>
+                  <a:txBody>
+                    <a:bodyPr/>
+                    <a:lstStyle/>
+                    <a:p>
+                      <a:pPr marL="0" marR="0" algn="just">
+                        <a:spcBef>
+                          <a:spcPts val="0"/>
+                        </a:spcBef>
+                        <a:spcAft>
+                          <a:spcPts val="0"/>
+                        </a:spcAft>
+                      </a:pPr>
+                      <a:r>
+                        <a:rPr lang="en-US" sz="2400">
+                          <a:effectLst/>
+                        </a:rPr>
+                        <a:t>AmerisourceBergen Co</a:t>
+                      </a:r>
+                      <a:endParaRPr lang="en-US" sz="4000">
+                        <a:effectLst/>
+                        <a:latin typeface="Cordia New" charset="0"/>
+                        <a:ea typeface="Batang" charset="-127"/>
+                        <a:cs typeface="Times New Roman" charset="0"/>
+                      </a:endParaRPr>
+                    </a:p>
+                  </a:txBody>
+                  <a:tcPr marL="68580" marR="68580" marT="0" marB="0"/>
+                </a:tc>
+                <a:tc>
+                  <a:txBody>
+                    <a:bodyPr/>
+                    <a:lstStyle/>
+                    <a:p>
+                      <a:pPr marL="0" marR="0" algn="just">
+                        <a:spcBef>
+                          <a:spcPts val="0"/>
+                        </a:spcBef>
+                        <a:spcAft>
+                          <a:spcPts val="0"/>
+                        </a:spcAft>
+                      </a:pPr>
+                      <a:r>
+                        <a:rPr lang="en-US" sz="2400">
+                          <a:effectLst/>
+                        </a:rPr>
+                        <a:t>10</a:t>
+                      </a:r>
+                      <a:endParaRPr lang="en-US" sz="4000">
+                        <a:effectLst/>
+                        <a:latin typeface="Cordia New" charset="0"/>
+                        <a:ea typeface="Batang" charset="-127"/>
+                        <a:cs typeface="Times New Roman" charset="0"/>
+                      </a:endParaRPr>
+                    </a:p>
+                  </a:txBody>
+                  <a:tcPr marL="68580" marR="68580" marT="0" marB="0"/>
+                </a:tc>
+              </a:tr>
+              <a:tr h="626638">
+                <a:tc>
+                  <a:txBody>
+                    <a:bodyPr/>
+                    <a:lstStyle/>
+                    <a:p>
+                      <a:pPr marL="0" marR="0" algn="just">
+                        <a:spcBef>
+                          <a:spcPts val="0"/>
+                        </a:spcBef>
+                        <a:spcAft>
+                          <a:spcPts val="0"/>
+                        </a:spcAft>
+                      </a:pPr>
+                      <a:r>
+                        <a:rPr lang="en-US" sz="2400">
+                          <a:effectLst/>
+                        </a:rPr>
+                        <a:t>Information Technolo</a:t>
+                      </a:r>
+                      <a:endParaRPr lang="en-US" sz="4000">
+                        <a:effectLst/>
+                        <a:latin typeface="Cordia New" charset="0"/>
+                        <a:ea typeface="Batang" charset="-127"/>
+                        <a:cs typeface="Times New Roman" charset="0"/>
+                      </a:endParaRPr>
+                    </a:p>
+                  </a:txBody>
+                  <a:tcPr marL="68580" marR="68580" marT="0" marB="0"/>
+                </a:tc>
+                <a:tc>
+                  <a:txBody>
+                    <a:bodyPr/>
+                    <a:lstStyle/>
+                    <a:p>
+                      <a:pPr marL="0" marR="0" algn="just">
+                        <a:spcBef>
+                          <a:spcPts val="0"/>
+                        </a:spcBef>
+                        <a:spcAft>
+                          <a:spcPts val="0"/>
+                        </a:spcAft>
+                      </a:pPr>
+                      <a:r>
+                        <a:rPr lang="en-US" sz="2400">
+                          <a:effectLst/>
+                        </a:rPr>
+                        <a:t>Apple Inc.</a:t>
+                      </a:r>
+                      <a:endParaRPr lang="en-US" sz="4000">
+                        <a:effectLst/>
+                        <a:latin typeface="Cordia New" charset="0"/>
+                        <a:ea typeface="Batang" charset="-127"/>
+                        <a:cs typeface="Times New Roman" charset="0"/>
+                      </a:endParaRPr>
+                    </a:p>
+                  </a:txBody>
+                  <a:tcPr marL="68580" marR="68580" marT="0" marB="0"/>
+                </a:tc>
+                <a:tc>
+                  <a:txBody>
+                    <a:bodyPr/>
+                    <a:lstStyle/>
+                    <a:p>
+                      <a:pPr marL="0" marR="0" algn="just">
+                        <a:spcBef>
+                          <a:spcPts val="0"/>
+                        </a:spcBef>
+                        <a:spcAft>
+                          <a:spcPts val="0"/>
+                        </a:spcAft>
+                      </a:pPr>
+                      <a:r>
+                        <a:rPr lang="en-US" sz="2400">
+                          <a:effectLst/>
+                        </a:rPr>
+                        <a:t>8</a:t>
+                      </a:r>
+                      <a:endParaRPr lang="en-US" sz="4000">
+                        <a:effectLst/>
+                        <a:latin typeface="Cordia New" charset="0"/>
+                        <a:ea typeface="Batang" charset="-127"/>
+                        <a:cs typeface="Times New Roman" charset="0"/>
+                      </a:endParaRPr>
+                    </a:p>
+                  </a:txBody>
+                  <a:tcPr marL="68580" marR="68580" marT="0" marB="0"/>
+                </a:tc>
+              </a:tr>
+              <a:tr h="417759">
+                <a:tc>
+                  <a:txBody>
+                    <a:bodyPr/>
+                    <a:lstStyle/>
+                    <a:p>
+                      <a:pPr marL="0" marR="0" algn="just">
+                        <a:spcBef>
+                          <a:spcPts val="0"/>
+                        </a:spcBef>
+                        <a:spcAft>
+                          <a:spcPts val="0"/>
+                        </a:spcAft>
+                      </a:pPr>
+                      <a:r>
+                        <a:rPr lang="en-US" sz="2400">
+                          <a:effectLst/>
+                        </a:rPr>
+                        <a:t>Industrials</a:t>
+                      </a:r>
+                      <a:endParaRPr lang="en-US" sz="4000">
+                        <a:effectLst/>
+                        <a:latin typeface="Cordia New" charset="0"/>
+                        <a:ea typeface="Batang" charset="-127"/>
+                        <a:cs typeface="Times New Roman" charset="0"/>
+                      </a:endParaRPr>
+                    </a:p>
+                  </a:txBody>
+                  <a:tcPr marL="68580" marR="68580" marT="0" marB="0"/>
+                </a:tc>
+                <a:tc>
+                  <a:txBody>
+                    <a:bodyPr/>
+                    <a:lstStyle/>
+                    <a:p>
+                      <a:pPr marL="0" marR="0" algn="just">
+                        <a:spcBef>
+                          <a:spcPts val="0"/>
+                        </a:spcBef>
+                        <a:spcAft>
+                          <a:spcPts val="0"/>
+                        </a:spcAft>
+                      </a:pPr>
+                      <a:r>
+                        <a:rPr lang="en-US" sz="2400">
+                          <a:effectLst/>
+                        </a:rPr>
+                        <a:t>Acuity Brands Inc</a:t>
+                      </a:r>
+                      <a:endParaRPr lang="en-US" sz="4000">
+                        <a:effectLst/>
+                        <a:latin typeface="Cordia New" charset="0"/>
+                        <a:ea typeface="Batang" charset="-127"/>
+                        <a:cs typeface="Times New Roman" charset="0"/>
+                      </a:endParaRPr>
+                    </a:p>
+                  </a:txBody>
+                  <a:tcPr marL="68580" marR="68580" marT="0" marB="0"/>
+                </a:tc>
+                <a:tc>
+                  <a:txBody>
+                    <a:bodyPr/>
+                    <a:lstStyle/>
+                    <a:p>
+                      <a:pPr marL="0" marR="0" algn="just">
+                        <a:spcBef>
+                          <a:spcPts val="0"/>
+                        </a:spcBef>
+                        <a:spcAft>
+                          <a:spcPts val="0"/>
+                        </a:spcAft>
+                      </a:pPr>
+                      <a:r>
+                        <a:rPr lang="en-US" sz="2400">
+                          <a:effectLst/>
+                        </a:rPr>
+                        <a:t>7</a:t>
+                      </a:r>
+                      <a:endParaRPr lang="en-US" sz="4000">
+                        <a:effectLst/>
+                        <a:latin typeface="Cordia New" charset="0"/>
+                        <a:ea typeface="Batang" charset="-127"/>
+                        <a:cs typeface="Times New Roman" charset="0"/>
+                      </a:endParaRPr>
+                    </a:p>
+                  </a:txBody>
+                  <a:tcPr marL="68580" marR="68580" marT="0" marB="0"/>
+                </a:tc>
+              </a:tr>
+              <a:tr h="417759">
+                <a:tc>
+                  <a:txBody>
+                    <a:bodyPr/>
+                    <a:lstStyle/>
+                    <a:p>
+                      <a:pPr marL="0" marR="0" algn="just">
+                        <a:spcBef>
+                          <a:spcPts val="0"/>
+                        </a:spcBef>
+                        <a:spcAft>
+                          <a:spcPts val="0"/>
+                        </a:spcAft>
+                      </a:pPr>
+                      <a:r>
+                        <a:rPr lang="en-US" sz="2400">
+                          <a:effectLst/>
+                        </a:rPr>
+                        <a:t>Consumer Staples</a:t>
+                      </a:r>
+                      <a:endParaRPr lang="en-US" sz="4000">
+                        <a:effectLst/>
+                        <a:latin typeface="Cordia New" charset="0"/>
+                        <a:ea typeface="Batang" charset="-127"/>
+                        <a:cs typeface="Times New Roman" charset="0"/>
+                      </a:endParaRPr>
+                    </a:p>
+                  </a:txBody>
+                  <a:tcPr marL="68580" marR="68580" marT="0" marB="0"/>
+                </a:tc>
+                <a:tc>
+                  <a:txBody>
+                    <a:bodyPr/>
+                    <a:lstStyle/>
+                    <a:p>
+                      <a:pPr marL="0" marR="0" algn="just">
+                        <a:spcBef>
+                          <a:spcPts val="0"/>
+                        </a:spcBef>
+                        <a:spcAft>
+                          <a:spcPts val="0"/>
+                        </a:spcAft>
+                      </a:pPr>
+                      <a:r>
+                        <a:rPr lang="en-US" sz="2400">
+                          <a:effectLst/>
+                        </a:rPr>
+                        <a:t>ConAgra Foods Inc.</a:t>
+                      </a:r>
+                      <a:endParaRPr lang="en-US" sz="4000">
+                        <a:effectLst/>
+                        <a:latin typeface="Cordia New" charset="0"/>
+                        <a:ea typeface="Batang" charset="-127"/>
+                        <a:cs typeface="Times New Roman" charset="0"/>
+                      </a:endParaRPr>
+                    </a:p>
+                  </a:txBody>
+                  <a:tcPr marL="68580" marR="68580" marT="0" marB="0"/>
+                </a:tc>
+                <a:tc>
+                  <a:txBody>
+                    <a:bodyPr/>
+                    <a:lstStyle/>
+                    <a:p>
+                      <a:pPr marL="0" marR="0" algn="just">
+                        <a:spcBef>
+                          <a:spcPts val="0"/>
+                        </a:spcBef>
+                        <a:spcAft>
+                          <a:spcPts val="0"/>
+                        </a:spcAft>
+                      </a:pPr>
+                      <a:r>
+                        <a:rPr lang="en-US" sz="2400">
+                          <a:effectLst/>
+                        </a:rPr>
+                        <a:t>6</a:t>
+                      </a:r>
+                      <a:endParaRPr lang="en-US" sz="4000">
+                        <a:effectLst/>
+                        <a:latin typeface="Cordia New" charset="0"/>
+                        <a:ea typeface="Batang" charset="-127"/>
+                        <a:cs typeface="Times New Roman" charset="0"/>
+                      </a:endParaRPr>
+                    </a:p>
+                  </a:txBody>
+                  <a:tcPr marL="68580" marR="68580" marT="0" marB="0"/>
+                </a:tc>
+              </a:tr>
+              <a:tr h="417759">
+                <a:tc>
+                  <a:txBody>
+                    <a:bodyPr/>
+                    <a:lstStyle/>
+                    <a:p>
+                      <a:pPr marL="0" marR="0" algn="just">
+                        <a:spcBef>
+                          <a:spcPts val="0"/>
+                        </a:spcBef>
+                        <a:spcAft>
+                          <a:spcPts val="0"/>
+                        </a:spcAft>
+                      </a:pPr>
+                      <a:r>
+                        <a:rPr lang="en-US" sz="2400">
+                          <a:effectLst/>
+                        </a:rPr>
+                        <a:t>Materials</a:t>
+                      </a:r>
+                      <a:endParaRPr lang="en-US" sz="4000">
+                        <a:effectLst/>
+                        <a:latin typeface="Cordia New" charset="0"/>
+                        <a:ea typeface="Batang" charset="-127"/>
+                        <a:cs typeface="Times New Roman" charset="0"/>
+                      </a:endParaRPr>
+                    </a:p>
+                  </a:txBody>
+                  <a:tcPr marL="68580" marR="68580" marT="0" marB="0"/>
+                </a:tc>
+                <a:tc>
+                  <a:txBody>
+                    <a:bodyPr/>
+                    <a:lstStyle/>
+                    <a:p>
+                      <a:pPr marL="0" marR="0" algn="just">
+                        <a:spcBef>
+                          <a:spcPts val="0"/>
+                        </a:spcBef>
+                        <a:spcAft>
+                          <a:spcPts val="0"/>
+                        </a:spcAft>
+                      </a:pPr>
+                      <a:r>
+                        <a:rPr lang="en-US" sz="2400">
+                          <a:effectLst/>
+                        </a:rPr>
+                        <a:t>Air Products &amp; Chemi</a:t>
+                      </a:r>
+                      <a:endParaRPr lang="en-US" sz="4000">
+                        <a:effectLst/>
+                        <a:latin typeface="Cordia New" charset="0"/>
+                        <a:ea typeface="Batang" charset="-127"/>
+                        <a:cs typeface="Times New Roman" charset="0"/>
+                      </a:endParaRPr>
+                    </a:p>
+                  </a:txBody>
+                  <a:tcPr marL="68580" marR="68580" marT="0" marB="0"/>
+                </a:tc>
+                <a:tc>
+                  <a:txBody>
+                    <a:bodyPr/>
+                    <a:lstStyle/>
+                    <a:p>
+                      <a:pPr marL="0" marR="0" algn="just">
+                        <a:spcBef>
+                          <a:spcPts val="0"/>
+                        </a:spcBef>
+                        <a:spcAft>
+                          <a:spcPts val="0"/>
+                        </a:spcAft>
+                      </a:pPr>
+                      <a:r>
+                        <a:rPr lang="en-US" sz="2400">
+                          <a:effectLst/>
+                        </a:rPr>
+                        <a:t>3</a:t>
+                      </a:r>
+                      <a:endParaRPr lang="en-US" sz="4000">
+                        <a:effectLst/>
+                        <a:latin typeface="Cordia New" charset="0"/>
+                        <a:ea typeface="Batang" charset="-127"/>
+                        <a:cs typeface="Times New Roman" charset="0"/>
+                      </a:endParaRPr>
+                    </a:p>
+                  </a:txBody>
+                  <a:tcPr marL="68580" marR="68580" marT="0" marB="0"/>
+                </a:tc>
+              </a:tr>
+              <a:tr h="417759">
+                <a:tc>
+                  <a:txBody>
+                    <a:bodyPr/>
+                    <a:lstStyle/>
+                    <a:p>
+                      <a:pPr marL="0" marR="0" algn="just">
+                        <a:spcBef>
+                          <a:spcPts val="0"/>
+                        </a:spcBef>
+                        <a:spcAft>
+                          <a:spcPts val="0"/>
+                        </a:spcAft>
+                      </a:pPr>
+                      <a:r>
+                        <a:rPr lang="en-US" sz="2400">
+                          <a:effectLst/>
+                        </a:rPr>
+                        <a:t>Financials</a:t>
+                      </a:r>
+                      <a:endParaRPr lang="en-US" sz="4000">
+                        <a:effectLst/>
+                        <a:latin typeface="Cordia New" charset="0"/>
+                        <a:ea typeface="Batang" charset="-127"/>
+                        <a:cs typeface="Times New Roman" charset="0"/>
+                      </a:endParaRPr>
+                    </a:p>
+                  </a:txBody>
+                  <a:tcPr marL="68580" marR="68580" marT="0" marB="0"/>
+                </a:tc>
+                <a:tc>
+                  <a:txBody>
+                    <a:bodyPr/>
+                    <a:lstStyle/>
+                    <a:p>
+                      <a:pPr marL="0" marR="0" algn="just">
+                        <a:spcBef>
+                          <a:spcPts val="0"/>
+                        </a:spcBef>
+                        <a:spcAft>
+                          <a:spcPts val="0"/>
+                        </a:spcAft>
+                      </a:pPr>
+                      <a:r>
+                        <a:rPr lang="en-US" sz="2400">
+                          <a:effectLst/>
+                        </a:rPr>
+                        <a:t>Block H&amp;R</a:t>
+                      </a:r>
+                      <a:endParaRPr lang="en-US" sz="4000">
+                        <a:effectLst/>
+                        <a:latin typeface="Cordia New" charset="0"/>
+                        <a:ea typeface="Batang" charset="-127"/>
+                        <a:cs typeface="Times New Roman" charset="0"/>
+                      </a:endParaRPr>
+                    </a:p>
+                  </a:txBody>
+                  <a:tcPr marL="68580" marR="68580" marT="0" marB="0"/>
+                </a:tc>
+                <a:tc>
+                  <a:txBody>
+                    <a:bodyPr/>
+                    <a:lstStyle/>
+                    <a:p>
+                      <a:pPr marL="0" marR="0" algn="just">
+                        <a:spcBef>
+                          <a:spcPts val="0"/>
+                        </a:spcBef>
+                        <a:spcAft>
+                          <a:spcPts val="0"/>
+                        </a:spcAft>
+                      </a:pPr>
+                      <a:r>
+                        <a:rPr lang="en-US" sz="2400">
+                          <a:effectLst/>
+                        </a:rPr>
+                        <a:t>2</a:t>
+                      </a:r>
+                      <a:endParaRPr lang="en-US" sz="4000">
+                        <a:effectLst/>
+                        <a:latin typeface="Cordia New" charset="0"/>
+                        <a:ea typeface="Batang" charset="-127"/>
+                        <a:cs typeface="Times New Roman" charset="0"/>
+                      </a:endParaRPr>
+                    </a:p>
+                  </a:txBody>
+                  <a:tcPr marL="68580" marR="68580" marT="0" marB="0"/>
+                </a:tc>
+              </a:tr>
+              <a:tr h="417759">
+                <a:tc>
+                  <a:txBody>
+                    <a:bodyPr/>
+                    <a:lstStyle/>
+                    <a:p>
+                      <a:pPr marL="0" marR="0" algn="just">
+                        <a:spcBef>
+                          <a:spcPts val="0"/>
+                        </a:spcBef>
+                        <a:spcAft>
+                          <a:spcPts val="0"/>
+                        </a:spcAft>
+                      </a:pPr>
+                      <a:r>
+                        <a:rPr lang="en-US" sz="2400">
+                          <a:effectLst/>
+                        </a:rPr>
+                        <a:t>Energy</a:t>
+                      </a:r>
+                      <a:endParaRPr lang="en-US" sz="4000">
+                        <a:effectLst/>
+                        <a:latin typeface="Cordia New" charset="0"/>
+                        <a:ea typeface="Batang" charset="-127"/>
+                        <a:cs typeface="Times New Roman" charset="0"/>
+                      </a:endParaRPr>
+                    </a:p>
+                  </a:txBody>
+                  <a:tcPr marL="68580" marR="68580" marT="0" marB="0"/>
+                </a:tc>
+                <a:tc>
+                  <a:txBody>
+                    <a:bodyPr/>
+                    <a:lstStyle/>
+                    <a:p>
+                      <a:pPr marL="0" marR="0" algn="just">
+                        <a:spcBef>
+                          <a:spcPts val="0"/>
+                        </a:spcBef>
+                        <a:spcAft>
+                          <a:spcPts val="0"/>
+                        </a:spcAft>
+                      </a:pPr>
+                      <a:r>
+                        <a:rPr lang="en-US" sz="2400">
+                          <a:effectLst/>
+                        </a:rPr>
+                        <a:t>Helmerich &amp; Payne</a:t>
+                      </a:r>
+                      <a:endParaRPr lang="en-US" sz="4000">
+                        <a:effectLst/>
+                        <a:latin typeface="Cordia New" charset="0"/>
+                        <a:ea typeface="Batang" charset="-127"/>
+                        <a:cs typeface="Times New Roman" charset="0"/>
+                      </a:endParaRPr>
+                    </a:p>
+                  </a:txBody>
+                  <a:tcPr marL="68580" marR="68580" marT="0" marB="0"/>
+                </a:tc>
+                <a:tc>
+                  <a:txBody>
+                    <a:bodyPr/>
+                    <a:lstStyle/>
+                    <a:p>
+                      <a:pPr marL="0" marR="0" algn="just">
+                        <a:spcBef>
+                          <a:spcPts val="0"/>
+                        </a:spcBef>
+                        <a:spcAft>
+                          <a:spcPts val="0"/>
+                        </a:spcAft>
+                      </a:pPr>
+                      <a:r>
+                        <a:rPr lang="en-US" sz="2400" dirty="0">
+                          <a:effectLst/>
+                        </a:rPr>
+                        <a:t>-1</a:t>
+                      </a:r>
+                      <a:endParaRPr lang="en-US" sz="4000" dirty="0">
+                        <a:effectLst/>
+                        <a:latin typeface="Cordia New" charset="0"/>
+                        <a:ea typeface="Batang" charset="-127"/>
+                        <a:cs typeface="Times New Roman" charset="0"/>
+                      </a:endParaRPr>
+                    </a:p>
+                  </a:txBody>
+                  <a:tcPr marL="68580" marR="68580" marT="0" marB="0"/>
+                </a:tc>
+              </a:tr>
+            </a:tbl>
+          </a:graphicData>
+        </a:graphic>
+      </p:graphicFrame>
     </p:spTree>
     <p:extLst>
       <p:ext uri="{BB962C8B-B14F-4D97-AF65-F5344CB8AC3E}">
-        <p14:creationId xmlns:p14="http://schemas.microsoft.com/office/powerpoint/2010/main" val="3007914974"/>
+        <p14:creationId xmlns:p14="http://schemas.microsoft.com/office/powerpoint/2010/main" val="205412510"/>
       </p:ext>
     </p:extLst>
   </p:cSld>
@@ -10381,8 +11203,8 @@
         </p:nvSpPr>
         <p:spPr>
           <a:xfrm>
-            <a:off x="4272666" y="3180262"/>
-            <a:ext cx="3087690" cy="1282485"/>
+            <a:off x="1484310" y="19373"/>
+            <a:ext cx="10018713" cy="1282485"/>
           </a:xfrm>
         </p:spPr>
         <p:txBody>
@@ -10391,8 +11213,176 @@
           <a:p>
             <a:r>
               <a:rPr lang="en-US" dirty="0"/>
-              <a:t>Questions?</a:t>
-            </a:r>
+              <a:t>Conclusion</a:t>
+            </a:r>
+          </a:p>
+        </p:txBody>
+      </p:sp>
+      <p:sp>
+        <p:nvSpPr>
+          <p:cNvPr id="3" name="TextBox 2">
+            <a:extLst>
+              <a:ext uri="{FF2B5EF4-FFF2-40B4-BE49-F238E27FC236}">
+                <a16:creationId xmlns:a16="http://schemas.microsoft.com/office/drawing/2014/main" xmlns="" id="{5FE08D2D-4F03-41CC-AD0D-5190FAF835C5}"/>
+              </a:ext>
+            </a:extLst>
+          </p:cNvPr>
+          <p:cNvSpPr txBox="1"/>
+          <p:nvPr/>
+        </p:nvSpPr>
+        <p:spPr>
+          <a:xfrm>
+            <a:off x="0" y="1449091"/>
+            <a:ext cx="12192000" cy="5539978"/>
+          </a:xfrm>
+          <a:prstGeom prst="rect">
+            <a:avLst/>
+          </a:prstGeom>
+          <a:noFill/>
+        </p:spPr>
+        <p:txBody>
+          <a:bodyPr wrap="square" rtlCol="0">
+            <a:spAutoFit/>
+          </a:bodyPr>
+          <a:lstStyle/>
+          <a:p>
+            <a:r>
+              <a:rPr lang="en-US" sz="2400" dirty="0"/>
+              <a:t>We looked into different stock data. Found at </a:t>
+            </a:r>
+            <a:r>
+              <a:rPr lang="en-US" sz="2400" dirty="0">
+                <a:solidFill>
+                  <a:srgbClr val="0070C0"/>
+                </a:solidFill>
+                <a:hlinkClick r:id="rId2"/>
+              </a:rPr>
+              <a:t>https://www.kaggle.com/benjibb/lstm-stock-prediction-20170507/data</a:t>
+            </a:r>
+            <a:r>
+              <a:rPr lang="en-US" sz="2400" dirty="0">
+                <a:solidFill>
+                  <a:srgbClr val="0070C0"/>
+                </a:solidFill>
+              </a:rPr>
+              <a:t> </a:t>
+            </a:r>
+          </a:p>
+          <a:p>
+            <a:endParaRPr lang="en-US" sz="2400" dirty="0">
+              <a:solidFill>
+                <a:srgbClr val="0070C0"/>
+              </a:solidFill>
+            </a:endParaRPr>
+          </a:p>
+          <a:p>
+            <a:r>
+              <a:rPr lang="en-US" sz="2400" dirty="0"/>
+              <a:t>Placed into a SQL relational DB where we looked at the data.</a:t>
+            </a:r>
+          </a:p>
+          <a:p>
+            <a:endParaRPr lang="en-US" sz="2400" dirty="0"/>
+          </a:p>
+          <a:p>
+            <a:endParaRPr lang="en-US" sz="2400" dirty="0"/>
+          </a:p>
+          <a:p>
+            <a:endParaRPr lang="en-US" sz="2400" dirty="0"/>
+          </a:p>
+          <a:p>
+            <a:endParaRPr lang="en-US" sz="2400" dirty="0"/>
+          </a:p>
+          <a:p>
+            <a:endParaRPr lang="en-US" sz="2400" dirty="0"/>
+          </a:p>
+          <a:p>
+            <a:endParaRPr lang="en-US" sz="2400" dirty="0"/>
+          </a:p>
+          <a:p>
+            <a:endParaRPr lang="en-US" sz="2400" dirty="0"/>
+          </a:p>
+          <a:p>
+            <a:endParaRPr lang="en-US" sz="2400" dirty="0"/>
+          </a:p>
+          <a:p>
+            <a:endParaRPr lang="en-US" sz="2400" dirty="0"/>
+          </a:p>
+          <a:p>
+            <a:r>
+              <a:rPr lang="en-US" sz="2400" dirty="0"/>
+              <a:t>All information can be found at </a:t>
+            </a:r>
+            <a:r>
+              <a:rPr lang="en-US" sz="2400" u="sng" dirty="0">
+                <a:solidFill>
+                  <a:srgbClr val="92D050"/>
+                </a:solidFill>
+              </a:rPr>
+              <a:t>https://github.com/DSSMU/MSDS7330_Project</a:t>
+            </a:r>
+          </a:p>
+          <a:p>
+            <a:endParaRPr lang="en-US" dirty="0"/>
+          </a:p>
+        </p:txBody>
+      </p:sp>
+    </p:spTree>
+    <p:extLst>
+      <p:ext uri="{BB962C8B-B14F-4D97-AF65-F5344CB8AC3E}">
+        <p14:creationId xmlns:p14="http://schemas.microsoft.com/office/powerpoint/2010/main" val="3007914974"/>
+      </p:ext>
+    </p:extLst>
+  </p:cSld>
+  <p:clrMapOvr>
+    <a:masterClrMapping/>
+  </p:clrMapOvr>
+</p:sld>
+</file>
+
+<file path=ppt/slides/slide18.xml><?xml version="1.0" encoding="utf-8"?>
+<p:sld xmlns:a="http://schemas.openxmlformats.org/drawingml/2006/main" xmlns:r="http://schemas.openxmlformats.org/officeDocument/2006/relationships" xmlns:p="http://schemas.openxmlformats.org/presentationml/2006/main">
+  <p:cSld>
+    <p:spTree>
+      <p:nvGrpSpPr>
+        <p:cNvPr id="1" name=""/>
+        <p:cNvGrpSpPr/>
+        <p:nvPr/>
+      </p:nvGrpSpPr>
+      <p:grpSpPr>
+        <a:xfrm>
+          <a:off x="0" y="0"/>
+          <a:ext cx="0" cy="0"/>
+          <a:chOff x="0" y="0"/>
+          <a:chExt cx="0" cy="0"/>
+        </a:xfrm>
+      </p:grpSpPr>
+      <p:sp>
+        <p:nvSpPr>
+          <p:cNvPr id="2" name="Title 1"/>
+          <p:cNvSpPr>
+            <a:spLocks noGrp="1"/>
+          </p:cNvSpPr>
+          <p:nvPr>
+            <p:ph type="title"/>
+          </p:nvPr>
+        </p:nvSpPr>
+        <p:spPr>
+          <a:xfrm>
+            <a:off x="0" y="3180262"/>
+            <a:ext cx="12192000" cy="1282485"/>
+          </a:xfrm>
+        </p:spPr>
+        <p:txBody>
+          <a:bodyPr/>
+          <a:lstStyle/>
+          <a:p>
+            <a:pPr algn="ctr"/>
+            <a:r>
+              <a:rPr lang="en-US" dirty="0" smtClean="0"/>
+              <a:t>Questions</a:t>
+            </a:r>
+            <a:endParaRPr lang="en-US" dirty="0"/>
           </a:p>
         </p:txBody>
       </p:sp>
@@ -11849,8 +12839,8 @@
         </p:blipFill>
         <p:spPr>
           <a:xfrm>
-            <a:off x="7045696" y="1301857"/>
-            <a:ext cx="5146304" cy="4421610"/>
+            <a:off x="6715005" y="1301858"/>
+            <a:ext cx="5476995" cy="3847682"/>
           </a:xfrm>
           <a:prstGeom prst="rect">
             <a:avLst/>

--- a/NYSE Analysis With MySQL.pptx
+++ b/NYSE Analysis With MySQL.pptx
@@ -218,7 +218,7 @@
           <a:p>
             <a:fld id="{686EA775-9A7D-5143-8247-26F85215B26A}" type="datetimeFigureOut">
               <a:rPr lang="en-US" smtClean="0"/>
-              <a:t>8/14/17</a:t>
+              <a:t>8/16/2017</a:t>
             </a:fld>
             <a:endParaRPr lang="en-US"/>
           </a:p>
@@ -282,38 +282,37 @@
           <a:p>
             <a:pPr lvl="0"/>
             <a:r>
-              <a:rPr lang="en-US" smtClean="0"/>
+              <a:rPr lang="en-US"/>
               <a:t>Click to edit Master text styles</a:t>
             </a:r>
           </a:p>
           <a:p>
             <a:pPr lvl="1"/>
             <a:r>
-              <a:rPr lang="en-US" smtClean="0"/>
+              <a:rPr lang="en-US"/>
               <a:t>Second level</a:t>
             </a:r>
           </a:p>
           <a:p>
             <a:pPr lvl="2"/>
             <a:r>
-              <a:rPr lang="en-US" smtClean="0"/>
+              <a:rPr lang="en-US"/>
               <a:t>Third level</a:t>
             </a:r>
           </a:p>
           <a:p>
             <a:pPr lvl="3"/>
             <a:r>
-              <a:rPr lang="en-US" smtClean="0"/>
+              <a:rPr lang="en-US"/>
               <a:t>Fourth level</a:t>
             </a:r>
           </a:p>
           <a:p>
             <a:pPr lvl="4"/>
             <a:r>
-              <a:rPr lang="en-US" smtClean="0"/>
+              <a:rPr lang="en-US"/>
               <a:t>Fifth level</a:t>
             </a:r>
-            <a:endParaRPr lang="en-US"/>
           </a:p>
         </p:txBody>
       </p:sp>
@@ -551,7 +550,7 @@
           <a:p>
             <a:fld id="{90065BF4-54B7-ED4B-BAB6-0FA6251F32CC}" type="slidenum">
               <a:rPr lang="en-US" smtClean="0"/>
-              <a:t>9</a:t>
+              <a:t>1</a:t>
             </a:fld>
             <a:endParaRPr lang="en-US"/>
           </a:p>
@@ -560,7 +559,7 @@
     </p:spTree>
     <p:extLst>
       <p:ext uri="{BB962C8B-B14F-4D97-AF65-F5344CB8AC3E}">
-        <p14:creationId xmlns:p14="http://schemas.microsoft.com/office/powerpoint/2010/main" val="15115840"/>
+        <p14:creationId xmlns:p14="http://schemas.microsoft.com/office/powerpoint/2010/main" val="4061878483"/>
       </p:ext>
     </p:extLst>
   </p:cSld>
@@ -614,23 +613,7 @@
           <a:bodyPr/>
           <a:lstStyle/>
           <a:p>
-            <a:r>
-              <a:rPr lang="en-US" dirty="0" smtClean="0"/>
-              <a:t>This one is a bit more confusing.</a:t>
-            </a:r>
-          </a:p>
-          <a:p>
-            <a:r>
-              <a:rPr lang="en-US" dirty="0" smtClean="0"/>
-              <a:t>Looking at</a:t>
-            </a:r>
-            <a:r>
-              <a:rPr lang="en-US" baseline="0" dirty="0" smtClean="0"/>
-              <a:t> just Amazon’s stocks, more insights can be drawn.</a:t>
-            </a:r>
-          </a:p>
-          <a:p>
-            <a:endParaRPr lang="en-US" dirty="0" smtClean="0"/>
+            <a:endParaRPr lang="en-US" dirty="0"/>
           </a:p>
         </p:txBody>
       </p:sp>
@@ -651,7 +634,7 @@
           <a:p>
             <a:fld id="{90065BF4-54B7-ED4B-BAB6-0FA6251F32CC}" type="slidenum">
               <a:rPr lang="en-US" smtClean="0"/>
-              <a:t>13</a:t>
+              <a:t>9</a:t>
             </a:fld>
             <a:endParaRPr lang="en-US"/>
           </a:p>
@@ -660,7 +643,7 @@
     </p:spTree>
     <p:extLst>
       <p:ext uri="{BB962C8B-B14F-4D97-AF65-F5344CB8AC3E}">
-        <p14:creationId xmlns:p14="http://schemas.microsoft.com/office/powerpoint/2010/main" val="660170408"/>
+        <p14:creationId xmlns:p14="http://schemas.microsoft.com/office/powerpoint/2010/main" val="15115840"/>
       </p:ext>
     </p:extLst>
   </p:cSld>
@@ -715,17 +698,117 @@
           <a:lstStyle/>
           <a:p>
             <a:r>
-              <a:rPr lang="en-US" dirty="0" smtClean="0"/>
+              <a:rPr lang="en-US" dirty="0"/>
+              <a:t>This one is a bit more confusing.</a:t>
+            </a:r>
+          </a:p>
+          <a:p>
+            <a:r>
+              <a:rPr lang="en-US" dirty="0"/>
+              <a:t>Looking at</a:t>
+            </a:r>
+            <a:r>
+              <a:rPr lang="en-US" baseline="0" dirty="0"/>
+              <a:t> just Amazon’s stocks, more insights can be drawn.</a:t>
+            </a:r>
+          </a:p>
+          <a:p>
+            <a:endParaRPr lang="en-US" dirty="0"/>
+          </a:p>
+        </p:txBody>
+      </p:sp>
+      <p:sp>
+        <p:nvSpPr>
+          <p:cNvPr id="4" name="Slide Number Placeholder 3"/>
+          <p:cNvSpPr>
+            <a:spLocks noGrp="1"/>
+          </p:cNvSpPr>
+          <p:nvPr>
+            <p:ph type="sldNum" sz="quarter" idx="10"/>
+          </p:nvPr>
+        </p:nvSpPr>
+        <p:spPr/>
+        <p:txBody>
+          <a:bodyPr/>
+          <a:lstStyle/>
+          <a:p>
+            <a:fld id="{90065BF4-54B7-ED4B-BAB6-0FA6251F32CC}" type="slidenum">
+              <a:rPr lang="en-US" smtClean="0"/>
+              <a:t>13</a:t>
+            </a:fld>
+            <a:endParaRPr lang="en-US"/>
+          </a:p>
+        </p:txBody>
+      </p:sp>
+    </p:spTree>
+    <p:extLst>
+      <p:ext uri="{BB962C8B-B14F-4D97-AF65-F5344CB8AC3E}">
+        <p14:creationId xmlns:p14="http://schemas.microsoft.com/office/powerpoint/2010/main" val="660170408"/>
+      </p:ext>
+    </p:extLst>
+  </p:cSld>
+  <p:clrMapOvr>
+    <a:masterClrMapping/>
+  </p:clrMapOvr>
+</p:notes>
+</file>
+
+<file path=ppt/notesSlides/notesSlide4.xml><?xml version="1.0" encoding="utf-8"?>
+<p:notes xmlns:a="http://schemas.openxmlformats.org/drawingml/2006/main" xmlns:r="http://schemas.openxmlformats.org/officeDocument/2006/relationships" xmlns:p="http://schemas.openxmlformats.org/presentationml/2006/main">
+  <p:cSld>
+    <p:spTree>
+      <p:nvGrpSpPr>
+        <p:cNvPr id="1" name=""/>
+        <p:cNvGrpSpPr/>
+        <p:nvPr/>
+      </p:nvGrpSpPr>
+      <p:grpSpPr>
+        <a:xfrm>
+          <a:off x="0" y="0"/>
+          <a:ext cx="0" cy="0"/>
+          <a:chOff x="0" y="0"/>
+          <a:chExt cx="0" cy="0"/>
+        </a:xfrm>
+      </p:grpSpPr>
+      <p:sp>
+        <p:nvSpPr>
+          <p:cNvPr id="2" name="Slide Image Placeholder 1"/>
+          <p:cNvSpPr>
+            <a:spLocks noGrp="1" noRot="1" noChangeAspect="1"/>
+          </p:cNvSpPr>
+          <p:nvPr>
+            <p:ph type="sldImg"/>
+          </p:nvPr>
+        </p:nvSpPr>
+        <p:spPr/>
+      </p:sp>
+      <p:sp>
+        <p:nvSpPr>
+          <p:cNvPr id="3" name="Notes Placeholder 2"/>
+          <p:cNvSpPr>
+            <a:spLocks noGrp="1"/>
+          </p:cNvSpPr>
+          <p:nvPr>
+            <p:ph type="body" idx="1"/>
+          </p:nvPr>
+        </p:nvSpPr>
+        <p:spPr/>
+        <p:txBody>
+          <a:bodyPr/>
+          <a:lstStyle/>
+          <a:p>
+            <a:r>
+              <a:rPr lang="en-US" dirty="0"/>
               <a:t>Visualizing the query</a:t>
             </a:r>
             <a:r>
-              <a:rPr lang="en-US" baseline="0" dirty="0" smtClean="0"/>
+              <a:rPr lang="en-US" baseline="0" dirty="0"/>
               <a:t> results with special charts exemplifies the possibilities of finding insights in the data.</a:t>
             </a:r>
           </a:p>
           <a:p>
             <a:r>
-              <a:rPr lang="en-US" baseline="0" dirty="0" smtClean="0"/>
+              <a:rPr lang="en-US" baseline="0" dirty="0"/>
               <a:t>In this chart:</a:t>
             </a:r>
           </a:p>
@@ -735,7 +818,7 @@
               <a:buChar char="•"/>
             </a:pPr>
             <a:r>
-              <a:rPr lang="en-US" baseline="0" dirty="0" smtClean="0"/>
+              <a:rPr lang="en-US" baseline="0" dirty="0"/>
               <a:t>We see Amazon’s earnings vs. year</a:t>
             </a:r>
           </a:p>
@@ -745,7 +828,7 @@
               <a:buChar char="•"/>
             </a:pPr>
             <a:r>
-              <a:rPr lang="en-US" baseline="0" dirty="0" smtClean="0"/>
+              <a:rPr lang="en-US" baseline="0" dirty="0"/>
               <a:t>The width of each square shows the relative magnitude in earnings before tax.</a:t>
             </a:r>
           </a:p>
@@ -755,7 +838,7 @@
               <a:buChar char="•"/>
             </a:pPr>
             <a:r>
-              <a:rPr lang="en-US" baseline="0" dirty="0" smtClean="0"/>
+              <a:rPr lang="en-US" baseline="0" dirty="0"/>
               <a:t>The height of each square shows the relative magnitude in capital expenditures.</a:t>
             </a:r>
           </a:p>
@@ -764,7 +847,7 @@
               <a:buFont typeface="Arial" charset="0"/>
               <a:buChar char="•"/>
             </a:pPr>
-            <a:endParaRPr lang="en-US" baseline="0" dirty="0" smtClean="0"/>
+            <a:endParaRPr lang="en-US" baseline="0" dirty="0"/>
           </a:p>
           <a:p>
             <a:pPr marL="0" indent="0">
@@ -772,7 +855,7 @@
               <a:buNone/>
             </a:pPr>
             <a:r>
-              <a:rPr lang="en-US" baseline="0" dirty="0" smtClean="0"/>
+              <a:rPr lang="en-US" baseline="0" dirty="0"/>
               <a:t>These charts could be further enhanced with different shapes/colors etc.</a:t>
             </a:r>
           </a:p>
@@ -1001,7 +1084,7 @@
             <a:fld id="{B61BEF0D-F0BB-DE4B-95CE-6DB70DBA9567}" type="datetimeFigureOut">
               <a:rPr lang="en-US" smtClean="0"/>
               <a:pPr/>
-              <a:t>8/13/17</a:t>
+              <a:t>8/16/2017</a:t>
             </a:fld>
             <a:endParaRPr lang="en-US" dirty="0"/>
           </a:p>
@@ -1278,7 +1361,7 @@
             <a:fld id="{B61BEF0D-F0BB-DE4B-95CE-6DB70DBA9567}" type="datetimeFigureOut">
               <a:rPr lang="en-US" smtClean="0"/>
               <a:pPr/>
-              <a:t>8/13/17</a:t>
+              <a:t>8/16/2017</a:t>
             </a:fld>
             <a:endParaRPr lang="en-US" dirty="0"/>
           </a:p>
@@ -1474,7 +1557,7 @@
             <a:fld id="{B61BEF0D-F0BB-DE4B-95CE-6DB70DBA9567}" type="datetimeFigureOut">
               <a:rPr lang="en-US" smtClean="0"/>
               <a:pPr/>
-              <a:t>8/13/17</a:t>
+              <a:t>8/16/2017</a:t>
             </a:fld>
             <a:endParaRPr lang="en-US" dirty="0"/>
           </a:p>
@@ -1749,7 +1832,7 @@
             <a:fld id="{B61BEF0D-F0BB-DE4B-95CE-6DB70DBA9567}" type="datetimeFigureOut">
               <a:rPr lang="en-US" smtClean="0"/>
               <a:pPr/>
-              <a:t>8/13/17</a:t>
+              <a:t>8/16/2017</a:t>
             </a:fld>
             <a:endParaRPr lang="en-US" dirty="0"/>
           </a:p>
@@ -2092,7 +2175,7 @@
             <a:fld id="{B61BEF0D-F0BB-DE4B-95CE-6DB70DBA9567}" type="datetimeFigureOut">
               <a:rPr lang="en-US" smtClean="0"/>
               <a:pPr/>
-              <a:t>8/13/17</a:t>
+              <a:t>8/16/2017</a:t>
             </a:fld>
             <a:endParaRPr lang="en-US" dirty="0"/>
           </a:p>
@@ -2717,7 +2800,7 @@
             <a:fld id="{B61BEF0D-F0BB-DE4B-95CE-6DB70DBA9567}" type="datetimeFigureOut">
               <a:rPr lang="en-US" smtClean="0"/>
               <a:pPr/>
-              <a:t>8/13/17</a:t>
+              <a:t>8/16/2017</a:t>
             </a:fld>
             <a:endParaRPr lang="en-US" dirty="0"/>
           </a:p>
@@ -3579,7 +3662,7 @@
             <a:fld id="{B61BEF0D-F0BB-DE4B-95CE-6DB70DBA9567}" type="datetimeFigureOut">
               <a:rPr lang="en-US" smtClean="0"/>
               <a:pPr/>
-              <a:t>8/13/17</a:t>
+              <a:t>8/16/2017</a:t>
             </a:fld>
             <a:endParaRPr lang="en-US" dirty="0"/>
           </a:p>
@@ -3751,7 +3834,7 @@
             <a:fld id="{B61BEF0D-F0BB-DE4B-95CE-6DB70DBA9567}" type="datetimeFigureOut">
               <a:rPr lang="en-US" smtClean="0"/>
               <a:pPr/>
-              <a:t>8/13/17</a:t>
+              <a:t>8/16/2017</a:t>
             </a:fld>
             <a:endParaRPr lang="en-US" dirty="0"/>
           </a:p>
@@ -3933,7 +4016,7 @@
             <a:fld id="{B61BEF0D-F0BB-DE4B-95CE-6DB70DBA9567}" type="datetimeFigureOut">
               <a:rPr lang="en-US" smtClean="0"/>
               <a:pPr/>
-              <a:t>8/13/17</a:t>
+              <a:t>8/16/2017</a:t>
             </a:fld>
             <a:endParaRPr lang="en-US" dirty="0"/>
           </a:p>
@@ -4105,7 +4188,7 @@
             <a:fld id="{B61BEF0D-F0BB-DE4B-95CE-6DB70DBA9567}" type="datetimeFigureOut">
               <a:rPr lang="en-US" smtClean="0"/>
               <a:pPr/>
-              <a:t>8/13/17</a:t>
+              <a:t>8/16/2017</a:t>
             </a:fld>
             <a:endParaRPr lang="en-US" dirty="0"/>
           </a:p>
@@ -4354,7 +4437,7 @@
             <a:fld id="{B61BEF0D-F0BB-DE4B-95CE-6DB70DBA9567}" type="datetimeFigureOut">
               <a:rPr lang="en-US" smtClean="0"/>
               <a:pPr/>
-              <a:t>8/13/17</a:t>
+              <a:t>8/16/2017</a:t>
             </a:fld>
             <a:endParaRPr lang="en-US" dirty="0"/>
           </a:p>
@@ -4648,7 +4731,7 @@
             <a:fld id="{B61BEF0D-F0BB-DE4B-95CE-6DB70DBA9567}" type="datetimeFigureOut">
               <a:rPr lang="en-US" smtClean="0"/>
               <a:pPr/>
-              <a:t>8/13/17</a:t>
+              <a:t>8/16/2017</a:t>
             </a:fld>
             <a:endParaRPr lang="en-US" dirty="0"/>
           </a:p>
@@ -5094,7 +5177,7 @@
             <a:fld id="{B61BEF0D-F0BB-DE4B-95CE-6DB70DBA9567}" type="datetimeFigureOut">
               <a:rPr lang="en-US" smtClean="0"/>
               <a:pPr/>
-              <a:t>8/13/17</a:t>
+              <a:t>8/16/2017</a:t>
             </a:fld>
             <a:endParaRPr lang="en-US" dirty="0"/>
           </a:p>
@@ -5214,7 +5297,7 @@
             <a:fld id="{B61BEF0D-F0BB-DE4B-95CE-6DB70DBA9567}" type="datetimeFigureOut">
               <a:rPr lang="en-US" smtClean="0"/>
               <a:pPr/>
-              <a:t>8/13/17</a:t>
+              <a:t>8/16/2017</a:t>
             </a:fld>
             <a:endParaRPr lang="en-US" dirty="0"/>
           </a:p>
@@ -5311,7 +5394,7 @@
             <a:fld id="{B61BEF0D-F0BB-DE4B-95CE-6DB70DBA9567}" type="datetimeFigureOut">
               <a:rPr lang="en-US" smtClean="0"/>
               <a:pPr/>
-              <a:t>8/13/17</a:t>
+              <a:t>8/16/2017</a:t>
             </a:fld>
             <a:endParaRPr lang="en-US" dirty="0"/>
           </a:p>
@@ -5592,7 +5675,7 @@
             <a:fld id="{B61BEF0D-F0BB-DE4B-95CE-6DB70DBA9567}" type="datetimeFigureOut">
               <a:rPr lang="en-US" smtClean="0"/>
               <a:pPr/>
-              <a:t>8/13/17</a:t>
+              <a:t>8/16/2017</a:t>
             </a:fld>
             <a:endParaRPr lang="en-US" dirty="0"/>
           </a:p>
@@ -5869,7 +5952,7 @@
             <a:fld id="{B61BEF0D-F0BB-DE4B-95CE-6DB70DBA9567}" type="datetimeFigureOut">
               <a:rPr lang="en-US" smtClean="0"/>
               <a:pPr/>
-              <a:t>8/13/17</a:t>
+              <a:t>8/16/2017</a:t>
             </a:fld>
             <a:endParaRPr lang="en-US" dirty="0"/>
           </a:p>
@@ -6300,7 +6383,7 @@
             <a:fld id="{B61BEF0D-F0BB-DE4B-95CE-6DB70DBA9567}" type="datetimeFigureOut">
               <a:rPr lang="en-US" smtClean="0"/>
               <a:pPr/>
-              <a:t>8/13/17</a:t>
+              <a:t>8/16/2017</a:t>
             </a:fld>
             <a:endParaRPr lang="en-US" dirty="0"/>
           </a:p>
@@ -6853,7 +6936,7 @@
           <a:p>
             <a:r>
               <a:rPr lang="en-US" dirty="0"/>
-              <a:t>NYSE Analysis With MySQL</a:t>
+              <a:t>NYSE Analysis With SQL</a:t>
             </a:r>
           </a:p>
         </p:txBody>
@@ -7004,7 +7087,7 @@
           <p:cNvPr id="3" name="TextBox 2">
             <a:extLst>
               <a:ext uri="{FF2B5EF4-FFF2-40B4-BE49-F238E27FC236}">
-                <a16:creationId xmlns:a16="http://schemas.microsoft.com/office/drawing/2014/main" xmlns="" id="{5FE08D2D-4F03-41CC-AD0D-5190FAF835C5}"/>
+                <a16:creationId xmlns:a16="http://schemas.microsoft.com/office/drawing/2014/main" id="{5FE08D2D-4F03-41CC-AD0D-5190FAF835C5}"/>
               </a:ext>
             </a:extLst>
           </p:cNvPr>
@@ -7085,7 +7168,7 @@
           <p:cNvPr id="5" name="Picture 4">
             <a:extLst>
               <a:ext uri="{FF2B5EF4-FFF2-40B4-BE49-F238E27FC236}">
-                <a16:creationId xmlns:a16="http://schemas.microsoft.com/office/drawing/2014/main" xmlns="" id="{48379F79-E9D9-40C7-AF77-9BACFD254E5B}"/>
+                <a16:creationId xmlns:a16="http://schemas.microsoft.com/office/drawing/2014/main" id="{48379F79-E9D9-40C7-AF77-9BACFD254E5B}"/>
               </a:ext>
             </a:extLst>
           </p:cNvPr>
@@ -7176,7 +7259,7 @@
           <p:cNvPr id="3" name="TextBox 2">
             <a:extLst>
               <a:ext uri="{FF2B5EF4-FFF2-40B4-BE49-F238E27FC236}">
-                <a16:creationId xmlns:a16="http://schemas.microsoft.com/office/drawing/2014/main" xmlns="" id="{5FE08D2D-4F03-41CC-AD0D-5190FAF835C5}"/>
+                <a16:creationId xmlns:a16="http://schemas.microsoft.com/office/drawing/2014/main" id="{5FE08D2D-4F03-41CC-AD0D-5190FAF835C5}"/>
               </a:ext>
             </a:extLst>
           </p:cNvPr>
@@ -7201,15 +7284,7 @@
           <a:p>
             <a:r>
               <a:rPr lang="en-US" sz="2400" dirty="0"/>
-              <a:t>W</a:t>
-            </a:r>
-            <a:r>
-              <a:rPr lang="en-US" sz="2400" dirty="0" smtClean="0"/>
-              <a:t>e </a:t>
-            </a:r>
-            <a:r>
-              <a:rPr lang="en-US" sz="2400" dirty="0"/>
-              <a:t>look into the different GICS sub industries to see how great of a difference there is in each sub industry.  There are 124 different sub industries, so we are highlighting the top 5 and bottom 5.</a:t>
+              <a:t>We look into the different GICS sub industries to see how great of a difference there is in each sub industry.  There are 124 different sub industries, so we are highlighting the top 5 and bottom 5.</a:t>
             </a:r>
           </a:p>
           <a:p>
@@ -7386,7 +7461,7 @@
           <p:cNvPr id="4" name="Table 3">
             <a:extLst>
               <a:ext uri="{FF2B5EF4-FFF2-40B4-BE49-F238E27FC236}">
-                <a16:creationId xmlns:a16="http://schemas.microsoft.com/office/drawing/2014/main" xmlns="" id="{8DCEED3E-FBD7-4193-95AD-7E84AD914061}"/>
+                <a16:creationId xmlns:a16="http://schemas.microsoft.com/office/drawing/2014/main" id="{8DCEED3E-FBD7-4193-95AD-7E84AD914061}"/>
               </a:ext>
             </a:extLst>
           </p:cNvPr>
@@ -7413,14 +7488,14 @@
                 <a:gridCol w="4938661">
                   <a:extLst>
                     <a:ext uri="{9D8B030D-6E8A-4147-A177-3AD203B41FA5}">
-                      <a16:colId xmlns:a16="http://schemas.microsoft.com/office/drawing/2014/main" xmlns="" val="1517334841"/>
+                      <a16:colId xmlns:a16="http://schemas.microsoft.com/office/drawing/2014/main" val="1517334841"/>
                     </a:ext>
                   </a:extLst>
                 </a:gridCol>
                 <a:gridCol w="3956982">
                   <a:extLst>
                     <a:ext uri="{9D8B030D-6E8A-4147-A177-3AD203B41FA5}">
-                      <a16:colId xmlns:a16="http://schemas.microsoft.com/office/drawing/2014/main" xmlns="" val="2434254746"/>
+                      <a16:colId xmlns:a16="http://schemas.microsoft.com/office/drawing/2014/main" val="2434254746"/>
                     </a:ext>
                   </a:extLst>
                 </a:gridCol>
@@ -7566,7 +7641,7 @@
                 </a:tc>
                 <a:extLst>
                   <a:ext uri="{0D108BD9-81ED-4DB2-BD59-A6C34878D82A}">
-                    <a16:rowId xmlns:a16="http://schemas.microsoft.com/office/drawing/2014/main" xmlns="" val="2735415994"/>
+                    <a16:rowId xmlns:a16="http://schemas.microsoft.com/office/drawing/2014/main" val="2735415994"/>
                   </a:ext>
                 </a:extLst>
               </a:tr>
@@ -7711,7 +7786,7 @@
                 </a:tc>
                 <a:extLst>
                   <a:ext uri="{0D108BD9-81ED-4DB2-BD59-A6C34878D82A}">
-                    <a16:rowId xmlns:a16="http://schemas.microsoft.com/office/drawing/2014/main" xmlns="" val="53378166"/>
+                    <a16:rowId xmlns:a16="http://schemas.microsoft.com/office/drawing/2014/main" val="53378166"/>
                   </a:ext>
                 </a:extLst>
               </a:tr>
@@ -7856,7 +7931,7 @@
                 </a:tc>
                 <a:extLst>
                   <a:ext uri="{0D108BD9-81ED-4DB2-BD59-A6C34878D82A}">
-                    <a16:rowId xmlns:a16="http://schemas.microsoft.com/office/drawing/2014/main" xmlns="" val="3499138134"/>
+                    <a16:rowId xmlns:a16="http://schemas.microsoft.com/office/drawing/2014/main" val="3499138134"/>
                   </a:ext>
                 </a:extLst>
               </a:tr>
@@ -8001,7 +8076,7 @@
                 </a:tc>
                 <a:extLst>
                   <a:ext uri="{0D108BD9-81ED-4DB2-BD59-A6C34878D82A}">
-                    <a16:rowId xmlns:a16="http://schemas.microsoft.com/office/drawing/2014/main" xmlns="" val="2029229186"/>
+                    <a16:rowId xmlns:a16="http://schemas.microsoft.com/office/drawing/2014/main" val="2029229186"/>
                   </a:ext>
                 </a:extLst>
               </a:tr>
@@ -8146,7 +8221,7 @@
                 </a:tc>
                 <a:extLst>
                   <a:ext uri="{0D108BD9-81ED-4DB2-BD59-A6C34878D82A}">
-                    <a16:rowId xmlns:a16="http://schemas.microsoft.com/office/drawing/2014/main" xmlns="" val="257496341"/>
+                    <a16:rowId xmlns:a16="http://schemas.microsoft.com/office/drawing/2014/main" val="257496341"/>
                   </a:ext>
                 </a:extLst>
               </a:tr>
@@ -8159,7 +8234,7 @@
           <p:cNvPr id="5" name="Table 4">
             <a:extLst>
               <a:ext uri="{FF2B5EF4-FFF2-40B4-BE49-F238E27FC236}">
-                <a16:creationId xmlns:a16="http://schemas.microsoft.com/office/drawing/2014/main" xmlns="" id="{7E3B2EB3-B496-434C-84A9-0C20B6D04055}"/>
+                <a16:creationId xmlns:a16="http://schemas.microsoft.com/office/drawing/2014/main" id="{7E3B2EB3-B496-434C-84A9-0C20B6D04055}"/>
               </a:ext>
             </a:extLst>
           </p:cNvPr>
@@ -8186,14 +8261,14 @@
                 <a:gridCol w="6204834">
                   <a:extLst>
                     <a:ext uri="{9D8B030D-6E8A-4147-A177-3AD203B41FA5}">
-                      <a16:colId xmlns:a16="http://schemas.microsoft.com/office/drawing/2014/main" xmlns="" val="1517334841"/>
+                      <a16:colId xmlns:a16="http://schemas.microsoft.com/office/drawing/2014/main" val="1517334841"/>
                     </a:ext>
                   </a:extLst>
                 </a:gridCol>
                 <a:gridCol w="2690809">
                   <a:extLst>
                     <a:ext uri="{9D8B030D-6E8A-4147-A177-3AD203B41FA5}">
-                      <a16:colId xmlns:a16="http://schemas.microsoft.com/office/drawing/2014/main" xmlns="" val="2434254746"/>
+                      <a16:colId xmlns:a16="http://schemas.microsoft.com/office/drawing/2014/main" val="2434254746"/>
                     </a:ext>
                   </a:extLst>
                 </a:gridCol>
@@ -8339,7 +8414,7 @@
                 </a:tc>
                 <a:extLst>
                   <a:ext uri="{0D108BD9-81ED-4DB2-BD59-A6C34878D82A}">
-                    <a16:rowId xmlns:a16="http://schemas.microsoft.com/office/drawing/2014/main" xmlns="" val="2735415994"/>
+                    <a16:rowId xmlns:a16="http://schemas.microsoft.com/office/drawing/2014/main" val="2735415994"/>
                   </a:ext>
                 </a:extLst>
               </a:tr>
@@ -8484,7 +8559,7 @@
                 </a:tc>
                 <a:extLst>
                   <a:ext uri="{0D108BD9-81ED-4DB2-BD59-A6C34878D82A}">
-                    <a16:rowId xmlns:a16="http://schemas.microsoft.com/office/drawing/2014/main" xmlns="" val="53378166"/>
+                    <a16:rowId xmlns:a16="http://schemas.microsoft.com/office/drawing/2014/main" val="53378166"/>
                   </a:ext>
                 </a:extLst>
               </a:tr>
@@ -8629,7 +8704,7 @@
                 </a:tc>
                 <a:extLst>
                   <a:ext uri="{0D108BD9-81ED-4DB2-BD59-A6C34878D82A}">
-                    <a16:rowId xmlns:a16="http://schemas.microsoft.com/office/drawing/2014/main" xmlns="" val="3499138134"/>
+                    <a16:rowId xmlns:a16="http://schemas.microsoft.com/office/drawing/2014/main" val="3499138134"/>
                   </a:ext>
                 </a:extLst>
               </a:tr>
@@ -8774,7 +8849,7 @@
                 </a:tc>
                 <a:extLst>
                   <a:ext uri="{0D108BD9-81ED-4DB2-BD59-A6C34878D82A}">
-                    <a16:rowId xmlns:a16="http://schemas.microsoft.com/office/drawing/2014/main" xmlns="" val="2029229186"/>
+                    <a16:rowId xmlns:a16="http://schemas.microsoft.com/office/drawing/2014/main" val="2029229186"/>
                   </a:ext>
                 </a:extLst>
               </a:tr>
@@ -8919,7 +8994,7 @@
                 </a:tc>
                 <a:extLst>
                   <a:ext uri="{0D108BD9-81ED-4DB2-BD59-A6C34878D82A}">
-                    <a16:rowId xmlns:a16="http://schemas.microsoft.com/office/drawing/2014/main" xmlns="" val="257496341"/>
+                    <a16:rowId xmlns:a16="http://schemas.microsoft.com/office/drawing/2014/main" val="257496341"/>
                   </a:ext>
                 </a:extLst>
               </a:tr>
@@ -8932,7 +9007,7 @@
           <p:cNvPr id="6" name="TextBox 5">
             <a:extLst>
               <a:ext uri="{FF2B5EF4-FFF2-40B4-BE49-F238E27FC236}">
-                <a16:creationId xmlns:a16="http://schemas.microsoft.com/office/drawing/2014/main" xmlns="" id="{9735059D-8639-472D-85DD-B005F42962B3}"/>
+                <a16:creationId xmlns:a16="http://schemas.microsoft.com/office/drawing/2014/main" id="{9735059D-8639-472D-85DD-B005F42962B3}"/>
               </a:ext>
             </a:extLst>
           </p:cNvPr>
@@ -8967,7 +9042,7 @@
           <p:cNvPr id="7" name="TextBox 6">
             <a:extLst>
               <a:ext uri="{FF2B5EF4-FFF2-40B4-BE49-F238E27FC236}">
-                <a16:creationId xmlns:a16="http://schemas.microsoft.com/office/drawing/2014/main" xmlns="" id="{C29E70AB-A2EE-4DE5-B615-25930E83BB39}"/>
+                <a16:creationId xmlns:a16="http://schemas.microsoft.com/office/drawing/2014/main" id="{C29E70AB-A2EE-4DE5-B615-25930E83BB39}"/>
               </a:ext>
             </a:extLst>
           </p:cNvPr>
@@ -9059,7 +9134,7 @@
           <p:cNvPr id="3" name="TextBox 2">
             <a:extLst>
               <a:ext uri="{FF2B5EF4-FFF2-40B4-BE49-F238E27FC236}">
-                <a16:creationId xmlns:a16="http://schemas.microsoft.com/office/drawing/2014/main" xmlns="" id="{5FE08D2D-4F03-41CC-AD0D-5190FAF835C5}"/>
+                <a16:creationId xmlns:a16="http://schemas.microsoft.com/office/drawing/2014/main" id="{5FE08D2D-4F03-41CC-AD0D-5190FAF835C5}"/>
               </a:ext>
             </a:extLst>
           </p:cNvPr>
@@ -9083,28 +9158,8 @@
           <a:lstStyle/>
           <a:p>
             <a:r>
-              <a:rPr lang="en-US" sz="2400" dirty="0" smtClean="0"/>
-              <a:t>Using the </a:t>
-            </a:r>
-            <a:r>
               <a:rPr lang="en-US" sz="2400" dirty="0"/>
-              <a:t>same files as </a:t>
-            </a:r>
-            <a:r>
-              <a:rPr lang="en-US" sz="2400" dirty="0" smtClean="0"/>
-              <a:t>before we </a:t>
-            </a:r>
-            <a:r>
-              <a:rPr lang="en-US" sz="2400" dirty="0"/>
-              <a:t>focus </a:t>
-            </a:r>
-            <a:r>
-              <a:rPr lang="en-US" sz="2400" dirty="0" smtClean="0"/>
-              <a:t>on only </a:t>
-            </a:r>
-            <a:r>
-              <a:rPr lang="en-US" sz="2400" dirty="0"/>
-              <a:t>Amazon.  We look into growth per year verse capital expenditures and earnings before tax.</a:t>
+              <a:t>Using the same files as before we focus on only Amazon.  We look into growth per year verse capital expenditures and earnings before tax.</a:t>
             </a:r>
           </a:p>
           <a:p>
@@ -9282,7 +9337,7 @@
           <p:cNvPr id="4" name="Table 3">
             <a:extLst>
               <a:ext uri="{FF2B5EF4-FFF2-40B4-BE49-F238E27FC236}">
-                <a16:creationId xmlns:a16="http://schemas.microsoft.com/office/drawing/2014/main" xmlns="" id="{F30C9338-C546-49B6-A915-13CBDF47517F}"/>
+                <a16:creationId xmlns:a16="http://schemas.microsoft.com/office/drawing/2014/main" id="{F30C9338-C546-49B6-A915-13CBDF47517F}"/>
               </a:ext>
             </a:extLst>
           </p:cNvPr>
@@ -9311,28 +9366,28 @@
                 <a:gridCol w="1183904">
                   <a:extLst>
                     <a:ext uri="{9D8B030D-6E8A-4147-A177-3AD203B41FA5}">
-                      <a16:colId xmlns:a16="http://schemas.microsoft.com/office/drawing/2014/main" xmlns="" val="3414294309"/>
+                      <a16:colId xmlns:a16="http://schemas.microsoft.com/office/drawing/2014/main" val="3414294309"/>
                     </a:ext>
                   </a:extLst>
                 </a:gridCol>
                 <a:gridCol w="1241778">
                   <a:extLst>
                     <a:ext uri="{9D8B030D-6E8A-4147-A177-3AD203B41FA5}">
-                      <a16:colId xmlns:a16="http://schemas.microsoft.com/office/drawing/2014/main" xmlns="" val="3203402679"/>
+                      <a16:colId xmlns:a16="http://schemas.microsoft.com/office/drawing/2014/main" val="3203402679"/>
                     </a:ext>
                   </a:extLst>
                 </a:gridCol>
                 <a:gridCol w="948266">
                   <a:extLst>
                     <a:ext uri="{9D8B030D-6E8A-4147-A177-3AD203B41FA5}">
-                      <a16:colId xmlns:a16="http://schemas.microsoft.com/office/drawing/2014/main" xmlns="" val="3772256673"/>
+                      <a16:colId xmlns:a16="http://schemas.microsoft.com/office/drawing/2014/main" val="3772256673"/>
                     </a:ext>
                   </a:extLst>
                 </a:gridCol>
                 <a:gridCol w="1693335">
                   <a:extLst>
                     <a:ext uri="{9D8B030D-6E8A-4147-A177-3AD203B41FA5}">
-                      <a16:colId xmlns:a16="http://schemas.microsoft.com/office/drawing/2014/main" xmlns="" val="1549248394"/>
+                      <a16:colId xmlns:a16="http://schemas.microsoft.com/office/drawing/2014/main" val="1549248394"/>
                     </a:ext>
                   </a:extLst>
                 </a:gridCol>
@@ -9456,7 +9511,7 @@
                 </a:tc>
                 <a:extLst>
                   <a:ext uri="{0D108BD9-81ED-4DB2-BD59-A6C34878D82A}">
-                    <a16:rowId xmlns:a16="http://schemas.microsoft.com/office/drawing/2014/main" xmlns="" val="441241208"/>
+                    <a16:rowId xmlns:a16="http://schemas.microsoft.com/office/drawing/2014/main" val="441241208"/>
                   </a:ext>
                 </a:extLst>
               </a:tr>
@@ -9475,7 +9530,7 @@
                         </a:spcAft>
                       </a:pPr>
                       <a:r>
-                        <a:rPr lang="en-US" sz="2400" dirty="0" smtClean="0">
+                        <a:rPr lang="en-US" sz="2400" dirty="0">
                           <a:effectLst/>
                         </a:rPr>
                         <a:t>159.88</a:t>
@@ -9579,7 +9634,7 @@
                 </a:tc>
                 <a:extLst>
                   <a:ext uri="{0D108BD9-81ED-4DB2-BD59-A6C34878D82A}">
-                    <a16:rowId xmlns:a16="http://schemas.microsoft.com/office/drawing/2014/main" xmlns="" val="2520659642"/>
+                    <a16:rowId xmlns:a16="http://schemas.microsoft.com/office/drawing/2014/main" val="2520659642"/>
                   </a:ext>
                 </a:extLst>
               </a:tr>
@@ -9598,7 +9653,7 @@
                         </a:spcAft>
                       </a:pPr>
                       <a:r>
-                        <a:rPr lang="en-US" sz="2400" dirty="0" smtClean="0">
+                        <a:rPr lang="en-US" sz="2400" dirty="0">
                           <a:effectLst/>
                         </a:rPr>
                         <a:t>124.05</a:t>
@@ -9702,7 +9757,7 @@
                 </a:tc>
                 <a:extLst>
                   <a:ext uri="{0D108BD9-81ED-4DB2-BD59-A6C34878D82A}">
-                    <a16:rowId xmlns:a16="http://schemas.microsoft.com/office/drawing/2014/main" xmlns="" val="3995171463"/>
+                    <a16:rowId xmlns:a16="http://schemas.microsoft.com/office/drawing/2014/main" val="3995171463"/>
                   </a:ext>
                 </a:extLst>
               </a:tr>
@@ -9721,7 +9776,7 @@
                         </a:spcAft>
                       </a:pPr>
                       <a:r>
-                        <a:rPr lang="en-US" sz="2400" dirty="0" smtClean="0">
+                        <a:rPr lang="en-US" sz="2400" dirty="0">
                           <a:effectLst/>
                         </a:rPr>
                         <a:t>411.19</a:t>
@@ -9825,7 +9880,7 @@
                 </a:tc>
                 <a:extLst>
                   <a:ext uri="{0D108BD9-81ED-4DB2-BD59-A6C34878D82A}">
-                    <a16:rowId xmlns:a16="http://schemas.microsoft.com/office/drawing/2014/main" xmlns="" val="803761382"/>
+                    <a16:rowId xmlns:a16="http://schemas.microsoft.com/office/drawing/2014/main" val="803761382"/>
                   </a:ext>
                 </a:extLst>
               </a:tr>
@@ -9838,7 +9893,7 @@
           <p:cNvPr id="6" name="TextBox 5">
             <a:extLst>
               <a:ext uri="{FF2B5EF4-FFF2-40B4-BE49-F238E27FC236}">
-                <a16:creationId xmlns:a16="http://schemas.microsoft.com/office/drawing/2014/main" xmlns="" id="{4D9B7089-544A-458E-9FAD-F71AF7792DD9}"/>
+                <a16:creationId xmlns:a16="http://schemas.microsoft.com/office/drawing/2014/main" id="{4D9B7089-544A-458E-9FAD-F71AF7792DD9}"/>
               </a:ext>
             </a:extLst>
           </p:cNvPr>
@@ -9934,7 +9989,7 @@
           <p:cNvPr id="7" name="Picture 6">
             <a:extLst>
               <a:ext uri="{FF2B5EF4-FFF2-40B4-BE49-F238E27FC236}">
-                <a16:creationId xmlns:a16="http://schemas.microsoft.com/office/drawing/2014/main" xmlns="" id="{5ED4A67D-E6ED-498D-AA01-88C92C450CAA}"/>
+                <a16:creationId xmlns:a16="http://schemas.microsoft.com/office/drawing/2014/main" id="{5ED4A67D-E6ED-498D-AA01-88C92C450CAA}"/>
               </a:ext>
             </a:extLst>
           </p:cNvPr>
@@ -10030,7 +10085,7 @@
           <p:cNvPr id="3" name="TextBox 2">
             <a:extLst>
               <a:ext uri="{FF2B5EF4-FFF2-40B4-BE49-F238E27FC236}">
-                <a16:creationId xmlns:a16="http://schemas.microsoft.com/office/drawing/2014/main" xmlns="" id="{5FE08D2D-4F03-41CC-AD0D-5190FAF835C5}"/>
+                <a16:creationId xmlns:a16="http://schemas.microsoft.com/office/drawing/2014/main" id="{5FE08D2D-4F03-41CC-AD0D-5190FAF835C5}"/>
               </a:ext>
             </a:extLst>
           </p:cNvPr>
@@ -10055,33 +10110,20 @@
           <a:p>
             <a:r>
               <a:rPr lang="en-US" sz="2400" dirty="0"/>
-              <a:t>It is important to know which industries and stocks provide the highest earnings per share. Using the Global Industry Classification Standard (GICS) Sector, the 2016 data can be found:</a:t>
-            </a:r>
-            <a:r>
-              <a:rPr lang="en-US" sz="2400" dirty="0"/>
-              <a:t> </a:t>
-            </a:r>
-            <a:endParaRPr lang="en-US" sz="2400" dirty="0" smtClean="0"/>
+              <a:t>It is important to know which industries and stocks provide the highest earnings per share. Using the Global Industry Classification Standard (GICS) Sector, the 2016 data can be found: </a:t>
+            </a:r>
           </a:p>
           <a:p>
             <a:endParaRPr lang="en-US" sz="2400" dirty="0"/>
           </a:p>
           <a:p>
-            <a:r>
-              <a:rPr lang="en-US" sz="2400" dirty="0" smtClean="0">
-                <a:latin typeface="Courier New" charset="0"/>
-                <a:ea typeface="Courier New" charset="0"/>
-                <a:cs typeface="Courier New" charset="0"/>
-              </a:rPr>
-              <a:t>SELECT </a:t>
-            </a:r>
             <a:r>
               <a:rPr lang="en-US" sz="2400" dirty="0">
                 <a:latin typeface="Courier New" charset="0"/>
                 <a:ea typeface="Courier New" charset="0"/>
                 <a:cs typeface="Courier New" charset="0"/>
               </a:rPr>
-              <a:t>DISTINCT </a:t>
+              <a:t>SELECT DISTINCT </a:t>
             </a:r>
             <a:r>
               <a:rPr lang="en-US" sz="2400" dirty="0" err="1">
@@ -10320,10 +10362,9 @@
           <a:lstStyle/>
           <a:p>
             <a:r>
-              <a:rPr lang="en-US" dirty="0" smtClean="0"/>
+              <a:rPr lang="en-US" dirty="0"/>
               <a:t>Insight 5</a:t>
             </a:r>
-            <a:endParaRPr lang="en-US" dirty="0"/>
           </a:p>
         </p:txBody>
       </p:sp>
@@ -10352,9 +10393,27 @@
                 <a:tableStyleId>{5C22544A-7EE6-4342-B048-85BDC9FD1C3A}</a:tableStyleId>
               </a:tblPr>
               <a:tblGrid>
-                <a:gridCol w="3925059"/>
-                <a:gridCol w="4068441"/>
-                <a:gridCol w="2329943"/>
+                <a:gridCol w="3925059">
+                  <a:extLst>
+                    <a:ext uri="{9D8B030D-6E8A-4147-A177-3AD203B41FA5}">
+                      <a16:colId xmlns:a16="http://schemas.microsoft.com/office/drawing/2014/main" val="20000"/>
+                    </a:ext>
+                  </a:extLst>
+                </a:gridCol>
+                <a:gridCol w="4068441">
+                  <a:extLst>
+                    <a:ext uri="{9D8B030D-6E8A-4147-A177-3AD203B41FA5}">
+                      <a16:colId xmlns:a16="http://schemas.microsoft.com/office/drawing/2014/main" val="20001"/>
+                    </a:ext>
+                  </a:extLst>
+                </a:gridCol>
+                <a:gridCol w="2329943">
+                  <a:extLst>
+                    <a:ext uri="{9D8B030D-6E8A-4147-A177-3AD203B41FA5}">
+                      <a16:colId xmlns:a16="http://schemas.microsoft.com/office/drawing/2014/main" val="20002"/>
+                    </a:ext>
+                  </a:extLst>
+                </a:gridCol>
               </a:tblGrid>
               <a:tr h="417759">
                 <a:tc>
@@ -10444,6 +10503,11 @@
                   </a:txBody>
                   <a:tcPr marL="68580" marR="68580" marT="0" marB="0"/>
                 </a:tc>
+                <a:extLst>
+                  <a:ext uri="{0D108BD9-81ED-4DB2-BD59-A6C34878D82A}">
+                    <a16:rowId xmlns:a16="http://schemas.microsoft.com/office/drawing/2014/main" val="10000"/>
+                  </a:ext>
+                </a:extLst>
               </a:tr>
               <a:tr h="626638">
                 <a:tc>
@@ -10533,6 +10597,11 @@
                   </a:txBody>
                   <a:tcPr marL="68580" marR="68580" marT="0" marB="0"/>
                 </a:tc>
+                <a:extLst>
+                  <a:ext uri="{0D108BD9-81ED-4DB2-BD59-A6C34878D82A}">
+                    <a16:rowId xmlns:a16="http://schemas.microsoft.com/office/drawing/2014/main" val="10001"/>
+                  </a:ext>
+                </a:extLst>
               </a:tr>
               <a:tr h="626638">
                 <a:tc>
@@ -10622,6 +10691,11 @@
                   </a:txBody>
                   <a:tcPr marL="68580" marR="68580" marT="0" marB="0"/>
                 </a:tc>
+                <a:extLst>
+                  <a:ext uri="{0D108BD9-81ED-4DB2-BD59-A6C34878D82A}">
+                    <a16:rowId xmlns:a16="http://schemas.microsoft.com/office/drawing/2014/main" val="10002"/>
+                  </a:ext>
+                </a:extLst>
               </a:tr>
               <a:tr h="626638">
                 <a:tc>
@@ -10711,6 +10785,11 @@
                   </a:txBody>
                   <a:tcPr marL="68580" marR="68580" marT="0" marB="0"/>
                 </a:tc>
+                <a:extLst>
+                  <a:ext uri="{0D108BD9-81ED-4DB2-BD59-A6C34878D82A}">
+                    <a16:rowId xmlns:a16="http://schemas.microsoft.com/office/drawing/2014/main" val="10003"/>
+                  </a:ext>
+                </a:extLst>
               </a:tr>
               <a:tr h="417759">
                 <a:tc>
@@ -10800,6 +10879,11 @@
                   </a:txBody>
                   <a:tcPr marL="68580" marR="68580" marT="0" marB="0"/>
                 </a:tc>
+                <a:extLst>
+                  <a:ext uri="{0D108BD9-81ED-4DB2-BD59-A6C34878D82A}">
+                    <a16:rowId xmlns:a16="http://schemas.microsoft.com/office/drawing/2014/main" val="10004"/>
+                  </a:ext>
+                </a:extLst>
               </a:tr>
               <a:tr h="417759">
                 <a:tc>
@@ -10889,6 +10973,11 @@
                   </a:txBody>
                   <a:tcPr marL="68580" marR="68580" marT="0" marB="0"/>
                 </a:tc>
+                <a:extLst>
+                  <a:ext uri="{0D108BD9-81ED-4DB2-BD59-A6C34878D82A}">
+                    <a16:rowId xmlns:a16="http://schemas.microsoft.com/office/drawing/2014/main" val="10005"/>
+                  </a:ext>
+                </a:extLst>
               </a:tr>
               <a:tr h="417759">
                 <a:tc>
@@ -10978,6 +11067,11 @@
                   </a:txBody>
                   <a:tcPr marL="68580" marR="68580" marT="0" marB="0"/>
                 </a:tc>
+                <a:extLst>
+                  <a:ext uri="{0D108BD9-81ED-4DB2-BD59-A6C34878D82A}">
+                    <a16:rowId xmlns:a16="http://schemas.microsoft.com/office/drawing/2014/main" val="10006"/>
+                  </a:ext>
+                </a:extLst>
               </a:tr>
               <a:tr h="417759">
                 <a:tc>
@@ -11067,6 +11161,11 @@
                   </a:txBody>
                   <a:tcPr marL="68580" marR="68580" marT="0" marB="0"/>
                 </a:tc>
+                <a:extLst>
+                  <a:ext uri="{0D108BD9-81ED-4DB2-BD59-A6C34878D82A}">
+                    <a16:rowId xmlns:a16="http://schemas.microsoft.com/office/drawing/2014/main" val="10007"/>
+                  </a:ext>
+                </a:extLst>
               </a:tr>
               <a:tr h="417759">
                 <a:tc>
@@ -11156,6 +11255,11 @@
                   </a:txBody>
                   <a:tcPr marL="68580" marR="68580" marT="0" marB="0"/>
                 </a:tc>
+                <a:extLst>
+                  <a:ext uri="{0D108BD9-81ED-4DB2-BD59-A6C34878D82A}">
+                    <a16:rowId xmlns:a16="http://schemas.microsoft.com/office/drawing/2014/main" val="10008"/>
+                  </a:ext>
+                </a:extLst>
               </a:tr>
             </a:tbl>
           </a:graphicData>
@@ -11223,7 +11327,7 @@
           <p:cNvPr id="3" name="TextBox 2">
             <a:extLst>
               <a:ext uri="{FF2B5EF4-FFF2-40B4-BE49-F238E27FC236}">
-                <a16:creationId xmlns:a16="http://schemas.microsoft.com/office/drawing/2014/main" xmlns="" id="{5FE08D2D-4F03-41CC-AD0D-5190FAF835C5}"/>
+                <a16:creationId xmlns:a16="http://schemas.microsoft.com/office/drawing/2014/main" id="{5FE08D2D-4F03-41CC-AD0D-5190FAF835C5}"/>
               </a:ext>
             </a:extLst>
           </p:cNvPr>
@@ -11379,10 +11483,9 @@
           <a:p>
             <a:pPr algn="ctr"/>
             <a:r>
-              <a:rPr lang="en-US" dirty="0" smtClean="0"/>
+              <a:rPr lang="en-US" dirty="0"/>
               <a:t>Questions</a:t>
             </a:r>
-            <a:endParaRPr lang="en-US" dirty="0"/>
           </a:p>
         </p:txBody>
       </p:sp>
@@ -11551,7 +11654,7 @@
           <p:cNvPr id="2" name="Title 1">
             <a:extLst>
               <a:ext uri="{FF2B5EF4-FFF2-40B4-BE49-F238E27FC236}">
-                <a16:creationId xmlns:a16="http://schemas.microsoft.com/office/drawing/2014/main" xmlns="" id="{26822B25-6E46-4AEF-929A-5ADCB6FBC7A7}"/>
+                <a16:creationId xmlns:a16="http://schemas.microsoft.com/office/drawing/2014/main" id="{26822B25-6E46-4AEF-929A-5ADCB6FBC7A7}"/>
               </a:ext>
             </a:extLst>
           </p:cNvPr>
@@ -11584,7 +11687,7 @@
           <p:cNvPr id="3" name="Content Placeholder 2">
             <a:extLst>
               <a:ext uri="{FF2B5EF4-FFF2-40B4-BE49-F238E27FC236}">
-                <a16:creationId xmlns:a16="http://schemas.microsoft.com/office/drawing/2014/main" xmlns="" id="{89274F08-7D4E-45B1-9D36-7117C50B3C3A}"/>
+                <a16:creationId xmlns:a16="http://schemas.microsoft.com/office/drawing/2014/main" id="{89274F08-7D4E-45B1-9D36-7117C50B3C3A}"/>
               </a:ext>
             </a:extLst>
           </p:cNvPr>
@@ -11597,13 +11700,13 @@
         </p:nvSpPr>
         <p:spPr>
           <a:xfrm>
-            <a:off x="124178" y="1175288"/>
+            <a:off x="124178" y="1291525"/>
             <a:ext cx="11378845" cy="5566475"/>
           </a:xfrm>
         </p:spPr>
         <p:txBody>
           <a:bodyPr>
-            <a:normAutofit/>
+            <a:normAutofit lnSpcReduction="10000"/>
           </a:bodyPr>
           <a:lstStyle/>
           <a:p>
@@ -11639,24 +11742,20 @@
               <a:buNone/>
             </a:pPr>
             <a:r>
-              <a:rPr lang="en-US" sz="2400" b="1" dirty="0" smtClean="0"/>
+              <a:rPr lang="en-US" sz="2400" b="1" dirty="0"/>
               <a:t>Prices-split </a:t>
             </a:r>
             <a:r>
-              <a:rPr lang="en-US" sz="2400" dirty="0" smtClean="0"/>
+              <a:rPr lang="en-US" sz="2400" dirty="0"/>
               <a:t>- </a:t>
             </a:r>
             <a:r>
-              <a:rPr lang="en-US" sz="2400" dirty="0" err="1" smtClean="0"/>
+              <a:rPr lang="en-US" sz="2400" dirty="0" err="1"/>
               <a:t>adjusted.csv</a:t>
             </a:r>
             <a:r>
-              <a:rPr lang="en-US" sz="2400" dirty="0" smtClean="0"/>
-              <a:t> </a:t>
-            </a:r>
-            <a:r>
               <a:rPr lang="en-US" sz="2400" dirty="0"/>
-              <a:t>– adjustment for and stock splits  51.4MB</a:t>
+              <a:t> – adjustment for and stock splits  51.4MB</a:t>
             </a:r>
           </a:p>
           <a:p>
@@ -11673,15 +11772,7 @@
             </a:r>
             <a:r>
               <a:rPr lang="en-US" sz="2400" dirty="0"/>
-              <a:t>-</a:t>
-            </a:r>
-            <a:r>
-              <a:rPr lang="en-US" sz="2400" dirty="0" smtClean="0"/>
-              <a:t> </a:t>
-            </a:r>
-            <a:r>
-              <a:rPr lang="en-US" sz="2400" dirty="0"/>
-              <a:t>descriptions of the companies and different sectors  60KB</a:t>
+              <a:t>- descriptions of the companies and different sectors  60KB</a:t>
             </a:r>
           </a:p>
           <a:p>
@@ -11698,15 +11789,7 @@
             </a:r>
             <a:r>
               <a:rPr lang="en-US" sz="2400" dirty="0"/>
-              <a:t>-</a:t>
-            </a:r>
-            <a:r>
-              <a:rPr lang="en-US" sz="2400" dirty="0" smtClean="0"/>
-              <a:t> </a:t>
-            </a:r>
-            <a:r>
-              <a:rPr lang="en-US" sz="2400" dirty="0"/>
-              <a:t>SEC 10K filings for each company  1.3MB</a:t>
+              <a:t>- SEC 10K filings for each company  1.3MB</a:t>
             </a:r>
           </a:p>
           <a:p>
@@ -11731,6 +11814,15 @@
             <a:r>
               <a:rPr lang="en-US" sz="2400" dirty="0"/>
               <a:t>This data was used in a SQL database on two Mac machines running the SQL server on Bluemix and one Windows 10 Machine running SQLite3.</a:t>
+            </a:r>
+          </a:p>
+          <a:p>
+            <a:pPr marL="0" indent="0">
+              <a:buNone/>
+            </a:pPr>
+            <a:r>
+              <a:rPr lang="en-US" sz="2400" dirty="0"/>
+              <a:t>The Windows machine has a dual core 2.5Ghz I7 and 6.00 GB of Ram.</a:t>
             </a:r>
           </a:p>
         </p:txBody>
@@ -11770,7 +11862,7 @@
           <p:cNvPr id="2" name="Title 1">
             <a:extLst>
               <a:ext uri="{FF2B5EF4-FFF2-40B4-BE49-F238E27FC236}">
-                <a16:creationId xmlns:a16="http://schemas.microsoft.com/office/drawing/2014/main" xmlns="" id="{26822B25-6E46-4AEF-929A-5ADCB6FBC7A7}"/>
+                <a16:creationId xmlns:a16="http://schemas.microsoft.com/office/drawing/2014/main" id="{26822B25-6E46-4AEF-929A-5ADCB6FBC7A7}"/>
               </a:ext>
             </a:extLst>
           </p:cNvPr>
@@ -11803,7 +11895,7 @@
           <p:cNvPr id="3" name="Content Placeholder 2">
             <a:extLst>
               <a:ext uri="{FF2B5EF4-FFF2-40B4-BE49-F238E27FC236}">
-                <a16:creationId xmlns:a16="http://schemas.microsoft.com/office/drawing/2014/main" xmlns="" id="{89274F08-7D4E-45B1-9D36-7117C50B3C3A}"/>
+                <a16:creationId xmlns:a16="http://schemas.microsoft.com/office/drawing/2014/main" id="{89274F08-7D4E-45B1-9D36-7117C50B3C3A}"/>
               </a:ext>
             </a:extLst>
           </p:cNvPr>
@@ -11876,7 +11968,7 @@
           <p:cNvPr id="5" name="Picture 4">
             <a:extLst>
               <a:ext uri="{FF2B5EF4-FFF2-40B4-BE49-F238E27FC236}">
-                <a16:creationId xmlns:a16="http://schemas.microsoft.com/office/drawing/2014/main" xmlns="" id="{C558E54D-880A-4D13-A5FA-7CD4C9E451BA}"/>
+                <a16:creationId xmlns:a16="http://schemas.microsoft.com/office/drawing/2014/main" id="{C558E54D-880A-4D13-A5FA-7CD4C9E451BA}"/>
               </a:ext>
             </a:extLst>
           </p:cNvPr>
@@ -11935,7 +12027,7 @@
           <p:cNvPr id="2" name="Title 1">
             <a:extLst>
               <a:ext uri="{FF2B5EF4-FFF2-40B4-BE49-F238E27FC236}">
-                <a16:creationId xmlns:a16="http://schemas.microsoft.com/office/drawing/2014/main" xmlns="" id="{26822B25-6E46-4AEF-929A-5ADCB6FBC7A7}"/>
+                <a16:creationId xmlns:a16="http://schemas.microsoft.com/office/drawing/2014/main" id="{26822B25-6E46-4AEF-929A-5ADCB6FBC7A7}"/>
               </a:ext>
             </a:extLst>
           </p:cNvPr>
@@ -11968,7 +12060,7 @@
           <p:cNvPr id="3" name="Content Placeholder 2">
             <a:extLst>
               <a:ext uri="{FF2B5EF4-FFF2-40B4-BE49-F238E27FC236}">
-                <a16:creationId xmlns:a16="http://schemas.microsoft.com/office/drawing/2014/main" xmlns="" id="{89274F08-7D4E-45B1-9D36-7117C50B3C3A}"/>
+                <a16:creationId xmlns:a16="http://schemas.microsoft.com/office/drawing/2014/main" id="{89274F08-7D4E-45B1-9D36-7117C50B3C3A}"/>
               </a:ext>
             </a:extLst>
           </p:cNvPr>
@@ -12031,15 +12123,7 @@
             </a:pPr>
             <a:r>
               <a:rPr lang="en-US" sz="2400" dirty="0"/>
-              <a:t>The headings for </a:t>
-            </a:r>
-            <a:r>
-              <a:rPr lang="en-US" sz="2400" dirty="0" smtClean="0"/>
-              <a:t>fundamentals: ID</a:t>
-            </a:r>
-            <a:r>
-              <a:rPr lang="en-US" sz="2400" dirty="0"/>
-              <a:t>, Ticker Symbol, Period Ending, Accounts Payable, </a:t>
+              <a:t>The headings for fundamentals: ID, Ticker Symbol, Period Ending, Accounts Payable, </a:t>
             </a:r>
             <a:r>
               <a:rPr lang="en-US" sz="2400" dirty="0" err="1"/>
@@ -12168,7 +12252,7 @@
           <p:cNvPr id="3" name="TextBox 2">
             <a:extLst>
               <a:ext uri="{FF2B5EF4-FFF2-40B4-BE49-F238E27FC236}">
-                <a16:creationId xmlns:a16="http://schemas.microsoft.com/office/drawing/2014/main" xmlns="" id="{5FE08D2D-4F03-41CC-AD0D-5190FAF835C5}"/>
+                <a16:creationId xmlns:a16="http://schemas.microsoft.com/office/drawing/2014/main" id="{5FE08D2D-4F03-41CC-AD0D-5190FAF835C5}"/>
               </a:ext>
             </a:extLst>
           </p:cNvPr>
@@ -12269,7 +12353,7 @@
           <p:cNvPr id="3" name="TextBox 2">
             <a:extLst>
               <a:ext uri="{FF2B5EF4-FFF2-40B4-BE49-F238E27FC236}">
-                <a16:creationId xmlns:a16="http://schemas.microsoft.com/office/drawing/2014/main" xmlns="" id="{5FE08D2D-4F03-41CC-AD0D-5190FAF835C5}"/>
+                <a16:creationId xmlns:a16="http://schemas.microsoft.com/office/drawing/2014/main" id="{5FE08D2D-4F03-41CC-AD0D-5190FAF835C5}"/>
               </a:ext>
             </a:extLst>
           </p:cNvPr>
@@ -12470,7 +12554,7 @@
           <p:cNvPr id="3" name="TextBox 2">
             <a:extLst>
               <a:ext uri="{FF2B5EF4-FFF2-40B4-BE49-F238E27FC236}">
-                <a16:creationId xmlns:a16="http://schemas.microsoft.com/office/drawing/2014/main" xmlns="" id="{5FE08D2D-4F03-41CC-AD0D-5190FAF835C5}"/>
+                <a16:creationId xmlns:a16="http://schemas.microsoft.com/office/drawing/2014/main" id="{5FE08D2D-4F03-41CC-AD0D-5190FAF835C5}"/>
               </a:ext>
             </a:extLst>
           </p:cNvPr>
@@ -12659,7 +12743,7 @@
           <p:cNvPr id="3" name="TextBox 2">
             <a:extLst>
               <a:ext uri="{FF2B5EF4-FFF2-40B4-BE49-F238E27FC236}">
-                <a16:creationId xmlns:a16="http://schemas.microsoft.com/office/drawing/2014/main" xmlns="" id="{5FE08D2D-4F03-41CC-AD0D-5190FAF835C5}"/>
+                <a16:creationId xmlns:a16="http://schemas.microsoft.com/office/drawing/2014/main" id="{5FE08D2D-4F03-41CC-AD0D-5190FAF835C5}"/>
               </a:ext>
             </a:extLst>
           </p:cNvPr>
@@ -12740,11 +12824,6 @@
               </a:rPr>
               <a:t>     </a:t>
             </a:r>
-            <a:endParaRPr lang="en-US" sz="2400" dirty="0" smtClean="0">
-              <a:latin typeface="Courier New" charset="0"/>
-              <a:ea typeface="Courier New" charset="0"/>
-              <a:cs typeface="Courier New" charset="0"/>
-            </a:endParaRPr>
           </a:p>
           <a:p>
             <a:r>
@@ -12753,63 +12832,18 @@
                 <a:ea typeface="Courier New" charset="0"/>
                 <a:cs typeface="Courier New" charset="0"/>
               </a:rPr>
-              <a:t>	</a:t>
-            </a:r>
-            <a:r>
-              <a:rPr lang="en-US" sz="2400" dirty="0" smtClean="0">
-                <a:latin typeface="Courier New" charset="0"/>
-                <a:ea typeface="Courier New" charset="0"/>
-                <a:cs typeface="Courier New" charset="0"/>
-              </a:rPr>
-              <a:t>GROUP </a:t>
-            </a:r>
+              <a:t>	GROUP BY symbol</a:t>
+            </a:r>
+          </a:p>
+          <a:p>
             <a:r>
               <a:rPr lang="en-US" sz="2400" dirty="0">
                 <a:latin typeface="Courier New" charset="0"/>
                 <a:ea typeface="Courier New" charset="0"/>
                 <a:cs typeface="Courier New" charset="0"/>
               </a:rPr>
-              <a:t>BY </a:t>
-            </a:r>
-            <a:r>
-              <a:rPr lang="en-US" sz="2400" dirty="0" smtClean="0">
-                <a:latin typeface="Courier New" charset="0"/>
-                <a:ea typeface="Courier New" charset="0"/>
-                <a:cs typeface="Courier New" charset="0"/>
-              </a:rPr>
-              <a:t>symbol</a:t>
-            </a:r>
-          </a:p>
-          <a:p>
-            <a:r>
-              <a:rPr lang="en-US" sz="2400" dirty="0">
-                <a:latin typeface="Courier New" charset="0"/>
-                <a:ea typeface="Courier New" charset="0"/>
-                <a:cs typeface="Courier New" charset="0"/>
-              </a:rPr>
-              <a:t>	</a:t>
-            </a:r>
-            <a:r>
-              <a:rPr lang="en-US" sz="2400" dirty="0" smtClean="0">
-                <a:latin typeface="Courier New" charset="0"/>
-                <a:ea typeface="Courier New" charset="0"/>
-                <a:cs typeface="Courier New" charset="0"/>
-              </a:rPr>
-              <a:t>ORDER </a:t>
-            </a:r>
-            <a:r>
-              <a:rPr lang="en-US" sz="2400" dirty="0">
-                <a:latin typeface="Courier New" charset="0"/>
-                <a:ea typeface="Courier New" charset="0"/>
-                <a:cs typeface="Courier New" charset="0"/>
-              </a:rPr>
-              <a:t>BY SD DESC LIMIT 10;</a:t>
-            </a:r>
-            <a:endParaRPr lang="en-US" sz="2400" dirty="0">
-              <a:latin typeface="Courier New" charset="0"/>
-              <a:ea typeface="Courier New" charset="0"/>
-              <a:cs typeface="Courier New" charset="0"/>
-            </a:endParaRPr>
+              <a:t>	ORDER BY SD DESC LIMIT 10;</a:t>
+            </a:r>
           </a:p>
         </p:txBody>
       </p:sp>
@@ -12818,7 +12852,7 @@
           <p:cNvPr id="4" name="Picture 3">
             <a:extLst>
               <a:ext uri="{FF2B5EF4-FFF2-40B4-BE49-F238E27FC236}">
-                <a16:creationId xmlns:a16="http://schemas.microsoft.com/office/drawing/2014/main" xmlns="" id="{CA12F6A2-5AB2-4D88-81F2-9522E2AC6DA3}"/>
+                <a16:creationId xmlns:a16="http://schemas.microsoft.com/office/drawing/2014/main" id="{CA12F6A2-5AB2-4D88-81F2-9522E2AC6DA3}"/>
               </a:ext>
             </a:extLst>
           </p:cNvPr>
